--- a/chinese/別擔心.pptx
+++ b/chinese/別擔心.pptx
@@ -22,7 +22,7 @@
     <p:sldId id="270" r:id="rId13"/>
     <p:sldId id="269" r:id="rId14"/>
   </p:sldIdLst>
-  <p:sldSz cx="9144000" cy="6858000" type="screen4x3"/>
+  <p:sldSz cx="9144000" cy="5143500" type="screen16x9"/>
   <p:notesSz cx="6858000" cy="9144000"/>
   <p:defaultTextStyle>
     <a:defPPr>
@@ -204,7 +204,8 @@
           <a:p>
             <a:fld id="{76F4668B-8B47-4CBC-992C-BBA698AB34C6}" type="datetimeFigureOut">
               <a:rPr lang="zh-TW" altLang="en-US" smtClean="0"/>
-              <a:t>2019/9/11</a:t>
+              <a:pPr/>
+              <a:t>2019/9/12</a:t>
             </a:fld>
             <a:endParaRPr lang="zh-TW" altLang="en-US"/>
           </a:p>
@@ -222,8 +223,8 @@
         </p:nvSpPr>
         <p:spPr>
           <a:xfrm>
-            <a:off x="1143000" y="685800"/>
-            <a:ext cx="4572000" cy="3429000"/>
+            <a:off x="381000" y="685800"/>
+            <a:ext cx="6096000" cy="3429000"/>
           </a:xfrm>
           <a:prstGeom prst="rect">
             <a:avLst/>
@@ -363,6 +364,7 @@
           <a:p>
             <a:fld id="{958F43C3-00B2-4626-8943-F5880C0833BA}" type="slidenum">
               <a:rPr lang="zh-TW" altLang="en-US" smtClean="0"/>
+              <a:pPr/>
               <a:t>‹#›</a:t>
             </a:fld>
             <a:endParaRPr lang="zh-TW" altLang="en-US"/>
@@ -372,7 +374,7 @@
     </p:spTree>
     <p:extLst>
       <p:ext uri="{BB962C8B-B14F-4D97-AF65-F5344CB8AC3E}">
-        <p14:creationId xmlns:p14="http://schemas.microsoft.com/office/powerpoint/2010/main" val="1595597342"/>
+        <p14:creationId xmlns:p14="http://schemas.microsoft.com/office/powerpoint/2010/main" xmlns="" val="1595597342"/>
       </p:ext>
     </p:extLst>
   </p:cSld>
@@ -499,7 +501,12 @@
             <p:ph type="sldImg"/>
           </p:nvPr>
         </p:nvSpPr>
-        <p:spPr/>
+        <p:spPr>
+          <a:xfrm>
+            <a:off x="381000" y="685800"/>
+            <a:ext cx="6096000" cy="3429000"/>
+          </a:xfrm>
+        </p:spPr>
       </p:sp>
       <p:sp>
         <p:nvSpPr>
@@ -537,6 +544,7 @@
           <a:p>
             <a:fld id="{958F43C3-00B2-4626-8943-F5880C0833BA}" type="slidenum">
               <a:rPr lang="zh-TW" altLang="en-US" smtClean="0"/>
+              <a:pPr/>
               <a:t>8</a:t>
             </a:fld>
             <a:endParaRPr lang="zh-TW" altLang="en-US"/>
@@ -546,7 +554,7 @@
     </p:spTree>
     <p:extLst>
       <p:ext uri="{BB962C8B-B14F-4D97-AF65-F5344CB8AC3E}">
-        <p14:creationId xmlns:p14="http://schemas.microsoft.com/office/powerpoint/2010/main" val="3740050001"/>
+        <p14:creationId xmlns:p14="http://schemas.microsoft.com/office/powerpoint/2010/main" xmlns="" val="3740050001"/>
       </p:ext>
     </p:extLst>
   </p:cSld>
@@ -583,7 +591,12 @@
             <p:ph type="sldImg"/>
           </p:nvPr>
         </p:nvSpPr>
-        <p:spPr/>
+        <p:spPr>
+          <a:xfrm>
+            <a:off x="381000" y="685800"/>
+            <a:ext cx="6096000" cy="3429000"/>
+          </a:xfrm>
+        </p:spPr>
       </p:sp>
       <p:sp>
         <p:nvSpPr>
@@ -621,6 +634,7 @@
           <a:p>
             <a:fld id="{958F43C3-00B2-4626-8943-F5880C0833BA}" type="slidenum">
               <a:rPr lang="zh-TW" altLang="en-US" smtClean="0"/>
+              <a:pPr/>
               <a:t>13</a:t>
             </a:fld>
             <a:endParaRPr lang="zh-TW" altLang="en-US"/>
@@ -630,7 +644,7 @@
     </p:spTree>
     <p:extLst>
       <p:ext uri="{BB962C8B-B14F-4D97-AF65-F5344CB8AC3E}">
-        <p14:creationId xmlns:p14="http://schemas.microsoft.com/office/powerpoint/2010/main" val="3740050001"/>
+        <p14:creationId xmlns:p14="http://schemas.microsoft.com/office/powerpoint/2010/main" xmlns="" val="3740050001"/>
       </p:ext>
     </p:extLst>
   </p:cSld>
@@ -669,8 +683,8 @@
         </p:nvSpPr>
         <p:spPr>
           <a:xfrm>
-            <a:off x="685800" y="2130425"/>
-            <a:ext cx="7772400" cy="1470025"/>
+            <a:off x="685800" y="1597819"/>
+            <a:ext cx="7772400" cy="1102519"/>
           </a:xfrm>
         </p:spPr>
         <p:txBody>
@@ -697,8 +711,8 @@
         </p:nvSpPr>
         <p:spPr>
           <a:xfrm>
-            <a:off x="1371600" y="3886200"/>
-            <a:ext cx="6400800" cy="1752600"/>
+            <a:off x="1371600" y="2914650"/>
+            <a:ext cx="6400800" cy="1314450"/>
           </a:xfrm>
         </p:spPr>
         <p:txBody>
@@ -821,7 +835,8 @@
           <a:p>
             <a:fld id="{E1CB4670-6345-42D3-BAE9-361E2BC9861D}" type="datetimeFigureOut">
               <a:rPr lang="zh-TW" altLang="en-US" smtClean="0"/>
-              <a:t>2019/9/11</a:t>
+              <a:pPr/>
+              <a:t>2019/9/12</a:t>
             </a:fld>
             <a:endParaRPr lang="zh-TW" altLang="en-US"/>
           </a:p>
@@ -863,6 +878,7 @@
           <a:p>
             <a:fld id="{422B6632-3320-4DDF-925B-2E8A73C25159}" type="slidenum">
               <a:rPr lang="zh-TW" altLang="en-US" smtClean="0"/>
+              <a:pPr/>
               <a:t>‹#›</a:t>
             </a:fld>
             <a:endParaRPr lang="zh-TW" altLang="en-US"/>
@@ -872,7 +888,7 @@
     </p:spTree>
     <p:extLst>
       <p:ext uri="{BB962C8B-B14F-4D97-AF65-F5344CB8AC3E}">
-        <p14:creationId xmlns:p14="http://schemas.microsoft.com/office/powerpoint/2010/main" val="2703807384"/>
+        <p14:creationId xmlns:p14="http://schemas.microsoft.com/office/powerpoint/2010/main" xmlns="" val="2703807384"/>
       </p:ext>
     </p:extLst>
   </p:cSld>
@@ -991,7 +1007,8 @@
           <a:p>
             <a:fld id="{E1CB4670-6345-42D3-BAE9-361E2BC9861D}" type="datetimeFigureOut">
               <a:rPr lang="zh-TW" altLang="en-US" smtClean="0"/>
-              <a:t>2019/9/11</a:t>
+              <a:pPr/>
+              <a:t>2019/9/12</a:t>
             </a:fld>
             <a:endParaRPr lang="zh-TW" altLang="en-US"/>
           </a:p>
@@ -1033,6 +1050,7 @@
           <a:p>
             <a:fld id="{422B6632-3320-4DDF-925B-2E8A73C25159}" type="slidenum">
               <a:rPr lang="zh-TW" altLang="en-US" smtClean="0"/>
+              <a:pPr/>
               <a:t>‹#›</a:t>
             </a:fld>
             <a:endParaRPr lang="zh-TW" altLang="en-US"/>
@@ -1042,7 +1060,7 @@
     </p:spTree>
     <p:extLst>
       <p:ext uri="{BB962C8B-B14F-4D97-AF65-F5344CB8AC3E}">
-        <p14:creationId xmlns:p14="http://schemas.microsoft.com/office/powerpoint/2010/main" val="3766145432"/>
+        <p14:creationId xmlns:p14="http://schemas.microsoft.com/office/powerpoint/2010/main" xmlns="" val="3766145432"/>
       </p:ext>
     </p:extLst>
   </p:cSld>
@@ -1081,8 +1099,8 @@
         </p:nvSpPr>
         <p:spPr>
           <a:xfrm>
-            <a:off x="6629400" y="274638"/>
-            <a:ext cx="2057400" cy="5851525"/>
+            <a:off x="6629400" y="205979"/>
+            <a:ext cx="2057400" cy="4388644"/>
           </a:xfrm>
         </p:spPr>
         <p:txBody>
@@ -1109,8 +1127,8 @@
         </p:nvSpPr>
         <p:spPr>
           <a:xfrm>
-            <a:off x="457200" y="274638"/>
-            <a:ext cx="6019800" cy="5851525"/>
+            <a:off x="457200" y="205979"/>
+            <a:ext cx="6019800" cy="4388644"/>
           </a:xfrm>
         </p:spPr>
         <p:txBody>
@@ -1171,7 +1189,8 @@
           <a:p>
             <a:fld id="{E1CB4670-6345-42D3-BAE9-361E2BC9861D}" type="datetimeFigureOut">
               <a:rPr lang="zh-TW" altLang="en-US" smtClean="0"/>
-              <a:t>2019/9/11</a:t>
+              <a:pPr/>
+              <a:t>2019/9/12</a:t>
             </a:fld>
             <a:endParaRPr lang="zh-TW" altLang="en-US"/>
           </a:p>
@@ -1213,6 +1232,7 @@
           <a:p>
             <a:fld id="{422B6632-3320-4DDF-925B-2E8A73C25159}" type="slidenum">
               <a:rPr lang="zh-TW" altLang="en-US" smtClean="0"/>
+              <a:pPr/>
               <a:t>‹#›</a:t>
             </a:fld>
             <a:endParaRPr lang="zh-TW" altLang="en-US"/>
@@ -1222,7 +1242,7 @@
     </p:spTree>
     <p:extLst>
       <p:ext uri="{BB962C8B-B14F-4D97-AF65-F5344CB8AC3E}">
-        <p14:creationId xmlns:p14="http://schemas.microsoft.com/office/powerpoint/2010/main" val="960077550"/>
+        <p14:creationId xmlns:p14="http://schemas.microsoft.com/office/powerpoint/2010/main" xmlns="" val="960077550"/>
       </p:ext>
     </p:extLst>
   </p:cSld>
@@ -1341,7 +1361,8 @@
           <a:p>
             <a:fld id="{E1CB4670-6345-42D3-BAE9-361E2BC9861D}" type="datetimeFigureOut">
               <a:rPr lang="zh-TW" altLang="en-US" smtClean="0"/>
-              <a:t>2019/9/11</a:t>
+              <a:pPr/>
+              <a:t>2019/9/12</a:t>
             </a:fld>
             <a:endParaRPr lang="zh-TW" altLang="en-US"/>
           </a:p>
@@ -1383,6 +1404,7 @@
           <a:p>
             <a:fld id="{422B6632-3320-4DDF-925B-2E8A73C25159}" type="slidenum">
               <a:rPr lang="zh-TW" altLang="en-US" smtClean="0"/>
+              <a:pPr/>
               <a:t>‹#›</a:t>
             </a:fld>
             <a:endParaRPr lang="zh-TW" altLang="en-US"/>
@@ -1392,7 +1414,7 @@
     </p:spTree>
     <p:extLst>
       <p:ext uri="{BB962C8B-B14F-4D97-AF65-F5344CB8AC3E}">
-        <p14:creationId xmlns:p14="http://schemas.microsoft.com/office/powerpoint/2010/main" val="2934765483"/>
+        <p14:creationId xmlns:p14="http://schemas.microsoft.com/office/powerpoint/2010/main" xmlns="" val="2934765483"/>
       </p:ext>
     </p:extLst>
   </p:cSld>
@@ -1431,8 +1453,8 @@
         </p:nvSpPr>
         <p:spPr>
           <a:xfrm>
-            <a:off x="722313" y="4406900"/>
-            <a:ext cx="7772400" cy="1362075"/>
+            <a:off x="722313" y="3305176"/>
+            <a:ext cx="7772400" cy="1021556"/>
           </a:xfrm>
         </p:spPr>
         <p:txBody>
@@ -1463,8 +1485,8 @@
         </p:nvSpPr>
         <p:spPr>
           <a:xfrm>
-            <a:off x="722313" y="2906713"/>
-            <a:ext cx="7772400" cy="1500187"/>
+            <a:off x="722313" y="2180035"/>
+            <a:ext cx="7772400" cy="1125140"/>
           </a:xfrm>
         </p:spPr>
         <p:txBody>
@@ -1587,7 +1609,8 @@
           <a:p>
             <a:fld id="{E1CB4670-6345-42D3-BAE9-361E2BC9861D}" type="datetimeFigureOut">
               <a:rPr lang="zh-TW" altLang="en-US" smtClean="0"/>
-              <a:t>2019/9/11</a:t>
+              <a:pPr/>
+              <a:t>2019/9/12</a:t>
             </a:fld>
             <a:endParaRPr lang="zh-TW" altLang="en-US"/>
           </a:p>
@@ -1629,6 +1652,7 @@
           <a:p>
             <a:fld id="{422B6632-3320-4DDF-925B-2E8A73C25159}" type="slidenum">
               <a:rPr lang="zh-TW" altLang="en-US" smtClean="0"/>
+              <a:pPr/>
               <a:t>‹#›</a:t>
             </a:fld>
             <a:endParaRPr lang="zh-TW" altLang="en-US"/>
@@ -1638,7 +1662,7 @@
     </p:spTree>
     <p:extLst>
       <p:ext uri="{BB962C8B-B14F-4D97-AF65-F5344CB8AC3E}">
-        <p14:creationId xmlns:p14="http://schemas.microsoft.com/office/powerpoint/2010/main" val="4041366964"/>
+        <p14:creationId xmlns:p14="http://schemas.microsoft.com/office/powerpoint/2010/main" xmlns="" val="4041366964"/>
       </p:ext>
     </p:extLst>
   </p:cSld>
@@ -1700,8 +1724,8 @@
         </p:nvSpPr>
         <p:spPr>
           <a:xfrm>
-            <a:off x="457200" y="1600200"/>
-            <a:ext cx="4038600" cy="4525963"/>
+            <a:off x="457200" y="1200151"/>
+            <a:ext cx="4038600" cy="3394472"/>
           </a:xfrm>
         </p:spPr>
         <p:txBody>
@@ -1785,8 +1809,8 @@
         </p:nvSpPr>
         <p:spPr>
           <a:xfrm>
-            <a:off x="4648200" y="1600200"/>
-            <a:ext cx="4038600" cy="4525963"/>
+            <a:off x="4648200" y="1200151"/>
+            <a:ext cx="4038600" cy="3394472"/>
           </a:xfrm>
         </p:spPr>
         <p:txBody>
@@ -1875,7 +1899,8 @@
           <a:p>
             <a:fld id="{E1CB4670-6345-42D3-BAE9-361E2BC9861D}" type="datetimeFigureOut">
               <a:rPr lang="zh-TW" altLang="en-US" smtClean="0"/>
-              <a:t>2019/9/11</a:t>
+              <a:pPr/>
+              <a:t>2019/9/12</a:t>
             </a:fld>
             <a:endParaRPr lang="zh-TW" altLang="en-US"/>
           </a:p>
@@ -1917,6 +1942,7 @@
           <a:p>
             <a:fld id="{422B6632-3320-4DDF-925B-2E8A73C25159}" type="slidenum">
               <a:rPr lang="zh-TW" altLang="en-US" smtClean="0"/>
+              <a:pPr/>
               <a:t>‹#›</a:t>
             </a:fld>
             <a:endParaRPr lang="zh-TW" altLang="en-US"/>
@@ -1926,7 +1952,7 @@
     </p:spTree>
     <p:extLst>
       <p:ext uri="{BB962C8B-B14F-4D97-AF65-F5344CB8AC3E}">
-        <p14:creationId xmlns:p14="http://schemas.microsoft.com/office/powerpoint/2010/main" val="3435654445"/>
+        <p14:creationId xmlns:p14="http://schemas.microsoft.com/office/powerpoint/2010/main" xmlns="" val="3435654445"/>
       </p:ext>
     </p:extLst>
   </p:cSld>
@@ -1992,8 +2018,8 @@
         </p:nvSpPr>
         <p:spPr>
           <a:xfrm>
-            <a:off x="457200" y="1535113"/>
-            <a:ext cx="4040188" cy="639762"/>
+            <a:off x="457200" y="1151335"/>
+            <a:ext cx="4040188" cy="479822"/>
           </a:xfrm>
         </p:spPr>
         <p:txBody>
@@ -2057,8 +2083,8 @@
         </p:nvSpPr>
         <p:spPr>
           <a:xfrm>
-            <a:off x="457200" y="2174875"/>
-            <a:ext cx="4040188" cy="3951288"/>
+            <a:off x="457200" y="1631156"/>
+            <a:ext cx="4040188" cy="2963466"/>
           </a:xfrm>
         </p:spPr>
         <p:txBody>
@@ -2142,8 +2168,8 @@
         </p:nvSpPr>
         <p:spPr>
           <a:xfrm>
-            <a:off x="4645025" y="1535113"/>
-            <a:ext cx="4041775" cy="639762"/>
+            <a:off x="4645026" y="1151335"/>
+            <a:ext cx="4041775" cy="479822"/>
           </a:xfrm>
         </p:spPr>
         <p:txBody>
@@ -2207,8 +2233,8 @@
         </p:nvSpPr>
         <p:spPr>
           <a:xfrm>
-            <a:off x="4645025" y="2174875"/>
-            <a:ext cx="4041775" cy="3951288"/>
+            <a:off x="4645026" y="1631156"/>
+            <a:ext cx="4041775" cy="2963466"/>
           </a:xfrm>
         </p:spPr>
         <p:txBody>
@@ -2297,7 +2323,8 @@
           <a:p>
             <a:fld id="{E1CB4670-6345-42D3-BAE9-361E2BC9861D}" type="datetimeFigureOut">
               <a:rPr lang="zh-TW" altLang="en-US" smtClean="0"/>
-              <a:t>2019/9/11</a:t>
+              <a:pPr/>
+              <a:t>2019/9/12</a:t>
             </a:fld>
             <a:endParaRPr lang="zh-TW" altLang="en-US"/>
           </a:p>
@@ -2339,6 +2366,7 @@
           <a:p>
             <a:fld id="{422B6632-3320-4DDF-925B-2E8A73C25159}" type="slidenum">
               <a:rPr lang="zh-TW" altLang="en-US" smtClean="0"/>
+              <a:pPr/>
               <a:t>‹#›</a:t>
             </a:fld>
             <a:endParaRPr lang="zh-TW" altLang="en-US"/>
@@ -2348,7 +2376,7 @@
     </p:spTree>
     <p:extLst>
       <p:ext uri="{BB962C8B-B14F-4D97-AF65-F5344CB8AC3E}">
-        <p14:creationId xmlns:p14="http://schemas.microsoft.com/office/powerpoint/2010/main" val="693630020"/>
+        <p14:creationId xmlns:p14="http://schemas.microsoft.com/office/powerpoint/2010/main" xmlns="" val="693630020"/>
       </p:ext>
     </p:extLst>
   </p:cSld>
@@ -2415,7 +2443,8 @@
           <a:p>
             <a:fld id="{E1CB4670-6345-42D3-BAE9-361E2BC9861D}" type="datetimeFigureOut">
               <a:rPr lang="zh-TW" altLang="en-US" smtClean="0"/>
-              <a:t>2019/9/11</a:t>
+              <a:pPr/>
+              <a:t>2019/9/12</a:t>
             </a:fld>
             <a:endParaRPr lang="zh-TW" altLang="en-US"/>
           </a:p>
@@ -2457,6 +2486,7 @@
           <a:p>
             <a:fld id="{422B6632-3320-4DDF-925B-2E8A73C25159}" type="slidenum">
               <a:rPr lang="zh-TW" altLang="en-US" smtClean="0"/>
+              <a:pPr/>
               <a:t>‹#›</a:t>
             </a:fld>
             <a:endParaRPr lang="zh-TW" altLang="en-US"/>
@@ -2466,7 +2496,7 @@
     </p:spTree>
     <p:extLst>
       <p:ext uri="{BB962C8B-B14F-4D97-AF65-F5344CB8AC3E}">
-        <p14:creationId xmlns:p14="http://schemas.microsoft.com/office/powerpoint/2010/main" val="1103284692"/>
+        <p14:creationId xmlns:p14="http://schemas.microsoft.com/office/powerpoint/2010/main" xmlns="" val="1103284692"/>
       </p:ext>
     </p:extLst>
   </p:cSld>
@@ -2510,7 +2540,8 @@
           <a:p>
             <a:fld id="{E1CB4670-6345-42D3-BAE9-361E2BC9861D}" type="datetimeFigureOut">
               <a:rPr lang="zh-TW" altLang="en-US" smtClean="0"/>
-              <a:t>2019/9/11</a:t>
+              <a:pPr/>
+              <a:t>2019/9/12</a:t>
             </a:fld>
             <a:endParaRPr lang="zh-TW" altLang="en-US"/>
           </a:p>
@@ -2552,6 +2583,7 @@
           <a:p>
             <a:fld id="{422B6632-3320-4DDF-925B-2E8A73C25159}" type="slidenum">
               <a:rPr lang="zh-TW" altLang="en-US" smtClean="0"/>
+              <a:pPr/>
               <a:t>‹#›</a:t>
             </a:fld>
             <a:endParaRPr lang="zh-TW" altLang="en-US"/>
@@ -2561,7 +2593,7 @@
     </p:spTree>
     <p:extLst>
       <p:ext uri="{BB962C8B-B14F-4D97-AF65-F5344CB8AC3E}">
-        <p14:creationId xmlns:p14="http://schemas.microsoft.com/office/powerpoint/2010/main" val="618791207"/>
+        <p14:creationId xmlns:p14="http://schemas.microsoft.com/office/powerpoint/2010/main" xmlns="" val="618791207"/>
       </p:ext>
     </p:extLst>
   </p:cSld>
@@ -2600,8 +2632,8 @@
         </p:nvSpPr>
         <p:spPr>
           <a:xfrm>
-            <a:off x="457200" y="273050"/>
-            <a:ext cx="3008313" cy="1162050"/>
+            <a:off x="457201" y="204787"/>
+            <a:ext cx="3008313" cy="871538"/>
           </a:xfrm>
         </p:spPr>
         <p:txBody>
@@ -2632,8 +2664,8 @@
         </p:nvSpPr>
         <p:spPr>
           <a:xfrm>
-            <a:off x="3575050" y="273050"/>
-            <a:ext cx="5111750" cy="5853113"/>
+            <a:off x="3575050" y="204788"/>
+            <a:ext cx="5111750" cy="4389835"/>
           </a:xfrm>
         </p:spPr>
         <p:txBody>
@@ -2717,8 +2749,8 @@
         </p:nvSpPr>
         <p:spPr>
           <a:xfrm>
-            <a:off x="457200" y="1435100"/>
-            <a:ext cx="3008313" cy="4691063"/>
+            <a:off x="457201" y="1076326"/>
+            <a:ext cx="3008313" cy="3518297"/>
           </a:xfrm>
         </p:spPr>
         <p:txBody>
@@ -2787,7 +2819,8 @@
           <a:p>
             <a:fld id="{E1CB4670-6345-42D3-BAE9-361E2BC9861D}" type="datetimeFigureOut">
               <a:rPr lang="zh-TW" altLang="en-US" smtClean="0"/>
-              <a:t>2019/9/11</a:t>
+              <a:pPr/>
+              <a:t>2019/9/12</a:t>
             </a:fld>
             <a:endParaRPr lang="zh-TW" altLang="en-US"/>
           </a:p>
@@ -2829,6 +2862,7 @@
           <a:p>
             <a:fld id="{422B6632-3320-4DDF-925B-2E8A73C25159}" type="slidenum">
               <a:rPr lang="zh-TW" altLang="en-US" smtClean="0"/>
+              <a:pPr/>
               <a:t>‹#›</a:t>
             </a:fld>
             <a:endParaRPr lang="zh-TW" altLang="en-US"/>
@@ -2838,7 +2872,7 @@
     </p:spTree>
     <p:extLst>
       <p:ext uri="{BB962C8B-B14F-4D97-AF65-F5344CB8AC3E}">
-        <p14:creationId xmlns:p14="http://schemas.microsoft.com/office/powerpoint/2010/main" val="3024207811"/>
+        <p14:creationId xmlns:p14="http://schemas.microsoft.com/office/powerpoint/2010/main" xmlns="" val="3024207811"/>
       </p:ext>
     </p:extLst>
   </p:cSld>
@@ -2877,8 +2911,8 @@
         </p:nvSpPr>
         <p:spPr>
           <a:xfrm>
-            <a:off x="1792288" y="4800600"/>
-            <a:ext cx="5486400" cy="566738"/>
+            <a:off x="1792288" y="3600450"/>
+            <a:ext cx="5486400" cy="425054"/>
           </a:xfrm>
         </p:spPr>
         <p:txBody>
@@ -2909,8 +2943,8 @@
         </p:nvSpPr>
         <p:spPr>
           <a:xfrm>
-            <a:off x="1792288" y="612775"/>
-            <a:ext cx="5486400" cy="4114800"/>
+            <a:off x="1792288" y="459581"/>
+            <a:ext cx="5486400" cy="3086100"/>
           </a:xfrm>
         </p:spPr>
         <p:txBody>
@@ -2970,8 +3004,8 @@
         </p:nvSpPr>
         <p:spPr>
           <a:xfrm>
-            <a:off x="1792288" y="5367338"/>
-            <a:ext cx="5486400" cy="804862"/>
+            <a:off x="1792288" y="4025503"/>
+            <a:ext cx="5486400" cy="603647"/>
           </a:xfrm>
         </p:spPr>
         <p:txBody>
@@ -3040,7 +3074,8 @@
           <a:p>
             <a:fld id="{E1CB4670-6345-42D3-BAE9-361E2BC9861D}" type="datetimeFigureOut">
               <a:rPr lang="zh-TW" altLang="en-US" smtClean="0"/>
-              <a:t>2019/9/11</a:t>
+              <a:pPr/>
+              <a:t>2019/9/12</a:t>
             </a:fld>
             <a:endParaRPr lang="zh-TW" altLang="en-US"/>
           </a:p>
@@ -3082,6 +3117,7 @@
           <a:p>
             <a:fld id="{422B6632-3320-4DDF-925B-2E8A73C25159}" type="slidenum">
               <a:rPr lang="zh-TW" altLang="en-US" smtClean="0"/>
+              <a:pPr/>
               <a:t>‹#›</a:t>
             </a:fld>
             <a:endParaRPr lang="zh-TW" altLang="en-US"/>
@@ -3091,7 +3127,7 @@
     </p:spTree>
     <p:extLst>
       <p:ext uri="{BB962C8B-B14F-4D97-AF65-F5344CB8AC3E}">
-        <p14:creationId xmlns:p14="http://schemas.microsoft.com/office/powerpoint/2010/main" val="3792842572"/>
+        <p14:creationId xmlns:p14="http://schemas.microsoft.com/office/powerpoint/2010/main" xmlns="" val="3792842572"/>
       </p:ext>
     </p:extLst>
   </p:cSld>
@@ -3135,8 +3171,8 @@
         </p:nvSpPr>
         <p:spPr>
           <a:xfrm>
-            <a:off x="457200" y="274638"/>
-            <a:ext cx="8229600" cy="1143000"/>
+            <a:off x="457200" y="205978"/>
+            <a:ext cx="8229600" cy="857250"/>
           </a:xfrm>
           <a:prstGeom prst="rect">
             <a:avLst/>
@@ -3168,8 +3204,8 @@
         </p:nvSpPr>
         <p:spPr>
           <a:xfrm>
-            <a:off x="457200" y="1600200"/>
-            <a:ext cx="8229600" cy="4525963"/>
+            <a:off x="457200" y="1200151"/>
+            <a:ext cx="8229600" cy="3394472"/>
           </a:xfrm>
           <a:prstGeom prst="rect">
             <a:avLst/>
@@ -3230,8 +3266,8 @@
         </p:nvSpPr>
         <p:spPr>
           <a:xfrm>
-            <a:off x="457200" y="6356350"/>
-            <a:ext cx="2133600" cy="365125"/>
+            <a:off x="457200" y="4767263"/>
+            <a:ext cx="2133600" cy="273844"/>
           </a:xfrm>
           <a:prstGeom prst="rect">
             <a:avLst/>
@@ -3253,7 +3289,8 @@
           <a:p>
             <a:fld id="{E1CB4670-6345-42D3-BAE9-361E2BC9861D}" type="datetimeFigureOut">
               <a:rPr lang="zh-TW" altLang="en-US" smtClean="0"/>
-              <a:t>2019/9/11</a:t>
+              <a:pPr/>
+              <a:t>2019/9/12</a:t>
             </a:fld>
             <a:endParaRPr lang="zh-TW" altLang="en-US"/>
           </a:p>
@@ -3271,8 +3308,8 @@
         </p:nvSpPr>
         <p:spPr>
           <a:xfrm>
-            <a:off x="3124200" y="6356350"/>
-            <a:ext cx="2895600" cy="365125"/>
+            <a:off x="3124200" y="4767263"/>
+            <a:ext cx="2895600" cy="273844"/>
           </a:xfrm>
           <a:prstGeom prst="rect">
             <a:avLst/>
@@ -3308,8 +3345,8 @@
         </p:nvSpPr>
         <p:spPr>
           <a:xfrm>
-            <a:off x="6553200" y="6356350"/>
-            <a:ext cx="2133600" cy="365125"/>
+            <a:off x="6553200" y="4767263"/>
+            <a:ext cx="2133600" cy="273844"/>
           </a:xfrm>
           <a:prstGeom prst="rect">
             <a:avLst/>
@@ -3331,6 +3368,7 @@
           <a:p>
             <a:fld id="{422B6632-3320-4DDF-925B-2E8A73C25159}" type="slidenum">
               <a:rPr lang="zh-TW" altLang="en-US" smtClean="0"/>
+              <a:pPr/>
               <a:t>‹#›</a:t>
             </a:fld>
             <a:endParaRPr lang="zh-TW" altLang="en-US"/>
@@ -3340,7 +3378,7 @@
     </p:spTree>
     <p:extLst>
       <p:ext uri="{BB962C8B-B14F-4D97-AF65-F5344CB8AC3E}">
-        <p14:creationId xmlns:p14="http://schemas.microsoft.com/office/powerpoint/2010/main" val="3704272354"/>
+        <p14:creationId xmlns:p14="http://schemas.microsoft.com/office/powerpoint/2010/main" xmlns="" val="3704272354"/>
       </p:ext>
     </p:extLst>
   </p:cSld>
@@ -3640,7 +3678,7 @@
           <a:blip r:embed="rId2">
             <a:extLst>
               <a:ext uri="{28A0092B-C50C-407E-A947-70E740481C1C}">
-                <a14:useLocalDpi xmlns:a14="http://schemas.microsoft.com/office/drawing/2010/main" val="0"/>
+                <a14:useLocalDpi xmlns:a14="http://schemas.microsoft.com/office/drawing/2010/main" xmlns="" val="0"/>
               </a:ext>
             </a:extLst>
           </a:blip>
@@ -3651,8 +3689,8 @@
         </p:blipFill>
         <p:spPr bwMode="auto">
           <a:xfrm>
-            <a:off x="0" y="1116"/>
-            <a:ext cx="9164398" cy="6856883"/>
+            <a:off x="0" y="838"/>
+            <a:ext cx="9164398" cy="5142662"/>
           </a:xfrm>
           <a:prstGeom prst="rect">
             <a:avLst/>
@@ -3660,7 +3698,7 @@
           <a:noFill/>
           <a:extLst>
             <a:ext uri="{909E8E84-426E-40DD-AFC4-6F175D3DCCD1}">
-              <a14:hiddenFill xmlns:a14="http://schemas.microsoft.com/office/drawing/2010/main">
+              <a14:hiddenFill xmlns:a14="http://schemas.microsoft.com/office/drawing/2010/main" xmlns="">
                 <a:solidFill>
                   <a:srgbClr val="FFFFFF"/>
                 </a:solidFill>
@@ -3681,8 +3719,8 @@
         </p:nvSpPr>
         <p:spPr>
           <a:xfrm>
-            <a:off x="1763688" y="2996952"/>
-            <a:ext cx="8229600" cy="1143000"/>
+            <a:off x="1763688" y="2247714"/>
+            <a:ext cx="8229600" cy="857250"/>
           </a:xfrm>
         </p:spPr>
         <p:txBody>
@@ -3692,7 +3730,7 @@
           <a:lstStyle/>
           <a:p>
             <a:r>
-              <a:rPr lang="zh-TW" altLang="en-US" sz="11500" b="1" dirty="0">
+              <a:rPr lang="zh-TW" altLang="en-US" sz="9600" b="1" dirty="0">
                 <a:ln w="10541" cmpd="sng">
                   <a:solidFill>
                     <a:schemeClr val="accent1">
@@ -3742,7 +3780,7 @@
               </a:rPr>
               <a:t>別擔心</a:t>
             </a:r>
-            <a:endParaRPr lang="zh-TW" altLang="en-US" sz="5400" b="1" dirty="0">
+            <a:endParaRPr lang="zh-TW" altLang="en-US" sz="4800" b="1" dirty="0">
               <a:ln w="10541" cmpd="sng">
                 <a:solidFill>
                   <a:schemeClr val="accent1">
@@ -3801,8 +3839,8 @@
         </p:nvSpPr>
         <p:spPr>
           <a:xfrm>
-            <a:off x="1763688" y="4437112"/>
-            <a:ext cx="8229600" cy="1143000"/>
+            <a:off x="1763688" y="3327834"/>
+            <a:ext cx="8229600" cy="857250"/>
           </a:xfrm>
           <a:prstGeom prst="rect">
             <a:avLst/>
@@ -3830,26 +3868,26 @@
           </a:lstStyle>
           <a:p>
             <a:r>
-              <a:rPr lang="en-US" altLang="zh-TW" sz="7200" dirty="0" err="1"/>
+              <a:rPr lang="en-US" altLang="zh-TW" sz="6600" dirty="0" err="1"/>
               <a:t>bié</a:t>
             </a:r>
             <a:r>
-              <a:rPr lang="en-US" altLang="zh-TW" sz="7200" dirty="0"/>
-              <a:t> </a:t>
-            </a:r>
-            <a:r>
-              <a:rPr lang="en-US" altLang="zh-TW" sz="7200" dirty="0" err="1" smtClean="0"/>
+              <a:rPr lang="en-US" altLang="zh-TW" sz="6600" dirty="0"/>
+              <a:t> </a:t>
+            </a:r>
+            <a:r>
+              <a:rPr lang="en-US" altLang="zh-TW" sz="6600" dirty="0" err="1" smtClean="0"/>
               <a:t>dān</a:t>
             </a:r>
             <a:r>
-              <a:rPr lang="en-US" altLang="zh-TW" sz="7200" dirty="0" smtClean="0"/>
-              <a:t> </a:t>
-            </a:r>
-            <a:r>
-              <a:rPr lang="en-US" altLang="zh-TW" sz="7200" dirty="0" err="1" smtClean="0"/>
+              <a:rPr lang="en-US" altLang="zh-TW" sz="6600" dirty="0" smtClean="0"/>
+              <a:t> </a:t>
+            </a:r>
+            <a:r>
+              <a:rPr lang="en-US" altLang="zh-TW" sz="6600" dirty="0" err="1" smtClean="0"/>
               <a:t>xīn</a:t>
             </a:r>
-            <a:endParaRPr lang="zh-TW" altLang="en-US" sz="4000" b="1" dirty="0">
+            <a:endParaRPr lang="zh-TW" altLang="en-US" sz="3600" b="1" dirty="0">
               <a:ln w="10541" cmpd="sng">
                 <a:solidFill>
                   <a:schemeClr val="accent1">
@@ -3901,7 +3939,7 @@
     </p:spTree>
     <p:extLst>
       <p:ext uri="{BB962C8B-B14F-4D97-AF65-F5344CB8AC3E}">
-        <p14:creationId xmlns:p14="http://schemas.microsoft.com/office/powerpoint/2010/main" val="3849901315"/>
+        <p14:creationId xmlns:p14="http://schemas.microsoft.com/office/powerpoint/2010/main" xmlns="" val="3849901315"/>
       </p:ext>
     </p:extLst>
   </p:cSld>
@@ -3947,7 +3985,7 @@
           <a:blip r:embed="rId2">
             <a:extLst>
               <a:ext uri="{28A0092B-C50C-407E-A947-70E740481C1C}">
-                <a14:useLocalDpi xmlns:a14="http://schemas.microsoft.com/office/drawing/2010/main" val="0"/>
+                <a14:useLocalDpi xmlns:a14="http://schemas.microsoft.com/office/drawing/2010/main" xmlns="" val="0"/>
               </a:ext>
             </a:extLst>
           </a:blip>
@@ -3958,8 +3996,8 @@
         </p:blipFill>
         <p:spPr bwMode="auto">
           <a:xfrm>
-            <a:off x="14286" y="-9247"/>
-            <a:ext cx="9129714" cy="6867248"/>
+            <a:off x="14286" y="-6935"/>
+            <a:ext cx="9129714" cy="5150436"/>
           </a:xfrm>
           <a:prstGeom prst="rect">
             <a:avLst/>
@@ -3967,7 +4005,7 @@
           <a:noFill/>
           <a:extLst>
             <a:ext uri="{909E8E84-426E-40DD-AFC4-6F175D3DCCD1}">
-              <a14:hiddenFill xmlns:a14="http://schemas.microsoft.com/office/drawing/2010/main">
+              <a14:hiddenFill xmlns:a14="http://schemas.microsoft.com/office/drawing/2010/main" xmlns="">
                 <a:solidFill>
                   <a:srgbClr val="FFFFFF"/>
                 </a:solidFill>
@@ -3988,8 +4026,8 @@
         </p:nvSpPr>
         <p:spPr>
           <a:xfrm>
-            <a:off x="251520" y="692696"/>
-            <a:ext cx="8676456" cy="5688632"/>
+            <a:off x="251520" y="519522"/>
+            <a:ext cx="8676456" cy="4266474"/>
           </a:xfrm>
         </p:spPr>
         <p:txBody>
@@ -4002,7 +4040,7 @@
               <a:buNone/>
             </a:pPr>
             <a:r>
-              <a:rPr lang="zh-TW" altLang="en-US" sz="6000" b="1" dirty="0">
+              <a:rPr lang="zh-TW" altLang="en-US" sz="4800" b="1" dirty="0">
                 <a:solidFill>
                   <a:srgbClr val="0070C0"/>
                 </a:solidFill>
@@ -4012,7 +4050,7 @@
               <a:t>感謝神 賜給我</a:t>
             </a:r>
             <a:r>
-              <a:rPr lang="zh-TW" altLang="en-US" sz="6000" b="1" dirty="0" smtClean="0">
+              <a:rPr lang="zh-TW" altLang="en-US" sz="4800" b="1" dirty="0" smtClean="0">
                 <a:solidFill>
                   <a:srgbClr val="0070C0"/>
                 </a:solidFill>
@@ -4021,7 +4059,7 @@
               </a:rPr>
               <a:t>衣服</a:t>
             </a:r>
-            <a:endParaRPr lang="zh-TW" altLang="en-US" sz="6000" b="1" dirty="0">
+            <a:endParaRPr lang="zh-TW" altLang="en-US" sz="4800" b="1" dirty="0">
               <a:solidFill>
                 <a:srgbClr val="0070C0"/>
               </a:solidFill>
@@ -4034,67 +4072,67 @@
               <a:buNone/>
             </a:pPr>
             <a:r>
-              <a:rPr lang="en-US" altLang="zh-TW" sz="4400" dirty="0" err="1" smtClean="0"/>
+              <a:rPr lang="en-US" altLang="zh-TW" sz="3600" dirty="0" err="1" smtClean="0"/>
               <a:t>Gǎn</a:t>
             </a:r>
             <a:r>
-              <a:rPr lang="en-US" altLang="zh-TW" sz="4400" dirty="0" smtClean="0"/>
-              <a:t> </a:t>
-            </a:r>
-            <a:r>
-              <a:rPr lang="en-US" altLang="zh-TW" sz="4400" dirty="0" err="1" smtClean="0"/>
+              <a:rPr lang="en-US" altLang="zh-TW" sz="3600" dirty="0" smtClean="0"/>
+              <a:t> </a:t>
+            </a:r>
+            <a:r>
+              <a:rPr lang="en-US" altLang="zh-TW" sz="3600" dirty="0" err="1" smtClean="0"/>
               <a:t>xiè</a:t>
             </a:r>
             <a:r>
-              <a:rPr lang="en-US" altLang="zh-TW" sz="4400" dirty="0" smtClean="0"/>
-              <a:t> </a:t>
-            </a:r>
-            <a:r>
-              <a:rPr lang="en-US" altLang="zh-TW" sz="4400" dirty="0" err="1"/>
+              <a:rPr lang="en-US" altLang="zh-TW" sz="3600" dirty="0" smtClean="0"/>
+              <a:t> </a:t>
+            </a:r>
+            <a:r>
+              <a:rPr lang="en-US" altLang="zh-TW" sz="3600" dirty="0" err="1"/>
               <a:t>shén</a:t>
             </a:r>
             <a:r>
-              <a:rPr lang="en-US" altLang="zh-TW" sz="4400" dirty="0"/>
-              <a:t> </a:t>
-            </a:r>
-            <a:r>
-              <a:rPr lang="en-US" altLang="zh-TW" sz="4400" dirty="0" err="1"/>
+              <a:rPr lang="en-US" altLang="zh-TW" sz="3600" dirty="0"/>
+              <a:t> </a:t>
+            </a:r>
+            <a:r>
+              <a:rPr lang="en-US" altLang="zh-TW" sz="3600" dirty="0" err="1"/>
               <a:t>cì</a:t>
             </a:r>
             <a:r>
-              <a:rPr lang="en-US" altLang="zh-TW" sz="4400" dirty="0"/>
-              <a:t> </a:t>
-            </a:r>
-            <a:r>
-              <a:rPr lang="en-US" altLang="zh-TW" sz="4400" dirty="0" err="1"/>
+              <a:rPr lang="en-US" altLang="zh-TW" sz="3600" dirty="0"/>
+              <a:t> </a:t>
+            </a:r>
+            <a:r>
+              <a:rPr lang="en-US" altLang="zh-TW" sz="3600" dirty="0" err="1"/>
               <a:t>gěi</a:t>
             </a:r>
             <a:r>
-              <a:rPr lang="en-US" altLang="zh-TW" sz="4400" dirty="0"/>
-              <a:t> </a:t>
-            </a:r>
-            <a:r>
-              <a:rPr lang="en-US" altLang="zh-TW" sz="4400" dirty="0" err="1"/>
+              <a:rPr lang="en-US" altLang="zh-TW" sz="3600" dirty="0"/>
+              <a:t> </a:t>
+            </a:r>
+            <a:r>
+              <a:rPr lang="en-US" altLang="zh-TW" sz="3600" dirty="0" err="1"/>
               <a:t>wǒ</a:t>
             </a:r>
             <a:r>
-              <a:rPr lang="en-US" altLang="zh-TW" sz="4400" dirty="0"/>
-              <a:t> </a:t>
-            </a:r>
-            <a:r>
-              <a:rPr lang="en-US" altLang="zh-TW" sz="4400" dirty="0" err="1" smtClean="0"/>
+              <a:rPr lang="en-US" altLang="zh-TW" sz="3600" dirty="0"/>
+              <a:t> </a:t>
+            </a:r>
+            <a:r>
+              <a:rPr lang="en-US" altLang="zh-TW" sz="3600" dirty="0" err="1" smtClean="0"/>
               <a:t>yī</a:t>
             </a:r>
             <a:r>
-              <a:rPr lang="en-US" altLang="zh-TW" sz="4400" dirty="0" smtClean="0"/>
-              <a:t> </a:t>
-            </a:r>
-            <a:r>
-              <a:rPr lang="en-US" altLang="zh-TW" sz="4400" dirty="0" err="1" smtClean="0"/>
+              <a:rPr lang="en-US" altLang="zh-TW" sz="3600" dirty="0" smtClean="0"/>
+              <a:t> </a:t>
+            </a:r>
+            <a:r>
+              <a:rPr lang="en-US" altLang="zh-TW" sz="3600" dirty="0" err="1" smtClean="0"/>
               <a:t>fú</a:t>
             </a:r>
             <a:r>
-              <a:rPr lang="en-US" altLang="zh-TW" sz="4400" dirty="0" smtClean="0"/>
+              <a:rPr lang="en-US" altLang="zh-TW" sz="3600" dirty="0" smtClean="0"/>
               <a:t> </a:t>
             </a:r>
           </a:p>
@@ -4103,7 +4141,7 @@
               <a:buNone/>
             </a:pPr>
             <a:r>
-              <a:rPr lang="zh-TW" altLang="en-US" sz="6000" b="1" dirty="0" smtClean="0">
+              <a:rPr lang="zh-TW" altLang="en-US" sz="4800" b="1" dirty="0" smtClean="0">
                 <a:solidFill>
                   <a:srgbClr val="0070C0"/>
                 </a:solidFill>
@@ -4113,7 +4151,7 @@
               <a:t>感謝神 桌上</a:t>
             </a:r>
             <a:r>
-              <a:rPr lang="zh-TW" altLang="en-US" sz="6000" b="1" dirty="0">
+              <a:rPr lang="zh-TW" altLang="en-US" sz="4800" b="1" dirty="0">
                 <a:solidFill>
                   <a:srgbClr val="0070C0"/>
                 </a:solidFill>
@@ -4123,7 +4161,7 @@
               <a:t>還有</a:t>
             </a:r>
             <a:r>
-              <a:rPr lang="zh-TW" altLang="en-US" sz="6000" b="1" dirty="0" smtClean="0">
+              <a:rPr lang="zh-TW" altLang="en-US" sz="4800" b="1" dirty="0" smtClean="0">
                 <a:solidFill>
                   <a:srgbClr val="0070C0"/>
                 </a:solidFill>
@@ -4132,7 +4170,7 @@
               </a:rPr>
               <a:t>食物</a:t>
             </a:r>
-            <a:endParaRPr lang="en-US" altLang="zh-TW" sz="6000" b="1" dirty="0" smtClean="0">
+            <a:endParaRPr lang="en-US" altLang="zh-TW" sz="4800" b="1" dirty="0" smtClean="0">
               <a:solidFill>
                 <a:srgbClr val="0070C0"/>
               </a:solidFill>
@@ -4145,78 +4183,78 @@
               <a:buNone/>
             </a:pPr>
             <a:r>
-              <a:rPr lang="en-US" altLang="zh-TW" sz="4000" dirty="0" err="1" smtClean="0"/>
+              <a:rPr lang="en-US" altLang="zh-TW" dirty="0" err="1" smtClean="0"/>
               <a:t>Gǎn</a:t>
             </a:r>
             <a:r>
-              <a:rPr lang="en-US" altLang="zh-TW" sz="4000" dirty="0" smtClean="0"/>
-              <a:t> </a:t>
-            </a:r>
-            <a:r>
-              <a:rPr lang="en-US" altLang="zh-TW" sz="4000" dirty="0" err="1" smtClean="0"/>
+              <a:rPr lang="en-US" altLang="zh-TW" dirty="0" smtClean="0"/>
+              <a:t> </a:t>
+            </a:r>
+            <a:r>
+              <a:rPr lang="en-US" altLang="zh-TW" dirty="0" err="1" smtClean="0"/>
               <a:t>xiè</a:t>
             </a:r>
             <a:r>
-              <a:rPr lang="en-US" altLang="zh-TW" sz="4000" dirty="0" smtClean="0"/>
-              <a:t> </a:t>
-            </a:r>
-            <a:r>
-              <a:rPr lang="en-US" altLang="zh-TW" sz="4000" dirty="0" err="1"/>
+              <a:rPr lang="en-US" altLang="zh-TW" dirty="0" smtClean="0"/>
+              <a:t> </a:t>
+            </a:r>
+            <a:r>
+              <a:rPr lang="en-US" altLang="zh-TW" dirty="0" err="1"/>
               <a:t>shén</a:t>
             </a:r>
             <a:r>
-              <a:rPr lang="en-US" altLang="zh-TW" sz="4000" dirty="0"/>
-              <a:t> </a:t>
-            </a:r>
-            <a:r>
-              <a:rPr lang="en-US" altLang="zh-TW" sz="4000" dirty="0" smtClean="0"/>
+              <a:rPr lang="en-US" altLang="zh-TW" dirty="0"/>
+              <a:t> </a:t>
+            </a:r>
+            <a:r>
+              <a:rPr lang="en-US" altLang="zh-TW" dirty="0" smtClean="0"/>
               <a:t>  </a:t>
             </a:r>
             <a:r>
-              <a:rPr lang="en-US" altLang="zh-TW" sz="4000" dirty="0" err="1" smtClean="0"/>
+              <a:rPr lang="en-US" altLang="zh-TW" dirty="0" err="1" smtClean="0"/>
               <a:t>zhuō</a:t>
             </a:r>
             <a:r>
-              <a:rPr lang="en-US" altLang="zh-TW" sz="4000" dirty="0" smtClean="0"/>
-              <a:t> </a:t>
-            </a:r>
-            <a:r>
-              <a:rPr lang="en-US" altLang="zh-TW" sz="4000" dirty="0" err="1"/>
+              <a:rPr lang="en-US" altLang="zh-TW" dirty="0" smtClean="0"/>
+              <a:t> </a:t>
+            </a:r>
+            <a:r>
+              <a:rPr lang="en-US" altLang="zh-TW" dirty="0" err="1"/>
               <a:t>shàng</a:t>
             </a:r>
             <a:r>
-              <a:rPr lang="en-US" altLang="zh-TW" sz="4000" dirty="0"/>
-              <a:t> </a:t>
-            </a:r>
-            <a:r>
-              <a:rPr lang="en-US" altLang="zh-TW" sz="4000" dirty="0" err="1"/>
+              <a:rPr lang="en-US" altLang="zh-TW" dirty="0"/>
+              <a:t> </a:t>
+            </a:r>
+            <a:r>
+              <a:rPr lang="en-US" altLang="zh-TW" dirty="0" err="1"/>
               <a:t>hái</a:t>
             </a:r>
             <a:r>
-              <a:rPr lang="en-US" altLang="zh-TW" sz="4000" dirty="0"/>
-              <a:t> </a:t>
-            </a:r>
-            <a:r>
-              <a:rPr lang="en-US" altLang="zh-TW" sz="4000" dirty="0" err="1"/>
+              <a:rPr lang="en-US" altLang="zh-TW" dirty="0"/>
+              <a:t> </a:t>
+            </a:r>
+            <a:r>
+              <a:rPr lang="en-US" altLang="zh-TW" dirty="0" err="1"/>
               <a:t>yǒu</a:t>
             </a:r>
             <a:r>
-              <a:rPr lang="en-US" altLang="zh-TW" sz="4000" dirty="0"/>
-              <a:t> </a:t>
-            </a:r>
-            <a:r>
-              <a:rPr lang="en-US" altLang="zh-TW" sz="4000" dirty="0" err="1" smtClean="0"/>
+              <a:rPr lang="en-US" altLang="zh-TW" dirty="0"/>
+              <a:t> </a:t>
+            </a:r>
+            <a:r>
+              <a:rPr lang="en-US" altLang="zh-TW" dirty="0" err="1" smtClean="0"/>
               <a:t>shí</a:t>
             </a:r>
             <a:r>
-              <a:rPr lang="en-US" altLang="zh-TW" sz="4000" dirty="0" smtClean="0"/>
-              <a:t> </a:t>
-            </a:r>
-            <a:r>
-              <a:rPr lang="en-US" altLang="zh-TW" sz="4000" dirty="0" err="1" smtClean="0"/>
+              <a:rPr lang="en-US" altLang="zh-TW" dirty="0" smtClean="0"/>
+              <a:t> </a:t>
+            </a:r>
+            <a:r>
+              <a:rPr lang="en-US" altLang="zh-TW" dirty="0" err="1" smtClean="0"/>
               <a:t>wù</a:t>
             </a:r>
-            <a:endParaRPr lang="en-US" altLang="zh-TW" sz="4000" b="1" dirty="0" smtClean="0">
+            <a:endParaRPr lang="en-US" altLang="zh-TW" b="1" dirty="0" smtClean="0">
               <a:solidFill>
                 <a:srgbClr val="0070C0"/>
               </a:solidFill>
@@ -4229,7 +4267,7 @@
               <a:buNone/>
             </a:pPr>
             <a:r>
-              <a:rPr lang="zh-TW" altLang="en-US" sz="6000" b="1" dirty="0">
+              <a:rPr lang="zh-TW" altLang="en-US" sz="4800" b="1" dirty="0">
                 <a:solidFill>
                   <a:srgbClr val="0070C0"/>
                 </a:solidFill>
@@ -4239,7 +4277,7 @@
               <a:t>明天憂慮交給我天</a:t>
             </a:r>
             <a:r>
-              <a:rPr lang="zh-TW" altLang="en-US" sz="6000" b="1" dirty="0" smtClean="0">
+              <a:rPr lang="zh-TW" altLang="en-US" sz="4800" b="1" dirty="0" smtClean="0">
                 <a:solidFill>
                   <a:srgbClr val="0070C0"/>
                 </a:solidFill>
@@ -4248,7 +4286,7 @@
               </a:rPr>
               <a:t>父</a:t>
             </a:r>
-            <a:endParaRPr lang="en-US" altLang="zh-TW" sz="6000" b="1" dirty="0" smtClean="0">
+            <a:endParaRPr lang="en-US" altLang="zh-TW" sz="4800" b="1" dirty="0" smtClean="0">
               <a:solidFill>
                 <a:srgbClr val="0070C0"/>
               </a:solidFill>
@@ -4261,78 +4299,78 @@
               <a:buNone/>
             </a:pPr>
             <a:r>
-              <a:rPr lang="en-US" altLang="zh-TW" sz="4400" dirty="0" err="1" smtClean="0"/>
+              <a:rPr lang="en-US" altLang="zh-TW" sz="3600" dirty="0" err="1" smtClean="0"/>
               <a:t>Míng</a:t>
             </a:r>
             <a:r>
-              <a:rPr lang="en-US" altLang="zh-TW" sz="4400" dirty="0" smtClean="0"/>
-              <a:t> </a:t>
-            </a:r>
-            <a:r>
-              <a:rPr lang="en-US" altLang="zh-TW" sz="4400" dirty="0" err="1" smtClean="0"/>
+              <a:rPr lang="en-US" altLang="zh-TW" sz="3600" dirty="0" smtClean="0"/>
+              <a:t> </a:t>
+            </a:r>
+            <a:r>
+              <a:rPr lang="en-US" altLang="zh-TW" sz="3600" dirty="0" err="1" smtClean="0"/>
               <a:t>tiān</a:t>
             </a:r>
             <a:r>
-              <a:rPr lang="en-US" altLang="zh-TW" sz="4400" dirty="0" smtClean="0"/>
-              <a:t> </a:t>
-            </a:r>
-            <a:r>
-              <a:rPr lang="en-US" altLang="zh-TW" sz="4400" dirty="0" err="1" smtClean="0"/>
+              <a:rPr lang="en-US" altLang="zh-TW" sz="3600" dirty="0" smtClean="0"/>
+              <a:t> </a:t>
+            </a:r>
+            <a:r>
+              <a:rPr lang="en-US" altLang="zh-TW" sz="3600" dirty="0" err="1" smtClean="0"/>
               <a:t>yōu</a:t>
             </a:r>
             <a:r>
-              <a:rPr lang="en-US" altLang="zh-TW" sz="4400" dirty="0" smtClean="0"/>
-              <a:t> </a:t>
-            </a:r>
-            <a:r>
-              <a:rPr lang="en-US" altLang="zh-TW" sz="4400" dirty="0" err="1" smtClean="0"/>
+              <a:rPr lang="en-US" altLang="zh-TW" sz="3600" dirty="0" smtClean="0"/>
+              <a:t> </a:t>
+            </a:r>
+            <a:r>
+              <a:rPr lang="en-US" altLang="zh-TW" sz="3600" dirty="0" err="1" smtClean="0"/>
               <a:t>lǜ</a:t>
             </a:r>
             <a:r>
-              <a:rPr lang="en-US" altLang="zh-TW" sz="4400" dirty="0" smtClean="0"/>
-              <a:t> </a:t>
-            </a:r>
-            <a:r>
-              <a:rPr lang="en-US" altLang="zh-TW" sz="4400" dirty="0" err="1"/>
+              <a:rPr lang="en-US" altLang="zh-TW" sz="3600" dirty="0" smtClean="0"/>
+              <a:t> </a:t>
+            </a:r>
+            <a:r>
+              <a:rPr lang="en-US" altLang="zh-TW" sz="3600" dirty="0" err="1"/>
               <a:t>jiāo</a:t>
             </a:r>
             <a:r>
-              <a:rPr lang="en-US" altLang="zh-TW" sz="4400" dirty="0"/>
-              <a:t> </a:t>
-            </a:r>
-            <a:r>
-              <a:rPr lang="en-US" altLang="zh-TW" sz="4400" dirty="0" err="1"/>
+              <a:rPr lang="en-US" altLang="zh-TW" sz="3600" dirty="0"/>
+              <a:t> </a:t>
+            </a:r>
+            <a:r>
+              <a:rPr lang="en-US" altLang="zh-TW" sz="3600" dirty="0" err="1"/>
               <a:t>gěi</a:t>
             </a:r>
             <a:r>
-              <a:rPr lang="en-US" altLang="zh-TW" sz="4400" dirty="0"/>
-              <a:t> </a:t>
-            </a:r>
-            <a:r>
-              <a:rPr lang="en-US" altLang="zh-TW" sz="4400" dirty="0" err="1"/>
+              <a:rPr lang="en-US" altLang="zh-TW" sz="3600" dirty="0"/>
+              <a:t> </a:t>
+            </a:r>
+            <a:r>
+              <a:rPr lang="en-US" altLang="zh-TW" sz="3600" dirty="0" err="1"/>
               <a:t>wǒ</a:t>
             </a:r>
             <a:r>
-              <a:rPr lang="en-US" altLang="zh-TW" sz="4400" dirty="0"/>
-              <a:t> </a:t>
-            </a:r>
-            <a:r>
-              <a:rPr lang="en-US" altLang="zh-TW" sz="4400" dirty="0" err="1"/>
+              <a:rPr lang="en-US" altLang="zh-TW" sz="3600" dirty="0"/>
+              <a:t> </a:t>
+            </a:r>
+            <a:r>
+              <a:rPr lang="en-US" altLang="zh-TW" sz="3600" dirty="0" err="1"/>
               <a:t>tiān</a:t>
             </a:r>
             <a:r>
-              <a:rPr lang="en-US" altLang="zh-TW" sz="4400" dirty="0"/>
-              <a:t> </a:t>
-            </a:r>
-            <a:r>
-              <a:rPr lang="en-US" altLang="zh-TW" sz="4400" dirty="0" err="1"/>
+              <a:rPr lang="en-US" altLang="zh-TW" sz="3600" dirty="0"/>
+              <a:t> </a:t>
+            </a:r>
+            <a:r>
+              <a:rPr lang="en-US" altLang="zh-TW" sz="3600" dirty="0" err="1"/>
               <a:t>fù</a:t>
             </a:r>
             <a:r>
-              <a:rPr lang="en-US" altLang="zh-TW" sz="4400" dirty="0"/>
-              <a:t> </a:t>
-            </a:r>
-            <a:endParaRPr lang="en-US" altLang="zh-TW" sz="4400" b="1" dirty="0">
+              <a:rPr lang="en-US" altLang="zh-TW" sz="3600" dirty="0"/>
+              <a:t> </a:t>
+            </a:r>
+            <a:endParaRPr lang="en-US" altLang="zh-TW" sz="3600" b="1" dirty="0">
               <a:solidFill>
                 <a:srgbClr val="0070C0"/>
               </a:solidFill>
@@ -4345,7 +4383,7 @@
     </p:spTree>
     <p:extLst>
       <p:ext uri="{BB962C8B-B14F-4D97-AF65-F5344CB8AC3E}">
-        <p14:creationId xmlns:p14="http://schemas.microsoft.com/office/powerpoint/2010/main" val="1991406381"/>
+        <p14:creationId xmlns:p14="http://schemas.microsoft.com/office/powerpoint/2010/main" xmlns="" val="1991406381"/>
       </p:ext>
     </p:extLst>
   </p:cSld>
@@ -4384,7 +4422,7 @@
           <a:blip r:embed="rId2">
             <a:extLst>
               <a:ext uri="{28A0092B-C50C-407E-A947-70E740481C1C}">
-                <a14:useLocalDpi xmlns:a14="http://schemas.microsoft.com/office/drawing/2010/main" val="0"/>
+                <a14:useLocalDpi xmlns:a14="http://schemas.microsoft.com/office/drawing/2010/main" xmlns="" val="0"/>
               </a:ext>
             </a:extLst>
           </a:blip>
@@ -4395,8 +4433,8 @@
         </p:blipFill>
         <p:spPr bwMode="auto">
           <a:xfrm>
-            <a:off x="14286" y="-9247"/>
-            <a:ext cx="9129714" cy="6867248"/>
+            <a:off x="14286" y="-6935"/>
+            <a:ext cx="9129714" cy="5150436"/>
           </a:xfrm>
           <a:prstGeom prst="rect">
             <a:avLst/>
@@ -4404,7 +4442,7 @@
           <a:noFill/>
           <a:extLst>
             <a:ext uri="{909E8E84-426E-40DD-AFC4-6F175D3DCCD1}">
-              <a14:hiddenFill xmlns:a14="http://schemas.microsoft.com/office/drawing/2010/main">
+              <a14:hiddenFill xmlns:a14="http://schemas.microsoft.com/office/drawing/2010/main" xmlns="">
                 <a:solidFill>
                   <a:srgbClr val="FFFFFF"/>
                 </a:solidFill>
@@ -4425,8 +4463,8 @@
         </p:nvSpPr>
         <p:spPr>
           <a:xfrm>
-            <a:off x="464343" y="692696"/>
-            <a:ext cx="8229600" cy="5616624"/>
+            <a:off x="464343" y="519522"/>
+            <a:ext cx="8229600" cy="4212468"/>
           </a:xfrm>
         </p:spPr>
         <p:txBody>
@@ -4439,7 +4477,7 @@
               <a:buNone/>
             </a:pPr>
             <a:r>
-              <a:rPr lang="zh-TW" altLang="en-US" sz="6000" b="1" dirty="0">
+              <a:rPr lang="zh-TW" altLang="en-US" sz="4800" b="1" dirty="0">
                 <a:solidFill>
                   <a:srgbClr val="0070C0"/>
                 </a:solidFill>
@@ -4454,71 +4492,71 @@
               <a:buNone/>
             </a:pPr>
             <a:r>
-              <a:rPr lang="en-US" altLang="zh-TW" sz="4000" dirty="0" err="1" smtClean="0"/>
+              <a:rPr lang="en-US" altLang="zh-TW" dirty="0" err="1" smtClean="0"/>
               <a:t>Gǎn</a:t>
             </a:r>
             <a:r>
-              <a:rPr lang="en-US" altLang="zh-TW" sz="4000" dirty="0" smtClean="0"/>
-              <a:t> </a:t>
-            </a:r>
-            <a:r>
-              <a:rPr lang="en-US" altLang="zh-TW" sz="4000" dirty="0" err="1" smtClean="0"/>
+              <a:rPr lang="en-US" altLang="zh-TW" dirty="0" smtClean="0"/>
+              <a:t> </a:t>
+            </a:r>
+            <a:r>
+              <a:rPr lang="en-US" altLang="zh-TW" dirty="0" err="1" smtClean="0"/>
               <a:t>xiè</a:t>
             </a:r>
             <a:r>
-              <a:rPr lang="en-US" altLang="zh-TW" sz="4000" dirty="0" smtClean="0"/>
-              <a:t> </a:t>
-            </a:r>
-            <a:r>
-              <a:rPr lang="en-US" altLang="zh-TW" sz="4000" dirty="0" err="1"/>
+              <a:rPr lang="en-US" altLang="zh-TW" dirty="0" smtClean="0"/>
+              <a:t> </a:t>
+            </a:r>
+            <a:r>
+              <a:rPr lang="en-US" altLang="zh-TW" dirty="0" err="1"/>
               <a:t>shén</a:t>
             </a:r>
             <a:r>
-              <a:rPr lang="en-US" altLang="zh-TW" sz="4000" dirty="0"/>
-              <a:t> </a:t>
-            </a:r>
-            <a:r>
-              <a:rPr lang="en-US" altLang="zh-TW" sz="4000" dirty="0" smtClean="0"/>
+              <a:rPr lang="en-US" altLang="zh-TW" dirty="0"/>
+              <a:t> </a:t>
+            </a:r>
+            <a:r>
+              <a:rPr lang="en-US" altLang="zh-TW" dirty="0" smtClean="0"/>
               <a:t>  </a:t>
             </a:r>
             <a:r>
-              <a:rPr lang="en-US" altLang="zh-TW" sz="4000" dirty="0" err="1" smtClean="0"/>
+              <a:rPr lang="en-US" altLang="zh-TW" dirty="0" err="1" smtClean="0"/>
               <a:t>guāng</a:t>
             </a:r>
             <a:r>
-              <a:rPr lang="en-US" altLang="zh-TW" sz="4000" dirty="0" smtClean="0"/>
-              <a:t> </a:t>
-            </a:r>
-            <a:r>
-              <a:rPr lang="en-US" altLang="zh-TW" sz="4000" dirty="0" err="1"/>
+              <a:rPr lang="en-US" altLang="zh-TW" dirty="0" smtClean="0"/>
+              <a:t> </a:t>
+            </a:r>
+            <a:r>
+              <a:rPr lang="en-US" altLang="zh-TW" dirty="0" err="1"/>
               <a:t>zhào</a:t>
             </a:r>
             <a:r>
-              <a:rPr lang="en-US" altLang="zh-TW" sz="4000" dirty="0"/>
-              <a:t> </a:t>
-            </a:r>
-            <a:r>
-              <a:rPr lang="en-US" altLang="zh-TW" sz="4000" dirty="0" err="1"/>
+              <a:rPr lang="en-US" altLang="zh-TW" dirty="0"/>
+              <a:t> </a:t>
+            </a:r>
+            <a:r>
+              <a:rPr lang="en-US" altLang="zh-TW" dirty="0" err="1"/>
               <a:t>liàng</a:t>
             </a:r>
             <a:r>
-              <a:rPr lang="en-US" altLang="zh-TW" sz="4000" dirty="0"/>
-              <a:t> </a:t>
-            </a:r>
-            <a:r>
-              <a:rPr lang="en-US" altLang="zh-TW" sz="4000" dirty="0" err="1" smtClean="0"/>
+              <a:rPr lang="en-US" altLang="zh-TW" dirty="0"/>
+              <a:t> </a:t>
+            </a:r>
+            <a:r>
+              <a:rPr lang="en-US" altLang="zh-TW" dirty="0" err="1" smtClean="0"/>
               <a:t>wǒ</a:t>
             </a:r>
             <a:r>
-              <a:rPr lang="en-US" altLang="zh-TW" sz="4000" dirty="0" smtClean="0"/>
-              <a:t> </a:t>
-            </a:r>
-            <a:r>
-              <a:rPr lang="en-US" altLang="zh-TW" sz="4000" dirty="0" err="1" smtClean="0"/>
+              <a:rPr lang="en-US" altLang="zh-TW" dirty="0" smtClean="0"/>
+              <a:t> </a:t>
+            </a:r>
+            <a:r>
+              <a:rPr lang="en-US" altLang="zh-TW" dirty="0" err="1" smtClean="0"/>
               <a:t>jiā</a:t>
             </a:r>
             <a:r>
-              <a:rPr lang="en-US" altLang="zh-TW" sz="4000" dirty="0" smtClean="0"/>
+              <a:rPr lang="en-US" altLang="zh-TW" dirty="0" smtClean="0"/>
               <a:t> </a:t>
             </a:r>
           </a:p>
@@ -4527,7 +4565,7 @@
               <a:buNone/>
             </a:pPr>
             <a:r>
-              <a:rPr lang="zh-TW" altLang="en-US" sz="6000" b="1" dirty="0" smtClean="0">
+              <a:rPr lang="zh-TW" altLang="en-US" sz="4800" b="1" dirty="0" smtClean="0">
                 <a:solidFill>
                   <a:srgbClr val="0070C0"/>
                 </a:solidFill>
@@ -4537,7 +4575,7 @@
               <a:t>感謝</a:t>
             </a:r>
             <a:r>
-              <a:rPr lang="zh-TW" altLang="en-US" sz="6000" b="1" dirty="0">
+              <a:rPr lang="zh-TW" altLang="en-US" sz="4800" b="1" dirty="0">
                 <a:solidFill>
                   <a:srgbClr val="0070C0"/>
                 </a:solidFill>
@@ -4547,7 +4585,7 @@
               <a:t>神 我們彼此</a:t>
             </a:r>
             <a:r>
-              <a:rPr lang="zh-TW" altLang="en-US" sz="6000" b="1" dirty="0" smtClean="0">
+              <a:rPr lang="zh-TW" altLang="en-US" sz="4800" b="1" dirty="0" smtClean="0">
                 <a:solidFill>
                   <a:srgbClr val="0070C0"/>
                 </a:solidFill>
@@ -4557,62 +4595,62 @@
               <a:t>相愛</a:t>
             </a:r>
             <a:r>
-              <a:rPr lang="en-US" altLang="zh-TW" sz="4400" dirty="0" err="1"/>
+              <a:rPr lang="en-US" altLang="zh-TW" sz="3600" dirty="0" err="1"/>
               <a:t>gǎnxiè</a:t>
             </a:r>
             <a:r>
-              <a:rPr lang="en-US" altLang="zh-TW" sz="4400" dirty="0"/>
-              <a:t> </a:t>
-            </a:r>
-            <a:r>
-              <a:rPr lang="en-US" altLang="zh-TW" sz="4400" dirty="0" err="1"/>
+              <a:rPr lang="en-US" altLang="zh-TW" sz="3600" dirty="0"/>
+              <a:t> </a:t>
+            </a:r>
+            <a:r>
+              <a:rPr lang="en-US" altLang="zh-TW" sz="3600" dirty="0" err="1"/>
               <a:t>shén</a:t>
             </a:r>
             <a:r>
-              <a:rPr lang="en-US" altLang="zh-TW" sz="4400" dirty="0"/>
-              <a:t> </a:t>
-            </a:r>
-            <a:r>
-              <a:rPr lang="en-US" altLang="zh-TW" sz="4400" dirty="0" smtClean="0"/>
-              <a:t> </a:t>
-            </a:r>
-            <a:r>
-              <a:rPr lang="en-US" altLang="zh-TW" sz="4400" dirty="0" err="1" smtClean="0"/>
+              <a:rPr lang="en-US" altLang="zh-TW" sz="3600" dirty="0"/>
+              <a:t> </a:t>
+            </a:r>
+            <a:r>
+              <a:rPr lang="en-US" altLang="zh-TW" sz="3600" dirty="0" smtClean="0"/>
+              <a:t> </a:t>
+            </a:r>
+            <a:r>
+              <a:rPr lang="en-US" altLang="zh-TW" sz="3600" dirty="0" err="1" smtClean="0"/>
               <a:t>wǒ</a:t>
             </a:r>
             <a:r>
-              <a:rPr lang="en-US" altLang="zh-TW" sz="4400" dirty="0" smtClean="0"/>
+              <a:rPr lang="en-US" altLang="zh-TW" sz="3600" dirty="0" smtClean="0"/>
               <a:t> men </a:t>
             </a:r>
             <a:r>
-              <a:rPr lang="en-US" altLang="zh-TW" sz="4400" dirty="0" err="1" smtClean="0"/>
+              <a:rPr lang="en-US" altLang="zh-TW" sz="3600" dirty="0" err="1" smtClean="0"/>
               <a:t>bǐ</a:t>
             </a:r>
             <a:r>
-              <a:rPr lang="en-US" altLang="zh-TW" sz="4400" dirty="0" smtClean="0"/>
-              <a:t> </a:t>
-            </a:r>
-            <a:r>
-              <a:rPr lang="en-US" altLang="zh-TW" sz="4400" dirty="0" err="1" smtClean="0"/>
+              <a:rPr lang="en-US" altLang="zh-TW" sz="3600" dirty="0" smtClean="0"/>
+              <a:t> </a:t>
+            </a:r>
+            <a:r>
+              <a:rPr lang="en-US" altLang="zh-TW" sz="3600" dirty="0" err="1" smtClean="0"/>
               <a:t>cǐ</a:t>
             </a:r>
             <a:r>
-              <a:rPr lang="en-US" altLang="zh-TW" sz="4400" dirty="0" smtClean="0"/>
-              <a:t> </a:t>
-            </a:r>
-            <a:r>
-              <a:rPr lang="en-US" altLang="zh-TW" sz="4400" dirty="0" err="1" smtClean="0"/>
+              <a:rPr lang="en-US" altLang="zh-TW" sz="3600" dirty="0" smtClean="0"/>
+              <a:t> </a:t>
+            </a:r>
+            <a:r>
+              <a:rPr lang="en-US" altLang="zh-TW" sz="3600" dirty="0" err="1" smtClean="0"/>
               <a:t>xiāng</a:t>
             </a:r>
             <a:r>
-              <a:rPr lang="en-US" altLang="zh-TW" sz="4400" dirty="0" smtClean="0"/>
-              <a:t> </a:t>
-            </a:r>
-            <a:r>
-              <a:rPr lang="en-US" altLang="zh-TW" sz="4400" dirty="0" err="1" smtClean="0"/>
+              <a:rPr lang="en-US" altLang="zh-TW" sz="3600" dirty="0" smtClean="0"/>
+              <a:t> </a:t>
+            </a:r>
+            <a:r>
+              <a:rPr lang="en-US" altLang="zh-TW" sz="3600" dirty="0" err="1" smtClean="0"/>
               <a:t>ài</a:t>
             </a:r>
-            <a:endParaRPr lang="zh-TW" altLang="en-US" sz="4400" b="1" dirty="0">
+            <a:endParaRPr lang="zh-TW" altLang="en-US" sz="3600" b="1" dirty="0">
               <a:solidFill>
                 <a:srgbClr val="0070C0"/>
               </a:solidFill>
@@ -4625,7 +4663,7 @@
               <a:buNone/>
             </a:pPr>
             <a:r>
-              <a:rPr lang="zh-TW" altLang="en-US" sz="6000" b="1" dirty="0">
+              <a:rPr lang="zh-TW" altLang="en-US" sz="4800" b="1" dirty="0">
                 <a:solidFill>
                   <a:srgbClr val="0070C0"/>
                 </a:solidFill>
@@ -4635,7 +4673,7 @@
               <a:t>當喜樂因我擁有</a:t>
             </a:r>
             <a:r>
-              <a:rPr lang="zh-TW" altLang="en-US" sz="6000" b="1" dirty="0" smtClean="0">
+              <a:rPr lang="zh-TW" altLang="en-US" sz="4800" b="1" dirty="0" smtClean="0">
                 <a:solidFill>
                   <a:srgbClr val="0070C0"/>
                 </a:solidFill>
@@ -4644,7 +4682,7 @@
               </a:rPr>
               <a:t>一切</a:t>
             </a:r>
-            <a:endParaRPr lang="en-US" altLang="zh-TW" sz="6000" b="1" dirty="0" smtClean="0">
+            <a:endParaRPr lang="en-US" altLang="zh-TW" sz="4800" b="1" dirty="0" smtClean="0">
               <a:solidFill>
                 <a:srgbClr val="0070C0"/>
               </a:solidFill>
@@ -4657,74 +4695,74 @@
               <a:buNone/>
             </a:pPr>
             <a:r>
-              <a:rPr lang="en-US" altLang="zh-TW" sz="4400" dirty="0" err="1"/>
+              <a:rPr lang="en-US" altLang="zh-TW" sz="3600" dirty="0" err="1"/>
               <a:t>dāng</a:t>
             </a:r>
             <a:r>
-              <a:rPr lang="en-US" altLang="zh-TW" sz="4400" dirty="0"/>
-              <a:t> </a:t>
-            </a:r>
-            <a:r>
-              <a:rPr lang="en-US" altLang="zh-TW" sz="4400" dirty="0" err="1" smtClean="0"/>
+              <a:rPr lang="en-US" altLang="zh-TW" sz="3600" dirty="0"/>
+              <a:t> </a:t>
+            </a:r>
+            <a:r>
+              <a:rPr lang="en-US" altLang="zh-TW" sz="3600" dirty="0" err="1" smtClean="0"/>
               <a:t>xǐ</a:t>
             </a:r>
             <a:r>
-              <a:rPr lang="en-US" altLang="zh-TW" sz="4400" dirty="0" smtClean="0"/>
-              <a:t> </a:t>
-            </a:r>
-            <a:r>
-              <a:rPr lang="en-US" altLang="zh-TW" sz="4400" dirty="0" err="1" smtClean="0"/>
+              <a:rPr lang="en-US" altLang="zh-TW" sz="3600" dirty="0" smtClean="0"/>
+              <a:t> </a:t>
+            </a:r>
+            <a:r>
+              <a:rPr lang="en-US" altLang="zh-TW" sz="3600" dirty="0" err="1" smtClean="0"/>
               <a:t>lè</a:t>
             </a:r>
             <a:r>
-              <a:rPr lang="en-US" altLang="zh-TW" sz="4400" dirty="0" smtClean="0"/>
-              <a:t> </a:t>
-            </a:r>
-            <a:r>
-              <a:rPr lang="en-US" altLang="zh-TW" sz="4400" dirty="0" err="1"/>
+              <a:rPr lang="en-US" altLang="zh-TW" sz="3600" dirty="0" smtClean="0"/>
+              <a:t> </a:t>
+            </a:r>
+            <a:r>
+              <a:rPr lang="en-US" altLang="zh-TW" sz="3600" dirty="0" err="1"/>
               <a:t>yīn</a:t>
             </a:r>
             <a:r>
-              <a:rPr lang="en-US" altLang="zh-TW" sz="4400" dirty="0"/>
-              <a:t> </a:t>
-            </a:r>
-            <a:r>
-              <a:rPr lang="en-US" altLang="zh-TW" sz="4400" dirty="0" err="1"/>
+              <a:rPr lang="en-US" altLang="zh-TW" sz="3600" dirty="0"/>
+              <a:t> </a:t>
+            </a:r>
+            <a:r>
+              <a:rPr lang="en-US" altLang="zh-TW" sz="3600" dirty="0" err="1"/>
               <a:t>wǒ</a:t>
             </a:r>
             <a:r>
-              <a:rPr lang="en-US" altLang="zh-TW" sz="4400" dirty="0"/>
-              <a:t> </a:t>
-            </a:r>
-            <a:r>
-              <a:rPr lang="en-US" altLang="zh-TW" sz="4400" dirty="0" err="1" smtClean="0"/>
+              <a:rPr lang="en-US" altLang="zh-TW" sz="3600" dirty="0"/>
+              <a:t> </a:t>
+            </a:r>
+            <a:r>
+              <a:rPr lang="en-US" altLang="zh-TW" sz="3600" dirty="0" err="1" smtClean="0"/>
               <a:t>yǒng</a:t>
             </a:r>
             <a:r>
-              <a:rPr lang="en-US" altLang="zh-TW" sz="4400" dirty="0" smtClean="0"/>
-              <a:t> </a:t>
-            </a:r>
-            <a:r>
-              <a:rPr lang="en-US" altLang="zh-TW" sz="4400" dirty="0" err="1" smtClean="0"/>
+              <a:rPr lang="en-US" altLang="zh-TW" sz="3600" dirty="0" smtClean="0"/>
+              <a:t> </a:t>
+            </a:r>
+            <a:r>
+              <a:rPr lang="en-US" altLang="zh-TW" sz="3600" dirty="0" err="1" smtClean="0"/>
               <a:t>yǒu</a:t>
             </a:r>
             <a:r>
-              <a:rPr lang="en-US" altLang="zh-TW" sz="4400" dirty="0" smtClean="0"/>
-              <a:t> </a:t>
-            </a:r>
-            <a:r>
-              <a:rPr lang="en-US" altLang="zh-TW" sz="4400" dirty="0" err="1" smtClean="0"/>
+              <a:rPr lang="en-US" altLang="zh-TW" sz="3600" dirty="0" smtClean="0"/>
+              <a:t> </a:t>
+            </a:r>
+            <a:r>
+              <a:rPr lang="en-US" altLang="zh-TW" sz="3600" dirty="0" err="1" smtClean="0"/>
               <a:t>yī</a:t>
             </a:r>
             <a:r>
-              <a:rPr lang="en-US" altLang="zh-TW" sz="4400" dirty="0" smtClean="0"/>
-              <a:t> </a:t>
-            </a:r>
-            <a:r>
-              <a:rPr lang="en-US" altLang="zh-TW" sz="4400" dirty="0" err="1" smtClean="0"/>
+              <a:rPr lang="en-US" altLang="zh-TW" sz="3600" dirty="0" smtClean="0"/>
+              <a:t> </a:t>
+            </a:r>
+            <a:r>
+              <a:rPr lang="en-US" altLang="zh-TW" sz="3600" dirty="0" err="1" smtClean="0"/>
               <a:t>qiè</a:t>
             </a:r>
-            <a:endParaRPr lang="zh-TW" altLang="en-US" sz="4400" b="1" dirty="0">
+            <a:endParaRPr lang="zh-TW" altLang="en-US" sz="3600" b="1" dirty="0">
               <a:solidFill>
                 <a:srgbClr val="0070C0"/>
               </a:solidFill>
@@ -4737,7 +4775,7 @@
     </p:spTree>
     <p:extLst>
       <p:ext uri="{BB962C8B-B14F-4D97-AF65-F5344CB8AC3E}">
-        <p14:creationId xmlns:p14="http://schemas.microsoft.com/office/powerpoint/2010/main" val="1734278874"/>
+        <p14:creationId xmlns:p14="http://schemas.microsoft.com/office/powerpoint/2010/main" xmlns="" val="1734278874"/>
       </p:ext>
     </p:extLst>
   </p:cSld>
@@ -4776,7 +4814,7 @@
           <a:blip r:embed="rId2">
             <a:extLst>
               <a:ext uri="{28A0092B-C50C-407E-A947-70E740481C1C}">
-                <a14:useLocalDpi xmlns:a14="http://schemas.microsoft.com/office/drawing/2010/main" val="0"/>
+                <a14:useLocalDpi xmlns:a14="http://schemas.microsoft.com/office/drawing/2010/main" xmlns="" val="0"/>
               </a:ext>
             </a:extLst>
           </a:blip>
@@ -4788,7 +4826,7 @@
         <p:spPr bwMode="auto">
           <a:xfrm>
             <a:off x="0" y="0"/>
-            <a:ext cx="9142942" cy="6858000"/>
+            <a:ext cx="9142942" cy="5143500"/>
           </a:xfrm>
           <a:prstGeom prst="rect">
             <a:avLst/>
@@ -4796,7 +4834,7 @@
           <a:noFill/>
           <a:extLst>
             <a:ext uri="{909E8E84-426E-40DD-AFC4-6F175D3DCCD1}">
-              <a14:hiddenFill xmlns:a14="http://schemas.microsoft.com/office/drawing/2010/main">
+              <a14:hiddenFill xmlns:a14="http://schemas.microsoft.com/office/drawing/2010/main" xmlns="">
                 <a:solidFill>
                   <a:srgbClr val="FFFFFF"/>
                 </a:solidFill>
@@ -4817,13 +4855,13 @@
         </p:nvSpPr>
         <p:spPr>
           <a:xfrm>
-            <a:off x="313690" y="980728"/>
-            <a:ext cx="8515562" cy="4525963"/>
+            <a:off x="313690" y="735546"/>
+            <a:ext cx="8515562" cy="3394472"/>
           </a:xfrm>
         </p:spPr>
         <p:txBody>
           <a:bodyPr>
-            <a:normAutofit fontScale="92500" lnSpcReduction="20000"/>
+            <a:normAutofit fontScale="70000" lnSpcReduction="20000"/>
           </a:bodyPr>
           <a:lstStyle/>
           <a:p>
@@ -5106,7 +5144,7 @@
     </p:spTree>
     <p:extLst>
       <p:ext uri="{BB962C8B-B14F-4D97-AF65-F5344CB8AC3E}">
-        <p14:creationId xmlns:p14="http://schemas.microsoft.com/office/powerpoint/2010/main" val="101406401"/>
+        <p14:creationId xmlns:p14="http://schemas.microsoft.com/office/powerpoint/2010/main" xmlns="" val="101406401"/>
       </p:ext>
     </p:extLst>
   </p:cSld>
@@ -5145,7 +5183,7 @@
           <a:blip r:embed="rId3">
             <a:extLst>
               <a:ext uri="{28A0092B-C50C-407E-A947-70E740481C1C}">
-                <a14:useLocalDpi xmlns:a14="http://schemas.microsoft.com/office/drawing/2010/main" val="0"/>
+                <a14:useLocalDpi xmlns:a14="http://schemas.microsoft.com/office/drawing/2010/main" xmlns="" val="0"/>
               </a:ext>
             </a:extLst>
           </a:blip>
@@ -5157,7 +5195,7 @@
         <p:spPr bwMode="auto">
           <a:xfrm>
             <a:off x="0" y="0"/>
-            <a:ext cx="9142942" cy="6858000"/>
+            <a:ext cx="9142942" cy="5143500"/>
           </a:xfrm>
           <a:prstGeom prst="rect">
             <a:avLst/>
@@ -5165,7 +5203,7 @@
           <a:noFill/>
           <a:extLst>
             <a:ext uri="{909E8E84-426E-40DD-AFC4-6F175D3DCCD1}">
-              <a14:hiddenFill xmlns:a14="http://schemas.microsoft.com/office/drawing/2010/main">
+              <a14:hiddenFill xmlns:a14="http://schemas.microsoft.com/office/drawing/2010/main" xmlns="">
                 <a:solidFill>
                   <a:srgbClr val="FFFFFF"/>
                 </a:solidFill>
@@ -5186,8 +5224,8 @@
         </p:nvSpPr>
         <p:spPr>
           <a:xfrm>
-            <a:off x="539552" y="703237"/>
-            <a:ext cx="8229600" cy="5534075"/>
+            <a:off x="539552" y="527428"/>
+            <a:ext cx="8229600" cy="4150556"/>
           </a:xfrm>
         </p:spPr>
         <p:txBody>
@@ -5200,7 +5238,7 @@
               <a:buNone/>
             </a:pPr>
             <a:r>
-              <a:rPr lang="zh-TW" altLang="en-US" sz="6000" b="1" dirty="0">
+              <a:rPr lang="zh-TW" altLang="en-US" sz="4800" b="1" dirty="0">
                 <a:solidFill>
                   <a:srgbClr val="0070C0"/>
                 </a:solidFill>
@@ -5210,7 +5248,7 @@
               <a:t>別擔心</a:t>
             </a:r>
             <a:r>
-              <a:rPr lang="en-US" altLang="zh-TW" sz="6000" b="1" dirty="0">
+              <a:rPr lang="en-US" altLang="zh-TW" sz="4800" b="1" dirty="0">
                 <a:solidFill>
                   <a:srgbClr val="0070C0"/>
                 </a:solidFill>
@@ -5220,7 +5258,7 @@
               <a:t>! </a:t>
             </a:r>
             <a:r>
-              <a:rPr lang="zh-TW" altLang="en-US" sz="6000" b="1" dirty="0">
+              <a:rPr lang="zh-TW" altLang="en-US" sz="4800" b="1" dirty="0">
                 <a:solidFill>
                   <a:srgbClr val="0070C0"/>
                 </a:solidFill>
@@ -5235,78 +5273,78 @@
               <a:buNone/>
             </a:pPr>
             <a:r>
-              <a:rPr lang="en-US" altLang="zh-TW" sz="4000" dirty="0" err="1"/>
+              <a:rPr lang="en-US" altLang="zh-TW" dirty="0" err="1"/>
               <a:t>bié</a:t>
             </a:r>
             <a:r>
-              <a:rPr lang="en-US" altLang="zh-TW" sz="4000" dirty="0"/>
-              <a:t> </a:t>
-            </a:r>
-            <a:r>
-              <a:rPr lang="en-US" altLang="zh-TW" sz="4000" dirty="0" err="1" smtClean="0"/>
+              <a:rPr lang="en-US" altLang="zh-TW" dirty="0"/>
+              <a:t> </a:t>
+            </a:r>
+            <a:r>
+              <a:rPr lang="en-US" altLang="zh-TW" dirty="0" err="1" smtClean="0"/>
               <a:t>dān</a:t>
             </a:r>
             <a:r>
-              <a:rPr lang="en-US" altLang="zh-TW" sz="4000" dirty="0" smtClean="0"/>
-              <a:t> </a:t>
-            </a:r>
-            <a:r>
-              <a:rPr lang="en-US" altLang="zh-TW" sz="4000" dirty="0" err="1" smtClean="0"/>
+              <a:rPr lang="en-US" altLang="zh-TW" dirty="0" smtClean="0"/>
+              <a:t> </a:t>
+            </a:r>
+            <a:r>
+              <a:rPr lang="en-US" altLang="zh-TW" dirty="0" err="1" smtClean="0"/>
               <a:t>xīn</a:t>
             </a:r>
             <a:r>
-              <a:rPr lang="en-US" altLang="zh-TW" sz="4000" dirty="0" smtClean="0"/>
+              <a:rPr lang="en-US" altLang="zh-TW" dirty="0" smtClean="0"/>
               <a:t>!      </a:t>
             </a:r>
             <a:r>
-              <a:rPr lang="en-US" altLang="zh-TW" sz="4000" dirty="0" err="1"/>
+              <a:rPr lang="en-US" altLang="zh-TW" dirty="0" err="1"/>
               <a:t>Tiān</a:t>
             </a:r>
             <a:r>
-              <a:rPr lang="en-US" altLang="zh-TW" sz="4000" dirty="0"/>
-              <a:t> </a:t>
-            </a:r>
-            <a:r>
-              <a:rPr lang="en-US" altLang="zh-TW" sz="4000" dirty="0" err="1"/>
+              <a:rPr lang="en-US" altLang="zh-TW" dirty="0"/>
+              <a:t> </a:t>
+            </a:r>
+            <a:r>
+              <a:rPr lang="en-US" altLang="zh-TW" dirty="0" err="1"/>
               <a:t>fù</a:t>
             </a:r>
             <a:r>
-              <a:rPr lang="en-US" altLang="zh-TW" sz="4000" dirty="0"/>
-              <a:t> </a:t>
-            </a:r>
-            <a:r>
-              <a:rPr lang="en-US" altLang="zh-TW" sz="4000" dirty="0" err="1"/>
+              <a:rPr lang="en-US" altLang="zh-TW" dirty="0"/>
+              <a:t> </a:t>
+            </a:r>
+            <a:r>
+              <a:rPr lang="en-US" altLang="zh-TW" dirty="0" err="1"/>
               <a:t>tā</a:t>
             </a:r>
             <a:r>
-              <a:rPr lang="en-US" altLang="zh-TW" sz="4000" dirty="0"/>
-              <a:t> </a:t>
-            </a:r>
-            <a:r>
-              <a:rPr lang="en-US" altLang="zh-TW" sz="4000" dirty="0" err="1"/>
+              <a:rPr lang="en-US" altLang="zh-TW" dirty="0"/>
+              <a:t> </a:t>
+            </a:r>
+            <a:r>
+              <a:rPr lang="en-US" altLang="zh-TW" dirty="0" err="1"/>
               <a:t>hǎo</a:t>
             </a:r>
             <a:r>
-              <a:rPr lang="en-US" altLang="zh-TW" sz="4000" dirty="0"/>
-              <a:t> </a:t>
-            </a:r>
-            <a:r>
-              <a:rPr lang="en-US" altLang="zh-TW" sz="4000" dirty="0" err="1"/>
+              <a:rPr lang="en-US" altLang="zh-TW" dirty="0"/>
+              <a:t> </a:t>
+            </a:r>
+            <a:r>
+              <a:rPr lang="en-US" altLang="zh-TW" dirty="0" err="1"/>
               <a:t>ài</a:t>
             </a:r>
             <a:r>
-              <a:rPr lang="en-US" altLang="zh-TW" sz="4000" dirty="0"/>
-              <a:t> </a:t>
-            </a:r>
-            <a:r>
-              <a:rPr lang="en-US" altLang="zh-TW" sz="4000" dirty="0" err="1"/>
+              <a:rPr lang="en-US" altLang="zh-TW" dirty="0"/>
+              <a:t> </a:t>
+            </a:r>
+            <a:r>
+              <a:rPr lang="en-US" altLang="zh-TW" dirty="0" err="1"/>
               <a:t>nǐ</a:t>
             </a:r>
             <a:r>
-              <a:rPr lang="en-US" altLang="zh-TW" sz="4000" dirty="0"/>
-              <a:t> </a:t>
-            </a:r>
-            <a:endParaRPr lang="zh-TW" altLang="en-US" sz="4000" b="1" dirty="0">
+              <a:rPr lang="en-US" altLang="zh-TW" dirty="0"/>
+              <a:t> </a:t>
+            </a:r>
+            <a:endParaRPr lang="zh-TW" altLang="en-US" b="1" dirty="0">
               <a:solidFill>
                 <a:srgbClr val="0070C0"/>
               </a:solidFill>
@@ -5319,7 +5357,7 @@
               <a:buNone/>
             </a:pPr>
             <a:r>
-              <a:rPr lang="zh-TW" altLang="en-US" sz="6000" b="1" dirty="0">
+              <a:rPr lang="zh-TW" altLang="en-US" sz="4800" b="1" dirty="0">
                 <a:solidFill>
                   <a:srgbClr val="0070C0"/>
                 </a:solidFill>
@@ -5334,50 +5372,50 @@
               <a:buNone/>
             </a:pPr>
             <a:r>
-              <a:rPr lang="en-US" altLang="zh-TW" sz="4000" dirty="0" err="1" smtClean="0"/>
+              <a:rPr lang="en-US" altLang="zh-TW" dirty="0" err="1" smtClean="0"/>
               <a:t>tiān</a:t>
             </a:r>
             <a:r>
-              <a:rPr lang="en-US" altLang="zh-TW" sz="4000" dirty="0" smtClean="0"/>
-              <a:t> </a:t>
-            </a:r>
-            <a:r>
-              <a:rPr lang="en-US" altLang="zh-TW" sz="4000" dirty="0" err="1"/>
+              <a:rPr lang="en-US" altLang="zh-TW" dirty="0" smtClean="0"/>
+              <a:t> </a:t>
+            </a:r>
+            <a:r>
+              <a:rPr lang="en-US" altLang="zh-TW" dirty="0" err="1"/>
               <a:t>fù</a:t>
             </a:r>
             <a:r>
-              <a:rPr lang="en-US" altLang="zh-TW" sz="4000" dirty="0"/>
-              <a:t> </a:t>
-            </a:r>
-            <a:r>
-              <a:rPr lang="en-US" altLang="zh-TW" sz="4000" dirty="0" err="1"/>
+              <a:rPr lang="en-US" altLang="zh-TW" dirty="0"/>
+              <a:t> </a:t>
+            </a:r>
+            <a:r>
+              <a:rPr lang="en-US" altLang="zh-TW" dirty="0" err="1"/>
               <a:t>tā</a:t>
             </a:r>
             <a:r>
-              <a:rPr lang="en-US" altLang="zh-TW" sz="4000" dirty="0"/>
-              <a:t> </a:t>
-            </a:r>
-            <a:r>
-              <a:rPr lang="en-US" altLang="zh-TW" sz="4000" dirty="0" err="1" smtClean="0"/>
+              <a:rPr lang="en-US" altLang="zh-TW" dirty="0"/>
+              <a:t> </a:t>
+            </a:r>
+            <a:r>
+              <a:rPr lang="en-US" altLang="zh-TW" dirty="0" err="1" smtClean="0"/>
               <a:t>kàn</a:t>
             </a:r>
             <a:r>
-              <a:rPr lang="en-US" altLang="zh-TW" sz="4000" dirty="0" smtClean="0"/>
-              <a:t> </a:t>
-            </a:r>
-            <a:r>
-              <a:rPr lang="en-US" altLang="zh-TW" sz="4000" dirty="0" err="1" smtClean="0"/>
+              <a:rPr lang="en-US" altLang="zh-TW" dirty="0" smtClean="0"/>
+              <a:t> </a:t>
+            </a:r>
+            <a:r>
+              <a:rPr lang="en-US" altLang="zh-TW" dirty="0" err="1" smtClean="0"/>
               <a:t>gù</a:t>
             </a:r>
             <a:r>
-              <a:rPr lang="en-US" altLang="zh-TW" sz="4000" dirty="0" smtClean="0"/>
-              <a:t> </a:t>
-            </a:r>
-            <a:r>
-              <a:rPr lang="en-US" altLang="zh-TW" sz="4000" dirty="0" err="1"/>
+              <a:rPr lang="en-US" altLang="zh-TW" dirty="0" smtClean="0"/>
+              <a:t> </a:t>
+            </a:r>
+            <a:r>
+              <a:rPr lang="en-US" altLang="zh-TW" dirty="0" err="1"/>
               <a:t>nǐ</a:t>
             </a:r>
-            <a:endParaRPr lang="zh-TW" altLang="en-US" sz="4000" b="1" dirty="0">
+            <a:endParaRPr lang="zh-TW" altLang="en-US" b="1" dirty="0">
               <a:solidFill>
                 <a:srgbClr val="0070C0"/>
               </a:solidFill>
@@ -5390,7 +5428,7 @@
               <a:buNone/>
             </a:pPr>
             <a:r>
-              <a:rPr lang="zh-TW" altLang="en-US" sz="6000" b="1" dirty="0">
+              <a:rPr lang="zh-TW" altLang="en-US" sz="4800" b="1" dirty="0">
                 <a:solidFill>
                   <a:srgbClr val="0070C0"/>
                 </a:solidFill>
@@ -5400,7 +5438,7 @@
               <a:t>這一生都與你</a:t>
             </a:r>
             <a:r>
-              <a:rPr lang="zh-TW" altLang="en-US" sz="6000" b="1" dirty="0" smtClean="0">
+              <a:rPr lang="zh-TW" altLang="en-US" sz="4800" b="1" dirty="0" smtClean="0">
                 <a:solidFill>
                   <a:srgbClr val="0070C0"/>
                 </a:solidFill>
@@ -5409,7 +5447,7 @@
               </a:rPr>
               <a:t>同行</a:t>
             </a:r>
-            <a:endParaRPr lang="en-US" altLang="zh-TW" sz="6000" b="1" dirty="0" smtClean="0">
+            <a:endParaRPr lang="en-US" altLang="zh-TW" sz="4800" b="1" dirty="0" smtClean="0">
               <a:solidFill>
                 <a:srgbClr val="0070C0"/>
               </a:solidFill>
@@ -5422,73 +5460,73 @@
               <a:buNone/>
             </a:pPr>
             <a:r>
-              <a:rPr lang="en-US" altLang="zh-TW" sz="4000" dirty="0" err="1"/>
+              <a:rPr lang="en-US" altLang="zh-TW" dirty="0" err="1"/>
               <a:t>zhè</a:t>
             </a:r>
             <a:r>
-              <a:rPr lang="en-US" altLang="zh-TW" sz="4000" dirty="0"/>
-              <a:t> </a:t>
-            </a:r>
-            <a:r>
-              <a:rPr lang="en-US" altLang="zh-TW" sz="4000" dirty="0" err="1" smtClean="0"/>
+              <a:rPr lang="en-US" altLang="zh-TW" dirty="0"/>
+              <a:t> </a:t>
+            </a:r>
+            <a:r>
+              <a:rPr lang="en-US" altLang="zh-TW" dirty="0" err="1" smtClean="0"/>
               <a:t>yī</a:t>
             </a:r>
             <a:r>
-              <a:rPr lang="en-US" altLang="zh-TW" sz="4000" dirty="0" smtClean="0"/>
-              <a:t> </a:t>
-            </a:r>
-            <a:r>
-              <a:rPr lang="en-US" altLang="zh-TW" sz="4000" dirty="0" err="1" smtClean="0"/>
+              <a:rPr lang="en-US" altLang="zh-TW" dirty="0" smtClean="0"/>
+              <a:t> </a:t>
+            </a:r>
+            <a:r>
+              <a:rPr lang="en-US" altLang="zh-TW" dirty="0" err="1" smtClean="0"/>
               <a:t>shēng</a:t>
             </a:r>
             <a:r>
-              <a:rPr lang="en-US" altLang="zh-TW" sz="4000" dirty="0" smtClean="0"/>
-              <a:t> </a:t>
-            </a:r>
-            <a:r>
-              <a:rPr lang="en-US" altLang="zh-TW" sz="4000" dirty="0" err="1"/>
+              <a:rPr lang="en-US" altLang="zh-TW" dirty="0" smtClean="0"/>
+              <a:t> </a:t>
+            </a:r>
+            <a:r>
+              <a:rPr lang="en-US" altLang="zh-TW" dirty="0" err="1"/>
               <a:t>dōu</a:t>
             </a:r>
             <a:r>
-              <a:rPr lang="en-US" altLang="zh-TW" sz="4000" dirty="0"/>
-              <a:t> </a:t>
-            </a:r>
-            <a:r>
-              <a:rPr lang="en-US" altLang="zh-TW" sz="4000" dirty="0" err="1"/>
+              <a:rPr lang="en-US" altLang="zh-TW" dirty="0"/>
+              <a:t> </a:t>
+            </a:r>
+            <a:r>
+              <a:rPr lang="en-US" altLang="zh-TW" dirty="0" err="1"/>
               <a:t>yǔ</a:t>
             </a:r>
             <a:r>
-              <a:rPr lang="en-US" altLang="zh-TW" sz="4000" dirty="0"/>
-              <a:t> </a:t>
-            </a:r>
-            <a:r>
-              <a:rPr lang="en-US" altLang="zh-TW" sz="4000" dirty="0" err="1"/>
+              <a:rPr lang="en-US" altLang="zh-TW" dirty="0"/>
+              <a:t> </a:t>
+            </a:r>
+            <a:r>
+              <a:rPr lang="en-US" altLang="zh-TW" dirty="0" err="1"/>
               <a:t>nǐ</a:t>
             </a:r>
             <a:r>
-              <a:rPr lang="en-US" altLang="zh-TW" sz="4000" dirty="0"/>
-              <a:t> </a:t>
-            </a:r>
-            <a:r>
-              <a:rPr lang="en-US" altLang="zh-TW" sz="4000" dirty="0" err="1" smtClean="0"/>
+              <a:rPr lang="en-US" altLang="zh-TW" dirty="0"/>
+              <a:t> </a:t>
+            </a:r>
+            <a:r>
+              <a:rPr lang="en-US" altLang="zh-TW" dirty="0" err="1" smtClean="0"/>
               <a:t>tóng</a:t>
             </a:r>
             <a:r>
-              <a:rPr lang="en-US" altLang="zh-TW" sz="4000" dirty="0" smtClean="0"/>
-              <a:t> </a:t>
-            </a:r>
-            <a:r>
-              <a:rPr lang="en-US" altLang="zh-TW" sz="4000" dirty="0" err="1" smtClean="0"/>
+              <a:rPr lang="en-US" altLang="zh-TW" dirty="0" smtClean="0"/>
+              <a:t> </a:t>
+            </a:r>
+            <a:r>
+              <a:rPr lang="en-US" altLang="zh-TW" dirty="0" err="1" smtClean="0"/>
               <a:t>xíng</a:t>
             </a:r>
-            <a:endParaRPr lang="zh-TW" altLang="en-US" sz="4000" dirty="0"/>
+            <a:endParaRPr lang="zh-TW" altLang="en-US" dirty="0"/>
           </a:p>
         </p:txBody>
       </p:sp>
     </p:spTree>
     <p:extLst>
       <p:ext uri="{BB962C8B-B14F-4D97-AF65-F5344CB8AC3E}">
-        <p14:creationId xmlns:p14="http://schemas.microsoft.com/office/powerpoint/2010/main" val="347334817"/>
+        <p14:creationId xmlns:p14="http://schemas.microsoft.com/office/powerpoint/2010/main" xmlns="" val="347334817"/>
       </p:ext>
     </p:extLst>
   </p:cSld>
@@ -5527,7 +5565,7 @@
           <a:blip r:embed="rId2">
             <a:extLst>
               <a:ext uri="{28A0092B-C50C-407E-A947-70E740481C1C}">
-                <a14:useLocalDpi xmlns:a14="http://schemas.microsoft.com/office/drawing/2010/main" val="0"/>
+                <a14:useLocalDpi xmlns:a14="http://schemas.microsoft.com/office/drawing/2010/main" xmlns="" val="0"/>
               </a:ext>
             </a:extLst>
           </a:blip>
@@ -5539,7 +5577,7 @@
         <p:spPr bwMode="auto">
           <a:xfrm>
             <a:off x="0" y="0"/>
-            <a:ext cx="9144000" cy="6858000"/>
+            <a:ext cx="9144000" cy="5143500"/>
           </a:xfrm>
           <a:prstGeom prst="rect">
             <a:avLst/>
@@ -5547,7 +5585,7 @@
           <a:noFill/>
           <a:extLst>
             <a:ext uri="{909E8E84-426E-40DD-AFC4-6F175D3DCCD1}">
-              <a14:hiddenFill xmlns:a14="http://schemas.microsoft.com/office/drawing/2010/main">
+              <a14:hiddenFill xmlns:a14="http://schemas.microsoft.com/office/drawing/2010/main" xmlns="">
                 <a:solidFill>
                   <a:srgbClr val="FFFFFF"/>
                 </a:solidFill>
@@ -5568,8 +5606,8 @@
         </p:nvSpPr>
         <p:spPr>
           <a:xfrm>
-            <a:off x="539552" y="548680"/>
-            <a:ext cx="2108920" cy="5904656"/>
+            <a:off x="428596" y="357172"/>
+            <a:ext cx="2108920" cy="4428492"/>
           </a:xfrm>
         </p:spPr>
         <p:txBody>
@@ -5582,7 +5620,7 @@
               <a:buNone/>
             </a:pPr>
             <a:r>
-              <a:rPr lang="zh-TW" altLang="en-US" sz="5400" b="1" dirty="0" smtClean="0">
+              <a:rPr lang="zh-TW" altLang="en-US" sz="4400" b="1" dirty="0" smtClean="0">
                 <a:solidFill>
                   <a:schemeClr val="bg1"/>
                 </a:solidFill>
@@ -5591,7 +5629,7 @@
               </a:rPr>
               <a:t>小鳥</a:t>
             </a:r>
-            <a:endParaRPr lang="en-US" altLang="zh-TW" sz="5400" b="1" dirty="0" smtClean="0">
+            <a:endParaRPr lang="en-US" altLang="zh-TW" sz="4400" b="1" dirty="0" smtClean="0">
               <a:solidFill>
                 <a:schemeClr val="bg1"/>
               </a:solidFill>
@@ -5604,7 +5642,7 @@
               <a:buNone/>
             </a:pPr>
             <a:r>
-              <a:rPr lang="en-US" altLang="zh-TW" sz="3600" dirty="0" err="1" smtClean="0">
+              <a:rPr lang="en-US" altLang="zh-TW" sz="2800" dirty="0" err="1" smtClean="0">
                 <a:solidFill>
                   <a:schemeClr val="bg1"/>
                 </a:solidFill>
@@ -5612,22 +5650,22 @@
               <a:t>xiǎo</a:t>
             </a:r>
             <a:r>
-              <a:rPr lang="en-US" altLang="zh-TW" sz="3600" dirty="0" smtClean="0">
-                <a:solidFill>
-                  <a:schemeClr val="bg1"/>
-                </a:solidFill>
-              </a:rPr>
-              <a:t> </a:t>
-            </a:r>
-            <a:r>
-              <a:rPr lang="en-US" altLang="zh-TW" sz="3600" dirty="0" err="1" smtClean="0">
+              <a:rPr lang="en-US" altLang="zh-TW" sz="2800" dirty="0" smtClean="0">
+                <a:solidFill>
+                  <a:schemeClr val="bg1"/>
+                </a:solidFill>
+              </a:rPr>
+              <a:t> </a:t>
+            </a:r>
+            <a:r>
+              <a:rPr lang="en-US" altLang="zh-TW" sz="2800" dirty="0" err="1" smtClean="0">
                 <a:solidFill>
                   <a:schemeClr val="bg1"/>
                 </a:solidFill>
               </a:rPr>
               <a:t>niǎo</a:t>
             </a:r>
-            <a:endParaRPr lang="en-US" altLang="zh-TW" sz="3600" b="1" dirty="0" smtClean="0">
+            <a:endParaRPr lang="en-US" altLang="zh-TW" sz="2800" b="1" dirty="0" smtClean="0">
               <a:solidFill>
                 <a:schemeClr val="bg1"/>
               </a:solidFill>
@@ -5640,7 +5678,7 @@
               <a:buNone/>
             </a:pPr>
             <a:r>
-              <a:rPr lang="zh-TW" altLang="en-US" sz="5400" b="1" dirty="0" smtClean="0">
+              <a:rPr lang="zh-TW" altLang="en-US" sz="4400" b="1" dirty="0" smtClean="0">
                 <a:solidFill>
                   <a:schemeClr val="bg1"/>
                 </a:solidFill>
@@ -5649,7 +5687,7 @@
               </a:rPr>
               <a:t>自由</a:t>
             </a:r>
-            <a:endParaRPr lang="en-US" altLang="zh-TW" sz="5400" b="1" dirty="0" smtClean="0">
+            <a:endParaRPr lang="en-US" altLang="zh-TW" sz="4400" b="1" dirty="0" smtClean="0">
               <a:solidFill>
                 <a:schemeClr val="bg1"/>
               </a:solidFill>
@@ -5662,7 +5700,7 @@
               <a:buNone/>
             </a:pPr>
             <a:r>
-              <a:rPr lang="en-US" altLang="zh-TW" sz="4000" dirty="0" smtClean="0">
+              <a:rPr lang="en-US" altLang="zh-TW" dirty="0" smtClean="0">
                 <a:solidFill>
                   <a:schemeClr val="bg1"/>
                 </a:solidFill>
@@ -5670,7 +5708,7 @@
               <a:t>  </a:t>
             </a:r>
             <a:r>
-              <a:rPr lang="en-US" altLang="zh-TW" sz="4000" dirty="0" err="1" smtClean="0">
+              <a:rPr lang="en-US" altLang="zh-TW" dirty="0" err="1" smtClean="0">
                 <a:solidFill>
                   <a:schemeClr val="bg1"/>
                 </a:solidFill>
@@ -5678,7 +5716,7 @@
               <a:t>zì</a:t>
             </a:r>
             <a:r>
-              <a:rPr lang="en-US" altLang="zh-TW" sz="4000" dirty="0" smtClean="0">
+              <a:rPr lang="en-US" altLang="zh-TW" dirty="0" smtClean="0">
                 <a:solidFill>
                   <a:schemeClr val="bg1"/>
                 </a:solidFill>
@@ -5686,7 +5724,7 @@
               <a:t>  </a:t>
             </a:r>
             <a:r>
-              <a:rPr lang="en-US" altLang="zh-TW" sz="4000" dirty="0" err="1" smtClean="0">
+              <a:rPr lang="en-US" altLang="zh-TW" dirty="0" err="1" smtClean="0">
                 <a:solidFill>
                   <a:schemeClr val="bg1"/>
                 </a:solidFill>
@@ -5694,14 +5732,14 @@
               <a:t>yóu</a:t>
             </a:r>
             <a:r>
-              <a:rPr lang="en-US" altLang="zh-TW" sz="4000" dirty="0" smtClean="0">
-                <a:solidFill>
-                  <a:schemeClr val="bg1"/>
-                </a:solidFill>
-              </a:rPr>
-              <a:t> </a:t>
-            </a:r>
-            <a:endParaRPr lang="en-US" altLang="zh-TW" sz="4000" dirty="0">
+              <a:rPr lang="en-US" altLang="zh-TW" dirty="0" smtClean="0">
+                <a:solidFill>
+                  <a:schemeClr val="bg1"/>
+                </a:solidFill>
+              </a:rPr>
+              <a:t> </a:t>
+            </a:r>
+            <a:endParaRPr lang="en-US" altLang="zh-TW" dirty="0">
               <a:solidFill>
                 <a:schemeClr val="bg1"/>
               </a:solidFill>
@@ -5712,7 +5750,7 @@
               <a:buNone/>
             </a:pPr>
             <a:r>
-              <a:rPr lang="zh-TW" altLang="en-US" sz="5400" b="1" dirty="0" smtClean="0">
+              <a:rPr lang="zh-TW" altLang="en-US" sz="4400" b="1" dirty="0" smtClean="0">
                 <a:solidFill>
                   <a:schemeClr val="bg1"/>
                 </a:solidFill>
@@ -5721,7 +5759,7 @@
               </a:rPr>
               <a:t>飛翔</a:t>
             </a:r>
-            <a:endParaRPr lang="en-US" altLang="zh-TW" sz="5400" b="1" dirty="0" smtClean="0">
+            <a:endParaRPr lang="en-US" altLang="zh-TW" sz="4400" b="1" dirty="0" smtClean="0">
               <a:solidFill>
                 <a:schemeClr val="bg1"/>
               </a:solidFill>
@@ -5734,15 +5772,15 @@
               <a:buNone/>
             </a:pPr>
             <a:r>
-              <a:rPr lang="en-US" altLang="zh-TW" sz="4000" dirty="0" smtClean="0">
-                <a:solidFill>
-                  <a:schemeClr val="bg1"/>
-                </a:solidFill>
-              </a:rPr>
-              <a:t> </a:t>
-            </a:r>
-            <a:r>
-              <a:rPr lang="en-US" altLang="zh-TW" sz="4000" dirty="0" err="1" smtClean="0">
+              <a:rPr lang="en-US" altLang="zh-TW" dirty="0" smtClean="0">
+                <a:solidFill>
+                  <a:schemeClr val="bg1"/>
+                </a:solidFill>
+              </a:rPr>
+              <a:t> </a:t>
+            </a:r>
+            <a:r>
+              <a:rPr lang="en-US" altLang="zh-TW" dirty="0" err="1" smtClean="0">
                 <a:solidFill>
                   <a:schemeClr val="bg1"/>
                 </a:solidFill>
@@ -5750,15 +5788,15 @@
               <a:t>fēi</a:t>
             </a:r>
             <a:r>
-              <a:rPr lang="en-US" altLang="zh-TW" sz="4000" dirty="0" smtClean="0">
-                <a:solidFill>
-                  <a:schemeClr val="bg1"/>
-                </a:solidFill>
-              </a:rPr>
-              <a:t> </a:t>
-            </a:r>
-            <a:r>
-              <a:rPr lang="en-US" altLang="zh-TW" sz="4000" dirty="0" err="1">
+              <a:rPr lang="en-US" altLang="zh-TW" dirty="0" smtClean="0">
+                <a:solidFill>
+                  <a:schemeClr val="bg1"/>
+                </a:solidFill>
+              </a:rPr>
+              <a:t> </a:t>
+            </a:r>
+            <a:r>
+              <a:rPr lang="en-US" altLang="zh-TW" dirty="0" err="1">
                 <a:solidFill>
                   <a:schemeClr val="bg1"/>
                 </a:solidFill>
@@ -5766,7 +5804,7 @@
               <a:t>xiáng</a:t>
             </a:r>
             <a:r>
-              <a:rPr lang="zh-TW" altLang="en-US" sz="4000" dirty="0">
+              <a:rPr lang="zh-TW" altLang="en-US" dirty="0">
                 <a:solidFill>
                   <a:schemeClr val="bg1"/>
                 </a:solidFill>
@@ -5786,8 +5824,8 @@
         </p:nvSpPr>
         <p:spPr>
           <a:xfrm>
-            <a:off x="3615208" y="620688"/>
-            <a:ext cx="2108920" cy="5904656"/>
+            <a:off x="3615208" y="465516"/>
+            <a:ext cx="2108920" cy="4428492"/>
           </a:xfrm>
           <a:prstGeom prst="rect">
             <a:avLst/>
@@ -5939,7 +5977,7 @@
               <a:buNone/>
             </a:pPr>
             <a:r>
-              <a:rPr lang="zh-TW" altLang="en-US" sz="5400" b="1" dirty="0" smtClean="0">
+              <a:rPr lang="zh-TW" altLang="en-US" sz="4400" b="1" dirty="0" smtClean="0">
                 <a:solidFill>
                   <a:schemeClr val="bg1"/>
                 </a:solidFill>
@@ -5948,7 +5986,7 @@
               </a:rPr>
               <a:t>花朵</a:t>
             </a:r>
-            <a:endParaRPr lang="en-US" altLang="zh-TW" sz="5400" b="1" dirty="0" smtClean="0">
+            <a:endParaRPr lang="en-US" altLang="zh-TW" sz="4400" b="1" dirty="0" smtClean="0">
               <a:solidFill>
                 <a:schemeClr val="bg1"/>
               </a:solidFill>
@@ -5961,7 +5999,7 @@
               <a:buNone/>
             </a:pPr>
             <a:r>
-              <a:rPr lang="en-US" altLang="zh-TW" sz="3600" dirty="0" err="1" smtClean="0">
+              <a:rPr lang="en-US" altLang="zh-TW" sz="2800" dirty="0" err="1" smtClean="0">
                 <a:solidFill>
                   <a:schemeClr val="bg1"/>
                 </a:solidFill>
@@ -5969,22 +6007,22 @@
               <a:t>Huā</a:t>
             </a:r>
             <a:r>
-              <a:rPr lang="en-US" altLang="zh-TW" sz="3600" dirty="0" smtClean="0">
-                <a:solidFill>
-                  <a:schemeClr val="bg1"/>
-                </a:solidFill>
-              </a:rPr>
-              <a:t> </a:t>
-            </a:r>
-            <a:r>
-              <a:rPr lang="en-US" altLang="zh-TW" sz="3600" dirty="0" err="1" smtClean="0">
+              <a:rPr lang="en-US" altLang="zh-TW" sz="2800" dirty="0" smtClean="0">
+                <a:solidFill>
+                  <a:schemeClr val="bg1"/>
+                </a:solidFill>
+              </a:rPr>
+              <a:t> </a:t>
+            </a:r>
+            <a:r>
+              <a:rPr lang="en-US" altLang="zh-TW" sz="2800" dirty="0" err="1" smtClean="0">
                 <a:solidFill>
                   <a:schemeClr val="bg1"/>
                 </a:solidFill>
               </a:rPr>
               <a:t>duǒ</a:t>
             </a:r>
-            <a:endParaRPr lang="en-US" altLang="zh-TW" sz="3600" dirty="0" smtClean="0">
+            <a:endParaRPr lang="en-US" altLang="zh-TW" sz="2800" dirty="0" smtClean="0">
               <a:solidFill>
                 <a:schemeClr val="bg1"/>
               </a:solidFill>
@@ -5995,7 +6033,7 @@
               <a:buNone/>
             </a:pPr>
             <a:r>
-              <a:rPr lang="zh-TW" altLang="en-US" sz="5400" b="1" dirty="0" smtClean="0">
+              <a:rPr lang="zh-TW" altLang="en-US" sz="4400" b="1" dirty="0" smtClean="0">
                 <a:solidFill>
                   <a:schemeClr val="bg1"/>
                 </a:solidFill>
@@ -6004,7 +6042,7 @@
               </a:rPr>
               <a:t>田野</a:t>
             </a:r>
-            <a:endParaRPr lang="en-US" altLang="zh-TW" sz="5400" b="1" dirty="0" smtClean="0">
+            <a:endParaRPr lang="en-US" altLang="zh-TW" sz="4400" b="1" dirty="0" smtClean="0">
               <a:solidFill>
                 <a:schemeClr val="bg1"/>
               </a:solidFill>
@@ -6017,7 +6055,7 @@
               <a:buNone/>
             </a:pPr>
             <a:r>
-              <a:rPr lang="en-US" altLang="zh-TW" sz="4000" dirty="0" err="1" smtClean="0">
+              <a:rPr lang="en-US" altLang="zh-TW" dirty="0" err="1" smtClean="0">
                 <a:solidFill>
                   <a:schemeClr val="bg1"/>
                 </a:solidFill>
@@ -6025,15 +6063,15 @@
               <a:t>tián</a:t>
             </a:r>
             <a:r>
-              <a:rPr lang="en-US" altLang="zh-TW" sz="4000" dirty="0" smtClean="0">
-                <a:solidFill>
-                  <a:schemeClr val="bg1"/>
-                </a:solidFill>
-              </a:rPr>
-              <a:t> </a:t>
-            </a:r>
-            <a:r>
-              <a:rPr lang="en-US" altLang="zh-TW" sz="4000" dirty="0" err="1" smtClean="0">
+              <a:rPr lang="en-US" altLang="zh-TW" dirty="0" smtClean="0">
+                <a:solidFill>
+                  <a:schemeClr val="bg1"/>
+                </a:solidFill>
+              </a:rPr>
+              <a:t> </a:t>
+            </a:r>
+            <a:r>
+              <a:rPr lang="en-US" altLang="zh-TW" dirty="0" err="1" smtClean="0">
                 <a:solidFill>
                   <a:schemeClr val="bg1"/>
                 </a:solidFill>
@@ -6041,7 +6079,7 @@
               <a:t>yě</a:t>
             </a:r>
             <a:r>
-              <a:rPr lang="en-US" altLang="zh-TW" sz="4000" dirty="0" smtClean="0">
+              <a:rPr lang="en-US" altLang="zh-TW" dirty="0" smtClean="0">
                 <a:solidFill>
                   <a:schemeClr val="bg1"/>
                 </a:solidFill>
@@ -6054,7 +6092,7 @@
               <a:buNone/>
             </a:pPr>
             <a:r>
-              <a:rPr lang="zh-TW" altLang="en-US" sz="5400" b="1" dirty="0" smtClean="0">
+              <a:rPr lang="zh-TW" altLang="en-US" sz="4400" b="1" dirty="0" smtClean="0">
                 <a:solidFill>
                   <a:schemeClr val="bg1"/>
                 </a:solidFill>
@@ -6063,7 +6101,7 @@
               </a:rPr>
               <a:t>綻放</a:t>
             </a:r>
-            <a:endParaRPr lang="en-US" altLang="zh-TW" sz="5400" b="1" dirty="0" smtClean="0">
+            <a:endParaRPr lang="en-US" altLang="zh-TW" sz="4400" b="1" dirty="0" smtClean="0">
               <a:solidFill>
                 <a:schemeClr val="bg1"/>
               </a:solidFill>
@@ -6076,7 +6114,7 @@
               <a:buNone/>
             </a:pPr>
             <a:r>
-              <a:rPr lang="en-US" altLang="zh-TW" sz="3600" dirty="0" err="1" smtClean="0">
+              <a:rPr lang="en-US" altLang="zh-TW" sz="2800" dirty="0" err="1" smtClean="0">
                 <a:solidFill>
                   <a:schemeClr val="bg1"/>
                 </a:solidFill>
@@ -6084,22 +6122,22 @@
               <a:t>zhàn</a:t>
             </a:r>
             <a:r>
-              <a:rPr lang="en-US" altLang="zh-TW" sz="3600" dirty="0" smtClean="0">
-                <a:solidFill>
-                  <a:schemeClr val="bg1"/>
-                </a:solidFill>
-              </a:rPr>
-              <a:t> </a:t>
-            </a:r>
-            <a:r>
-              <a:rPr lang="en-US" altLang="zh-TW" sz="3600" dirty="0" err="1" smtClean="0">
+              <a:rPr lang="en-US" altLang="zh-TW" sz="2800" dirty="0" smtClean="0">
+                <a:solidFill>
+                  <a:schemeClr val="bg1"/>
+                </a:solidFill>
+              </a:rPr>
+              <a:t> </a:t>
+            </a:r>
+            <a:r>
+              <a:rPr lang="en-US" altLang="zh-TW" sz="2800" dirty="0" err="1" smtClean="0">
                 <a:solidFill>
                   <a:schemeClr val="bg1"/>
                 </a:solidFill>
               </a:rPr>
               <a:t>fàng</a:t>
             </a:r>
-            <a:endParaRPr lang="zh-TW" altLang="en-US" sz="4000" dirty="0">
+            <a:endParaRPr lang="zh-TW" altLang="en-US" dirty="0">
               <a:solidFill>
                 <a:schemeClr val="bg1"/>
               </a:solidFill>
@@ -6117,8 +6155,8 @@
         </p:nvSpPr>
         <p:spPr>
           <a:xfrm>
-            <a:off x="6228184" y="620688"/>
-            <a:ext cx="2304256" cy="5904656"/>
+            <a:off x="6228184" y="465516"/>
+            <a:ext cx="2304256" cy="4428492"/>
           </a:xfrm>
           <a:prstGeom prst="rect">
             <a:avLst/>
@@ -6270,7 +6308,7 @@
               <a:buNone/>
             </a:pPr>
             <a:r>
-              <a:rPr lang="zh-TW" altLang="en-US" sz="5400" b="1" dirty="0" smtClean="0">
+              <a:rPr lang="zh-TW" altLang="en-US" sz="4400" b="1" dirty="0" smtClean="0">
                 <a:solidFill>
                   <a:schemeClr val="bg1"/>
                 </a:solidFill>
@@ -6279,7 +6317,7 @@
               </a:rPr>
               <a:t>憂慮</a:t>
             </a:r>
-            <a:endParaRPr lang="en-US" altLang="zh-TW" sz="5400" b="1" dirty="0" smtClean="0">
+            <a:endParaRPr lang="en-US" altLang="zh-TW" sz="4400" b="1" dirty="0" smtClean="0">
               <a:solidFill>
                 <a:schemeClr val="bg1"/>
               </a:solidFill>
@@ -6292,7 +6330,7 @@
               <a:buNone/>
             </a:pPr>
             <a:r>
-              <a:rPr lang="en-US" altLang="zh-TW" sz="3600" dirty="0" err="1">
+              <a:rPr lang="en-US" altLang="zh-TW" sz="2800" dirty="0" err="1">
                 <a:solidFill>
                   <a:schemeClr val="bg1"/>
                 </a:solidFill>
@@ -6300,22 +6338,22 @@
               <a:t>yōu</a:t>
             </a:r>
             <a:r>
-              <a:rPr lang="en-US" altLang="zh-TW" sz="3600" dirty="0">
-                <a:solidFill>
-                  <a:schemeClr val="bg1"/>
-                </a:solidFill>
-              </a:rPr>
-              <a:t> </a:t>
-            </a:r>
-            <a:r>
-              <a:rPr lang="en-US" altLang="zh-TW" sz="3600" dirty="0" err="1">
+              <a:rPr lang="en-US" altLang="zh-TW" sz="2800" dirty="0">
+                <a:solidFill>
+                  <a:schemeClr val="bg1"/>
+                </a:solidFill>
+              </a:rPr>
+              <a:t> </a:t>
+            </a:r>
+            <a:r>
+              <a:rPr lang="en-US" altLang="zh-TW" sz="2800" dirty="0" err="1">
                 <a:solidFill>
                   <a:schemeClr val="bg1"/>
                 </a:solidFill>
               </a:rPr>
               <a:t>lǜ</a:t>
             </a:r>
-            <a:endParaRPr lang="en-US" altLang="zh-TW" sz="3600" dirty="0">
+            <a:endParaRPr lang="en-US" altLang="zh-TW" sz="2800" dirty="0">
               <a:solidFill>
                 <a:schemeClr val="bg1"/>
               </a:solidFill>
@@ -6326,7 +6364,7 @@
               <a:buNone/>
             </a:pPr>
             <a:r>
-              <a:rPr lang="zh-TW" altLang="en-US" sz="5400" b="1" dirty="0" smtClean="0">
+              <a:rPr lang="zh-TW" altLang="en-US" sz="4400" b="1" dirty="0" smtClean="0">
                 <a:solidFill>
                   <a:schemeClr val="bg1"/>
                 </a:solidFill>
@@ -6335,7 +6373,7 @@
               </a:rPr>
               <a:t>別</a:t>
             </a:r>
-            <a:endParaRPr lang="en-US" altLang="zh-TW" sz="5400" b="1" dirty="0" smtClean="0">
+            <a:endParaRPr lang="en-US" altLang="zh-TW" sz="4400" b="1" dirty="0" smtClean="0">
               <a:solidFill>
                 <a:schemeClr val="bg1"/>
               </a:solidFill>
@@ -6348,14 +6386,14 @@
               <a:buNone/>
             </a:pPr>
             <a:r>
-              <a:rPr lang="en-US" altLang="zh-TW" sz="3600" dirty="0" err="1">
+              <a:rPr lang="en-US" altLang="zh-TW" sz="2800" dirty="0" err="1">
                 <a:solidFill>
                   <a:schemeClr val="bg1"/>
                 </a:solidFill>
               </a:rPr>
               <a:t>bié</a:t>
             </a:r>
-            <a:endParaRPr lang="en-US" altLang="zh-TW" sz="3600" dirty="0">
+            <a:endParaRPr lang="en-US" altLang="zh-TW" sz="2800" dirty="0">
               <a:solidFill>
                 <a:schemeClr val="bg1"/>
               </a:solidFill>
@@ -6366,7 +6404,7 @@
               <a:buNone/>
             </a:pPr>
             <a:r>
-              <a:rPr lang="zh-TW" altLang="en-US" sz="5400" b="1" dirty="0" smtClean="0">
+              <a:rPr lang="zh-TW" altLang="en-US" sz="4400" b="1" dirty="0" smtClean="0">
                 <a:solidFill>
                   <a:schemeClr val="bg1"/>
                 </a:solidFill>
@@ -6375,7 +6413,7 @@
               </a:rPr>
               <a:t>或</a:t>
             </a:r>
-            <a:endParaRPr lang="en-US" altLang="zh-TW" sz="5400" b="1" dirty="0" smtClean="0">
+            <a:endParaRPr lang="en-US" altLang="zh-TW" sz="4400" b="1" dirty="0" smtClean="0">
               <a:solidFill>
                 <a:schemeClr val="bg1"/>
               </a:solidFill>
@@ -6388,14 +6426,14 @@
               <a:buNone/>
             </a:pPr>
             <a:r>
-              <a:rPr lang="en-US" altLang="zh-TW" sz="3600" dirty="0" err="1">
+              <a:rPr lang="en-US" altLang="zh-TW" sz="2800" dirty="0" err="1">
                 <a:solidFill>
                   <a:schemeClr val="bg1"/>
                 </a:solidFill>
               </a:rPr>
               <a:t>huò</a:t>
             </a:r>
-            <a:endParaRPr lang="en-US" altLang="zh-TW" sz="3600" dirty="0">
+            <a:endParaRPr lang="en-US" altLang="zh-TW" sz="2800" dirty="0">
               <a:solidFill>
                 <a:schemeClr val="bg1"/>
               </a:solidFill>
@@ -6406,7 +6444,7 @@
     </p:spTree>
     <p:extLst>
       <p:ext uri="{BB962C8B-B14F-4D97-AF65-F5344CB8AC3E}">
-        <p14:creationId xmlns:p14="http://schemas.microsoft.com/office/powerpoint/2010/main" val="4029971926"/>
+        <p14:creationId xmlns:p14="http://schemas.microsoft.com/office/powerpoint/2010/main" xmlns="" val="4029971926"/>
       </p:ext>
     </p:extLst>
   </p:cSld>
@@ -6445,7 +6483,7 @@
           <a:blip r:embed="rId2">
             <a:extLst>
               <a:ext uri="{28A0092B-C50C-407E-A947-70E740481C1C}">
-                <a14:useLocalDpi xmlns:a14="http://schemas.microsoft.com/office/drawing/2010/main" val="0"/>
+                <a14:useLocalDpi xmlns:a14="http://schemas.microsoft.com/office/drawing/2010/main" xmlns="" val="0"/>
               </a:ext>
             </a:extLst>
           </a:blip>
@@ -6456,8 +6494,8 @@
         </p:blipFill>
         <p:spPr bwMode="auto">
           <a:xfrm>
-            <a:off x="0" y="-5680"/>
-            <a:ext cx="9144000" cy="6858000"/>
+            <a:off x="0" y="-4260"/>
+            <a:ext cx="9144000" cy="5143500"/>
           </a:xfrm>
           <a:prstGeom prst="rect">
             <a:avLst/>
@@ -6465,7 +6503,7 @@
           <a:noFill/>
           <a:extLst>
             <a:ext uri="{909E8E84-426E-40DD-AFC4-6F175D3DCCD1}">
-              <a14:hiddenFill xmlns:a14="http://schemas.microsoft.com/office/drawing/2010/main">
+              <a14:hiddenFill xmlns:a14="http://schemas.microsoft.com/office/drawing/2010/main" xmlns="">
                 <a:solidFill>
                   <a:srgbClr val="FFFFFF"/>
                 </a:solidFill>
@@ -6486,8 +6524,8 @@
         </p:nvSpPr>
         <p:spPr>
           <a:xfrm>
-            <a:off x="251520" y="404664"/>
-            <a:ext cx="8507288" cy="6264696"/>
+            <a:off x="251520" y="303498"/>
+            <a:ext cx="8507288" cy="4698522"/>
           </a:xfrm>
         </p:spPr>
         <p:txBody>
@@ -6500,7 +6538,7 @@
               <a:buNone/>
             </a:pPr>
             <a:r>
-              <a:rPr lang="zh-TW" altLang="en-US" sz="6000" b="1" dirty="0">
+              <a:rPr lang="zh-TW" altLang="en-US" sz="4800" b="1" dirty="0">
                 <a:solidFill>
                   <a:srgbClr val="0070C0"/>
                 </a:solidFill>
@@ -6510,7 +6548,7 @@
               <a:t>小小鳥自由地</a:t>
             </a:r>
             <a:r>
-              <a:rPr lang="zh-TW" altLang="en-US" sz="6000" b="1" dirty="0" smtClean="0">
+              <a:rPr lang="zh-TW" altLang="en-US" sz="4800" b="1" dirty="0" smtClean="0">
                 <a:solidFill>
                   <a:srgbClr val="0070C0"/>
                 </a:solidFill>
@@ -6519,7 +6557,7 @@
               </a:rPr>
               <a:t>飛翔</a:t>
             </a:r>
-            <a:endParaRPr lang="en-US" altLang="zh-TW" sz="6000" b="1" dirty="0" smtClean="0">
+            <a:endParaRPr lang="en-US" altLang="zh-TW" sz="4800" b="1" dirty="0" smtClean="0">
               <a:solidFill>
                 <a:srgbClr val="0070C0"/>
               </a:solidFill>
@@ -6532,66 +6570,66 @@
               <a:buNone/>
             </a:pPr>
             <a:r>
-              <a:rPr lang="en-US" altLang="zh-TW" sz="4400" dirty="0" err="1"/>
+              <a:rPr lang="en-US" altLang="zh-TW" sz="3600" dirty="0" err="1"/>
               <a:t>Xiǎo</a:t>
             </a:r>
             <a:r>
-              <a:rPr lang="en-US" altLang="zh-TW" sz="4400" dirty="0"/>
-              <a:t> </a:t>
-            </a:r>
-            <a:r>
-              <a:rPr lang="en-US" altLang="zh-TW" sz="4400" dirty="0" err="1" smtClean="0"/>
+              <a:rPr lang="en-US" altLang="zh-TW" sz="3600" dirty="0"/>
+              <a:t> </a:t>
+            </a:r>
+            <a:r>
+              <a:rPr lang="en-US" altLang="zh-TW" sz="3600" dirty="0" err="1" smtClean="0"/>
               <a:t>xiǎo</a:t>
             </a:r>
             <a:r>
-              <a:rPr lang="en-US" altLang="zh-TW" sz="4400" dirty="0" smtClean="0"/>
-              <a:t> </a:t>
-            </a:r>
-            <a:r>
-              <a:rPr lang="en-US" altLang="zh-TW" sz="4400" dirty="0" err="1" smtClean="0"/>
+              <a:rPr lang="en-US" altLang="zh-TW" sz="3600" dirty="0" smtClean="0"/>
+              <a:t> </a:t>
+            </a:r>
+            <a:r>
+              <a:rPr lang="en-US" altLang="zh-TW" sz="3600" dirty="0" err="1" smtClean="0"/>
               <a:t>niǎo</a:t>
             </a:r>
             <a:r>
-              <a:rPr lang="en-US" altLang="zh-TW" sz="4400" dirty="0" smtClean="0"/>
-              <a:t> </a:t>
-            </a:r>
-            <a:r>
-              <a:rPr lang="en-US" altLang="zh-TW" sz="4400" dirty="0" err="1" smtClean="0"/>
+              <a:rPr lang="en-US" altLang="zh-TW" sz="3600" dirty="0" smtClean="0"/>
+              <a:t> </a:t>
+            </a:r>
+            <a:r>
+              <a:rPr lang="en-US" altLang="zh-TW" sz="3600" dirty="0" err="1" smtClean="0"/>
               <a:t>zì</a:t>
             </a:r>
             <a:r>
-              <a:rPr lang="en-US" altLang="zh-TW" sz="4400" dirty="0" smtClean="0"/>
-              <a:t> </a:t>
-            </a:r>
-            <a:r>
-              <a:rPr lang="en-US" altLang="zh-TW" sz="4400" dirty="0" err="1" smtClean="0"/>
+              <a:rPr lang="en-US" altLang="zh-TW" sz="3600" dirty="0" smtClean="0"/>
+              <a:t> </a:t>
+            </a:r>
+            <a:r>
+              <a:rPr lang="en-US" altLang="zh-TW" sz="3600" dirty="0" err="1" smtClean="0"/>
               <a:t>yóu</a:t>
             </a:r>
             <a:r>
-              <a:rPr lang="en-US" altLang="zh-TW" sz="4400" dirty="0" smtClean="0"/>
-              <a:t> </a:t>
-            </a:r>
-            <a:r>
-              <a:rPr lang="en-US" altLang="zh-TW" sz="4400" dirty="0" err="1"/>
+              <a:rPr lang="en-US" altLang="zh-TW" sz="3600" dirty="0" smtClean="0"/>
+              <a:t> </a:t>
+            </a:r>
+            <a:r>
+              <a:rPr lang="en-US" altLang="zh-TW" sz="3600" dirty="0" err="1"/>
               <a:t>dì</a:t>
             </a:r>
             <a:r>
-              <a:rPr lang="en-US" altLang="zh-TW" sz="4400" dirty="0"/>
-              <a:t> </a:t>
-            </a:r>
-            <a:r>
-              <a:rPr lang="en-US" altLang="zh-TW" sz="4400" dirty="0" err="1" smtClean="0"/>
+              <a:rPr lang="en-US" altLang="zh-TW" sz="3600" dirty="0"/>
+              <a:t> </a:t>
+            </a:r>
+            <a:r>
+              <a:rPr lang="en-US" altLang="zh-TW" sz="3600" dirty="0" err="1" smtClean="0"/>
               <a:t>fēi</a:t>
             </a:r>
             <a:r>
-              <a:rPr lang="en-US" altLang="zh-TW" sz="4400" dirty="0" smtClean="0"/>
-              <a:t> </a:t>
-            </a:r>
-            <a:r>
-              <a:rPr lang="en-US" altLang="zh-TW" sz="4400" dirty="0" err="1" smtClean="0"/>
+              <a:rPr lang="en-US" altLang="zh-TW" sz="3600" dirty="0" smtClean="0"/>
+              <a:t> </a:t>
+            </a:r>
+            <a:r>
+              <a:rPr lang="en-US" altLang="zh-TW" sz="3600" dirty="0" err="1" smtClean="0"/>
               <a:t>xiáng</a:t>
             </a:r>
-            <a:endParaRPr lang="en-US" altLang="zh-TW" sz="4400" b="1" dirty="0" smtClean="0">
+            <a:endParaRPr lang="en-US" altLang="zh-TW" sz="3600" b="1" dirty="0" smtClean="0">
               <a:solidFill>
                 <a:srgbClr val="0070C0"/>
               </a:solidFill>
@@ -6604,7 +6642,7 @@
               <a:buNone/>
             </a:pPr>
             <a:r>
-              <a:rPr lang="zh-TW" altLang="en-US" sz="6000" b="1" dirty="0" smtClean="0">
+              <a:rPr lang="zh-TW" altLang="en-US" sz="4800" b="1" dirty="0" smtClean="0">
                 <a:solidFill>
                   <a:srgbClr val="0070C0"/>
                 </a:solidFill>
@@ -6614,7 +6652,7 @@
               <a:t>花朵</a:t>
             </a:r>
             <a:r>
-              <a:rPr lang="zh-TW" altLang="en-US" sz="6000" b="1" dirty="0">
+              <a:rPr lang="zh-TW" altLang="en-US" sz="4800" b="1" dirty="0">
                 <a:solidFill>
                   <a:srgbClr val="0070C0"/>
                 </a:solidFill>
@@ -6624,7 +6662,7 @@
               <a:t>朵在田野裡</a:t>
             </a:r>
             <a:r>
-              <a:rPr lang="zh-TW" altLang="en-US" sz="6000" b="1" dirty="0" smtClean="0">
+              <a:rPr lang="zh-TW" altLang="en-US" sz="4800" b="1" dirty="0" smtClean="0">
                 <a:solidFill>
                   <a:srgbClr val="0070C0"/>
                 </a:solidFill>
@@ -6633,7 +6671,7 @@
               </a:rPr>
               <a:t>綻放</a:t>
             </a:r>
-            <a:endParaRPr lang="en-US" altLang="zh-TW" sz="6000" b="1" dirty="0" smtClean="0">
+            <a:endParaRPr lang="en-US" altLang="zh-TW" sz="4800" b="1" dirty="0" smtClean="0">
               <a:solidFill>
                 <a:srgbClr val="0070C0"/>
               </a:solidFill>
@@ -6646,74 +6684,74 @@
               <a:buNone/>
             </a:pPr>
             <a:r>
-              <a:rPr lang="en-US" altLang="zh-TW" sz="4400" dirty="0" err="1" smtClean="0"/>
+              <a:rPr lang="en-US" altLang="zh-TW" sz="3600" dirty="0" err="1" smtClean="0"/>
               <a:t>Huā</a:t>
             </a:r>
             <a:r>
-              <a:rPr lang="en-US" altLang="zh-TW" sz="4400" dirty="0" smtClean="0"/>
-              <a:t> </a:t>
-            </a:r>
-            <a:r>
-              <a:rPr lang="en-US" altLang="zh-TW" sz="4400" dirty="0" err="1" smtClean="0"/>
+              <a:rPr lang="en-US" altLang="zh-TW" sz="3600" dirty="0" smtClean="0"/>
+              <a:t> </a:t>
+            </a:r>
+            <a:r>
+              <a:rPr lang="en-US" altLang="zh-TW" sz="3600" dirty="0" err="1" smtClean="0"/>
               <a:t>duǒ</a:t>
             </a:r>
             <a:r>
-              <a:rPr lang="en-US" altLang="zh-TW" sz="4400" dirty="0" smtClean="0"/>
-              <a:t> </a:t>
-            </a:r>
-            <a:r>
-              <a:rPr lang="en-US" altLang="zh-TW" sz="4400" dirty="0" err="1"/>
+              <a:rPr lang="en-US" altLang="zh-TW" sz="3600" dirty="0" smtClean="0"/>
+              <a:t> </a:t>
+            </a:r>
+            <a:r>
+              <a:rPr lang="en-US" altLang="zh-TW" sz="3600" dirty="0" err="1"/>
               <a:t>duǒ</a:t>
             </a:r>
             <a:r>
-              <a:rPr lang="en-US" altLang="zh-TW" sz="4400" dirty="0"/>
-              <a:t> </a:t>
-            </a:r>
-            <a:r>
-              <a:rPr lang="en-US" altLang="zh-TW" sz="4400" dirty="0" err="1"/>
+              <a:rPr lang="en-US" altLang="zh-TW" sz="3600" dirty="0"/>
+              <a:t> </a:t>
+            </a:r>
+            <a:r>
+              <a:rPr lang="en-US" altLang="zh-TW" sz="3600" dirty="0" err="1"/>
               <a:t>zài</a:t>
             </a:r>
             <a:r>
-              <a:rPr lang="en-US" altLang="zh-TW" sz="4400" dirty="0"/>
-              <a:t> </a:t>
-            </a:r>
-            <a:r>
-              <a:rPr lang="en-US" altLang="zh-TW" sz="4400" dirty="0" err="1" smtClean="0"/>
+              <a:rPr lang="en-US" altLang="zh-TW" sz="3600" dirty="0"/>
+              <a:t> </a:t>
+            </a:r>
+            <a:r>
+              <a:rPr lang="en-US" altLang="zh-TW" sz="3600" dirty="0" err="1" smtClean="0"/>
               <a:t>tián</a:t>
             </a:r>
             <a:r>
-              <a:rPr lang="en-US" altLang="zh-TW" sz="4400" dirty="0" smtClean="0"/>
-              <a:t> </a:t>
-            </a:r>
-            <a:r>
-              <a:rPr lang="en-US" altLang="zh-TW" sz="4400" dirty="0" err="1" smtClean="0"/>
+              <a:rPr lang="en-US" altLang="zh-TW" sz="3600" dirty="0" smtClean="0"/>
+              <a:t> </a:t>
+            </a:r>
+            <a:r>
+              <a:rPr lang="en-US" altLang="zh-TW" sz="3600" dirty="0" err="1" smtClean="0"/>
               <a:t>yě</a:t>
             </a:r>
             <a:r>
-              <a:rPr lang="en-US" altLang="zh-TW" sz="4400" dirty="0" smtClean="0"/>
-              <a:t> </a:t>
-            </a:r>
-            <a:r>
-              <a:rPr lang="en-US" altLang="zh-TW" sz="4400" dirty="0" err="1"/>
+              <a:rPr lang="en-US" altLang="zh-TW" sz="3600" dirty="0" smtClean="0"/>
+              <a:t> </a:t>
+            </a:r>
+            <a:r>
+              <a:rPr lang="en-US" altLang="zh-TW" sz="3600" dirty="0" err="1"/>
               <a:t>lǐ</a:t>
             </a:r>
             <a:r>
-              <a:rPr lang="en-US" altLang="zh-TW" sz="4400" dirty="0"/>
-              <a:t> </a:t>
-            </a:r>
-            <a:r>
-              <a:rPr lang="en-US" altLang="zh-TW" sz="4400" dirty="0" err="1" smtClean="0"/>
+              <a:rPr lang="en-US" altLang="zh-TW" sz="3600" dirty="0"/>
+              <a:t> </a:t>
+            </a:r>
+            <a:r>
+              <a:rPr lang="en-US" altLang="zh-TW" sz="3600" dirty="0" err="1" smtClean="0"/>
               <a:t>zhàn</a:t>
             </a:r>
             <a:r>
-              <a:rPr lang="en-US" altLang="zh-TW" sz="4400" dirty="0" smtClean="0"/>
-              <a:t> </a:t>
-            </a:r>
-            <a:r>
-              <a:rPr lang="en-US" altLang="zh-TW" sz="4400" dirty="0" err="1" smtClean="0"/>
+              <a:rPr lang="en-US" altLang="zh-TW" sz="3600" dirty="0" smtClean="0"/>
+              <a:t> </a:t>
+            </a:r>
+            <a:r>
+              <a:rPr lang="en-US" altLang="zh-TW" sz="3600" dirty="0" err="1" smtClean="0"/>
               <a:t>fàng</a:t>
             </a:r>
-            <a:endParaRPr lang="en-US" altLang="zh-TW" sz="4400" b="1" dirty="0" smtClean="0">
+            <a:endParaRPr lang="en-US" altLang="zh-TW" sz="3600" b="1" dirty="0" smtClean="0">
               <a:solidFill>
                 <a:srgbClr val="0070C0"/>
               </a:solidFill>
@@ -6726,7 +6764,7 @@
               <a:buNone/>
             </a:pPr>
             <a:r>
-              <a:rPr lang="zh-TW" altLang="en-US" sz="6000" b="1" dirty="0">
+              <a:rPr lang="zh-TW" altLang="en-US" sz="4800" b="1" dirty="0">
                 <a:solidFill>
                   <a:srgbClr val="0070C0"/>
                 </a:solidFill>
@@ -6736,7 +6774,7 @@
               <a:t>他們從不擔心或</a:t>
             </a:r>
             <a:r>
-              <a:rPr lang="zh-TW" altLang="en-US" sz="6000" b="1" dirty="0" smtClean="0">
+              <a:rPr lang="zh-TW" altLang="en-US" sz="4800" b="1" dirty="0" smtClean="0">
                 <a:solidFill>
                   <a:srgbClr val="0070C0"/>
                 </a:solidFill>
@@ -6745,7 +6783,7 @@
               </a:rPr>
               <a:t>憂慮</a:t>
             </a:r>
-            <a:endParaRPr lang="en-US" altLang="zh-TW" sz="6000" b="1" dirty="0" smtClean="0">
+            <a:endParaRPr lang="en-US" altLang="zh-TW" sz="4800" b="1" dirty="0" smtClean="0">
               <a:solidFill>
                 <a:srgbClr val="0070C0"/>
               </a:solidFill>
@@ -6758,66 +6796,66 @@
               <a:buNone/>
             </a:pPr>
             <a:r>
-              <a:rPr lang="en-US" altLang="zh-TW" sz="4400" dirty="0" err="1" smtClean="0"/>
+              <a:rPr lang="en-US" altLang="zh-TW" sz="3600" dirty="0" err="1" smtClean="0"/>
               <a:t>Tā</a:t>
             </a:r>
             <a:r>
-              <a:rPr lang="en-US" altLang="zh-TW" sz="4400" dirty="0" smtClean="0"/>
+              <a:rPr lang="en-US" altLang="zh-TW" sz="3600" dirty="0" smtClean="0"/>
               <a:t> men </a:t>
             </a:r>
             <a:r>
-              <a:rPr lang="en-US" altLang="zh-TW" sz="4400" dirty="0" err="1"/>
+              <a:rPr lang="en-US" altLang="zh-TW" sz="3600" dirty="0" err="1"/>
               <a:t>cóng</a:t>
             </a:r>
             <a:r>
-              <a:rPr lang="en-US" altLang="zh-TW" sz="4400" dirty="0"/>
-              <a:t> </a:t>
-            </a:r>
-            <a:r>
-              <a:rPr lang="en-US" altLang="zh-TW" sz="4400" dirty="0" err="1"/>
+              <a:rPr lang="en-US" altLang="zh-TW" sz="3600" dirty="0"/>
+              <a:t> </a:t>
+            </a:r>
+            <a:r>
+              <a:rPr lang="en-US" altLang="zh-TW" sz="3600" dirty="0" err="1"/>
               <a:t>bù</a:t>
             </a:r>
             <a:r>
-              <a:rPr lang="en-US" altLang="zh-TW" sz="4400" dirty="0"/>
-              <a:t> </a:t>
-            </a:r>
-            <a:r>
-              <a:rPr lang="en-US" altLang="zh-TW" sz="4400" dirty="0" err="1" smtClean="0"/>
+              <a:rPr lang="en-US" altLang="zh-TW" sz="3600" dirty="0"/>
+              <a:t> </a:t>
+            </a:r>
+            <a:r>
+              <a:rPr lang="en-US" altLang="zh-TW" sz="3600" dirty="0" err="1" smtClean="0"/>
               <a:t>dān</a:t>
             </a:r>
             <a:r>
-              <a:rPr lang="en-US" altLang="zh-TW" sz="4400" dirty="0" smtClean="0"/>
-              <a:t> </a:t>
-            </a:r>
-            <a:r>
-              <a:rPr lang="en-US" altLang="zh-TW" sz="4400" dirty="0" err="1" smtClean="0"/>
+              <a:rPr lang="en-US" altLang="zh-TW" sz="3600" dirty="0" smtClean="0"/>
+              <a:t> </a:t>
+            </a:r>
+            <a:r>
+              <a:rPr lang="en-US" altLang="zh-TW" sz="3600" dirty="0" err="1" smtClean="0"/>
               <a:t>xīn</a:t>
             </a:r>
             <a:r>
-              <a:rPr lang="en-US" altLang="zh-TW" sz="4400" dirty="0" smtClean="0"/>
-              <a:t> </a:t>
-            </a:r>
-            <a:r>
-              <a:rPr lang="en-US" altLang="zh-TW" sz="4400" dirty="0" err="1"/>
+              <a:rPr lang="en-US" altLang="zh-TW" sz="3600" dirty="0" smtClean="0"/>
+              <a:t> </a:t>
+            </a:r>
+            <a:r>
+              <a:rPr lang="en-US" altLang="zh-TW" sz="3600" dirty="0" err="1"/>
               <a:t>huò</a:t>
             </a:r>
             <a:r>
-              <a:rPr lang="en-US" altLang="zh-TW" sz="4400" dirty="0"/>
-              <a:t> </a:t>
-            </a:r>
-            <a:r>
-              <a:rPr lang="en-US" altLang="zh-TW" sz="4400" dirty="0" err="1" smtClean="0"/>
+              <a:rPr lang="en-US" altLang="zh-TW" sz="3600" dirty="0"/>
+              <a:t> </a:t>
+            </a:r>
+            <a:r>
+              <a:rPr lang="en-US" altLang="zh-TW" sz="3600" dirty="0" err="1" smtClean="0"/>
               <a:t>yōu</a:t>
             </a:r>
             <a:r>
-              <a:rPr lang="en-US" altLang="zh-TW" sz="4400" dirty="0" smtClean="0"/>
-              <a:t> </a:t>
-            </a:r>
-            <a:r>
-              <a:rPr lang="en-US" altLang="zh-TW" sz="4400" dirty="0" err="1" smtClean="0"/>
+              <a:rPr lang="en-US" altLang="zh-TW" sz="3600" dirty="0" smtClean="0"/>
+              <a:t> </a:t>
+            </a:r>
+            <a:r>
+              <a:rPr lang="en-US" altLang="zh-TW" sz="3600" dirty="0" err="1" smtClean="0"/>
               <a:t>lǜ</a:t>
             </a:r>
-            <a:endParaRPr lang="zh-TW" altLang="en-US" sz="4400" b="1" dirty="0">
+            <a:endParaRPr lang="zh-TW" altLang="en-US" sz="3600" b="1" dirty="0">
               <a:solidFill>
                 <a:srgbClr val="0070C0"/>
               </a:solidFill>
@@ -6830,7 +6868,7 @@
     </p:spTree>
     <p:extLst>
       <p:ext uri="{BB962C8B-B14F-4D97-AF65-F5344CB8AC3E}">
-        <p14:creationId xmlns:p14="http://schemas.microsoft.com/office/powerpoint/2010/main" val="2296093460"/>
+        <p14:creationId xmlns:p14="http://schemas.microsoft.com/office/powerpoint/2010/main" xmlns="" val="2296093460"/>
       </p:ext>
     </p:extLst>
   </p:cSld>
@@ -6876,7 +6914,7 @@
           <a:blip r:embed="rId2">
             <a:extLst>
               <a:ext uri="{28A0092B-C50C-407E-A947-70E740481C1C}">
-                <a14:useLocalDpi xmlns:a14="http://schemas.microsoft.com/office/drawing/2010/main" val="0"/>
+                <a14:useLocalDpi xmlns:a14="http://schemas.microsoft.com/office/drawing/2010/main" xmlns="" val="0"/>
               </a:ext>
             </a:extLst>
           </a:blip>
@@ -6888,7 +6926,7 @@
         <p:spPr bwMode="auto">
           <a:xfrm>
             <a:off x="0" y="0"/>
-            <a:ext cx="9144000" cy="6858000"/>
+            <a:ext cx="9144000" cy="5143500"/>
           </a:xfrm>
           <a:prstGeom prst="rect">
             <a:avLst/>
@@ -6896,7 +6934,7 @@
           <a:noFill/>
           <a:extLst>
             <a:ext uri="{909E8E84-426E-40DD-AFC4-6F175D3DCCD1}">
-              <a14:hiddenFill xmlns:a14="http://schemas.microsoft.com/office/drawing/2010/main">
+              <a14:hiddenFill xmlns:a14="http://schemas.microsoft.com/office/drawing/2010/main" xmlns="">
                 <a:solidFill>
                   <a:srgbClr val="FFFFFF"/>
                 </a:solidFill>
@@ -6917,8 +6955,8 @@
         </p:nvSpPr>
         <p:spPr>
           <a:xfrm>
-            <a:off x="539552" y="548680"/>
-            <a:ext cx="2108920" cy="5904656"/>
+            <a:off x="428596" y="357172"/>
+            <a:ext cx="2108920" cy="4428492"/>
           </a:xfrm>
         </p:spPr>
         <p:txBody>
@@ -6931,7 +6969,7 @@
               <a:buNone/>
             </a:pPr>
             <a:r>
-              <a:rPr lang="zh-TW" altLang="en-US" sz="5400" b="1" dirty="0" smtClean="0">
+              <a:rPr lang="zh-TW" altLang="en-US" sz="4400" b="1" dirty="0" smtClean="0">
                 <a:solidFill>
                   <a:schemeClr val="bg1"/>
                 </a:solidFill>
@@ -6940,39 +6978,7 @@
               </a:rPr>
               <a:t>溫暖</a:t>
             </a:r>
-            <a:r>
-              <a:rPr lang="en-US" altLang="zh-TW" sz="3600" dirty="0" err="1">
-                <a:solidFill>
-                  <a:schemeClr val="bg1"/>
-                </a:solidFill>
-              </a:rPr>
-              <a:t>wēn</a:t>
-            </a:r>
-            <a:r>
-              <a:rPr lang="en-US" altLang="zh-TW" sz="3600" dirty="0">
-                <a:solidFill>
-                  <a:schemeClr val="bg1"/>
-                </a:solidFill>
-              </a:rPr>
-              <a:t> </a:t>
-            </a:r>
-            <a:r>
-              <a:rPr lang="en-US" altLang="zh-TW" sz="3600" dirty="0" err="1">
-                <a:solidFill>
-                  <a:schemeClr val="bg1"/>
-                </a:solidFill>
-              </a:rPr>
-              <a:t>nuǎn</a:t>
-            </a:r>
-            <a:r>
-              <a:rPr lang="en-US" altLang="zh-TW" sz="3600" dirty="0">
-                <a:solidFill>
-                  <a:schemeClr val="bg1"/>
-                </a:solidFill>
-              </a:rPr>
-              <a:t> </a:t>
-            </a:r>
-            <a:endParaRPr lang="en-US" altLang="zh-TW" sz="3600" b="1" dirty="0" smtClean="0">
+            <a:endParaRPr lang="en-US" altLang="zh-TW" sz="4400" b="1" dirty="0" smtClean="0">
               <a:solidFill>
                 <a:schemeClr val="bg1"/>
               </a:solidFill>
@@ -6985,16 +6991,38 @@
               <a:buNone/>
             </a:pPr>
             <a:r>
-              <a:rPr lang="zh-TW" altLang="en-US" sz="5400" b="1" dirty="0" smtClean="0">
-                <a:solidFill>
-                  <a:schemeClr val="bg1"/>
-                </a:solidFill>
-                <a:latin typeface="標楷體" pitchFamily="65" charset="-120"/>
-                <a:ea typeface="標楷體" pitchFamily="65" charset="-120"/>
-              </a:rPr>
-              <a:t>太陽</a:t>
-            </a:r>
-            <a:endParaRPr lang="en-US" altLang="zh-TW" sz="5400" b="1" dirty="0" smtClean="0">
+              <a:rPr lang="en-US" altLang="zh-TW" sz="2800" dirty="0" err="1" smtClean="0">
+                <a:solidFill>
+                  <a:schemeClr val="bg1"/>
+                </a:solidFill>
+              </a:rPr>
+              <a:t>wēn</a:t>
+            </a:r>
+            <a:r>
+              <a:rPr lang="en-US" altLang="zh-TW" sz="2800" dirty="0" smtClean="0">
+                <a:solidFill>
+                  <a:schemeClr val="bg1"/>
+                </a:solidFill>
+              </a:rPr>
+              <a:t> </a:t>
+            </a:r>
+            <a:r>
+              <a:rPr lang="en-US" altLang="zh-TW" sz="2800" dirty="0" err="1">
+                <a:solidFill>
+                  <a:schemeClr val="bg1"/>
+                </a:solidFill>
+              </a:rPr>
+              <a:t>nuǎn</a:t>
+            </a:r>
+            <a:r>
+              <a:rPr lang="en-US" altLang="zh-TW" sz="2800" dirty="0">
+                <a:solidFill>
+                  <a:schemeClr val="bg1"/>
+                </a:solidFill>
+              </a:rPr>
+              <a:t> </a:t>
+            </a:r>
+            <a:endParaRPr lang="en-US" altLang="zh-TW" sz="2800" b="1" dirty="0" smtClean="0">
               <a:solidFill>
                 <a:schemeClr val="bg1"/>
               </a:solidFill>
@@ -7007,40 +7035,16 @@
               <a:buNone/>
             </a:pPr>
             <a:r>
-              <a:rPr lang="en-US" altLang="zh-TW" sz="4000" dirty="0" err="1">
-                <a:solidFill>
-                  <a:schemeClr val="bg1"/>
-                </a:solidFill>
-              </a:rPr>
-              <a:t>tài</a:t>
-            </a:r>
-            <a:r>
-              <a:rPr lang="en-US" altLang="zh-TW" sz="4000" dirty="0">
-                <a:solidFill>
-                  <a:schemeClr val="bg1"/>
-                </a:solidFill>
-              </a:rPr>
-              <a:t> </a:t>
-            </a:r>
-            <a:r>
-              <a:rPr lang="en-US" altLang="zh-TW" sz="4000" dirty="0" err="1">
-                <a:solidFill>
-                  <a:schemeClr val="bg1"/>
-                </a:solidFill>
-              </a:rPr>
-              <a:t>yáng</a:t>
-            </a:r>
-            <a:r>
-              <a:rPr lang="zh-TW" altLang="en-US" sz="5400" b="1" dirty="0" smtClean="0">
+              <a:rPr lang="zh-TW" altLang="en-US" sz="4400" b="1" dirty="0" smtClean="0">
                 <a:solidFill>
                   <a:schemeClr val="bg1"/>
                 </a:solidFill>
                 <a:latin typeface="標楷體" pitchFamily="65" charset="-120"/>
                 <a:ea typeface="標楷體" pitchFamily="65" charset="-120"/>
               </a:rPr>
-              <a:t>升起</a:t>
-            </a:r>
-            <a:endParaRPr lang="en-US" altLang="zh-TW" sz="5400" b="1" dirty="0">
+              <a:t>太陽</a:t>
+            </a:r>
+            <a:endParaRPr lang="en-US" altLang="zh-TW" sz="4400" b="1" dirty="0" smtClean="0">
               <a:solidFill>
                 <a:schemeClr val="bg1"/>
               </a:solidFill>
@@ -7049,11 +7053,55 @@
             </a:endParaRPr>
           </a:p>
           <a:p>
-            <a:pPr marL="0" indent="0" algn="ctr">
-              <a:buNone/>
-            </a:pPr>
-            <a:r>
-              <a:rPr lang="en-US" altLang="zh-TW" sz="4000" dirty="0" err="1">
+            <a:pPr marL="0" indent="0">
+              <a:buNone/>
+            </a:pPr>
+            <a:r>
+              <a:rPr lang="en-US" altLang="zh-TW" dirty="0" err="1">
+                <a:solidFill>
+                  <a:schemeClr val="bg1"/>
+                </a:solidFill>
+              </a:rPr>
+              <a:t>tài</a:t>
+            </a:r>
+            <a:r>
+              <a:rPr lang="en-US" altLang="zh-TW" dirty="0">
+                <a:solidFill>
+                  <a:schemeClr val="bg1"/>
+                </a:solidFill>
+              </a:rPr>
+              <a:t> </a:t>
+            </a:r>
+            <a:r>
+              <a:rPr lang="en-US" altLang="zh-TW" dirty="0" err="1" smtClean="0">
+                <a:solidFill>
+                  <a:schemeClr val="bg1"/>
+                </a:solidFill>
+              </a:rPr>
+              <a:t>yáng</a:t>
+            </a:r>
+            <a:endParaRPr lang="en-US" altLang="zh-TW" dirty="0" smtClean="0">
+              <a:solidFill>
+                <a:schemeClr val="bg1"/>
+              </a:solidFill>
+            </a:endParaRPr>
+          </a:p>
+          <a:p>
+            <a:pPr marL="0" indent="0">
+              <a:buNone/>
+            </a:pPr>
+            <a:r>
+              <a:rPr lang="zh-TW" altLang="en-US" sz="4400" b="1" dirty="0" smtClean="0">
+                <a:solidFill>
+                  <a:schemeClr val="bg1"/>
+                </a:solidFill>
+                <a:latin typeface="標楷體" pitchFamily="65" charset="-120"/>
+                <a:ea typeface="標楷體" pitchFamily="65" charset="-120"/>
+              </a:rPr>
+              <a:t>升起</a:t>
+            </a:r>
+            <a:r>
+              <a:rPr lang="en-US" altLang="zh-TW" dirty="0" err="1" smtClean="0">
                 <a:solidFill>
                   <a:schemeClr val="bg1"/>
                 </a:solidFill>
@@ -7061,22 +7109,22 @@
               <a:t>shēng</a:t>
             </a:r>
             <a:r>
-              <a:rPr lang="en-US" altLang="zh-TW" sz="4000" dirty="0">
-                <a:solidFill>
-                  <a:schemeClr val="bg1"/>
-                </a:solidFill>
-              </a:rPr>
-              <a:t> </a:t>
-            </a:r>
-            <a:r>
-              <a:rPr lang="en-US" altLang="zh-TW" sz="4000" dirty="0" err="1">
+              <a:rPr lang="en-US" altLang="zh-TW" dirty="0" smtClean="0">
+                <a:solidFill>
+                  <a:schemeClr val="bg1"/>
+                </a:solidFill>
+              </a:rPr>
+              <a:t> </a:t>
+            </a:r>
+            <a:r>
+              <a:rPr lang="en-US" altLang="zh-TW" dirty="0" err="1">
                 <a:solidFill>
                   <a:schemeClr val="bg1"/>
                 </a:solidFill>
               </a:rPr>
               <a:t>qǐ</a:t>
             </a:r>
-            <a:endParaRPr lang="en-US" altLang="zh-TW" sz="4000" b="1" dirty="0">
+            <a:endParaRPr lang="en-US" altLang="zh-TW" b="1" dirty="0">
               <a:solidFill>
                 <a:schemeClr val="bg1"/>
               </a:solidFill>
@@ -7096,8 +7144,8 @@
         </p:nvSpPr>
         <p:spPr>
           <a:xfrm>
-            <a:off x="3615208" y="620688"/>
-            <a:ext cx="2108920" cy="5904656"/>
+            <a:off x="3615208" y="465516"/>
+            <a:ext cx="2108920" cy="4428492"/>
           </a:xfrm>
           <a:prstGeom prst="rect">
             <a:avLst/>
@@ -7249,7 +7297,7 @@
               <a:buNone/>
             </a:pPr>
             <a:r>
-              <a:rPr lang="zh-TW" altLang="en-US" sz="5400" b="1" dirty="0" smtClean="0">
+              <a:rPr lang="zh-TW" altLang="en-US" sz="4400" b="1" dirty="0" smtClean="0">
                 <a:solidFill>
                   <a:schemeClr val="bg1"/>
                 </a:solidFill>
@@ -7258,103 +7306,7 @@
               </a:rPr>
               <a:t>天空</a:t>
             </a:r>
-            <a:r>
-              <a:rPr lang="en-US" altLang="zh-TW" sz="3600" dirty="0" err="1">
-                <a:solidFill>
-                  <a:schemeClr val="bg1"/>
-                </a:solidFill>
-              </a:rPr>
-              <a:t>Tiān</a:t>
-            </a:r>
-            <a:r>
-              <a:rPr lang="en-US" altLang="zh-TW" sz="3600" dirty="0">
-                <a:solidFill>
-                  <a:schemeClr val="bg1"/>
-                </a:solidFill>
-              </a:rPr>
-              <a:t> </a:t>
-            </a:r>
-            <a:r>
-              <a:rPr lang="en-US" altLang="zh-TW" sz="3600" dirty="0" err="1" smtClean="0">
-                <a:solidFill>
-                  <a:schemeClr val="bg1"/>
-                </a:solidFill>
-              </a:rPr>
-              <a:t>kōng</a:t>
-            </a:r>
-            <a:endParaRPr lang="en-US" altLang="zh-TW" sz="3600" dirty="0" smtClean="0">
-              <a:solidFill>
-                <a:schemeClr val="bg1"/>
-              </a:solidFill>
-            </a:endParaRPr>
-          </a:p>
-          <a:p>
-            <a:pPr marL="0" indent="0">
-              <a:buNone/>
-            </a:pPr>
-            <a:r>
-              <a:rPr lang="zh-TW" altLang="en-US" sz="5400" b="1" dirty="0" smtClean="0">
-                <a:solidFill>
-                  <a:schemeClr val="bg1"/>
-                </a:solidFill>
-                <a:latin typeface="標楷體" pitchFamily="65" charset="-120"/>
-                <a:ea typeface="標楷體" pitchFamily="65" charset="-120"/>
-              </a:rPr>
-              <a:t>落下</a:t>
-            </a:r>
-            <a:r>
-              <a:rPr lang="en-US" altLang="zh-TW" sz="4000" dirty="0" err="1">
-                <a:solidFill>
-                  <a:schemeClr val="bg1"/>
-                </a:solidFill>
-              </a:rPr>
-              <a:t>luò</a:t>
-            </a:r>
-            <a:r>
-              <a:rPr lang="en-US" altLang="zh-TW" sz="4000" dirty="0">
-                <a:solidFill>
-                  <a:schemeClr val="bg1"/>
-                </a:solidFill>
-              </a:rPr>
-              <a:t> </a:t>
-            </a:r>
-            <a:r>
-              <a:rPr lang="en-US" altLang="zh-TW" sz="4000" dirty="0" err="1">
-                <a:solidFill>
-                  <a:schemeClr val="bg1"/>
-                </a:solidFill>
-              </a:rPr>
-              <a:t>xià</a:t>
-            </a:r>
-            <a:r>
-              <a:rPr lang="en-US" altLang="zh-TW" sz="4000" dirty="0">
-                <a:solidFill>
-                  <a:schemeClr val="bg1"/>
-                </a:solidFill>
-              </a:rPr>
-              <a:t> </a:t>
-            </a:r>
-            <a:endParaRPr lang="en-US" altLang="zh-TW" sz="4000" dirty="0" smtClean="0">
-              <a:solidFill>
-                <a:schemeClr val="bg1"/>
-              </a:solidFill>
-            </a:endParaRPr>
-          </a:p>
-          <a:p>
-            <a:pPr marL="0" indent="0">
-              <a:buNone/>
-            </a:pPr>
-            <a:r>
-              <a:rPr lang="zh-TW" altLang="en-US" sz="5400" b="1" dirty="0" smtClean="0">
-                <a:solidFill>
-                  <a:schemeClr val="bg1"/>
-                </a:solidFill>
-                <a:latin typeface="標楷體" pitchFamily="65" charset="-120"/>
-                <a:ea typeface="標楷體" pitchFamily="65" charset="-120"/>
-              </a:rPr>
-              <a:t>雨滴</a:t>
-            </a:r>
-            <a:endParaRPr lang="en-US" altLang="zh-TW" sz="5400" b="1" dirty="0" smtClean="0">
+            <a:endParaRPr lang="en-US" altLang="zh-TW" sz="4400" b="1" dirty="0" smtClean="0">
               <a:solidFill>
                 <a:schemeClr val="bg1"/>
               </a:solidFill>
@@ -7367,7 +7319,127 @@
               <a:buNone/>
             </a:pPr>
             <a:r>
-              <a:rPr lang="en-US" altLang="zh-TW" sz="3600" dirty="0" err="1" smtClean="0">
+              <a:rPr lang="en-US" altLang="zh-TW" sz="2800" dirty="0" err="1" smtClean="0">
+                <a:solidFill>
+                  <a:schemeClr val="bg1"/>
+                </a:solidFill>
+              </a:rPr>
+              <a:t>Tiān</a:t>
+            </a:r>
+            <a:r>
+              <a:rPr lang="en-US" altLang="zh-TW" sz="2800" dirty="0" smtClean="0">
+                <a:solidFill>
+                  <a:schemeClr val="bg1"/>
+                </a:solidFill>
+              </a:rPr>
+              <a:t> </a:t>
+            </a:r>
+            <a:r>
+              <a:rPr lang="en-US" altLang="zh-TW" sz="2800" dirty="0" err="1" smtClean="0">
+                <a:solidFill>
+                  <a:schemeClr val="bg1"/>
+                </a:solidFill>
+              </a:rPr>
+              <a:t>kōng</a:t>
+            </a:r>
+            <a:endParaRPr lang="en-US" altLang="zh-TW" sz="2800" dirty="0" smtClean="0">
+              <a:solidFill>
+                <a:schemeClr val="bg1"/>
+              </a:solidFill>
+            </a:endParaRPr>
+          </a:p>
+          <a:p>
+            <a:pPr marL="0" indent="0">
+              <a:buNone/>
+            </a:pPr>
+            <a:r>
+              <a:rPr lang="zh-TW" altLang="en-US" sz="4400" b="1" dirty="0" smtClean="0">
+                <a:solidFill>
+                  <a:schemeClr val="bg1"/>
+                </a:solidFill>
+                <a:latin typeface="標楷體" pitchFamily="65" charset="-120"/>
+                <a:ea typeface="標楷體" pitchFamily="65" charset="-120"/>
+              </a:rPr>
+              <a:t>落下</a:t>
+            </a:r>
+            <a:endParaRPr lang="en-US" altLang="zh-TW" sz="4400" b="1" dirty="0" smtClean="0">
+              <a:solidFill>
+                <a:schemeClr val="bg1"/>
+              </a:solidFill>
+              <a:latin typeface="標楷體" pitchFamily="65" charset="-120"/>
+              <a:ea typeface="標楷體" pitchFamily="65" charset="-120"/>
+            </a:endParaRPr>
+          </a:p>
+          <a:p>
+            <a:pPr marL="0" indent="0">
+              <a:buNone/>
+            </a:pPr>
+            <a:r>
+              <a:rPr lang="en-US" altLang="zh-TW" dirty="0" err="1" smtClean="0">
+                <a:solidFill>
+                  <a:schemeClr val="bg1"/>
+                </a:solidFill>
+              </a:rPr>
+              <a:t>luò</a:t>
+            </a:r>
+            <a:r>
+              <a:rPr lang="en-US" altLang="zh-TW" dirty="0" smtClean="0">
+                <a:solidFill>
+                  <a:schemeClr val="bg1"/>
+                </a:solidFill>
+              </a:rPr>
+              <a:t> </a:t>
+            </a:r>
+            <a:r>
+              <a:rPr lang="en-US" altLang="zh-TW" dirty="0" err="1">
+                <a:solidFill>
+                  <a:schemeClr val="bg1"/>
+                </a:solidFill>
+              </a:rPr>
+              <a:t>xià</a:t>
+            </a:r>
+            <a:r>
+              <a:rPr lang="en-US" altLang="zh-TW" dirty="0">
+                <a:solidFill>
+                  <a:schemeClr val="bg1"/>
+                </a:solidFill>
+              </a:rPr>
+              <a:t> </a:t>
+            </a:r>
+            <a:endParaRPr lang="en-US" altLang="zh-TW" dirty="0" smtClean="0">
+              <a:solidFill>
+                <a:schemeClr val="bg1"/>
+              </a:solidFill>
+            </a:endParaRPr>
+          </a:p>
+          <a:p>
+            <a:pPr marL="0" indent="0">
+              <a:buNone/>
+            </a:pPr>
+            <a:r>
+              <a:rPr lang="zh-TW" altLang="en-US" sz="4400" b="1" dirty="0" smtClean="0">
+                <a:solidFill>
+                  <a:schemeClr val="bg1"/>
+                </a:solidFill>
+                <a:latin typeface="標楷體" pitchFamily="65" charset="-120"/>
+                <a:ea typeface="標楷體" pitchFamily="65" charset="-120"/>
+              </a:rPr>
+              <a:t>雨滴</a:t>
+            </a:r>
+            <a:endParaRPr lang="en-US" altLang="zh-TW" sz="4400" b="1" dirty="0" smtClean="0">
+              <a:solidFill>
+                <a:schemeClr val="bg1"/>
+              </a:solidFill>
+              <a:latin typeface="標楷體" pitchFamily="65" charset="-120"/>
+              <a:ea typeface="標楷體" pitchFamily="65" charset="-120"/>
+            </a:endParaRPr>
+          </a:p>
+          <a:p>
+            <a:pPr marL="0" indent="0">
+              <a:buNone/>
+            </a:pPr>
+            <a:r>
+              <a:rPr lang="en-US" altLang="zh-TW" sz="2800" dirty="0" err="1" smtClean="0">
                 <a:solidFill>
                   <a:schemeClr val="bg1"/>
                 </a:solidFill>
@@ -7375,15 +7447,15 @@
               <a:t>yǔ</a:t>
             </a:r>
             <a:r>
-              <a:rPr lang="en-US" altLang="zh-TW" sz="3600" dirty="0" smtClean="0">
-                <a:solidFill>
-                  <a:schemeClr val="bg1"/>
-                </a:solidFill>
-              </a:rPr>
-              <a:t> </a:t>
-            </a:r>
-            <a:r>
-              <a:rPr lang="en-US" altLang="zh-TW" sz="3600" dirty="0" err="1">
+              <a:rPr lang="en-US" altLang="zh-TW" sz="2800" dirty="0" smtClean="0">
+                <a:solidFill>
+                  <a:schemeClr val="bg1"/>
+                </a:solidFill>
+              </a:rPr>
+              <a:t> </a:t>
+            </a:r>
+            <a:r>
+              <a:rPr lang="en-US" altLang="zh-TW" sz="2800" dirty="0" err="1">
                 <a:solidFill>
                   <a:schemeClr val="bg1"/>
                 </a:solidFill>
@@ -7391,7 +7463,7 @@
               <a:t>dī</a:t>
             </a:r>
             <a:r>
-              <a:rPr lang="en-US" altLang="zh-TW" sz="3600" dirty="0">
+              <a:rPr lang="en-US" altLang="zh-TW" sz="2800" dirty="0">
                 <a:solidFill>
                   <a:schemeClr val="bg1"/>
                 </a:solidFill>
@@ -7411,8 +7483,8 @@
         </p:nvSpPr>
         <p:spPr>
           <a:xfrm>
-            <a:off x="6228184" y="620688"/>
-            <a:ext cx="2304256" cy="5904656"/>
+            <a:off x="6228184" y="465516"/>
+            <a:ext cx="2304256" cy="4428492"/>
           </a:xfrm>
           <a:prstGeom prst="rect">
             <a:avLst/>
@@ -7564,7 +7636,7 @@
               <a:buNone/>
             </a:pPr>
             <a:r>
-              <a:rPr lang="zh-TW" altLang="en-US" sz="5400" b="1" dirty="0" smtClean="0">
+              <a:rPr lang="zh-TW" altLang="en-US" sz="4400" b="1" dirty="0" smtClean="0">
                 <a:solidFill>
                   <a:schemeClr val="bg1"/>
                 </a:solidFill>
@@ -7573,7 +7645,7 @@
               </a:rPr>
               <a:t>豐富</a:t>
             </a:r>
-            <a:endParaRPr lang="en-US" altLang="zh-TW" sz="5400" b="1" dirty="0" smtClean="0">
+            <a:endParaRPr lang="en-US" altLang="zh-TW" sz="4400" b="1" dirty="0" smtClean="0">
               <a:solidFill>
                 <a:schemeClr val="bg1"/>
               </a:solidFill>
@@ -7586,7 +7658,7 @@
               <a:buNone/>
             </a:pPr>
             <a:r>
-              <a:rPr lang="en-US" altLang="zh-TW" sz="3600" dirty="0" err="1">
+              <a:rPr lang="en-US" altLang="zh-TW" sz="2800" dirty="0" err="1">
                 <a:solidFill>
                   <a:schemeClr val="bg1"/>
                 </a:solidFill>
@@ -7594,22 +7666,22 @@
               <a:t>fēng</a:t>
             </a:r>
             <a:r>
-              <a:rPr lang="en-US" altLang="zh-TW" sz="3600" dirty="0">
-                <a:solidFill>
-                  <a:schemeClr val="bg1"/>
-                </a:solidFill>
-              </a:rPr>
-              <a:t> </a:t>
-            </a:r>
-            <a:r>
-              <a:rPr lang="en-US" altLang="zh-TW" sz="3600" dirty="0" err="1" smtClean="0">
+              <a:rPr lang="en-US" altLang="zh-TW" sz="2800" dirty="0">
+                <a:solidFill>
+                  <a:schemeClr val="bg1"/>
+                </a:solidFill>
+              </a:rPr>
+              <a:t> </a:t>
+            </a:r>
+            <a:r>
+              <a:rPr lang="en-US" altLang="zh-TW" sz="2800" dirty="0" err="1" smtClean="0">
                 <a:solidFill>
                   <a:schemeClr val="bg1"/>
                 </a:solidFill>
               </a:rPr>
               <a:t>fù</a:t>
             </a:r>
-            <a:endParaRPr lang="en-US" altLang="zh-TW" sz="3600" dirty="0" smtClean="0">
+            <a:endParaRPr lang="en-US" altLang="zh-TW" sz="2800" dirty="0" smtClean="0">
               <a:solidFill>
                 <a:schemeClr val="bg1"/>
               </a:solidFill>
@@ -7620,7 +7692,7 @@
               <a:buNone/>
             </a:pPr>
             <a:r>
-              <a:rPr lang="zh-TW" altLang="en-US" sz="5400" b="1" dirty="0" smtClean="0">
+              <a:rPr lang="zh-TW" altLang="en-US" sz="4400" b="1" dirty="0" smtClean="0">
                 <a:solidFill>
                   <a:schemeClr val="bg1"/>
                 </a:solidFill>
@@ -7629,7 +7701,7 @@
               </a:rPr>
               <a:t>缺</a:t>
             </a:r>
-            <a:endParaRPr lang="en-US" altLang="zh-TW" sz="5400" b="1" dirty="0">
+            <a:endParaRPr lang="en-US" altLang="zh-TW" sz="4400" b="1" dirty="0">
               <a:solidFill>
                 <a:schemeClr val="bg1"/>
               </a:solidFill>
@@ -7642,14 +7714,14 @@
               <a:buNone/>
             </a:pPr>
             <a:r>
-              <a:rPr lang="en-US" altLang="zh-TW" sz="3600" dirty="0" err="1">
+              <a:rPr lang="en-US" altLang="zh-TW" sz="2800" dirty="0" err="1">
                 <a:solidFill>
                   <a:schemeClr val="bg1"/>
                 </a:solidFill>
               </a:rPr>
               <a:t>quē</a:t>
             </a:r>
-            <a:endParaRPr lang="zh-TW" altLang="en-US" sz="3600" b="1" dirty="0">
+            <a:endParaRPr lang="zh-TW" altLang="en-US" sz="2800" b="1" dirty="0">
               <a:solidFill>
                 <a:schemeClr val="bg1"/>
               </a:solidFill>
@@ -7662,7 +7734,7 @@
               <a:buNone/>
             </a:pPr>
             <a:r>
-              <a:rPr lang="zh-TW" altLang="en-US" sz="5400" b="1" dirty="0" smtClean="0">
+              <a:rPr lang="zh-TW" altLang="en-US" sz="4400" b="1" dirty="0" smtClean="0">
                 <a:solidFill>
                   <a:schemeClr val="bg1"/>
                 </a:solidFill>
@@ -7671,7 +7743,7 @@
               </a:rPr>
               <a:t>什麼</a:t>
             </a:r>
-            <a:endParaRPr lang="en-US" altLang="zh-TW" sz="5400" b="1" dirty="0" smtClean="0">
+            <a:endParaRPr lang="en-US" altLang="zh-TW" sz="4400" b="1" dirty="0" smtClean="0">
               <a:solidFill>
                 <a:schemeClr val="bg1"/>
               </a:solidFill>
@@ -7684,7 +7756,7 @@
               <a:buNone/>
             </a:pPr>
             <a:r>
-              <a:rPr lang="en-US" altLang="zh-TW" sz="3600" dirty="0" err="1">
+              <a:rPr lang="en-US" altLang="zh-TW" sz="2800" dirty="0" err="1">
                 <a:solidFill>
                   <a:schemeClr val="bg1"/>
                 </a:solidFill>
@@ -7692,7 +7764,7 @@
               <a:t>shén</a:t>
             </a:r>
             <a:r>
-              <a:rPr lang="en-US" altLang="zh-TW" sz="3600" dirty="0">
+              <a:rPr lang="en-US" altLang="zh-TW" sz="2800" dirty="0">
                 <a:solidFill>
                   <a:schemeClr val="bg1"/>
                 </a:solidFill>
@@ -7705,7 +7777,7 @@
     </p:spTree>
     <p:extLst>
       <p:ext uri="{BB962C8B-B14F-4D97-AF65-F5344CB8AC3E}">
-        <p14:creationId xmlns:p14="http://schemas.microsoft.com/office/powerpoint/2010/main" val="2192535149"/>
+        <p14:creationId xmlns:p14="http://schemas.microsoft.com/office/powerpoint/2010/main" xmlns="" val="2192535149"/>
       </p:ext>
     </p:extLst>
   </p:cSld>
@@ -7744,7 +7816,7 @@
           <a:blip r:embed="rId2">
             <a:extLst>
               <a:ext uri="{28A0092B-C50C-407E-A947-70E740481C1C}">
-                <a14:useLocalDpi xmlns:a14="http://schemas.microsoft.com/office/drawing/2010/main" val="0"/>
+                <a14:useLocalDpi xmlns:a14="http://schemas.microsoft.com/office/drawing/2010/main" xmlns="" val="0"/>
               </a:ext>
             </a:extLst>
           </a:blip>
@@ -7755,8 +7827,8 @@
         </p:blipFill>
         <p:spPr bwMode="auto">
           <a:xfrm>
-            <a:off x="0" y="-5680"/>
-            <a:ext cx="9144000" cy="6858000"/>
+            <a:off x="0" y="-4260"/>
+            <a:ext cx="9144000" cy="5143500"/>
           </a:xfrm>
           <a:prstGeom prst="rect">
             <a:avLst/>
@@ -7764,7 +7836,7 @@
           <a:noFill/>
           <a:extLst>
             <a:ext uri="{909E8E84-426E-40DD-AFC4-6F175D3DCCD1}">
-              <a14:hiddenFill xmlns:a14="http://schemas.microsoft.com/office/drawing/2010/main">
+              <a14:hiddenFill xmlns:a14="http://schemas.microsoft.com/office/drawing/2010/main" xmlns="">
                 <a:solidFill>
                   <a:srgbClr val="FFFFFF"/>
                 </a:solidFill>
@@ -7785,8 +7857,8 @@
         </p:nvSpPr>
         <p:spPr>
           <a:xfrm>
-            <a:off x="323528" y="476672"/>
-            <a:ext cx="8568952" cy="6048672"/>
+            <a:off x="323528" y="357504"/>
+            <a:ext cx="8568952" cy="4536504"/>
           </a:xfrm>
         </p:spPr>
         <p:txBody>
@@ -7799,7 +7871,7 @@
               <a:buNone/>
             </a:pPr>
             <a:r>
-              <a:rPr lang="zh-TW" altLang="en-US" sz="6000" b="1" dirty="0" smtClean="0">
+              <a:rPr lang="zh-TW" altLang="en-US" sz="4800" b="1" dirty="0" smtClean="0">
                 <a:solidFill>
                   <a:srgbClr val="0070C0"/>
                 </a:solidFill>
@@ -7809,7 +7881,7 @@
               <a:t>好</a:t>
             </a:r>
             <a:r>
-              <a:rPr lang="zh-TW" altLang="en-US" sz="6000" b="1" dirty="0">
+              <a:rPr lang="zh-TW" altLang="en-US" sz="4800" b="1" dirty="0">
                 <a:solidFill>
                   <a:srgbClr val="0070C0"/>
                 </a:solidFill>
@@ -7819,7 +7891,7 @@
               <a:t>溫暖的太陽</a:t>
             </a:r>
             <a:r>
-              <a:rPr lang="zh-TW" altLang="en-US" sz="6000" b="1" dirty="0" smtClean="0">
+              <a:rPr lang="zh-TW" altLang="en-US" sz="4800" b="1" dirty="0" smtClean="0">
                 <a:solidFill>
                   <a:srgbClr val="0070C0"/>
                 </a:solidFill>
@@ -7828,7 +7900,7 @@
               </a:rPr>
               <a:t>升起</a:t>
             </a:r>
-            <a:endParaRPr lang="en-US" altLang="zh-TW" sz="6000" b="1" dirty="0" smtClean="0">
+            <a:endParaRPr lang="en-US" altLang="zh-TW" sz="4800" b="1" dirty="0" smtClean="0">
               <a:solidFill>
                 <a:srgbClr val="0070C0"/>
               </a:solidFill>
@@ -7841,62 +7913,62 @@
               <a:buNone/>
             </a:pPr>
             <a:r>
-              <a:rPr lang="en-US" altLang="zh-TW" sz="4400" dirty="0" err="1"/>
+              <a:rPr lang="en-US" altLang="zh-TW" sz="3600" dirty="0" err="1"/>
               <a:t>hǎo</a:t>
             </a:r>
             <a:r>
-              <a:rPr lang="en-US" altLang="zh-TW" sz="4400" dirty="0"/>
-              <a:t> </a:t>
-            </a:r>
-            <a:r>
-              <a:rPr lang="en-US" altLang="zh-TW" sz="4400" dirty="0" err="1" smtClean="0"/>
+              <a:rPr lang="en-US" altLang="zh-TW" sz="3600" dirty="0"/>
+              <a:t> </a:t>
+            </a:r>
+            <a:r>
+              <a:rPr lang="en-US" altLang="zh-TW" sz="3600" dirty="0" err="1" smtClean="0"/>
               <a:t>wēn</a:t>
             </a:r>
             <a:r>
-              <a:rPr lang="en-US" altLang="zh-TW" sz="4400" dirty="0" smtClean="0"/>
-              <a:t> </a:t>
-            </a:r>
-            <a:r>
-              <a:rPr lang="en-US" altLang="zh-TW" sz="4400" dirty="0" err="1" smtClean="0"/>
+              <a:rPr lang="en-US" altLang="zh-TW" sz="3600" dirty="0" smtClean="0"/>
+              <a:t> </a:t>
+            </a:r>
+            <a:r>
+              <a:rPr lang="en-US" altLang="zh-TW" sz="3600" dirty="0" err="1" smtClean="0"/>
               <a:t>nuǎn</a:t>
             </a:r>
             <a:r>
-              <a:rPr lang="en-US" altLang="zh-TW" sz="4400" dirty="0" smtClean="0"/>
-              <a:t> </a:t>
-            </a:r>
-            <a:r>
-              <a:rPr lang="en-US" altLang="zh-TW" sz="4400" dirty="0"/>
+              <a:rPr lang="en-US" altLang="zh-TW" sz="3600" dirty="0" smtClean="0"/>
+              <a:t> </a:t>
+            </a:r>
+            <a:r>
+              <a:rPr lang="en-US" altLang="zh-TW" sz="3600" dirty="0"/>
               <a:t>de </a:t>
             </a:r>
             <a:r>
-              <a:rPr lang="en-US" altLang="zh-TW" sz="4400" dirty="0" err="1" smtClean="0"/>
+              <a:rPr lang="en-US" altLang="zh-TW" sz="3600" dirty="0" err="1" smtClean="0"/>
               <a:t>tài</a:t>
             </a:r>
             <a:r>
-              <a:rPr lang="en-US" altLang="zh-TW" sz="4400" dirty="0" smtClean="0"/>
-              <a:t> </a:t>
-            </a:r>
-            <a:r>
-              <a:rPr lang="en-US" altLang="zh-TW" sz="4400" dirty="0" err="1" smtClean="0"/>
+              <a:rPr lang="en-US" altLang="zh-TW" sz="3600" dirty="0" smtClean="0"/>
+              <a:t> </a:t>
+            </a:r>
+            <a:r>
+              <a:rPr lang="en-US" altLang="zh-TW" sz="3600" dirty="0" err="1" smtClean="0"/>
               <a:t>yáng</a:t>
             </a:r>
             <a:r>
-              <a:rPr lang="en-US" altLang="zh-TW" sz="4400" dirty="0" smtClean="0"/>
-              <a:t> </a:t>
-            </a:r>
-            <a:r>
-              <a:rPr lang="en-US" altLang="zh-TW" sz="4400" dirty="0" err="1"/>
+              <a:rPr lang="en-US" altLang="zh-TW" sz="3600" dirty="0" smtClean="0"/>
+              <a:t> </a:t>
+            </a:r>
+            <a:r>
+              <a:rPr lang="en-US" altLang="zh-TW" sz="3600" dirty="0" err="1"/>
               <a:t>shēng</a:t>
             </a:r>
             <a:r>
-              <a:rPr lang="en-US" altLang="zh-TW" sz="4400" dirty="0"/>
-              <a:t> </a:t>
-            </a:r>
-            <a:r>
-              <a:rPr lang="en-US" altLang="zh-TW" sz="4400" dirty="0" err="1" smtClean="0"/>
+              <a:rPr lang="en-US" altLang="zh-TW" sz="3600" dirty="0"/>
+              <a:t> </a:t>
+            </a:r>
+            <a:r>
+              <a:rPr lang="en-US" altLang="zh-TW" sz="3600" dirty="0" err="1" smtClean="0"/>
               <a:t>qǐ</a:t>
             </a:r>
-            <a:endParaRPr lang="en-US" altLang="zh-TW" sz="4400" b="1" dirty="0" smtClean="0">
+            <a:endParaRPr lang="en-US" altLang="zh-TW" sz="3600" b="1" dirty="0" smtClean="0">
               <a:solidFill>
                 <a:srgbClr val="0070C0"/>
               </a:solidFill>
@@ -7909,7 +7981,7 @@
               <a:buNone/>
             </a:pPr>
             <a:r>
-              <a:rPr lang="zh-TW" altLang="en-US" sz="6000" b="1" dirty="0" smtClean="0">
+              <a:rPr lang="zh-TW" altLang="en-US" sz="4800" b="1" dirty="0" smtClean="0">
                 <a:solidFill>
                   <a:srgbClr val="0070C0"/>
                 </a:solidFill>
@@ -7919,7 +7991,7 @@
               <a:t>天空</a:t>
             </a:r>
             <a:r>
-              <a:rPr lang="zh-TW" altLang="en-US" sz="6000" b="1" dirty="0">
+              <a:rPr lang="zh-TW" altLang="en-US" sz="4800" b="1" dirty="0">
                 <a:solidFill>
                   <a:srgbClr val="0070C0"/>
                 </a:solidFill>
@@ -7929,7 +8001,7 @@
               <a:t>落下的小小</a:t>
             </a:r>
             <a:r>
-              <a:rPr lang="zh-TW" altLang="en-US" sz="6000" b="1" dirty="0" smtClean="0">
+              <a:rPr lang="zh-TW" altLang="en-US" sz="4800" b="1" dirty="0" smtClean="0">
                 <a:solidFill>
                   <a:srgbClr val="0070C0"/>
                 </a:solidFill>
@@ -7938,7 +8010,7 @@
               </a:rPr>
               <a:t>雨滴</a:t>
             </a:r>
-            <a:endParaRPr lang="en-US" altLang="zh-TW" sz="6000" b="1" dirty="0" smtClean="0">
+            <a:endParaRPr lang="en-US" altLang="zh-TW" sz="4800" b="1" dirty="0" smtClean="0">
               <a:solidFill>
                 <a:srgbClr val="0070C0"/>
               </a:solidFill>
@@ -7951,71 +8023,71 @@
               <a:buNone/>
             </a:pPr>
             <a:r>
-              <a:rPr lang="en-US" altLang="zh-TW" sz="4400" dirty="0" err="1" smtClean="0"/>
+              <a:rPr lang="en-US" altLang="zh-TW" sz="3600" dirty="0" err="1" smtClean="0"/>
               <a:t>Tiān</a:t>
             </a:r>
             <a:r>
-              <a:rPr lang="en-US" altLang="zh-TW" sz="4400" dirty="0" smtClean="0"/>
-              <a:t> </a:t>
-            </a:r>
-            <a:r>
-              <a:rPr lang="en-US" altLang="zh-TW" sz="4400" dirty="0" err="1" smtClean="0"/>
+              <a:rPr lang="en-US" altLang="zh-TW" sz="3600" dirty="0" smtClean="0"/>
+              <a:t> </a:t>
+            </a:r>
+            <a:r>
+              <a:rPr lang="en-US" altLang="zh-TW" sz="3600" dirty="0" err="1" smtClean="0"/>
               <a:t>kōng</a:t>
             </a:r>
             <a:r>
-              <a:rPr lang="en-US" altLang="zh-TW" sz="4400" dirty="0" smtClean="0"/>
-              <a:t> </a:t>
-            </a:r>
-            <a:r>
-              <a:rPr lang="en-US" altLang="zh-TW" sz="4400" dirty="0" err="1" smtClean="0"/>
+              <a:rPr lang="en-US" altLang="zh-TW" sz="3600" dirty="0" smtClean="0"/>
+              <a:t> </a:t>
+            </a:r>
+            <a:r>
+              <a:rPr lang="en-US" altLang="zh-TW" sz="3600" dirty="0" err="1" smtClean="0"/>
               <a:t>luò</a:t>
             </a:r>
             <a:r>
-              <a:rPr lang="en-US" altLang="zh-TW" sz="4400" dirty="0" smtClean="0"/>
-              <a:t> </a:t>
-            </a:r>
-            <a:r>
-              <a:rPr lang="en-US" altLang="zh-TW" sz="4400" dirty="0" err="1" smtClean="0"/>
+              <a:rPr lang="en-US" altLang="zh-TW" sz="3600" dirty="0" smtClean="0"/>
+              <a:t> </a:t>
+            </a:r>
+            <a:r>
+              <a:rPr lang="en-US" altLang="zh-TW" sz="3600" dirty="0" err="1" smtClean="0"/>
               <a:t>xià</a:t>
             </a:r>
             <a:r>
-              <a:rPr lang="en-US" altLang="zh-TW" sz="4400" dirty="0" smtClean="0"/>
-              <a:t> </a:t>
-            </a:r>
-            <a:r>
-              <a:rPr lang="en-US" altLang="zh-TW" sz="4400" dirty="0"/>
+              <a:rPr lang="en-US" altLang="zh-TW" sz="3600" dirty="0" smtClean="0"/>
+              <a:t> </a:t>
+            </a:r>
+            <a:r>
+              <a:rPr lang="en-US" altLang="zh-TW" sz="3600" dirty="0"/>
               <a:t>de </a:t>
             </a:r>
             <a:r>
-              <a:rPr lang="en-US" altLang="zh-TW" sz="4400" dirty="0" err="1"/>
+              <a:rPr lang="en-US" altLang="zh-TW" sz="3600" dirty="0" err="1"/>
               <a:t>xiǎo</a:t>
             </a:r>
             <a:r>
-              <a:rPr lang="en-US" altLang="zh-TW" sz="4400" dirty="0"/>
-              <a:t> </a:t>
-            </a:r>
-            <a:r>
-              <a:rPr lang="en-US" altLang="zh-TW" sz="4400" dirty="0" err="1"/>
+              <a:rPr lang="en-US" altLang="zh-TW" sz="3600" dirty="0"/>
+              <a:t> </a:t>
+            </a:r>
+            <a:r>
+              <a:rPr lang="en-US" altLang="zh-TW" sz="3600" dirty="0" err="1"/>
               <a:t>xiǎo</a:t>
             </a:r>
             <a:r>
-              <a:rPr lang="en-US" altLang="zh-TW" sz="4400" dirty="0"/>
-              <a:t> </a:t>
-            </a:r>
-            <a:r>
-              <a:rPr lang="en-US" altLang="zh-TW" sz="4400" dirty="0" err="1" smtClean="0"/>
+              <a:rPr lang="en-US" altLang="zh-TW" sz="3600" dirty="0"/>
+              <a:t> </a:t>
+            </a:r>
+            <a:r>
+              <a:rPr lang="en-US" altLang="zh-TW" sz="3600" dirty="0" err="1" smtClean="0"/>
               <a:t>yǔ</a:t>
             </a:r>
             <a:r>
-              <a:rPr lang="en-US" altLang="zh-TW" sz="4400" dirty="0" smtClean="0"/>
-              <a:t> </a:t>
-            </a:r>
-            <a:r>
-              <a:rPr lang="en-US" altLang="zh-TW" sz="4400" dirty="0" err="1" smtClean="0"/>
+              <a:rPr lang="en-US" altLang="zh-TW" sz="3600" dirty="0" smtClean="0"/>
+              <a:t> </a:t>
+            </a:r>
+            <a:r>
+              <a:rPr lang="en-US" altLang="zh-TW" sz="3600" dirty="0" err="1" smtClean="0"/>
               <a:t>dī</a:t>
             </a:r>
             <a:r>
-              <a:rPr lang="en-US" altLang="zh-TW" sz="4400" dirty="0" smtClean="0"/>
+              <a:rPr lang="en-US" altLang="zh-TW" sz="3600" dirty="0" smtClean="0"/>
               <a:t> </a:t>
             </a:r>
           </a:p>
@@ -8024,7 +8096,7 @@
               <a:buNone/>
             </a:pPr>
             <a:r>
-              <a:rPr lang="zh-TW" altLang="en-US" sz="6000" b="1" dirty="0" smtClean="0">
+              <a:rPr lang="zh-TW" altLang="en-US" sz="4800" b="1" dirty="0" smtClean="0">
                 <a:solidFill>
                   <a:srgbClr val="0070C0"/>
                 </a:solidFill>
@@ -8034,7 +8106,7 @@
               <a:t>豐</a:t>
             </a:r>
             <a:r>
-              <a:rPr lang="zh-TW" altLang="en-US" sz="6000" b="1" dirty="0">
+              <a:rPr lang="zh-TW" altLang="en-US" sz="4800" b="1" dirty="0">
                 <a:solidFill>
                   <a:srgbClr val="0070C0"/>
                 </a:solidFill>
@@ -8044,7 +8116,7 @@
               <a:t>豐富富什麼都不</a:t>
             </a:r>
             <a:r>
-              <a:rPr lang="zh-TW" altLang="en-US" sz="6000" b="1" dirty="0" smtClean="0">
+              <a:rPr lang="zh-TW" altLang="en-US" sz="4800" b="1" dirty="0" smtClean="0">
                 <a:solidFill>
                   <a:srgbClr val="0070C0"/>
                 </a:solidFill>
@@ -8053,7 +8125,7 @@
               </a:rPr>
               <a:t>缺</a:t>
             </a:r>
-            <a:endParaRPr lang="en-US" altLang="zh-TW" sz="6000" b="1" dirty="0" smtClean="0">
+            <a:endParaRPr lang="en-US" altLang="zh-TW" sz="4800" b="1" dirty="0" smtClean="0">
               <a:solidFill>
                 <a:srgbClr val="0070C0"/>
               </a:solidFill>
@@ -8066,66 +8138,66 @@
               <a:buNone/>
             </a:pPr>
             <a:r>
-              <a:rPr lang="en-US" altLang="zh-TW" sz="4400" dirty="0" err="1"/>
+              <a:rPr lang="en-US" altLang="zh-TW" sz="3600" dirty="0" err="1"/>
               <a:t>fēng</a:t>
             </a:r>
             <a:r>
-              <a:rPr lang="en-US" altLang="zh-TW" sz="4400" dirty="0"/>
-              <a:t> </a:t>
-            </a:r>
-            <a:r>
-              <a:rPr lang="en-US" altLang="zh-TW" sz="4400" dirty="0" err="1" smtClean="0"/>
+              <a:rPr lang="en-US" altLang="zh-TW" sz="3600" dirty="0"/>
+              <a:t> </a:t>
+            </a:r>
+            <a:r>
+              <a:rPr lang="en-US" altLang="zh-TW" sz="3600" dirty="0" err="1" smtClean="0"/>
               <a:t>fēng</a:t>
             </a:r>
             <a:r>
-              <a:rPr lang="en-US" altLang="zh-TW" sz="4400" dirty="0" smtClean="0"/>
-              <a:t> </a:t>
-            </a:r>
-            <a:r>
-              <a:rPr lang="en-US" altLang="zh-TW" sz="4400" dirty="0" err="1" smtClean="0"/>
+              <a:rPr lang="en-US" altLang="zh-TW" sz="3600" dirty="0" smtClean="0"/>
+              <a:t> </a:t>
+            </a:r>
+            <a:r>
+              <a:rPr lang="en-US" altLang="zh-TW" sz="3600" dirty="0" err="1" smtClean="0"/>
               <a:t>fù</a:t>
             </a:r>
             <a:r>
-              <a:rPr lang="en-US" altLang="zh-TW" sz="4400" dirty="0" smtClean="0"/>
-              <a:t> </a:t>
-            </a:r>
-            <a:r>
-              <a:rPr lang="en-US" altLang="zh-TW" sz="4400" dirty="0" err="1"/>
+              <a:rPr lang="en-US" altLang="zh-TW" sz="3600" dirty="0" smtClean="0"/>
+              <a:t> </a:t>
+            </a:r>
+            <a:r>
+              <a:rPr lang="en-US" altLang="zh-TW" sz="3600" dirty="0" err="1"/>
               <a:t>fù</a:t>
             </a:r>
             <a:r>
-              <a:rPr lang="en-US" altLang="zh-TW" sz="4400" dirty="0"/>
-              <a:t> </a:t>
-            </a:r>
-            <a:r>
-              <a:rPr lang="en-US" altLang="zh-TW" sz="4400" dirty="0" err="1" smtClean="0"/>
+              <a:rPr lang="en-US" altLang="zh-TW" sz="3600" dirty="0"/>
+              <a:t> </a:t>
+            </a:r>
+            <a:r>
+              <a:rPr lang="en-US" altLang="zh-TW" sz="3600" dirty="0" err="1" smtClean="0"/>
               <a:t>shén</a:t>
             </a:r>
             <a:r>
-              <a:rPr lang="en-US" altLang="zh-TW" sz="4400" dirty="0" smtClean="0"/>
+              <a:rPr lang="en-US" altLang="zh-TW" sz="3600" dirty="0" smtClean="0"/>
               <a:t> me </a:t>
             </a:r>
             <a:r>
-              <a:rPr lang="en-US" altLang="zh-TW" sz="4400" dirty="0" err="1"/>
+              <a:rPr lang="en-US" altLang="zh-TW" sz="3600" dirty="0" err="1"/>
               <a:t>dōu</a:t>
             </a:r>
             <a:r>
-              <a:rPr lang="en-US" altLang="zh-TW" sz="4400" dirty="0"/>
-              <a:t> </a:t>
-            </a:r>
-            <a:r>
-              <a:rPr lang="en-US" altLang="zh-TW" sz="4400" dirty="0" err="1"/>
+              <a:rPr lang="en-US" altLang="zh-TW" sz="3600" dirty="0"/>
+              <a:t> </a:t>
+            </a:r>
+            <a:r>
+              <a:rPr lang="en-US" altLang="zh-TW" sz="3600" dirty="0" err="1"/>
               <a:t>bù</a:t>
             </a:r>
             <a:r>
-              <a:rPr lang="en-US" altLang="zh-TW" sz="4400" dirty="0"/>
-              <a:t> </a:t>
-            </a:r>
-            <a:r>
-              <a:rPr lang="en-US" altLang="zh-TW" sz="4400" dirty="0" err="1" smtClean="0"/>
+              <a:rPr lang="en-US" altLang="zh-TW" sz="3600" dirty="0"/>
+              <a:t> </a:t>
+            </a:r>
+            <a:r>
+              <a:rPr lang="en-US" altLang="zh-TW" sz="3600" dirty="0" err="1" smtClean="0"/>
               <a:t>quē</a:t>
             </a:r>
-            <a:endParaRPr lang="zh-TW" altLang="en-US" sz="4400" b="1" dirty="0">
+            <a:endParaRPr lang="zh-TW" altLang="en-US" sz="3600" b="1" dirty="0">
               <a:solidFill>
                 <a:srgbClr val="0070C0"/>
               </a:solidFill>
@@ -8138,7 +8210,7 @@
     </p:spTree>
     <p:extLst>
       <p:ext uri="{BB962C8B-B14F-4D97-AF65-F5344CB8AC3E}">
-        <p14:creationId xmlns:p14="http://schemas.microsoft.com/office/powerpoint/2010/main" val="3590208558"/>
+        <p14:creationId xmlns:p14="http://schemas.microsoft.com/office/powerpoint/2010/main" xmlns="" val="3590208558"/>
       </p:ext>
     </p:extLst>
   </p:cSld>
@@ -8184,7 +8256,7 @@
           <a:blip r:embed="rId2">
             <a:extLst>
               <a:ext uri="{28A0092B-C50C-407E-A947-70E740481C1C}">
-                <a14:useLocalDpi xmlns:a14="http://schemas.microsoft.com/office/drawing/2010/main" val="0"/>
+                <a14:useLocalDpi xmlns:a14="http://schemas.microsoft.com/office/drawing/2010/main" xmlns="" val="0"/>
               </a:ext>
             </a:extLst>
           </a:blip>
@@ -8196,7 +8268,7 @@
         <p:spPr bwMode="auto">
           <a:xfrm>
             <a:off x="0" y="0"/>
-            <a:ext cx="9144000" cy="6858000"/>
+            <a:ext cx="9144000" cy="5143500"/>
           </a:xfrm>
           <a:prstGeom prst="rect">
             <a:avLst/>
@@ -8204,7 +8276,7 @@
           <a:noFill/>
           <a:extLst>
             <a:ext uri="{909E8E84-426E-40DD-AFC4-6F175D3DCCD1}">
-              <a14:hiddenFill xmlns:a14="http://schemas.microsoft.com/office/drawing/2010/main">
+              <a14:hiddenFill xmlns:a14="http://schemas.microsoft.com/office/drawing/2010/main" xmlns="">
                 <a:solidFill>
                   <a:srgbClr val="FFFFFF"/>
                 </a:solidFill>
@@ -8225,8 +8297,8 @@
         </p:nvSpPr>
         <p:spPr>
           <a:xfrm>
-            <a:off x="539552" y="548680"/>
-            <a:ext cx="2664296" cy="5904656"/>
+            <a:off x="-71470" y="285734"/>
+            <a:ext cx="2664296" cy="4428492"/>
           </a:xfrm>
         </p:spPr>
         <p:txBody>
@@ -8239,7 +8311,7 @@
               <a:buNone/>
             </a:pPr>
             <a:r>
-              <a:rPr lang="zh-TW" altLang="en-US" sz="5400" b="1" dirty="0" smtClean="0">
+              <a:rPr lang="zh-TW" altLang="en-US" sz="4400" b="1" dirty="0" smtClean="0">
                 <a:solidFill>
                   <a:schemeClr val="bg1"/>
                 </a:solidFill>
@@ -8248,7 +8320,7 @@
               </a:rPr>
               <a:t>超過</a:t>
             </a:r>
-            <a:endParaRPr lang="en-US" altLang="zh-TW" sz="5400" b="1" dirty="0" smtClean="0">
+            <a:endParaRPr lang="en-US" altLang="zh-TW" sz="4400" b="1" dirty="0" smtClean="0">
               <a:solidFill>
                 <a:schemeClr val="bg1"/>
               </a:solidFill>
@@ -8261,7 +8333,7 @@
               <a:buNone/>
             </a:pPr>
             <a:r>
-              <a:rPr lang="en-US" altLang="zh-TW" sz="3600" dirty="0" err="1" smtClean="0">
+              <a:rPr lang="en-US" altLang="zh-TW" sz="2800" dirty="0" err="1" smtClean="0">
                 <a:solidFill>
                   <a:schemeClr val="bg1"/>
                 </a:solidFill>
@@ -8269,22 +8341,22 @@
               <a:t>chāo</a:t>
             </a:r>
             <a:r>
-              <a:rPr lang="en-US" altLang="zh-TW" sz="3600" dirty="0" smtClean="0">
-                <a:solidFill>
-                  <a:schemeClr val="bg1"/>
-                </a:solidFill>
-              </a:rPr>
-              <a:t> </a:t>
-            </a:r>
-            <a:r>
-              <a:rPr lang="en-US" altLang="zh-TW" sz="3600" dirty="0" err="1" smtClean="0">
+              <a:rPr lang="en-US" altLang="zh-TW" sz="2800" dirty="0" smtClean="0">
+                <a:solidFill>
+                  <a:schemeClr val="bg1"/>
+                </a:solidFill>
+              </a:rPr>
+              <a:t> </a:t>
+            </a:r>
+            <a:r>
+              <a:rPr lang="en-US" altLang="zh-TW" sz="2800" dirty="0" err="1" smtClean="0">
                 <a:solidFill>
                   <a:schemeClr val="bg1"/>
                 </a:solidFill>
               </a:rPr>
               <a:t>guò</a:t>
             </a:r>
-            <a:endParaRPr lang="en-US" altLang="zh-TW" sz="3600" b="1" dirty="0" smtClean="0">
+            <a:endParaRPr lang="en-US" altLang="zh-TW" sz="2800" b="1" dirty="0" smtClean="0">
               <a:solidFill>
                 <a:schemeClr val="bg1"/>
               </a:solidFill>
@@ -8297,7 +8369,7 @@
               <a:buNone/>
             </a:pPr>
             <a:r>
-              <a:rPr lang="zh-TW" altLang="en-US" sz="5400" b="1" dirty="0" smtClean="0">
+              <a:rPr lang="zh-TW" altLang="en-US" sz="4400" b="1" dirty="0" smtClean="0">
                 <a:solidFill>
                   <a:schemeClr val="bg1"/>
                 </a:solidFill>
@@ -8306,7 +8378,7 @@
               </a:rPr>
               <a:t>一切</a:t>
             </a:r>
-            <a:endParaRPr lang="en-US" altLang="zh-TW" sz="5400" b="1" dirty="0" smtClean="0">
+            <a:endParaRPr lang="en-US" altLang="zh-TW" sz="4400" b="1" dirty="0" smtClean="0">
               <a:solidFill>
                 <a:schemeClr val="bg1"/>
               </a:solidFill>
@@ -8319,7 +8391,7 @@
               <a:buNone/>
             </a:pPr>
             <a:r>
-              <a:rPr lang="en-US" altLang="zh-TW" sz="4000" dirty="0" err="1">
+              <a:rPr lang="en-US" altLang="zh-TW" dirty="0" err="1">
                 <a:solidFill>
                   <a:schemeClr val="bg1"/>
                 </a:solidFill>
@@ -8327,22 +8399,22 @@
               <a:t>yī</a:t>
             </a:r>
             <a:r>
-              <a:rPr lang="en-US" altLang="zh-TW" sz="4000" dirty="0">
-                <a:solidFill>
-                  <a:schemeClr val="bg1"/>
-                </a:solidFill>
-              </a:rPr>
-              <a:t> </a:t>
-            </a:r>
-            <a:r>
-              <a:rPr lang="en-US" altLang="zh-TW" sz="4000" dirty="0" err="1" smtClean="0">
+              <a:rPr lang="en-US" altLang="zh-TW" dirty="0">
+                <a:solidFill>
+                  <a:schemeClr val="bg1"/>
+                </a:solidFill>
+              </a:rPr>
+              <a:t> </a:t>
+            </a:r>
+            <a:r>
+              <a:rPr lang="en-US" altLang="zh-TW" dirty="0" err="1" smtClean="0">
                 <a:solidFill>
                   <a:schemeClr val="bg1"/>
                 </a:solidFill>
               </a:rPr>
               <a:t>qiè</a:t>
             </a:r>
-            <a:endParaRPr lang="en-US" altLang="zh-TW" sz="4000" dirty="0" smtClean="0">
+            <a:endParaRPr lang="en-US" altLang="zh-TW" dirty="0" smtClean="0">
               <a:solidFill>
                 <a:schemeClr val="bg1"/>
               </a:solidFill>
@@ -8353,7 +8425,7 @@
               <a:buNone/>
             </a:pPr>
             <a:r>
-              <a:rPr lang="zh-TW" altLang="en-US" sz="5400" b="1" dirty="0" smtClean="0">
+              <a:rPr lang="zh-TW" altLang="en-US" sz="4400" b="1" dirty="0" smtClean="0">
                 <a:solidFill>
                   <a:schemeClr val="bg1"/>
                 </a:solidFill>
@@ -8362,7 +8434,7 @@
               </a:rPr>
               <a:t>想像</a:t>
             </a:r>
-            <a:endParaRPr lang="en-US" altLang="zh-TW" sz="5400" b="1" dirty="0" smtClean="0">
+            <a:endParaRPr lang="en-US" altLang="zh-TW" sz="4400" b="1" dirty="0" smtClean="0">
               <a:solidFill>
                 <a:schemeClr val="bg1"/>
               </a:solidFill>
@@ -8375,7 +8447,7 @@
               <a:buNone/>
             </a:pPr>
             <a:r>
-              <a:rPr lang="en-US" altLang="zh-TW" sz="3600" dirty="0" err="1" smtClean="0">
+              <a:rPr lang="en-US" altLang="zh-TW" sz="2800" dirty="0" err="1" smtClean="0">
                 <a:solidFill>
                   <a:schemeClr val="bg1"/>
                 </a:solidFill>
@@ -8383,22 +8455,22 @@
               <a:t>xiǎng</a:t>
             </a:r>
             <a:r>
-              <a:rPr lang="en-US" altLang="zh-TW" sz="3600" dirty="0" smtClean="0">
-                <a:solidFill>
-                  <a:schemeClr val="bg1"/>
-                </a:solidFill>
-              </a:rPr>
-              <a:t> </a:t>
-            </a:r>
-            <a:r>
-              <a:rPr lang="en-US" altLang="zh-TW" sz="3600" dirty="0" err="1">
+              <a:rPr lang="en-US" altLang="zh-TW" sz="2800" dirty="0" smtClean="0">
+                <a:solidFill>
+                  <a:schemeClr val="bg1"/>
+                </a:solidFill>
+              </a:rPr>
+              <a:t> </a:t>
+            </a:r>
+            <a:r>
+              <a:rPr lang="en-US" altLang="zh-TW" sz="2800" dirty="0" err="1">
                 <a:solidFill>
                   <a:schemeClr val="bg1"/>
                 </a:solidFill>
               </a:rPr>
               <a:t>xiàng</a:t>
             </a:r>
-            <a:endParaRPr lang="en-US" altLang="zh-TW" sz="3600" b="1" dirty="0">
+            <a:endParaRPr lang="en-US" altLang="zh-TW" sz="2800" b="1" dirty="0">
               <a:solidFill>
                 <a:schemeClr val="bg1"/>
               </a:solidFill>
@@ -8418,8 +8490,8 @@
         </p:nvSpPr>
         <p:spPr>
           <a:xfrm>
-            <a:off x="3347864" y="764704"/>
-            <a:ext cx="2829000" cy="5904656"/>
+            <a:off x="3000364" y="285734"/>
+            <a:ext cx="2829000" cy="4428492"/>
           </a:xfrm>
           <a:prstGeom prst="rect">
             <a:avLst/>
@@ -8571,7 +8643,7 @@
               <a:buNone/>
             </a:pPr>
             <a:r>
-              <a:rPr lang="zh-TW" altLang="en-US" sz="5400" b="1" dirty="0" smtClean="0">
+              <a:rPr lang="zh-TW" altLang="en-US" sz="4400" b="1" dirty="0" smtClean="0">
                 <a:solidFill>
                   <a:schemeClr val="bg1"/>
                 </a:solidFill>
@@ -8580,7 +8652,7 @@
               </a:rPr>
               <a:t>看顧</a:t>
             </a:r>
-            <a:endParaRPr lang="en-US" altLang="zh-TW" sz="5400" b="1" dirty="0" smtClean="0">
+            <a:endParaRPr lang="en-US" altLang="zh-TW" sz="4400" b="1" dirty="0" smtClean="0">
               <a:solidFill>
                 <a:schemeClr val="bg1"/>
               </a:solidFill>
@@ -8593,7 +8665,7 @@
               <a:buNone/>
             </a:pPr>
             <a:r>
-              <a:rPr lang="en-US" altLang="zh-TW" sz="3600" dirty="0" err="1" smtClean="0">
+              <a:rPr lang="en-US" altLang="zh-TW" sz="2800" dirty="0" err="1" smtClean="0">
                 <a:solidFill>
                   <a:schemeClr val="bg1"/>
                 </a:solidFill>
@@ -8601,22 +8673,22 @@
               <a:t>kàn</a:t>
             </a:r>
             <a:r>
-              <a:rPr lang="en-US" altLang="zh-TW" sz="3600" dirty="0" smtClean="0">
-                <a:solidFill>
-                  <a:schemeClr val="bg1"/>
-                </a:solidFill>
-              </a:rPr>
-              <a:t> </a:t>
-            </a:r>
-            <a:r>
-              <a:rPr lang="en-US" altLang="zh-TW" sz="3600" dirty="0" err="1" smtClean="0">
+              <a:rPr lang="en-US" altLang="zh-TW" sz="2800" dirty="0" smtClean="0">
+                <a:solidFill>
+                  <a:schemeClr val="bg1"/>
+                </a:solidFill>
+              </a:rPr>
+              <a:t> </a:t>
+            </a:r>
+            <a:r>
+              <a:rPr lang="en-US" altLang="zh-TW" sz="2800" dirty="0" err="1" smtClean="0">
                 <a:solidFill>
                   <a:schemeClr val="bg1"/>
                 </a:solidFill>
               </a:rPr>
               <a:t>gù</a:t>
             </a:r>
-            <a:endParaRPr lang="en-US" altLang="zh-TW" sz="3600" dirty="0" smtClean="0">
+            <a:endParaRPr lang="en-US" altLang="zh-TW" sz="2800" dirty="0" smtClean="0">
               <a:solidFill>
                 <a:schemeClr val="bg1"/>
               </a:solidFill>
@@ -8627,7 +8699,7 @@
               <a:buNone/>
             </a:pPr>
             <a:r>
-              <a:rPr lang="zh-TW" altLang="en-US" sz="5400" b="1" dirty="0" smtClean="0">
+              <a:rPr lang="zh-TW" altLang="en-US" sz="4400" b="1" dirty="0" smtClean="0">
                 <a:solidFill>
                   <a:schemeClr val="bg1"/>
                 </a:solidFill>
@@ -8636,7 +8708,7 @@
               </a:rPr>
               <a:t>這一生</a:t>
             </a:r>
-            <a:endParaRPr lang="en-US" altLang="zh-TW" sz="5400" b="1" dirty="0">
+            <a:endParaRPr lang="en-US" altLang="zh-TW" sz="4400" b="1" dirty="0">
               <a:solidFill>
                 <a:schemeClr val="bg1"/>
               </a:solidFill>
@@ -8649,7 +8721,7 @@
               <a:buNone/>
             </a:pPr>
             <a:r>
-              <a:rPr lang="en-US" altLang="zh-TW" dirty="0" err="1" smtClean="0">
+              <a:rPr lang="en-US" altLang="zh-TW" sz="2400" dirty="0" err="1" smtClean="0">
                 <a:solidFill>
                   <a:schemeClr val="bg1"/>
                 </a:solidFill>
@@ -8657,15 +8729,15 @@
               <a:t>zhè</a:t>
             </a:r>
             <a:r>
-              <a:rPr lang="en-US" altLang="zh-TW" dirty="0" smtClean="0">
-                <a:solidFill>
-                  <a:schemeClr val="bg1"/>
-                </a:solidFill>
-              </a:rPr>
-              <a:t> </a:t>
-            </a:r>
-            <a:r>
-              <a:rPr lang="en-US" altLang="zh-TW" dirty="0" err="1">
+              <a:rPr lang="en-US" altLang="zh-TW" sz="2400" dirty="0" smtClean="0">
+                <a:solidFill>
+                  <a:schemeClr val="bg1"/>
+                </a:solidFill>
+              </a:rPr>
+              <a:t> </a:t>
+            </a:r>
+            <a:r>
+              <a:rPr lang="en-US" altLang="zh-TW" sz="2400" dirty="0" err="1">
                 <a:solidFill>
                   <a:schemeClr val="bg1"/>
                 </a:solidFill>
@@ -8673,15 +8745,15 @@
               <a:t>yī</a:t>
             </a:r>
             <a:r>
-              <a:rPr lang="en-US" altLang="zh-TW" dirty="0">
-                <a:solidFill>
-                  <a:schemeClr val="bg1"/>
-                </a:solidFill>
-              </a:rPr>
-              <a:t> </a:t>
-            </a:r>
-            <a:r>
-              <a:rPr lang="en-US" altLang="zh-TW" dirty="0" err="1">
+              <a:rPr lang="en-US" altLang="zh-TW" sz="2400" dirty="0">
+                <a:solidFill>
+                  <a:schemeClr val="bg1"/>
+                </a:solidFill>
+              </a:rPr>
+              <a:t> </a:t>
+            </a:r>
+            <a:r>
+              <a:rPr lang="en-US" altLang="zh-TW" sz="2400" dirty="0" err="1">
                 <a:solidFill>
                   <a:schemeClr val="bg1"/>
                 </a:solidFill>
@@ -8689,15 +8761,25 @@
               <a:t>shēng</a:t>
             </a:r>
             <a:r>
-              <a:rPr lang="en-US" altLang="zh-TW" dirty="0">
-                <a:solidFill>
-                  <a:schemeClr val="bg1"/>
-                </a:solidFill>
-              </a:rPr>
-              <a:t> </a:t>
-            </a:r>
-            <a:r>
-              <a:rPr lang="zh-TW" altLang="en-US" sz="5400" b="1" dirty="0" smtClean="0">
+              <a:rPr lang="en-US" altLang="zh-TW" sz="2400" dirty="0">
+                <a:solidFill>
+                  <a:schemeClr val="bg1"/>
+                </a:solidFill>
+              </a:rPr>
+              <a:t> </a:t>
+            </a:r>
+            <a:endParaRPr lang="en-US" altLang="zh-TW" sz="2400" dirty="0" smtClean="0">
+              <a:solidFill>
+                <a:schemeClr val="bg1"/>
+              </a:solidFill>
+            </a:endParaRPr>
+          </a:p>
+          <a:p>
+            <a:pPr marL="0" indent="0" algn="ctr">
+              <a:buNone/>
+            </a:pPr>
+            <a:r>
+              <a:rPr lang="zh-TW" altLang="en-US" sz="4400" b="1" dirty="0" smtClean="0">
                 <a:solidFill>
                   <a:schemeClr val="bg1"/>
                 </a:solidFill>
@@ -8706,7 +8788,7 @@
               </a:rPr>
               <a:t>都</a:t>
             </a:r>
-            <a:endParaRPr lang="en-US" altLang="zh-TW" sz="5400" b="1" dirty="0" smtClean="0">
+            <a:endParaRPr lang="en-US" altLang="zh-TW" sz="4400" b="1" dirty="0" smtClean="0">
               <a:solidFill>
                 <a:schemeClr val="bg1"/>
               </a:solidFill>
@@ -8719,14 +8801,14 @@
               <a:buNone/>
             </a:pPr>
             <a:r>
-              <a:rPr lang="en-US" altLang="zh-TW" sz="3600" dirty="0" err="1" smtClean="0">
+              <a:rPr lang="en-US" altLang="zh-TW" sz="2800" dirty="0" err="1" smtClean="0">
                 <a:solidFill>
                   <a:schemeClr val="bg1"/>
                 </a:solidFill>
               </a:rPr>
               <a:t>dōu</a:t>
             </a:r>
-            <a:endParaRPr lang="en-US" altLang="zh-TW" sz="3600" dirty="0">
+            <a:endParaRPr lang="en-US" altLang="zh-TW" sz="2800" dirty="0">
               <a:solidFill>
                 <a:schemeClr val="bg1"/>
               </a:solidFill>
@@ -8744,8 +8826,8 @@
         </p:nvSpPr>
         <p:spPr>
           <a:xfrm>
-            <a:off x="6444208" y="908720"/>
-            <a:ext cx="2088232" cy="5904656"/>
+            <a:off x="6429388" y="285734"/>
+            <a:ext cx="2088232" cy="4428492"/>
           </a:xfrm>
           <a:prstGeom prst="rect">
             <a:avLst/>
@@ -8897,7 +8979,7 @@
               <a:buNone/>
             </a:pPr>
             <a:r>
-              <a:rPr lang="zh-TW" altLang="en-US" sz="5400" b="1" dirty="0">
+              <a:rPr lang="zh-TW" altLang="en-US" sz="4400" b="1" dirty="0">
                 <a:solidFill>
                   <a:schemeClr val="bg1"/>
                 </a:solidFill>
@@ -8907,7 +8989,7 @@
               <a:t>與</a:t>
             </a:r>
             <a:r>
-              <a:rPr lang="zh-TW" altLang="en-US" sz="5400" b="1" dirty="0" smtClean="0">
+              <a:rPr lang="zh-TW" altLang="en-US" sz="4400" b="1" dirty="0" smtClean="0">
                 <a:solidFill>
                   <a:schemeClr val="bg1"/>
                 </a:solidFill>
@@ -8916,7 +8998,7 @@
               </a:rPr>
               <a:t>你</a:t>
             </a:r>
-            <a:endParaRPr lang="en-US" altLang="zh-TW" sz="5400" b="1" dirty="0" smtClean="0">
+            <a:endParaRPr lang="en-US" altLang="zh-TW" sz="4400" b="1" dirty="0" smtClean="0">
               <a:solidFill>
                 <a:schemeClr val="bg1"/>
               </a:solidFill>
@@ -8929,7 +9011,7 @@
               <a:buNone/>
             </a:pPr>
             <a:r>
-              <a:rPr lang="en-US" altLang="zh-TW" sz="3600" dirty="0" err="1" smtClean="0">
+              <a:rPr lang="en-US" altLang="zh-TW" sz="2800" dirty="0" err="1" smtClean="0">
                 <a:solidFill>
                   <a:schemeClr val="bg1"/>
                 </a:solidFill>
@@ -8937,15 +9019,15 @@
               <a:t>yǔ</a:t>
             </a:r>
             <a:r>
-              <a:rPr lang="en-US" altLang="zh-TW" sz="3600" dirty="0" smtClean="0">
-                <a:solidFill>
-                  <a:schemeClr val="bg1"/>
-                </a:solidFill>
-              </a:rPr>
-              <a:t> </a:t>
-            </a:r>
-            <a:r>
-              <a:rPr lang="en-US" altLang="zh-TW" sz="3600" dirty="0" err="1">
+              <a:rPr lang="en-US" altLang="zh-TW" sz="2800" dirty="0" smtClean="0">
+                <a:solidFill>
+                  <a:schemeClr val="bg1"/>
+                </a:solidFill>
+              </a:rPr>
+              <a:t> </a:t>
+            </a:r>
+            <a:r>
+              <a:rPr lang="en-US" altLang="zh-TW" sz="2800" dirty="0" err="1">
                 <a:solidFill>
                   <a:schemeClr val="bg1"/>
                 </a:solidFill>
@@ -8953,14 +9035,14 @@
               <a:t>nǐ</a:t>
             </a:r>
             <a:r>
-              <a:rPr lang="en-US" altLang="zh-TW" sz="3600" dirty="0">
-                <a:solidFill>
-                  <a:schemeClr val="bg1"/>
-                </a:solidFill>
-              </a:rPr>
-              <a:t> </a:t>
-            </a:r>
-            <a:endParaRPr lang="en-US" altLang="zh-TW" sz="3600" dirty="0" smtClean="0">
+              <a:rPr lang="en-US" altLang="zh-TW" sz="2800" dirty="0">
+                <a:solidFill>
+                  <a:schemeClr val="bg1"/>
+                </a:solidFill>
+              </a:rPr>
+              <a:t> </a:t>
+            </a:r>
+            <a:endParaRPr lang="en-US" altLang="zh-TW" sz="2800" dirty="0" smtClean="0">
               <a:solidFill>
                 <a:schemeClr val="bg1"/>
               </a:solidFill>
@@ -8971,7 +9053,7 @@
               <a:buNone/>
             </a:pPr>
             <a:r>
-              <a:rPr lang="zh-TW" altLang="en-US" sz="5400" b="1" dirty="0">
+              <a:rPr lang="zh-TW" altLang="en-US" sz="4400" b="1" dirty="0">
                 <a:solidFill>
                   <a:schemeClr val="bg1"/>
                 </a:solidFill>
@@ -8980,7 +9062,7 @@
               </a:rPr>
               <a:t>同行</a:t>
             </a:r>
-            <a:endParaRPr lang="en-US" altLang="zh-TW" sz="5400" b="1" dirty="0">
+            <a:endParaRPr lang="en-US" altLang="zh-TW" sz="4400" b="1" dirty="0">
               <a:solidFill>
                 <a:schemeClr val="bg1"/>
               </a:solidFill>
@@ -8993,7 +9075,7 @@
               <a:buNone/>
             </a:pPr>
             <a:r>
-              <a:rPr lang="en-US" altLang="zh-TW" sz="3600" dirty="0" err="1" smtClean="0">
+              <a:rPr lang="en-US" altLang="zh-TW" sz="2800" dirty="0" err="1" smtClean="0">
                 <a:solidFill>
                   <a:schemeClr val="bg1"/>
                 </a:solidFill>
@@ -9001,22 +9083,22 @@
               <a:t>tóng</a:t>
             </a:r>
             <a:r>
-              <a:rPr lang="en-US" altLang="zh-TW" sz="3600" dirty="0" smtClean="0">
-                <a:solidFill>
-                  <a:schemeClr val="bg1"/>
-                </a:solidFill>
-              </a:rPr>
-              <a:t> </a:t>
-            </a:r>
-            <a:r>
-              <a:rPr lang="en-US" altLang="zh-TW" sz="3600" dirty="0" err="1" smtClean="0">
+              <a:rPr lang="en-US" altLang="zh-TW" sz="2800" dirty="0" smtClean="0">
+                <a:solidFill>
+                  <a:schemeClr val="bg1"/>
+                </a:solidFill>
+              </a:rPr>
+              <a:t> </a:t>
+            </a:r>
+            <a:r>
+              <a:rPr lang="en-US" altLang="zh-TW" sz="2800" dirty="0" err="1" smtClean="0">
                 <a:solidFill>
                   <a:schemeClr val="bg1"/>
                 </a:solidFill>
               </a:rPr>
               <a:t>xíng</a:t>
             </a:r>
-            <a:endParaRPr lang="zh-TW" altLang="en-US" sz="3600" dirty="0">
+            <a:endParaRPr lang="zh-TW" altLang="en-US" sz="2800" dirty="0">
               <a:solidFill>
                 <a:schemeClr val="bg1"/>
               </a:solidFill>
@@ -9027,7 +9109,7 @@
     </p:spTree>
     <p:extLst>
       <p:ext uri="{BB962C8B-B14F-4D97-AF65-F5344CB8AC3E}">
-        <p14:creationId xmlns:p14="http://schemas.microsoft.com/office/powerpoint/2010/main" val="2935968495"/>
+        <p14:creationId xmlns:p14="http://schemas.microsoft.com/office/powerpoint/2010/main" xmlns="" val="2935968495"/>
       </p:ext>
     </p:extLst>
   </p:cSld>
@@ -9066,7 +9148,7 @@
           <a:blip r:embed="rId2">
             <a:extLst>
               <a:ext uri="{28A0092B-C50C-407E-A947-70E740481C1C}">
-                <a14:useLocalDpi xmlns:a14="http://schemas.microsoft.com/office/drawing/2010/main" val="0"/>
+                <a14:useLocalDpi xmlns:a14="http://schemas.microsoft.com/office/drawing/2010/main" xmlns="" val="0"/>
               </a:ext>
             </a:extLst>
           </a:blip>
@@ -9078,7 +9160,7 @@
         <p:spPr bwMode="auto">
           <a:xfrm>
             <a:off x="0" y="0"/>
-            <a:ext cx="9142942" cy="6858000"/>
+            <a:ext cx="9142942" cy="5143500"/>
           </a:xfrm>
           <a:prstGeom prst="rect">
             <a:avLst/>
@@ -9086,7 +9168,7 @@
           <a:noFill/>
           <a:extLst>
             <a:ext uri="{909E8E84-426E-40DD-AFC4-6F175D3DCCD1}">
-              <a14:hiddenFill xmlns:a14="http://schemas.microsoft.com/office/drawing/2010/main">
+              <a14:hiddenFill xmlns:a14="http://schemas.microsoft.com/office/drawing/2010/main" xmlns="">
                 <a:solidFill>
                   <a:srgbClr val="FFFFFF"/>
                 </a:solidFill>
@@ -9107,13 +9189,13 @@
         </p:nvSpPr>
         <p:spPr>
           <a:xfrm>
-            <a:off x="313690" y="980728"/>
-            <a:ext cx="8515562" cy="4525963"/>
+            <a:off x="313690" y="735546"/>
+            <a:ext cx="8515562" cy="3394472"/>
           </a:xfrm>
         </p:spPr>
         <p:txBody>
           <a:bodyPr>
-            <a:normAutofit fontScale="92500" lnSpcReduction="20000"/>
+            <a:normAutofit fontScale="70000" lnSpcReduction="20000"/>
           </a:bodyPr>
           <a:lstStyle/>
           <a:p>
@@ -9396,7 +9478,7 @@
     </p:spTree>
     <p:extLst>
       <p:ext uri="{BB962C8B-B14F-4D97-AF65-F5344CB8AC3E}">
-        <p14:creationId xmlns:p14="http://schemas.microsoft.com/office/powerpoint/2010/main" val="528120197"/>
+        <p14:creationId xmlns:p14="http://schemas.microsoft.com/office/powerpoint/2010/main" xmlns="" val="528120197"/>
       </p:ext>
     </p:extLst>
   </p:cSld>
@@ -9435,7 +9517,7 @@
           <a:blip r:embed="rId3">
             <a:extLst>
               <a:ext uri="{28A0092B-C50C-407E-A947-70E740481C1C}">
-                <a14:useLocalDpi xmlns:a14="http://schemas.microsoft.com/office/drawing/2010/main" val="0"/>
+                <a14:useLocalDpi xmlns:a14="http://schemas.microsoft.com/office/drawing/2010/main" xmlns="" val="0"/>
               </a:ext>
             </a:extLst>
           </a:blip>
@@ -9447,7 +9529,7 @@
         <p:spPr bwMode="auto">
           <a:xfrm>
             <a:off x="0" y="0"/>
-            <a:ext cx="9142942" cy="6858000"/>
+            <a:ext cx="9142942" cy="5143500"/>
           </a:xfrm>
           <a:prstGeom prst="rect">
             <a:avLst/>
@@ -9455,7 +9537,7 @@
           <a:noFill/>
           <a:extLst>
             <a:ext uri="{909E8E84-426E-40DD-AFC4-6F175D3DCCD1}">
-              <a14:hiddenFill xmlns:a14="http://schemas.microsoft.com/office/drawing/2010/main">
+              <a14:hiddenFill xmlns:a14="http://schemas.microsoft.com/office/drawing/2010/main" xmlns="">
                 <a:solidFill>
                   <a:srgbClr val="FFFFFF"/>
                 </a:solidFill>
@@ -9476,8 +9558,8 @@
         </p:nvSpPr>
         <p:spPr>
           <a:xfrm>
-            <a:off x="539552" y="703237"/>
-            <a:ext cx="8229600" cy="5534075"/>
+            <a:off x="539552" y="527428"/>
+            <a:ext cx="8229600" cy="4150556"/>
           </a:xfrm>
         </p:spPr>
         <p:txBody>
@@ -9490,7 +9572,7 @@
               <a:buNone/>
             </a:pPr>
             <a:r>
-              <a:rPr lang="zh-TW" altLang="en-US" sz="6000" b="1" dirty="0">
+              <a:rPr lang="zh-TW" altLang="en-US" sz="4800" b="1" dirty="0">
                 <a:solidFill>
                   <a:srgbClr val="0070C0"/>
                 </a:solidFill>
@@ -9500,7 +9582,7 @@
               <a:t>別擔心</a:t>
             </a:r>
             <a:r>
-              <a:rPr lang="en-US" altLang="zh-TW" sz="6000" b="1" dirty="0">
+              <a:rPr lang="en-US" altLang="zh-TW" sz="4800" b="1" dirty="0">
                 <a:solidFill>
                   <a:srgbClr val="0070C0"/>
                 </a:solidFill>
@@ -9510,7 +9592,7 @@
               <a:t>! </a:t>
             </a:r>
             <a:r>
-              <a:rPr lang="zh-TW" altLang="en-US" sz="6000" b="1" dirty="0">
+              <a:rPr lang="zh-TW" altLang="en-US" sz="4800" b="1" dirty="0">
                 <a:solidFill>
                   <a:srgbClr val="0070C0"/>
                 </a:solidFill>
@@ -9525,78 +9607,78 @@
               <a:buNone/>
             </a:pPr>
             <a:r>
-              <a:rPr lang="en-US" altLang="zh-TW" sz="4000" dirty="0" err="1"/>
+              <a:rPr lang="en-US" altLang="zh-TW" dirty="0" err="1"/>
               <a:t>bié</a:t>
             </a:r>
             <a:r>
-              <a:rPr lang="en-US" altLang="zh-TW" sz="4000" dirty="0"/>
-              <a:t> </a:t>
-            </a:r>
-            <a:r>
-              <a:rPr lang="en-US" altLang="zh-TW" sz="4000" dirty="0" err="1" smtClean="0"/>
+              <a:rPr lang="en-US" altLang="zh-TW" dirty="0"/>
+              <a:t> </a:t>
+            </a:r>
+            <a:r>
+              <a:rPr lang="en-US" altLang="zh-TW" dirty="0" err="1" smtClean="0"/>
               <a:t>dān</a:t>
             </a:r>
             <a:r>
-              <a:rPr lang="en-US" altLang="zh-TW" sz="4000" dirty="0" smtClean="0"/>
-              <a:t> </a:t>
-            </a:r>
-            <a:r>
-              <a:rPr lang="en-US" altLang="zh-TW" sz="4000" dirty="0" err="1" smtClean="0"/>
+              <a:rPr lang="en-US" altLang="zh-TW" dirty="0" smtClean="0"/>
+              <a:t> </a:t>
+            </a:r>
+            <a:r>
+              <a:rPr lang="en-US" altLang="zh-TW" dirty="0" err="1" smtClean="0"/>
               <a:t>xīn</a:t>
             </a:r>
             <a:r>
-              <a:rPr lang="en-US" altLang="zh-TW" sz="4000" dirty="0" smtClean="0"/>
+              <a:rPr lang="en-US" altLang="zh-TW" dirty="0" smtClean="0"/>
               <a:t>!      </a:t>
             </a:r>
             <a:r>
-              <a:rPr lang="en-US" altLang="zh-TW" sz="4000" dirty="0" err="1"/>
+              <a:rPr lang="en-US" altLang="zh-TW" dirty="0" err="1"/>
               <a:t>Tiān</a:t>
             </a:r>
             <a:r>
-              <a:rPr lang="en-US" altLang="zh-TW" sz="4000" dirty="0"/>
-              <a:t> </a:t>
-            </a:r>
-            <a:r>
-              <a:rPr lang="en-US" altLang="zh-TW" sz="4000" dirty="0" err="1"/>
+              <a:rPr lang="en-US" altLang="zh-TW" dirty="0"/>
+              <a:t> </a:t>
+            </a:r>
+            <a:r>
+              <a:rPr lang="en-US" altLang="zh-TW" dirty="0" err="1"/>
               <a:t>fù</a:t>
             </a:r>
             <a:r>
-              <a:rPr lang="en-US" altLang="zh-TW" sz="4000" dirty="0"/>
-              <a:t> </a:t>
-            </a:r>
-            <a:r>
-              <a:rPr lang="en-US" altLang="zh-TW" sz="4000" dirty="0" err="1"/>
+              <a:rPr lang="en-US" altLang="zh-TW" dirty="0"/>
+              <a:t> </a:t>
+            </a:r>
+            <a:r>
+              <a:rPr lang="en-US" altLang="zh-TW" dirty="0" err="1"/>
               <a:t>tā</a:t>
             </a:r>
             <a:r>
-              <a:rPr lang="en-US" altLang="zh-TW" sz="4000" dirty="0"/>
-              <a:t> </a:t>
-            </a:r>
-            <a:r>
-              <a:rPr lang="en-US" altLang="zh-TW" sz="4000" dirty="0" err="1"/>
+              <a:rPr lang="en-US" altLang="zh-TW" dirty="0"/>
+              <a:t> </a:t>
+            </a:r>
+            <a:r>
+              <a:rPr lang="en-US" altLang="zh-TW" dirty="0" err="1"/>
               <a:t>hǎo</a:t>
             </a:r>
             <a:r>
-              <a:rPr lang="en-US" altLang="zh-TW" sz="4000" dirty="0"/>
-              <a:t> </a:t>
-            </a:r>
-            <a:r>
-              <a:rPr lang="en-US" altLang="zh-TW" sz="4000" dirty="0" err="1"/>
+              <a:rPr lang="en-US" altLang="zh-TW" dirty="0"/>
+              <a:t> </a:t>
+            </a:r>
+            <a:r>
+              <a:rPr lang="en-US" altLang="zh-TW" dirty="0" err="1"/>
               <a:t>ài</a:t>
             </a:r>
             <a:r>
-              <a:rPr lang="en-US" altLang="zh-TW" sz="4000" dirty="0"/>
-              <a:t> </a:t>
-            </a:r>
-            <a:r>
-              <a:rPr lang="en-US" altLang="zh-TW" sz="4000" dirty="0" err="1"/>
+              <a:rPr lang="en-US" altLang="zh-TW" dirty="0"/>
+              <a:t> </a:t>
+            </a:r>
+            <a:r>
+              <a:rPr lang="en-US" altLang="zh-TW" dirty="0" err="1"/>
               <a:t>nǐ</a:t>
             </a:r>
             <a:r>
-              <a:rPr lang="en-US" altLang="zh-TW" sz="4000" dirty="0"/>
-              <a:t> </a:t>
-            </a:r>
-            <a:endParaRPr lang="zh-TW" altLang="en-US" sz="4000" b="1" dirty="0">
+              <a:rPr lang="en-US" altLang="zh-TW" dirty="0"/>
+              <a:t> </a:t>
+            </a:r>
+            <a:endParaRPr lang="zh-TW" altLang="en-US" b="1" dirty="0">
               <a:solidFill>
                 <a:srgbClr val="0070C0"/>
               </a:solidFill>
@@ -9609,7 +9691,7 @@
               <a:buNone/>
             </a:pPr>
             <a:r>
-              <a:rPr lang="zh-TW" altLang="en-US" sz="6000" b="1" dirty="0">
+              <a:rPr lang="zh-TW" altLang="en-US" sz="4800" b="1" dirty="0">
                 <a:solidFill>
                   <a:srgbClr val="0070C0"/>
                 </a:solidFill>
@@ -9624,50 +9706,50 @@
               <a:buNone/>
             </a:pPr>
             <a:r>
-              <a:rPr lang="en-US" altLang="zh-TW" sz="4000" dirty="0" err="1" smtClean="0"/>
+              <a:rPr lang="en-US" altLang="zh-TW" dirty="0" err="1" smtClean="0"/>
               <a:t>tiān</a:t>
             </a:r>
             <a:r>
-              <a:rPr lang="en-US" altLang="zh-TW" sz="4000" dirty="0" smtClean="0"/>
-              <a:t> </a:t>
-            </a:r>
-            <a:r>
-              <a:rPr lang="en-US" altLang="zh-TW" sz="4000" dirty="0" err="1"/>
+              <a:rPr lang="en-US" altLang="zh-TW" dirty="0" smtClean="0"/>
+              <a:t> </a:t>
+            </a:r>
+            <a:r>
+              <a:rPr lang="en-US" altLang="zh-TW" dirty="0" err="1"/>
               <a:t>fù</a:t>
             </a:r>
             <a:r>
-              <a:rPr lang="en-US" altLang="zh-TW" sz="4000" dirty="0"/>
-              <a:t> </a:t>
-            </a:r>
-            <a:r>
-              <a:rPr lang="en-US" altLang="zh-TW" sz="4000" dirty="0" err="1"/>
+              <a:rPr lang="en-US" altLang="zh-TW" dirty="0"/>
+              <a:t> </a:t>
+            </a:r>
+            <a:r>
+              <a:rPr lang="en-US" altLang="zh-TW" dirty="0" err="1"/>
               <a:t>tā</a:t>
             </a:r>
             <a:r>
-              <a:rPr lang="en-US" altLang="zh-TW" sz="4000" dirty="0"/>
-              <a:t> </a:t>
-            </a:r>
-            <a:r>
-              <a:rPr lang="en-US" altLang="zh-TW" sz="4000" dirty="0" err="1" smtClean="0"/>
+              <a:rPr lang="en-US" altLang="zh-TW" dirty="0"/>
+              <a:t> </a:t>
+            </a:r>
+            <a:r>
+              <a:rPr lang="en-US" altLang="zh-TW" dirty="0" err="1" smtClean="0"/>
               <a:t>kàn</a:t>
             </a:r>
             <a:r>
-              <a:rPr lang="en-US" altLang="zh-TW" sz="4000" dirty="0" smtClean="0"/>
-              <a:t> </a:t>
-            </a:r>
-            <a:r>
-              <a:rPr lang="en-US" altLang="zh-TW" sz="4000" dirty="0" err="1" smtClean="0"/>
+              <a:rPr lang="en-US" altLang="zh-TW" dirty="0" smtClean="0"/>
+              <a:t> </a:t>
+            </a:r>
+            <a:r>
+              <a:rPr lang="en-US" altLang="zh-TW" dirty="0" err="1" smtClean="0"/>
               <a:t>gù</a:t>
             </a:r>
             <a:r>
-              <a:rPr lang="en-US" altLang="zh-TW" sz="4000" dirty="0" smtClean="0"/>
-              <a:t> </a:t>
-            </a:r>
-            <a:r>
-              <a:rPr lang="en-US" altLang="zh-TW" sz="4000" dirty="0" err="1"/>
+              <a:rPr lang="en-US" altLang="zh-TW" dirty="0" smtClean="0"/>
+              <a:t> </a:t>
+            </a:r>
+            <a:r>
+              <a:rPr lang="en-US" altLang="zh-TW" dirty="0" err="1"/>
               <a:t>nǐ</a:t>
             </a:r>
-            <a:endParaRPr lang="zh-TW" altLang="en-US" sz="4000" b="1" dirty="0">
+            <a:endParaRPr lang="zh-TW" altLang="en-US" b="1" dirty="0">
               <a:solidFill>
                 <a:srgbClr val="0070C0"/>
               </a:solidFill>
@@ -9680,7 +9762,7 @@
               <a:buNone/>
             </a:pPr>
             <a:r>
-              <a:rPr lang="zh-TW" altLang="en-US" sz="6000" b="1" dirty="0">
+              <a:rPr lang="zh-TW" altLang="en-US" sz="4800" b="1" dirty="0">
                 <a:solidFill>
                   <a:srgbClr val="0070C0"/>
                 </a:solidFill>
@@ -9690,7 +9772,7 @@
               <a:t>這一生都與你</a:t>
             </a:r>
             <a:r>
-              <a:rPr lang="zh-TW" altLang="en-US" sz="6000" b="1" dirty="0" smtClean="0">
+              <a:rPr lang="zh-TW" altLang="en-US" sz="4800" b="1" dirty="0" smtClean="0">
                 <a:solidFill>
                   <a:srgbClr val="0070C0"/>
                 </a:solidFill>
@@ -9699,7 +9781,7 @@
               </a:rPr>
               <a:t>同行</a:t>
             </a:r>
-            <a:endParaRPr lang="en-US" altLang="zh-TW" sz="6000" b="1" dirty="0" smtClean="0">
+            <a:endParaRPr lang="en-US" altLang="zh-TW" sz="4800" b="1" dirty="0" smtClean="0">
               <a:solidFill>
                 <a:srgbClr val="0070C0"/>
               </a:solidFill>
@@ -9712,73 +9794,73 @@
               <a:buNone/>
             </a:pPr>
             <a:r>
-              <a:rPr lang="en-US" altLang="zh-TW" sz="4000" dirty="0" err="1"/>
+              <a:rPr lang="en-US" altLang="zh-TW" dirty="0" err="1"/>
               <a:t>zhè</a:t>
             </a:r>
             <a:r>
-              <a:rPr lang="en-US" altLang="zh-TW" sz="4000" dirty="0"/>
-              <a:t> </a:t>
-            </a:r>
-            <a:r>
-              <a:rPr lang="en-US" altLang="zh-TW" sz="4000" dirty="0" err="1" smtClean="0"/>
+              <a:rPr lang="en-US" altLang="zh-TW" dirty="0"/>
+              <a:t> </a:t>
+            </a:r>
+            <a:r>
+              <a:rPr lang="en-US" altLang="zh-TW" dirty="0" err="1" smtClean="0"/>
               <a:t>yī</a:t>
             </a:r>
             <a:r>
-              <a:rPr lang="en-US" altLang="zh-TW" sz="4000" dirty="0" smtClean="0"/>
-              <a:t> </a:t>
-            </a:r>
-            <a:r>
-              <a:rPr lang="en-US" altLang="zh-TW" sz="4000" dirty="0" err="1" smtClean="0"/>
+              <a:rPr lang="en-US" altLang="zh-TW" dirty="0" smtClean="0"/>
+              <a:t> </a:t>
+            </a:r>
+            <a:r>
+              <a:rPr lang="en-US" altLang="zh-TW" dirty="0" err="1" smtClean="0"/>
               <a:t>shēng</a:t>
             </a:r>
             <a:r>
-              <a:rPr lang="en-US" altLang="zh-TW" sz="4000" dirty="0" smtClean="0"/>
-              <a:t> </a:t>
-            </a:r>
-            <a:r>
-              <a:rPr lang="en-US" altLang="zh-TW" sz="4000" dirty="0" err="1"/>
+              <a:rPr lang="en-US" altLang="zh-TW" dirty="0" smtClean="0"/>
+              <a:t> </a:t>
+            </a:r>
+            <a:r>
+              <a:rPr lang="en-US" altLang="zh-TW" dirty="0" err="1"/>
               <a:t>dōu</a:t>
             </a:r>
             <a:r>
-              <a:rPr lang="en-US" altLang="zh-TW" sz="4000" dirty="0"/>
-              <a:t> </a:t>
-            </a:r>
-            <a:r>
-              <a:rPr lang="en-US" altLang="zh-TW" sz="4000" dirty="0" err="1"/>
+              <a:rPr lang="en-US" altLang="zh-TW" dirty="0"/>
+              <a:t> </a:t>
+            </a:r>
+            <a:r>
+              <a:rPr lang="en-US" altLang="zh-TW" dirty="0" err="1"/>
               <a:t>yǔ</a:t>
             </a:r>
             <a:r>
-              <a:rPr lang="en-US" altLang="zh-TW" sz="4000" dirty="0"/>
-              <a:t> </a:t>
-            </a:r>
-            <a:r>
-              <a:rPr lang="en-US" altLang="zh-TW" sz="4000" dirty="0" err="1"/>
+              <a:rPr lang="en-US" altLang="zh-TW" dirty="0"/>
+              <a:t> </a:t>
+            </a:r>
+            <a:r>
+              <a:rPr lang="en-US" altLang="zh-TW" dirty="0" err="1"/>
               <a:t>nǐ</a:t>
             </a:r>
             <a:r>
-              <a:rPr lang="en-US" altLang="zh-TW" sz="4000" dirty="0"/>
-              <a:t> </a:t>
-            </a:r>
-            <a:r>
-              <a:rPr lang="en-US" altLang="zh-TW" sz="4000" dirty="0" err="1" smtClean="0"/>
+              <a:rPr lang="en-US" altLang="zh-TW" dirty="0"/>
+              <a:t> </a:t>
+            </a:r>
+            <a:r>
+              <a:rPr lang="en-US" altLang="zh-TW" dirty="0" err="1" smtClean="0"/>
               <a:t>tóng</a:t>
             </a:r>
             <a:r>
-              <a:rPr lang="en-US" altLang="zh-TW" sz="4000" dirty="0" smtClean="0"/>
-              <a:t> </a:t>
-            </a:r>
-            <a:r>
-              <a:rPr lang="en-US" altLang="zh-TW" sz="4000" dirty="0" err="1" smtClean="0"/>
+              <a:rPr lang="en-US" altLang="zh-TW" dirty="0" smtClean="0"/>
+              <a:t> </a:t>
+            </a:r>
+            <a:r>
+              <a:rPr lang="en-US" altLang="zh-TW" dirty="0" err="1" smtClean="0"/>
               <a:t>xíng</a:t>
             </a:r>
-            <a:endParaRPr lang="zh-TW" altLang="en-US" sz="4000" dirty="0"/>
+            <a:endParaRPr lang="zh-TW" altLang="en-US" dirty="0"/>
           </a:p>
         </p:txBody>
       </p:sp>
     </p:spTree>
     <p:extLst>
       <p:ext uri="{BB962C8B-B14F-4D97-AF65-F5344CB8AC3E}">
-        <p14:creationId xmlns:p14="http://schemas.microsoft.com/office/powerpoint/2010/main" val="4200999271"/>
+        <p14:creationId xmlns:p14="http://schemas.microsoft.com/office/powerpoint/2010/main" xmlns="" val="4200999271"/>
       </p:ext>
     </p:extLst>
   </p:cSld>
@@ -9817,7 +9899,7 @@
           <a:blip r:embed="rId2">
             <a:extLst>
               <a:ext uri="{28A0092B-C50C-407E-A947-70E740481C1C}">
-                <a14:useLocalDpi xmlns:a14="http://schemas.microsoft.com/office/drawing/2010/main" val="0"/>
+                <a14:useLocalDpi xmlns:a14="http://schemas.microsoft.com/office/drawing/2010/main" xmlns="" val="0"/>
               </a:ext>
             </a:extLst>
           </a:blip>
@@ -9829,7 +9911,7 @@
         <p:spPr bwMode="auto">
           <a:xfrm>
             <a:off x="0" y="0"/>
-            <a:ext cx="9144000" cy="6858000"/>
+            <a:ext cx="9144000" cy="5143500"/>
           </a:xfrm>
           <a:prstGeom prst="rect">
             <a:avLst/>
@@ -9837,7 +9919,7 @@
           <a:noFill/>
           <a:extLst>
             <a:ext uri="{909E8E84-426E-40DD-AFC4-6F175D3DCCD1}">
-              <a14:hiddenFill xmlns:a14="http://schemas.microsoft.com/office/drawing/2010/main">
+              <a14:hiddenFill xmlns:a14="http://schemas.microsoft.com/office/drawing/2010/main" xmlns="">
                 <a:solidFill>
                   <a:srgbClr val="FFFFFF"/>
                 </a:solidFill>
@@ -9858,8 +9940,8 @@
         </p:nvSpPr>
         <p:spPr>
           <a:xfrm>
-            <a:off x="539552" y="548680"/>
-            <a:ext cx="2108920" cy="5904656"/>
+            <a:off x="357158" y="285734"/>
+            <a:ext cx="2108920" cy="4428492"/>
           </a:xfrm>
         </p:spPr>
         <p:txBody>
@@ -9872,7 +9954,7 @@
               <a:buNone/>
             </a:pPr>
             <a:r>
-              <a:rPr lang="zh-TW" altLang="en-US" sz="5400" b="1" dirty="0" smtClean="0">
+              <a:rPr lang="zh-TW" altLang="en-US" sz="4400" b="1" dirty="0" smtClean="0">
                 <a:solidFill>
                   <a:schemeClr val="bg1"/>
                 </a:solidFill>
@@ -9881,39 +9963,7 @@
               </a:rPr>
               <a:t>感謝</a:t>
             </a:r>
-            <a:r>
-              <a:rPr lang="en-US" altLang="zh-TW" sz="3600" dirty="0" err="1">
-                <a:solidFill>
-                  <a:schemeClr val="bg1"/>
-                </a:solidFill>
-              </a:rPr>
-              <a:t>Gǎn</a:t>
-            </a:r>
-            <a:r>
-              <a:rPr lang="en-US" altLang="zh-TW" sz="3600" dirty="0">
-                <a:solidFill>
-                  <a:schemeClr val="bg1"/>
-                </a:solidFill>
-              </a:rPr>
-              <a:t> </a:t>
-            </a:r>
-            <a:r>
-              <a:rPr lang="en-US" altLang="zh-TW" sz="3600" dirty="0" err="1">
-                <a:solidFill>
-                  <a:schemeClr val="bg1"/>
-                </a:solidFill>
-              </a:rPr>
-              <a:t>xiè</a:t>
-            </a:r>
-            <a:r>
-              <a:rPr lang="en-US" altLang="zh-TW" sz="3600" dirty="0">
-                <a:solidFill>
-                  <a:schemeClr val="bg1"/>
-                </a:solidFill>
-              </a:rPr>
-              <a:t> </a:t>
-            </a:r>
-            <a:endParaRPr lang="en-US" altLang="zh-TW" sz="3600" b="1" dirty="0" smtClean="0">
+            <a:endParaRPr lang="en-US" altLang="zh-TW" sz="4400" b="1" dirty="0" smtClean="0">
               <a:solidFill>
                 <a:schemeClr val="bg1"/>
               </a:solidFill>
@@ -9926,26 +9976,38 @@
               <a:buNone/>
             </a:pPr>
             <a:r>
-              <a:rPr lang="zh-TW" altLang="en-US" sz="5400" b="1" dirty="0">
-                <a:solidFill>
-                  <a:schemeClr val="bg1"/>
-                </a:solidFill>
-                <a:latin typeface="標楷體" pitchFamily="65" charset="-120"/>
-                <a:ea typeface="標楷體" pitchFamily="65" charset="-120"/>
-              </a:rPr>
-              <a:t>賜</a:t>
-            </a:r>
-            <a:r>
-              <a:rPr lang="zh-TW" altLang="en-US" sz="5400" b="1" dirty="0" smtClean="0">
-                <a:solidFill>
-                  <a:schemeClr val="bg1"/>
-                </a:solidFill>
-                <a:latin typeface="標楷體" pitchFamily="65" charset="-120"/>
-                <a:ea typeface="標楷體" pitchFamily="65" charset="-120"/>
-              </a:rPr>
-              <a:t>給</a:t>
-            </a:r>
-            <a:endParaRPr lang="en-US" altLang="zh-TW" sz="5400" b="1" dirty="0" smtClean="0">
+              <a:rPr lang="en-US" altLang="zh-TW" sz="2800" dirty="0" err="1" smtClean="0">
+                <a:solidFill>
+                  <a:schemeClr val="bg1"/>
+                </a:solidFill>
+              </a:rPr>
+              <a:t>Gǎn</a:t>
+            </a:r>
+            <a:r>
+              <a:rPr lang="en-US" altLang="zh-TW" sz="2800" dirty="0" smtClean="0">
+                <a:solidFill>
+                  <a:schemeClr val="bg1"/>
+                </a:solidFill>
+              </a:rPr>
+              <a:t> </a:t>
+            </a:r>
+            <a:r>
+              <a:rPr lang="en-US" altLang="zh-TW" sz="2800" dirty="0" err="1">
+                <a:solidFill>
+                  <a:schemeClr val="bg1"/>
+                </a:solidFill>
+              </a:rPr>
+              <a:t>xiè</a:t>
+            </a:r>
+            <a:r>
+              <a:rPr lang="en-US" altLang="zh-TW" sz="2800" dirty="0">
+                <a:solidFill>
+                  <a:schemeClr val="bg1"/>
+                </a:solidFill>
+              </a:rPr>
+              <a:t> </a:t>
+            </a:r>
+            <a:endParaRPr lang="en-US" altLang="zh-TW" sz="2800" b="1" dirty="0" smtClean="0">
               <a:solidFill>
                 <a:schemeClr val="bg1"/>
               </a:solidFill>
@@ -9958,7 +10020,39 @@
               <a:buNone/>
             </a:pPr>
             <a:r>
-              <a:rPr lang="en-US" altLang="zh-TW" sz="4000" dirty="0" err="1">
+              <a:rPr lang="zh-TW" altLang="en-US" sz="4400" b="1" dirty="0">
+                <a:solidFill>
+                  <a:schemeClr val="bg1"/>
+                </a:solidFill>
+                <a:latin typeface="標楷體" pitchFamily="65" charset="-120"/>
+                <a:ea typeface="標楷體" pitchFamily="65" charset="-120"/>
+              </a:rPr>
+              <a:t>賜</a:t>
+            </a:r>
+            <a:r>
+              <a:rPr lang="zh-TW" altLang="en-US" sz="4400" b="1" dirty="0" smtClean="0">
+                <a:solidFill>
+                  <a:schemeClr val="bg1"/>
+                </a:solidFill>
+                <a:latin typeface="標楷體" pitchFamily="65" charset="-120"/>
+                <a:ea typeface="標楷體" pitchFamily="65" charset="-120"/>
+              </a:rPr>
+              <a:t>給</a:t>
+            </a:r>
+            <a:endParaRPr lang="en-US" altLang="zh-TW" sz="4400" b="1" dirty="0" smtClean="0">
+              <a:solidFill>
+                <a:schemeClr val="bg1"/>
+              </a:solidFill>
+              <a:latin typeface="標楷體" pitchFamily="65" charset="-120"/>
+              <a:ea typeface="標楷體" pitchFamily="65" charset="-120"/>
+            </a:endParaRPr>
+          </a:p>
+          <a:p>
+            <a:pPr marL="0" indent="0" algn="ctr">
+              <a:buNone/>
+            </a:pPr>
+            <a:r>
+              <a:rPr lang="en-US" altLang="zh-TW" dirty="0" err="1">
                 <a:solidFill>
                   <a:schemeClr val="bg1"/>
                 </a:solidFill>
@@ -9966,15 +10060,15 @@
               <a:t>cì</a:t>
             </a:r>
             <a:r>
-              <a:rPr lang="en-US" altLang="zh-TW" sz="4000" dirty="0">
-                <a:solidFill>
-                  <a:schemeClr val="bg1"/>
-                </a:solidFill>
-              </a:rPr>
-              <a:t> </a:t>
-            </a:r>
-            <a:r>
-              <a:rPr lang="en-US" altLang="zh-TW" sz="4000" dirty="0" err="1">
+              <a:rPr lang="en-US" altLang="zh-TW" dirty="0">
+                <a:solidFill>
+                  <a:schemeClr val="bg1"/>
+                </a:solidFill>
+              </a:rPr>
+              <a:t> </a:t>
+            </a:r>
+            <a:r>
+              <a:rPr lang="en-US" altLang="zh-TW" dirty="0" err="1">
                 <a:solidFill>
                   <a:schemeClr val="bg1"/>
                 </a:solidFill>
@@ -9982,14 +10076,14 @@
               <a:t>gěi</a:t>
             </a:r>
             <a:r>
-              <a:rPr lang="en-US" altLang="zh-TW" sz="4000" dirty="0" smtClean="0">
-                <a:solidFill>
-                  <a:schemeClr val="bg1"/>
-                </a:solidFill>
-              </a:rPr>
-              <a:t> </a:t>
-            </a:r>
-            <a:endParaRPr lang="en-US" altLang="zh-TW" sz="4000" dirty="0">
+              <a:rPr lang="en-US" altLang="zh-TW" dirty="0" smtClean="0">
+                <a:solidFill>
+                  <a:schemeClr val="bg1"/>
+                </a:solidFill>
+              </a:rPr>
+              <a:t> </a:t>
+            </a:r>
+            <a:endParaRPr lang="en-US" altLang="zh-TW" dirty="0">
               <a:solidFill>
                 <a:schemeClr val="bg1"/>
               </a:solidFill>
@@ -10000,7 +10094,7 @@
               <a:buNone/>
             </a:pPr>
             <a:r>
-              <a:rPr lang="zh-TW" altLang="en-US" sz="5400" b="1" dirty="0">
+              <a:rPr lang="zh-TW" altLang="en-US" sz="4400" b="1" dirty="0">
                 <a:solidFill>
                   <a:schemeClr val="bg1"/>
                 </a:solidFill>
@@ -10015,15 +10109,15 @@
               <a:buNone/>
             </a:pPr>
             <a:r>
-              <a:rPr lang="en-US" altLang="zh-TW" sz="4000" dirty="0" smtClean="0">
-                <a:solidFill>
-                  <a:schemeClr val="bg1"/>
-                </a:solidFill>
-              </a:rPr>
-              <a:t> </a:t>
-            </a:r>
-            <a:r>
-              <a:rPr lang="en-US" altLang="zh-TW" sz="4000" dirty="0" err="1">
+              <a:rPr lang="en-US" altLang="zh-TW" dirty="0" smtClean="0">
+                <a:solidFill>
+                  <a:schemeClr val="bg1"/>
+                </a:solidFill>
+              </a:rPr>
+              <a:t> </a:t>
+            </a:r>
+            <a:r>
+              <a:rPr lang="en-US" altLang="zh-TW" dirty="0" err="1">
                 <a:solidFill>
                   <a:schemeClr val="bg1"/>
                 </a:solidFill>
@@ -10031,22 +10125,22 @@
               <a:t>yī</a:t>
             </a:r>
             <a:r>
-              <a:rPr lang="en-US" altLang="zh-TW" sz="4000" dirty="0">
-                <a:solidFill>
-                  <a:schemeClr val="bg1"/>
-                </a:solidFill>
-              </a:rPr>
-              <a:t> </a:t>
-            </a:r>
-            <a:r>
-              <a:rPr lang="en-US" altLang="zh-TW" sz="4000" dirty="0" err="1">
+              <a:rPr lang="en-US" altLang="zh-TW" dirty="0">
+                <a:solidFill>
+                  <a:schemeClr val="bg1"/>
+                </a:solidFill>
+              </a:rPr>
+              <a:t> </a:t>
+            </a:r>
+            <a:r>
+              <a:rPr lang="en-US" altLang="zh-TW" dirty="0" err="1">
                 <a:solidFill>
                   <a:schemeClr val="bg1"/>
                 </a:solidFill>
               </a:rPr>
               <a:t>fú</a:t>
             </a:r>
-            <a:endParaRPr lang="zh-TW" altLang="en-US" sz="4000" dirty="0">
+            <a:endParaRPr lang="zh-TW" altLang="en-US" dirty="0">
               <a:solidFill>
                 <a:schemeClr val="bg1"/>
               </a:solidFill>
@@ -10064,8 +10158,8 @@
         </p:nvSpPr>
         <p:spPr>
           <a:xfrm>
-            <a:off x="3275856" y="620688"/>
-            <a:ext cx="2108920" cy="5904656"/>
+            <a:off x="2928926" y="285734"/>
+            <a:ext cx="2108920" cy="4428492"/>
           </a:xfrm>
           <a:prstGeom prst="rect">
             <a:avLst/>
@@ -10217,7 +10311,7 @@
               <a:buNone/>
             </a:pPr>
             <a:r>
-              <a:rPr lang="zh-TW" altLang="en-US" sz="5400" b="1" dirty="0" smtClean="0">
+              <a:rPr lang="zh-TW" altLang="en-US" sz="4400" b="1" dirty="0" smtClean="0">
                 <a:solidFill>
                   <a:schemeClr val="bg1"/>
                 </a:solidFill>
@@ -10226,7 +10320,7 @@
               </a:rPr>
               <a:t>桌</a:t>
             </a:r>
-            <a:endParaRPr lang="en-US" altLang="zh-TW" sz="5400" b="1" dirty="0" smtClean="0">
+            <a:endParaRPr lang="en-US" altLang="zh-TW" sz="4400" b="1" dirty="0" smtClean="0">
               <a:solidFill>
                 <a:schemeClr val="bg1"/>
               </a:solidFill>
@@ -10239,14 +10333,14 @@
               <a:buNone/>
             </a:pPr>
             <a:r>
-              <a:rPr lang="en-US" altLang="zh-TW" sz="3600" dirty="0" err="1" smtClean="0">
+              <a:rPr lang="en-US" altLang="zh-TW" sz="2800" dirty="0" err="1" smtClean="0">
                 <a:solidFill>
                   <a:schemeClr val="bg1"/>
                 </a:solidFill>
               </a:rPr>
               <a:t>Zhuō</a:t>
             </a:r>
-            <a:endParaRPr lang="en-US" altLang="zh-TW" sz="3600" dirty="0" smtClean="0">
+            <a:endParaRPr lang="en-US" altLang="zh-TW" sz="2800" dirty="0" smtClean="0">
               <a:solidFill>
                 <a:schemeClr val="bg1"/>
               </a:solidFill>
@@ -10257,7 +10351,7 @@
               <a:buNone/>
             </a:pPr>
             <a:r>
-              <a:rPr lang="zh-TW" altLang="en-US" sz="5400" b="1" dirty="0" smtClean="0">
+              <a:rPr lang="zh-TW" altLang="en-US" sz="4400" b="1" dirty="0" smtClean="0">
                 <a:solidFill>
                   <a:schemeClr val="bg1"/>
                 </a:solidFill>
@@ -10266,51 +10360,7 @@
               </a:rPr>
               <a:t>還有</a:t>
             </a:r>
-            <a:r>
-              <a:rPr lang="en-US" altLang="zh-TW" sz="4000" dirty="0" err="1">
-                <a:solidFill>
-                  <a:schemeClr val="bg1"/>
-                </a:solidFill>
-              </a:rPr>
-              <a:t>hái</a:t>
-            </a:r>
-            <a:r>
-              <a:rPr lang="en-US" altLang="zh-TW" sz="4000" dirty="0">
-                <a:solidFill>
-                  <a:schemeClr val="bg1"/>
-                </a:solidFill>
-              </a:rPr>
-              <a:t> </a:t>
-            </a:r>
-            <a:r>
-              <a:rPr lang="en-US" altLang="zh-TW" sz="4000" dirty="0" err="1" smtClean="0">
-                <a:solidFill>
-                  <a:schemeClr val="bg1"/>
-                </a:solidFill>
-              </a:rPr>
-              <a:t>yǒu</a:t>
-            </a:r>
-            <a:endParaRPr lang="en-US" altLang="zh-TW" sz="4000" dirty="0" smtClean="0">
-              <a:solidFill>
-                <a:schemeClr val="bg1"/>
-              </a:solidFill>
-            </a:endParaRPr>
-          </a:p>
-          <a:p>
-            <a:pPr marL="0" indent="0" algn="ctr">
-              <a:buNone/>
-            </a:pPr>
-            <a:r>
-              <a:rPr lang="zh-TW" altLang="en-US" sz="5400" b="1" dirty="0">
-                <a:solidFill>
-                  <a:schemeClr val="bg1"/>
-                </a:solidFill>
-                <a:latin typeface="標楷體" pitchFamily="65" charset="-120"/>
-                <a:ea typeface="標楷體" pitchFamily="65" charset="-120"/>
-              </a:rPr>
-              <a:t>食物</a:t>
-            </a:r>
-            <a:endParaRPr lang="en-US" altLang="zh-TW" sz="5400" b="1" dirty="0">
+            <a:endParaRPr lang="en-US" altLang="zh-TW" sz="4400" b="1" dirty="0" smtClean="0">
               <a:solidFill>
                 <a:schemeClr val="bg1"/>
               </a:solidFill>
@@ -10323,7 +10373,63 @@
               <a:buNone/>
             </a:pPr>
             <a:r>
-              <a:rPr lang="en-US" altLang="zh-TW" sz="3600" dirty="0" err="1">
+              <a:rPr lang="en-US" altLang="zh-TW" dirty="0" err="1" smtClean="0">
+                <a:solidFill>
+                  <a:schemeClr val="bg1"/>
+                </a:solidFill>
+              </a:rPr>
+              <a:t>hái</a:t>
+            </a:r>
+            <a:r>
+              <a:rPr lang="en-US" altLang="zh-TW" dirty="0" smtClean="0">
+                <a:solidFill>
+                  <a:schemeClr val="bg1"/>
+                </a:solidFill>
+              </a:rPr>
+              <a:t> </a:t>
+            </a:r>
+            <a:r>
+              <a:rPr lang="en-US" altLang="zh-TW" dirty="0" err="1" smtClean="0">
+                <a:solidFill>
+                  <a:schemeClr val="bg1"/>
+                </a:solidFill>
+              </a:rPr>
+              <a:t>yǒu</a:t>
+            </a:r>
+            <a:endParaRPr lang="en-US" altLang="zh-TW" dirty="0" smtClean="0">
+              <a:solidFill>
+                <a:schemeClr val="bg1"/>
+              </a:solidFill>
+            </a:endParaRPr>
+          </a:p>
+          <a:p>
+            <a:pPr marL="0" indent="0" algn="ctr">
+              <a:buNone/>
+            </a:pPr>
+            <a:r>
+              <a:rPr lang="zh-TW" altLang="en-US" sz="4400" b="1" dirty="0">
+                <a:solidFill>
+                  <a:schemeClr val="bg1"/>
+                </a:solidFill>
+                <a:latin typeface="標楷體" pitchFamily="65" charset="-120"/>
+                <a:ea typeface="標楷體" pitchFamily="65" charset="-120"/>
+              </a:rPr>
+              <a:t>食物</a:t>
+            </a:r>
+            <a:endParaRPr lang="en-US" altLang="zh-TW" sz="4400" b="1" dirty="0">
+              <a:solidFill>
+                <a:schemeClr val="bg1"/>
+              </a:solidFill>
+              <a:latin typeface="標楷體" pitchFamily="65" charset="-120"/>
+              <a:ea typeface="標楷體" pitchFamily="65" charset="-120"/>
+            </a:endParaRPr>
+          </a:p>
+          <a:p>
+            <a:pPr marL="0" indent="0" algn="ctr">
+              <a:buNone/>
+            </a:pPr>
+            <a:r>
+              <a:rPr lang="en-US" altLang="zh-TW" sz="2800" dirty="0" err="1">
                 <a:solidFill>
                   <a:schemeClr val="bg1"/>
                 </a:solidFill>
@@ -10331,22 +10437,22 @@
               <a:t>shí</a:t>
             </a:r>
             <a:r>
-              <a:rPr lang="en-US" altLang="zh-TW" sz="3600" dirty="0">
-                <a:solidFill>
-                  <a:schemeClr val="bg1"/>
-                </a:solidFill>
-              </a:rPr>
-              <a:t> </a:t>
-            </a:r>
-            <a:r>
-              <a:rPr lang="en-US" altLang="zh-TW" sz="3600" dirty="0" err="1">
+              <a:rPr lang="en-US" altLang="zh-TW" sz="2800" dirty="0">
+                <a:solidFill>
+                  <a:schemeClr val="bg1"/>
+                </a:solidFill>
+              </a:rPr>
+              <a:t> </a:t>
+            </a:r>
+            <a:r>
+              <a:rPr lang="en-US" altLang="zh-TW" sz="2800" dirty="0" err="1">
                 <a:solidFill>
                   <a:schemeClr val="bg1"/>
                 </a:solidFill>
               </a:rPr>
               <a:t>wù</a:t>
             </a:r>
-            <a:endParaRPr lang="zh-TW" altLang="en-US" sz="4000" dirty="0">
+            <a:endParaRPr lang="zh-TW" altLang="en-US" dirty="0">
               <a:solidFill>
                 <a:schemeClr val="bg1"/>
               </a:solidFill>
@@ -10364,8 +10470,8 @@
         </p:nvSpPr>
         <p:spPr>
           <a:xfrm>
-            <a:off x="5508104" y="620688"/>
-            <a:ext cx="3147664" cy="5904656"/>
+            <a:off x="5500694" y="285734"/>
+            <a:ext cx="3147664" cy="4428492"/>
           </a:xfrm>
           <a:prstGeom prst="rect">
             <a:avLst/>
@@ -10517,7 +10623,7 @@
               <a:buNone/>
             </a:pPr>
             <a:r>
-              <a:rPr lang="zh-TW" altLang="en-US" sz="5400" b="1" dirty="0" smtClean="0">
+              <a:rPr lang="zh-TW" altLang="en-US" sz="4400" b="1" dirty="0" smtClean="0">
                 <a:solidFill>
                   <a:schemeClr val="bg1"/>
                 </a:solidFill>
@@ -10526,7 +10632,7 @@
               </a:rPr>
               <a:t>明天</a:t>
             </a:r>
-            <a:endParaRPr lang="en-US" altLang="zh-TW" sz="5400" b="1" dirty="0" smtClean="0">
+            <a:endParaRPr lang="en-US" altLang="zh-TW" sz="4400" b="1" dirty="0" smtClean="0">
               <a:solidFill>
                 <a:schemeClr val="bg1"/>
               </a:solidFill>
@@ -10539,7 +10645,7 @@
               <a:buNone/>
             </a:pPr>
             <a:r>
-              <a:rPr lang="en-US" altLang="zh-TW" sz="3600" dirty="0" err="1">
+              <a:rPr lang="en-US" altLang="zh-TW" sz="2800" dirty="0" err="1">
                 <a:solidFill>
                   <a:schemeClr val="bg1"/>
                 </a:solidFill>
@@ -10547,22 +10653,22 @@
               <a:t>Míng</a:t>
             </a:r>
             <a:r>
-              <a:rPr lang="en-US" altLang="zh-TW" sz="3600" dirty="0">
-                <a:solidFill>
-                  <a:schemeClr val="bg1"/>
-                </a:solidFill>
-              </a:rPr>
-              <a:t> </a:t>
-            </a:r>
-            <a:r>
-              <a:rPr lang="en-US" altLang="zh-TW" sz="3600" dirty="0" err="1" smtClean="0">
+              <a:rPr lang="en-US" altLang="zh-TW" sz="2800" dirty="0">
+                <a:solidFill>
+                  <a:schemeClr val="bg1"/>
+                </a:solidFill>
+              </a:rPr>
+              <a:t> </a:t>
+            </a:r>
+            <a:r>
+              <a:rPr lang="en-US" altLang="zh-TW" sz="2800" dirty="0" err="1" smtClean="0">
                 <a:solidFill>
                   <a:schemeClr val="bg1"/>
                 </a:solidFill>
               </a:rPr>
               <a:t>tiān</a:t>
             </a:r>
-            <a:endParaRPr lang="en-US" altLang="zh-TW" sz="3600" dirty="0" smtClean="0">
+            <a:endParaRPr lang="en-US" altLang="zh-TW" sz="2800" dirty="0" smtClean="0">
               <a:solidFill>
                 <a:schemeClr val="bg1"/>
               </a:solidFill>
@@ -10573,7 +10679,7 @@
               <a:buNone/>
             </a:pPr>
             <a:r>
-              <a:rPr lang="zh-TW" altLang="en-US" sz="5400" b="1" dirty="0" smtClean="0">
+              <a:rPr lang="zh-TW" altLang="en-US" sz="4400" b="1" dirty="0" smtClean="0">
                 <a:solidFill>
                   <a:schemeClr val="bg1"/>
                 </a:solidFill>
@@ -10582,7 +10688,7 @@
               </a:rPr>
               <a:t>交給</a:t>
             </a:r>
-            <a:endParaRPr lang="en-US" altLang="zh-TW" sz="5400" b="1" dirty="0" smtClean="0">
+            <a:endParaRPr lang="en-US" altLang="zh-TW" sz="4400" b="1" dirty="0" smtClean="0">
               <a:solidFill>
                 <a:schemeClr val="bg1"/>
               </a:solidFill>
@@ -10595,7 +10701,7 @@
               <a:buNone/>
             </a:pPr>
             <a:r>
-              <a:rPr lang="en-US" altLang="zh-TW" sz="3600" dirty="0" err="1">
+              <a:rPr lang="en-US" altLang="zh-TW" sz="2800" dirty="0" err="1">
                 <a:solidFill>
                   <a:schemeClr val="bg1"/>
                 </a:solidFill>
@@ -10603,22 +10709,22 @@
               <a:t>jiāo</a:t>
             </a:r>
             <a:r>
-              <a:rPr lang="en-US" altLang="zh-TW" sz="3600" dirty="0">
-                <a:solidFill>
-                  <a:schemeClr val="bg1"/>
-                </a:solidFill>
-              </a:rPr>
-              <a:t> </a:t>
-            </a:r>
-            <a:r>
-              <a:rPr lang="en-US" altLang="zh-TW" sz="3600" dirty="0" err="1" smtClean="0">
+              <a:rPr lang="en-US" altLang="zh-TW" sz="2800" dirty="0">
+                <a:solidFill>
+                  <a:schemeClr val="bg1"/>
+                </a:solidFill>
+              </a:rPr>
+              <a:t> </a:t>
+            </a:r>
+            <a:r>
+              <a:rPr lang="en-US" altLang="zh-TW" sz="2800" dirty="0" err="1" smtClean="0">
                 <a:solidFill>
                   <a:schemeClr val="bg1"/>
                 </a:solidFill>
               </a:rPr>
               <a:t>gěi</a:t>
             </a:r>
-            <a:endParaRPr lang="en-US" altLang="zh-TW" sz="3600" dirty="0" smtClean="0">
+            <a:endParaRPr lang="en-US" altLang="zh-TW" sz="2800" dirty="0" smtClean="0">
               <a:solidFill>
                 <a:schemeClr val="bg1"/>
               </a:solidFill>
@@ -10629,7 +10735,7 @@
               <a:buNone/>
             </a:pPr>
             <a:r>
-              <a:rPr lang="zh-TW" altLang="en-US" sz="5400" b="1" dirty="0">
+              <a:rPr lang="zh-TW" altLang="en-US" sz="4400" b="1" dirty="0">
                 <a:solidFill>
                   <a:schemeClr val="bg1"/>
                 </a:solidFill>
@@ -10638,7 +10744,7 @@
               </a:rPr>
               <a:t>彼此相愛</a:t>
             </a:r>
-            <a:endParaRPr lang="en-US" altLang="zh-TW" sz="5400" b="1" dirty="0">
+            <a:endParaRPr lang="en-US" altLang="zh-TW" sz="4400" b="1" dirty="0">
               <a:solidFill>
                 <a:schemeClr val="bg1"/>
               </a:solidFill>
@@ -10651,7 +10757,7 @@
               <a:buNone/>
             </a:pPr>
             <a:r>
-              <a:rPr lang="en-US" altLang="zh-TW" sz="3600" dirty="0" err="1">
+              <a:rPr lang="en-US" altLang="zh-TW" sz="2800" dirty="0" err="1">
                 <a:solidFill>
                   <a:schemeClr val="bg1"/>
                 </a:solidFill>
@@ -10659,15 +10765,15 @@
               <a:t>bǐ</a:t>
             </a:r>
             <a:r>
-              <a:rPr lang="en-US" altLang="zh-TW" sz="3600" dirty="0">
-                <a:solidFill>
-                  <a:schemeClr val="bg1"/>
-                </a:solidFill>
-              </a:rPr>
-              <a:t> </a:t>
-            </a:r>
-            <a:r>
-              <a:rPr lang="en-US" altLang="zh-TW" sz="3600" dirty="0" err="1">
+              <a:rPr lang="en-US" altLang="zh-TW" sz="2800" dirty="0">
+                <a:solidFill>
+                  <a:schemeClr val="bg1"/>
+                </a:solidFill>
+              </a:rPr>
+              <a:t> </a:t>
+            </a:r>
+            <a:r>
+              <a:rPr lang="en-US" altLang="zh-TW" sz="2800" dirty="0" err="1">
                 <a:solidFill>
                   <a:schemeClr val="bg1"/>
                 </a:solidFill>
@@ -10675,15 +10781,15 @@
               <a:t>cǐ</a:t>
             </a:r>
             <a:r>
-              <a:rPr lang="en-US" altLang="zh-TW" sz="3600" dirty="0">
-                <a:solidFill>
-                  <a:schemeClr val="bg1"/>
-                </a:solidFill>
-              </a:rPr>
-              <a:t> </a:t>
-            </a:r>
-            <a:r>
-              <a:rPr lang="en-US" altLang="zh-TW" sz="3600" dirty="0" err="1">
+              <a:rPr lang="en-US" altLang="zh-TW" sz="2800" dirty="0">
+                <a:solidFill>
+                  <a:schemeClr val="bg1"/>
+                </a:solidFill>
+              </a:rPr>
+              <a:t> </a:t>
+            </a:r>
+            <a:r>
+              <a:rPr lang="en-US" altLang="zh-TW" sz="2800" dirty="0" err="1">
                 <a:solidFill>
                   <a:schemeClr val="bg1"/>
                 </a:solidFill>
@@ -10691,22 +10797,22 @@
               <a:t>xiāng</a:t>
             </a:r>
             <a:r>
-              <a:rPr lang="en-US" altLang="zh-TW" sz="3600" dirty="0">
-                <a:solidFill>
-                  <a:schemeClr val="bg1"/>
-                </a:solidFill>
-              </a:rPr>
-              <a:t> </a:t>
-            </a:r>
-            <a:r>
-              <a:rPr lang="en-US" altLang="zh-TW" sz="3600" dirty="0" err="1" smtClean="0">
+              <a:rPr lang="en-US" altLang="zh-TW" sz="2800" dirty="0">
+                <a:solidFill>
+                  <a:schemeClr val="bg1"/>
+                </a:solidFill>
+              </a:rPr>
+              <a:t> </a:t>
+            </a:r>
+            <a:r>
+              <a:rPr lang="en-US" altLang="zh-TW" sz="2800" dirty="0" err="1" smtClean="0">
                 <a:solidFill>
                   <a:schemeClr val="bg1"/>
                 </a:solidFill>
               </a:rPr>
               <a:t>ài</a:t>
             </a:r>
-            <a:endParaRPr lang="en-US" altLang="zh-TW" sz="3600" b="1" dirty="0" smtClean="0">
+            <a:endParaRPr lang="en-US" altLang="zh-TW" sz="2800" b="1" dirty="0" smtClean="0">
               <a:solidFill>
                 <a:schemeClr val="bg1"/>
               </a:solidFill>
@@ -10724,8 +10830,8 @@
         </p:nvSpPr>
         <p:spPr>
           <a:xfrm>
-            <a:off x="3707904" y="5445224"/>
-            <a:ext cx="4018098" cy="923330"/>
+            <a:off x="3500430" y="1643056"/>
+            <a:ext cx="4018098" cy="1200329"/>
           </a:xfrm>
           <a:prstGeom prst="rect">
             <a:avLst/>
@@ -10739,7 +10845,7 @@
           <a:p>
             <a:pPr algn="ctr"/>
             <a:r>
-              <a:rPr lang="zh-TW" altLang="en-US" sz="5400" b="1" dirty="0">
+              <a:rPr lang="zh-TW" altLang="en-US" sz="4400" b="1" dirty="0" smtClean="0">
                 <a:solidFill>
                   <a:schemeClr val="bg1"/>
                 </a:solidFill>
@@ -10748,8 +10854,18 @@
               </a:rPr>
               <a:t>擁有</a:t>
             </a:r>
-            <a:r>
-              <a:rPr lang="en-US" altLang="zh-TW" sz="3600" dirty="0" err="1">
+            <a:endParaRPr lang="en-US" altLang="zh-TW" sz="4400" b="1" dirty="0" smtClean="0">
+              <a:solidFill>
+                <a:schemeClr val="bg1"/>
+              </a:solidFill>
+              <a:latin typeface="標楷體" pitchFamily="65" charset="-120"/>
+              <a:ea typeface="標楷體" pitchFamily="65" charset="-120"/>
+            </a:endParaRPr>
+          </a:p>
+          <a:p>
+            <a:pPr algn="ctr"/>
+            <a:r>
+              <a:rPr lang="en-US" altLang="zh-TW" sz="2800" dirty="0" err="1" smtClean="0">
                 <a:solidFill>
                   <a:schemeClr val="bg1"/>
                 </a:solidFill>
@@ -10757,15 +10873,15 @@
               <a:t>yǒng</a:t>
             </a:r>
             <a:r>
-              <a:rPr lang="en-US" altLang="zh-TW" sz="3600" dirty="0">
-                <a:solidFill>
-                  <a:schemeClr val="bg1"/>
-                </a:solidFill>
-              </a:rPr>
-              <a:t> </a:t>
-            </a:r>
-            <a:r>
-              <a:rPr lang="en-US" altLang="zh-TW" sz="3600" dirty="0" err="1">
+              <a:rPr lang="en-US" altLang="zh-TW" sz="2800" dirty="0" smtClean="0">
+                <a:solidFill>
+                  <a:schemeClr val="bg1"/>
+                </a:solidFill>
+              </a:rPr>
+              <a:t> </a:t>
+            </a:r>
+            <a:r>
+              <a:rPr lang="en-US" altLang="zh-TW" sz="2800" dirty="0" err="1">
                 <a:solidFill>
                   <a:schemeClr val="bg1"/>
                 </a:solidFill>
@@ -10773,7 +10889,7 @@
               <a:t>yǒu</a:t>
             </a:r>
             <a:r>
-              <a:rPr lang="en-US" altLang="zh-TW" sz="3600" dirty="0">
+              <a:rPr lang="en-US" altLang="zh-TW" sz="2800" dirty="0">
                 <a:solidFill>
                   <a:schemeClr val="bg1"/>
                 </a:solidFill>
@@ -10786,7 +10902,7 @@
     </p:spTree>
     <p:extLst>
       <p:ext uri="{BB962C8B-B14F-4D97-AF65-F5344CB8AC3E}">
-        <p14:creationId xmlns:p14="http://schemas.microsoft.com/office/powerpoint/2010/main" val="3356864325"/>
+        <p14:creationId xmlns:p14="http://schemas.microsoft.com/office/powerpoint/2010/main" xmlns="" val="3356864325"/>
       </p:ext>
     </p:extLst>
   </p:cSld>

--- a/chinese/別擔心.pptx
+++ b/chinese/別擔心.pptx
@@ -5,22 +5,47 @@
     <p:sldMasterId id="2147483648" r:id="rId1"/>
   </p:sldMasterIdLst>
   <p:notesMasterIdLst>
-    <p:notesMasterId r:id="rId15"/>
+    <p:notesMasterId r:id="rId40"/>
   </p:notesMasterIdLst>
   <p:sldIdLst>
     <p:sldId id="264" r:id="rId2"/>
     <p:sldId id="271" r:id="rId3"/>
-    <p:sldId id="258" r:id="rId4"/>
-    <p:sldId id="272" r:id="rId5"/>
-    <p:sldId id="263" r:id="rId6"/>
-    <p:sldId id="275" r:id="rId7"/>
-    <p:sldId id="273" r:id="rId8"/>
-    <p:sldId id="274" r:id="rId9"/>
-    <p:sldId id="276" r:id="rId10"/>
+    <p:sldId id="272" r:id="rId4"/>
+    <p:sldId id="275" r:id="rId5"/>
+    <p:sldId id="303" r:id="rId6"/>
+    <p:sldId id="258" r:id="rId7"/>
+    <p:sldId id="263" r:id="rId8"/>
+    <p:sldId id="273" r:id="rId9"/>
+    <p:sldId id="274" r:id="rId10"/>
     <p:sldId id="268" r:id="rId11"/>
     <p:sldId id="266" r:id="rId12"/>
     <p:sldId id="270" r:id="rId13"/>
     <p:sldId id="269" r:id="rId14"/>
+    <p:sldId id="300" r:id="rId15"/>
+    <p:sldId id="277" r:id="rId16"/>
+    <p:sldId id="302" r:id="rId17"/>
+    <p:sldId id="278" r:id="rId18"/>
+    <p:sldId id="279" r:id="rId19"/>
+    <p:sldId id="280" r:id="rId20"/>
+    <p:sldId id="281" r:id="rId21"/>
+    <p:sldId id="282" r:id="rId22"/>
+    <p:sldId id="283" r:id="rId23"/>
+    <p:sldId id="284" r:id="rId24"/>
+    <p:sldId id="285" r:id="rId25"/>
+    <p:sldId id="286" r:id="rId26"/>
+    <p:sldId id="287" r:id="rId27"/>
+    <p:sldId id="288" r:id="rId28"/>
+    <p:sldId id="289" r:id="rId29"/>
+    <p:sldId id="290" r:id="rId30"/>
+    <p:sldId id="291" r:id="rId31"/>
+    <p:sldId id="292" r:id="rId32"/>
+    <p:sldId id="293" r:id="rId33"/>
+    <p:sldId id="294" r:id="rId34"/>
+    <p:sldId id="295" r:id="rId35"/>
+    <p:sldId id="296" r:id="rId36"/>
+    <p:sldId id="297" r:id="rId37"/>
+    <p:sldId id="298" r:id="rId38"/>
+    <p:sldId id="299" r:id="rId39"/>
   </p:sldIdLst>
   <p:sldSz cx="9144000" cy="5143500" type="screen16x9"/>
   <p:notesSz cx="6858000" cy="9144000"/>
@@ -205,7 +230,7 @@
             <a:fld id="{76F4668B-8B47-4CBC-992C-BBA698AB34C6}" type="datetimeFigureOut">
               <a:rPr lang="zh-TW" altLang="en-US" smtClean="0"/>
               <a:pPr/>
-              <a:t>2019/9/12</a:t>
+              <a:t>2019/11/1</a:t>
             </a:fld>
             <a:endParaRPr lang="zh-TW" altLang="en-US"/>
           </a:p>
@@ -374,7 +399,7 @@
     </p:spTree>
     <p:extLst>
       <p:ext uri="{BB962C8B-B14F-4D97-AF65-F5344CB8AC3E}">
-        <p14:creationId xmlns:p14="http://schemas.microsoft.com/office/powerpoint/2010/main" xmlns="" val="1595597342"/>
+        <p14:creationId xmlns="" xmlns:p14="http://schemas.microsoft.com/office/powerpoint/2010/main" val="1595597342"/>
       </p:ext>
     </p:extLst>
   </p:cSld>
@@ -545,7 +570,7 @@
             <a:fld id="{958F43C3-00B2-4626-8943-F5880C0833BA}" type="slidenum">
               <a:rPr lang="zh-TW" altLang="en-US" smtClean="0"/>
               <a:pPr/>
-              <a:t>8</a:t>
+              <a:t>9</a:t>
             </a:fld>
             <a:endParaRPr lang="zh-TW" altLang="en-US"/>
           </a:p>
@@ -554,7 +579,7 @@
     </p:spTree>
     <p:extLst>
       <p:ext uri="{BB962C8B-B14F-4D97-AF65-F5344CB8AC3E}">
-        <p14:creationId xmlns:p14="http://schemas.microsoft.com/office/powerpoint/2010/main" xmlns="" val="3740050001"/>
+        <p14:creationId xmlns="" xmlns:p14="http://schemas.microsoft.com/office/powerpoint/2010/main" val="3740050001"/>
       </p:ext>
     </p:extLst>
   </p:cSld>
@@ -644,7 +669,7 @@
     </p:spTree>
     <p:extLst>
       <p:ext uri="{BB962C8B-B14F-4D97-AF65-F5344CB8AC3E}">
-        <p14:creationId xmlns:p14="http://schemas.microsoft.com/office/powerpoint/2010/main" xmlns="" val="3740050001"/>
+        <p14:creationId xmlns="" xmlns:p14="http://schemas.microsoft.com/office/powerpoint/2010/main" val="3740050001"/>
       </p:ext>
     </p:extLst>
   </p:cSld>
@@ -836,7 +861,7 @@
             <a:fld id="{E1CB4670-6345-42D3-BAE9-361E2BC9861D}" type="datetimeFigureOut">
               <a:rPr lang="zh-TW" altLang="en-US" smtClean="0"/>
               <a:pPr/>
-              <a:t>2019/9/12</a:t>
+              <a:t>2019/11/1</a:t>
             </a:fld>
             <a:endParaRPr lang="zh-TW" altLang="en-US"/>
           </a:p>
@@ -888,7 +913,7 @@
     </p:spTree>
     <p:extLst>
       <p:ext uri="{BB962C8B-B14F-4D97-AF65-F5344CB8AC3E}">
-        <p14:creationId xmlns:p14="http://schemas.microsoft.com/office/powerpoint/2010/main" xmlns="" val="2703807384"/>
+        <p14:creationId xmlns="" xmlns:p14="http://schemas.microsoft.com/office/powerpoint/2010/main" val="2703807384"/>
       </p:ext>
     </p:extLst>
   </p:cSld>
@@ -1008,7 +1033,7 @@
             <a:fld id="{E1CB4670-6345-42D3-BAE9-361E2BC9861D}" type="datetimeFigureOut">
               <a:rPr lang="zh-TW" altLang="en-US" smtClean="0"/>
               <a:pPr/>
-              <a:t>2019/9/12</a:t>
+              <a:t>2019/11/1</a:t>
             </a:fld>
             <a:endParaRPr lang="zh-TW" altLang="en-US"/>
           </a:p>
@@ -1060,7 +1085,7 @@
     </p:spTree>
     <p:extLst>
       <p:ext uri="{BB962C8B-B14F-4D97-AF65-F5344CB8AC3E}">
-        <p14:creationId xmlns:p14="http://schemas.microsoft.com/office/powerpoint/2010/main" xmlns="" val="3766145432"/>
+        <p14:creationId xmlns="" xmlns:p14="http://schemas.microsoft.com/office/powerpoint/2010/main" val="3766145432"/>
       </p:ext>
     </p:extLst>
   </p:cSld>
@@ -1190,7 +1215,7 @@
             <a:fld id="{E1CB4670-6345-42D3-BAE9-361E2BC9861D}" type="datetimeFigureOut">
               <a:rPr lang="zh-TW" altLang="en-US" smtClean="0"/>
               <a:pPr/>
-              <a:t>2019/9/12</a:t>
+              <a:t>2019/11/1</a:t>
             </a:fld>
             <a:endParaRPr lang="zh-TW" altLang="en-US"/>
           </a:p>
@@ -1242,7 +1267,7 @@
     </p:spTree>
     <p:extLst>
       <p:ext uri="{BB962C8B-B14F-4D97-AF65-F5344CB8AC3E}">
-        <p14:creationId xmlns:p14="http://schemas.microsoft.com/office/powerpoint/2010/main" xmlns="" val="960077550"/>
+        <p14:creationId xmlns="" xmlns:p14="http://schemas.microsoft.com/office/powerpoint/2010/main" val="960077550"/>
       </p:ext>
     </p:extLst>
   </p:cSld>
@@ -1362,7 +1387,7 @@
             <a:fld id="{E1CB4670-6345-42D3-BAE9-361E2BC9861D}" type="datetimeFigureOut">
               <a:rPr lang="zh-TW" altLang="en-US" smtClean="0"/>
               <a:pPr/>
-              <a:t>2019/9/12</a:t>
+              <a:t>2019/11/1</a:t>
             </a:fld>
             <a:endParaRPr lang="zh-TW" altLang="en-US"/>
           </a:p>
@@ -1414,7 +1439,7 @@
     </p:spTree>
     <p:extLst>
       <p:ext uri="{BB962C8B-B14F-4D97-AF65-F5344CB8AC3E}">
-        <p14:creationId xmlns:p14="http://schemas.microsoft.com/office/powerpoint/2010/main" xmlns="" val="2934765483"/>
+        <p14:creationId xmlns="" xmlns:p14="http://schemas.microsoft.com/office/powerpoint/2010/main" val="2934765483"/>
       </p:ext>
     </p:extLst>
   </p:cSld>
@@ -1610,7 +1635,7 @@
             <a:fld id="{E1CB4670-6345-42D3-BAE9-361E2BC9861D}" type="datetimeFigureOut">
               <a:rPr lang="zh-TW" altLang="en-US" smtClean="0"/>
               <a:pPr/>
-              <a:t>2019/9/12</a:t>
+              <a:t>2019/11/1</a:t>
             </a:fld>
             <a:endParaRPr lang="zh-TW" altLang="en-US"/>
           </a:p>
@@ -1662,7 +1687,7 @@
     </p:spTree>
     <p:extLst>
       <p:ext uri="{BB962C8B-B14F-4D97-AF65-F5344CB8AC3E}">
-        <p14:creationId xmlns:p14="http://schemas.microsoft.com/office/powerpoint/2010/main" xmlns="" val="4041366964"/>
+        <p14:creationId xmlns="" xmlns:p14="http://schemas.microsoft.com/office/powerpoint/2010/main" val="4041366964"/>
       </p:ext>
     </p:extLst>
   </p:cSld>
@@ -1900,7 +1925,7 @@
             <a:fld id="{E1CB4670-6345-42D3-BAE9-361E2BC9861D}" type="datetimeFigureOut">
               <a:rPr lang="zh-TW" altLang="en-US" smtClean="0"/>
               <a:pPr/>
-              <a:t>2019/9/12</a:t>
+              <a:t>2019/11/1</a:t>
             </a:fld>
             <a:endParaRPr lang="zh-TW" altLang="en-US"/>
           </a:p>
@@ -1952,7 +1977,7 @@
     </p:spTree>
     <p:extLst>
       <p:ext uri="{BB962C8B-B14F-4D97-AF65-F5344CB8AC3E}">
-        <p14:creationId xmlns:p14="http://schemas.microsoft.com/office/powerpoint/2010/main" xmlns="" val="3435654445"/>
+        <p14:creationId xmlns="" xmlns:p14="http://schemas.microsoft.com/office/powerpoint/2010/main" val="3435654445"/>
       </p:ext>
     </p:extLst>
   </p:cSld>
@@ -2324,7 +2349,7 @@
             <a:fld id="{E1CB4670-6345-42D3-BAE9-361E2BC9861D}" type="datetimeFigureOut">
               <a:rPr lang="zh-TW" altLang="en-US" smtClean="0"/>
               <a:pPr/>
-              <a:t>2019/9/12</a:t>
+              <a:t>2019/11/1</a:t>
             </a:fld>
             <a:endParaRPr lang="zh-TW" altLang="en-US"/>
           </a:p>
@@ -2376,7 +2401,7 @@
     </p:spTree>
     <p:extLst>
       <p:ext uri="{BB962C8B-B14F-4D97-AF65-F5344CB8AC3E}">
-        <p14:creationId xmlns:p14="http://schemas.microsoft.com/office/powerpoint/2010/main" xmlns="" val="693630020"/>
+        <p14:creationId xmlns="" xmlns:p14="http://schemas.microsoft.com/office/powerpoint/2010/main" val="693630020"/>
       </p:ext>
     </p:extLst>
   </p:cSld>
@@ -2444,7 +2469,7 @@
             <a:fld id="{E1CB4670-6345-42D3-BAE9-361E2BC9861D}" type="datetimeFigureOut">
               <a:rPr lang="zh-TW" altLang="en-US" smtClean="0"/>
               <a:pPr/>
-              <a:t>2019/9/12</a:t>
+              <a:t>2019/11/1</a:t>
             </a:fld>
             <a:endParaRPr lang="zh-TW" altLang="en-US"/>
           </a:p>
@@ -2496,7 +2521,7 @@
     </p:spTree>
     <p:extLst>
       <p:ext uri="{BB962C8B-B14F-4D97-AF65-F5344CB8AC3E}">
-        <p14:creationId xmlns:p14="http://schemas.microsoft.com/office/powerpoint/2010/main" xmlns="" val="1103284692"/>
+        <p14:creationId xmlns="" xmlns:p14="http://schemas.microsoft.com/office/powerpoint/2010/main" val="1103284692"/>
       </p:ext>
     </p:extLst>
   </p:cSld>
@@ -2541,7 +2566,7 @@
             <a:fld id="{E1CB4670-6345-42D3-BAE9-361E2BC9861D}" type="datetimeFigureOut">
               <a:rPr lang="zh-TW" altLang="en-US" smtClean="0"/>
               <a:pPr/>
-              <a:t>2019/9/12</a:t>
+              <a:t>2019/11/1</a:t>
             </a:fld>
             <a:endParaRPr lang="zh-TW" altLang="en-US"/>
           </a:p>
@@ -2593,7 +2618,7 @@
     </p:spTree>
     <p:extLst>
       <p:ext uri="{BB962C8B-B14F-4D97-AF65-F5344CB8AC3E}">
-        <p14:creationId xmlns:p14="http://schemas.microsoft.com/office/powerpoint/2010/main" xmlns="" val="618791207"/>
+        <p14:creationId xmlns="" xmlns:p14="http://schemas.microsoft.com/office/powerpoint/2010/main" val="618791207"/>
       </p:ext>
     </p:extLst>
   </p:cSld>
@@ -2820,7 +2845,7 @@
             <a:fld id="{E1CB4670-6345-42D3-BAE9-361E2BC9861D}" type="datetimeFigureOut">
               <a:rPr lang="zh-TW" altLang="en-US" smtClean="0"/>
               <a:pPr/>
-              <a:t>2019/9/12</a:t>
+              <a:t>2019/11/1</a:t>
             </a:fld>
             <a:endParaRPr lang="zh-TW" altLang="en-US"/>
           </a:p>
@@ -2872,7 +2897,7 @@
     </p:spTree>
     <p:extLst>
       <p:ext uri="{BB962C8B-B14F-4D97-AF65-F5344CB8AC3E}">
-        <p14:creationId xmlns:p14="http://schemas.microsoft.com/office/powerpoint/2010/main" xmlns="" val="3024207811"/>
+        <p14:creationId xmlns="" xmlns:p14="http://schemas.microsoft.com/office/powerpoint/2010/main" val="3024207811"/>
       </p:ext>
     </p:extLst>
   </p:cSld>
@@ -3075,7 +3100,7 @@
             <a:fld id="{E1CB4670-6345-42D3-BAE9-361E2BC9861D}" type="datetimeFigureOut">
               <a:rPr lang="zh-TW" altLang="en-US" smtClean="0"/>
               <a:pPr/>
-              <a:t>2019/9/12</a:t>
+              <a:t>2019/11/1</a:t>
             </a:fld>
             <a:endParaRPr lang="zh-TW" altLang="en-US"/>
           </a:p>
@@ -3127,7 +3152,7 @@
     </p:spTree>
     <p:extLst>
       <p:ext uri="{BB962C8B-B14F-4D97-AF65-F5344CB8AC3E}">
-        <p14:creationId xmlns:p14="http://schemas.microsoft.com/office/powerpoint/2010/main" xmlns="" val="3792842572"/>
+        <p14:creationId xmlns="" xmlns:p14="http://schemas.microsoft.com/office/powerpoint/2010/main" val="3792842572"/>
       </p:ext>
     </p:extLst>
   </p:cSld>
@@ -3290,7 +3315,7 @@
             <a:fld id="{E1CB4670-6345-42D3-BAE9-361E2BC9861D}" type="datetimeFigureOut">
               <a:rPr lang="zh-TW" altLang="en-US" smtClean="0"/>
               <a:pPr/>
-              <a:t>2019/9/12</a:t>
+              <a:t>2019/11/1</a:t>
             </a:fld>
             <a:endParaRPr lang="zh-TW" altLang="en-US"/>
           </a:p>
@@ -3378,7 +3403,7 @@
     </p:spTree>
     <p:extLst>
       <p:ext uri="{BB962C8B-B14F-4D97-AF65-F5344CB8AC3E}">
-        <p14:creationId xmlns:p14="http://schemas.microsoft.com/office/powerpoint/2010/main" xmlns="" val="3704272354"/>
+        <p14:creationId xmlns="" xmlns:p14="http://schemas.microsoft.com/office/powerpoint/2010/main" val="3704272354"/>
       </p:ext>
     </p:extLst>
   </p:cSld>
@@ -3678,7 +3703,7 @@
           <a:blip r:embed="rId2">
             <a:extLst>
               <a:ext uri="{28A0092B-C50C-407E-A947-70E740481C1C}">
-                <a14:useLocalDpi xmlns:a14="http://schemas.microsoft.com/office/drawing/2010/main" xmlns="" val="0"/>
+                <a14:useLocalDpi xmlns="" xmlns:a14="http://schemas.microsoft.com/office/drawing/2010/main" val="0"/>
               </a:ext>
             </a:extLst>
           </a:blip>
@@ -3698,7 +3723,7 @@
           <a:noFill/>
           <a:extLst>
             <a:ext uri="{909E8E84-426E-40DD-AFC4-6F175D3DCCD1}">
-              <a14:hiddenFill xmlns:a14="http://schemas.microsoft.com/office/drawing/2010/main" xmlns="">
+              <a14:hiddenFill xmlns="" xmlns:a14="http://schemas.microsoft.com/office/drawing/2010/main">
                 <a:solidFill>
                   <a:srgbClr val="FFFFFF"/>
                 </a:solidFill>
@@ -3939,7 +3964,7 @@
     </p:spTree>
     <p:extLst>
       <p:ext uri="{BB962C8B-B14F-4D97-AF65-F5344CB8AC3E}">
-        <p14:creationId xmlns:p14="http://schemas.microsoft.com/office/powerpoint/2010/main" xmlns="" val="3849901315"/>
+        <p14:creationId xmlns="" xmlns:p14="http://schemas.microsoft.com/office/powerpoint/2010/main" val="3849901315"/>
       </p:ext>
     </p:extLst>
   </p:cSld>
@@ -3985,7 +4010,7 @@
           <a:blip r:embed="rId2">
             <a:extLst>
               <a:ext uri="{28A0092B-C50C-407E-A947-70E740481C1C}">
-                <a14:useLocalDpi xmlns:a14="http://schemas.microsoft.com/office/drawing/2010/main" xmlns="" val="0"/>
+                <a14:useLocalDpi xmlns="" xmlns:a14="http://schemas.microsoft.com/office/drawing/2010/main" val="0"/>
               </a:ext>
             </a:extLst>
           </a:blip>
@@ -4005,7 +4030,7 @@
           <a:noFill/>
           <a:extLst>
             <a:ext uri="{909E8E84-426E-40DD-AFC4-6F175D3DCCD1}">
-              <a14:hiddenFill xmlns:a14="http://schemas.microsoft.com/office/drawing/2010/main" xmlns="">
+              <a14:hiddenFill xmlns="" xmlns:a14="http://schemas.microsoft.com/office/drawing/2010/main">
                 <a:solidFill>
                   <a:srgbClr val="FFFFFF"/>
                 </a:solidFill>
@@ -4383,13 +4408,20 @@
     </p:spTree>
     <p:extLst>
       <p:ext uri="{BB962C8B-B14F-4D97-AF65-F5344CB8AC3E}">
-        <p14:creationId xmlns:p14="http://schemas.microsoft.com/office/powerpoint/2010/main" xmlns="" val="1991406381"/>
+        <p14:creationId xmlns="" xmlns:p14="http://schemas.microsoft.com/office/powerpoint/2010/main" val="1991406381"/>
       </p:ext>
     </p:extLst>
   </p:cSld>
   <p:clrMapOvr>
     <a:masterClrMapping/>
   </p:clrMapOvr>
+  <p:timing>
+    <p:tnLst>
+      <p:par>
+        <p:cTn id="1" dur="indefinite" restart="never" nodeType="tmRoot"/>
+      </p:par>
+    </p:tnLst>
+  </p:timing>
 </p:sld>
 </file>
 
@@ -4422,7 +4454,7 @@
           <a:blip r:embed="rId2">
             <a:extLst>
               <a:ext uri="{28A0092B-C50C-407E-A947-70E740481C1C}">
-                <a14:useLocalDpi xmlns:a14="http://schemas.microsoft.com/office/drawing/2010/main" xmlns="" val="0"/>
+                <a14:useLocalDpi xmlns="" xmlns:a14="http://schemas.microsoft.com/office/drawing/2010/main" val="0"/>
               </a:ext>
             </a:extLst>
           </a:blip>
@@ -4442,7 +4474,7 @@
           <a:noFill/>
           <a:extLst>
             <a:ext uri="{909E8E84-426E-40DD-AFC4-6F175D3DCCD1}">
-              <a14:hiddenFill xmlns:a14="http://schemas.microsoft.com/office/drawing/2010/main" xmlns="">
+              <a14:hiddenFill xmlns="" xmlns:a14="http://schemas.microsoft.com/office/drawing/2010/main">
                 <a:solidFill>
                   <a:srgbClr val="FFFFFF"/>
                 </a:solidFill>
@@ -4775,13 +4807,20 @@
     </p:spTree>
     <p:extLst>
       <p:ext uri="{BB962C8B-B14F-4D97-AF65-F5344CB8AC3E}">
-        <p14:creationId xmlns:p14="http://schemas.microsoft.com/office/powerpoint/2010/main" xmlns="" val="1734278874"/>
+        <p14:creationId xmlns="" xmlns:p14="http://schemas.microsoft.com/office/powerpoint/2010/main" val="1734278874"/>
       </p:ext>
     </p:extLst>
   </p:cSld>
   <p:clrMapOvr>
     <a:masterClrMapping/>
   </p:clrMapOvr>
+  <p:timing>
+    <p:tnLst>
+      <p:par>
+        <p:cTn id="1" dur="indefinite" restart="never" nodeType="tmRoot"/>
+      </p:par>
+    </p:tnLst>
+  </p:timing>
 </p:sld>
 </file>
 
@@ -4814,7 +4853,7 @@
           <a:blip r:embed="rId2">
             <a:extLst>
               <a:ext uri="{28A0092B-C50C-407E-A947-70E740481C1C}">
-                <a14:useLocalDpi xmlns:a14="http://schemas.microsoft.com/office/drawing/2010/main" xmlns="" val="0"/>
+                <a14:useLocalDpi xmlns="" xmlns:a14="http://schemas.microsoft.com/office/drawing/2010/main" val="0"/>
               </a:ext>
             </a:extLst>
           </a:blip>
@@ -4834,7 +4873,7 @@
           <a:noFill/>
           <a:extLst>
             <a:ext uri="{909E8E84-426E-40DD-AFC4-6F175D3DCCD1}">
-              <a14:hiddenFill xmlns:a14="http://schemas.microsoft.com/office/drawing/2010/main" xmlns="">
+              <a14:hiddenFill xmlns="" xmlns:a14="http://schemas.microsoft.com/office/drawing/2010/main">
                 <a:solidFill>
                   <a:srgbClr val="FFFFFF"/>
                 </a:solidFill>
@@ -5144,13 +5183,20 @@
     </p:spTree>
     <p:extLst>
       <p:ext uri="{BB962C8B-B14F-4D97-AF65-F5344CB8AC3E}">
-        <p14:creationId xmlns:p14="http://schemas.microsoft.com/office/powerpoint/2010/main" xmlns="" val="101406401"/>
+        <p14:creationId xmlns="" xmlns:p14="http://schemas.microsoft.com/office/powerpoint/2010/main" val="101406401"/>
       </p:ext>
     </p:extLst>
   </p:cSld>
   <p:clrMapOvr>
     <a:masterClrMapping/>
   </p:clrMapOvr>
+  <p:timing>
+    <p:tnLst>
+      <p:par>
+        <p:cTn id="1" dur="indefinite" restart="never" nodeType="tmRoot"/>
+      </p:par>
+    </p:tnLst>
+  </p:timing>
 </p:sld>
 </file>
 
@@ -5183,7 +5229,7 @@
           <a:blip r:embed="rId3">
             <a:extLst>
               <a:ext uri="{28A0092B-C50C-407E-A947-70E740481C1C}">
-                <a14:useLocalDpi xmlns:a14="http://schemas.microsoft.com/office/drawing/2010/main" xmlns="" val="0"/>
+                <a14:useLocalDpi xmlns="" xmlns:a14="http://schemas.microsoft.com/office/drawing/2010/main" val="0"/>
               </a:ext>
             </a:extLst>
           </a:blip>
@@ -5203,7 +5249,7 @@
           <a:noFill/>
           <a:extLst>
             <a:ext uri="{909E8E84-426E-40DD-AFC4-6F175D3DCCD1}">
-              <a14:hiddenFill xmlns:a14="http://schemas.microsoft.com/office/drawing/2010/main" xmlns="">
+              <a14:hiddenFill xmlns="" xmlns:a14="http://schemas.microsoft.com/office/drawing/2010/main">
                 <a:solidFill>
                   <a:srgbClr val="FFFFFF"/>
                 </a:solidFill>
@@ -5526,13 +5572,691 @@
     </p:spTree>
     <p:extLst>
       <p:ext uri="{BB962C8B-B14F-4D97-AF65-F5344CB8AC3E}">
-        <p14:creationId xmlns:p14="http://schemas.microsoft.com/office/powerpoint/2010/main" xmlns="" val="347334817"/>
+        <p14:creationId xmlns="" xmlns:p14="http://schemas.microsoft.com/office/powerpoint/2010/main" val="347334817"/>
       </p:ext>
     </p:extLst>
   </p:cSld>
   <p:clrMapOvr>
     <a:masterClrMapping/>
   </p:clrMapOvr>
+  <p:timing>
+    <p:tnLst>
+      <p:par>
+        <p:cTn id="1" dur="indefinite" restart="never" nodeType="tmRoot"/>
+      </p:par>
+    </p:tnLst>
+  </p:timing>
+</p:sld>
+</file>
+
+<file path=ppt/slides/slide14.xml><?xml version="1.0" encoding="utf-8"?>
+<p:sld xmlns:a="http://schemas.openxmlformats.org/drawingml/2006/main" xmlns:r="http://schemas.openxmlformats.org/officeDocument/2006/relationships" xmlns:p="http://schemas.openxmlformats.org/presentationml/2006/main">
+  <p:cSld>
+    <p:spTree>
+      <p:nvGrpSpPr>
+        <p:cNvPr id="1" name=""/>
+        <p:cNvGrpSpPr/>
+        <p:nvPr/>
+      </p:nvGrpSpPr>
+      <p:grpSpPr>
+        <a:xfrm>
+          <a:off x="0" y="0"/>
+          <a:ext cx="0" cy="0"/>
+          <a:chOff x="0" y="0"/>
+          <a:chExt cx="0" cy="0"/>
+        </a:xfrm>
+      </p:grpSpPr>
+      <p:sp>
+        <p:nvSpPr>
+          <p:cNvPr id="2" name="標題 1"/>
+          <p:cNvSpPr>
+            <a:spLocks noGrp="1"/>
+          </p:cNvSpPr>
+          <p:nvPr>
+            <p:ph type="title"/>
+          </p:nvPr>
+        </p:nvSpPr>
+        <p:spPr/>
+        <p:txBody>
+          <a:bodyPr/>
+          <a:lstStyle/>
+          <a:p>
+            <a:endParaRPr lang="zh-TW" altLang="en-US"/>
+          </a:p>
+        </p:txBody>
+      </p:sp>
+      <p:sp>
+        <p:nvSpPr>
+          <p:cNvPr id="3" name="內容版面配置區 2"/>
+          <p:cNvSpPr>
+            <a:spLocks noGrp="1"/>
+          </p:cNvSpPr>
+          <p:nvPr>
+            <p:ph idx="1"/>
+          </p:nvPr>
+        </p:nvSpPr>
+        <p:spPr/>
+        <p:txBody>
+          <a:bodyPr>
+            <a:normAutofit/>
+          </a:bodyPr>
+          <a:lstStyle/>
+          <a:p>
+            <a:pPr>
+              <a:buNone/>
+            </a:pPr>
+            <a:r>
+              <a:rPr lang="zh-CN" altLang="en-US" sz="19900" b="1" dirty="0" smtClean="0">
+                <a:solidFill>
+                  <a:srgbClr val="FF0000"/>
+                </a:solidFill>
+              </a:rPr>
+              <a:t>初班</a:t>
+            </a:r>
+            <a:endParaRPr lang="zh-TW" altLang="en-US" sz="19900" b="1" dirty="0">
+              <a:solidFill>
+                <a:srgbClr val="FF0000"/>
+              </a:solidFill>
+            </a:endParaRPr>
+          </a:p>
+        </p:txBody>
+      </p:sp>
+    </p:spTree>
+  </p:cSld>
+  <p:clrMapOvr>
+    <a:masterClrMapping/>
+  </p:clrMapOvr>
+  <p:timing>
+    <p:tnLst>
+      <p:par>
+        <p:cTn id="1" dur="indefinite" restart="never" nodeType="tmRoot"/>
+      </p:par>
+    </p:tnLst>
+  </p:timing>
+</p:sld>
+</file>
+
+<file path=ppt/slides/slide15.xml><?xml version="1.0" encoding="utf-8"?>
+<p:sld xmlns:a="http://schemas.openxmlformats.org/drawingml/2006/main" xmlns:r="http://schemas.openxmlformats.org/officeDocument/2006/relationships" xmlns:p="http://schemas.openxmlformats.org/presentationml/2006/main">
+  <p:cSld>
+    <p:spTree>
+      <p:nvGrpSpPr>
+        <p:cNvPr id="1" name=""/>
+        <p:cNvGrpSpPr/>
+        <p:nvPr/>
+      </p:nvGrpSpPr>
+      <p:grpSpPr>
+        <a:xfrm>
+          <a:off x="0" y="0"/>
+          <a:ext cx="0" cy="0"/>
+          <a:chOff x="0" y="0"/>
+          <a:chExt cx="0" cy="0"/>
+        </a:xfrm>
+      </p:grpSpPr>
+      <p:sp>
+        <p:nvSpPr>
+          <p:cNvPr id="2" name="標題 1"/>
+          <p:cNvSpPr>
+            <a:spLocks noGrp="1"/>
+          </p:cNvSpPr>
+          <p:nvPr>
+            <p:ph type="title"/>
+          </p:nvPr>
+        </p:nvSpPr>
+        <p:spPr/>
+        <p:txBody>
+          <a:bodyPr/>
+          <a:lstStyle/>
+          <a:p>
+            <a:endParaRPr lang="zh-TW" altLang="en-US"/>
+          </a:p>
+        </p:txBody>
+      </p:sp>
+      <p:sp>
+        <p:nvSpPr>
+          <p:cNvPr id="3" name="內容版面配置區 2"/>
+          <p:cNvSpPr>
+            <a:spLocks noGrp="1"/>
+          </p:cNvSpPr>
+          <p:nvPr>
+            <p:ph idx="1"/>
+          </p:nvPr>
+        </p:nvSpPr>
+        <p:spPr/>
+        <p:txBody>
+          <a:bodyPr/>
+          <a:lstStyle/>
+          <a:p>
+            <a:endParaRPr lang="zh-TW" altLang="en-US"/>
+          </a:p>
+        </p:txBody>
+      </p:sp>
+      <p:pic>
+        <p:nvPicPr>
+          <p:cNvPr id="1026" name="Picture 2" descr="ç¸éåç"/>
+          <p:cNvPicPr>
+            <a:picLocks noChangeAspect="1" noChangeArrowheads="1"/>
+          </p:cNvPicPr>
+          <p:nvPr/>
+        </p:nvPicPr>
+        <p:blipFill>
+          <a:blip r:embed="rId2"/>
+          <a:srcRect/>
+          <a:stretch>
+            <a:fillRect/>
+          </a:stretch>
+        </p:blipFill>
+        <p:spPr bwMode="auto">
+          <a:xfrm>
+            <a:off x="428596" y="142858"/>
+            <a:ext cx="8438301" cy="4929204"/>
+          </a:xfrm>
+          <a:prstGeom prst="rect">
+            <a:avLst/>
+          </a:prstGeom>
+          <a:noFill/>
+        </p:spPr>
+      </p:pic>
+    </p:spTree>
+  </p:cSld>
+  <p:clrMapOvr>
+    <a:masterClrMapping/>
+  </p:clrMapOvr>
+  <p:timing>
+    <p:tnLst>
+      <p:par>
+        <p:cTn id="1" dur="indefinite" restart="never" nodeType="tmRoot"/>
+      </p:par>
+    </p:tnLst>
+  </p:timing>
+</p:sld>
+</file>
+
+<file path=ppt/slides/slide16.xml><?xml version="1.0" encoding="utf-8"?>
+<p:sld xmlns:a="http://schemas.openxmlformats.org/drawingml/2006/main" xmlns:r="http://schemas.openxmlformats.org/officeDocument/2006/relationships" xmlns:p="http://schemas.openxmlformats.org/presentationml/2006/main">
+  <p:cSld>
+    <p:spTree>
+      <p:nvGrpSpPr>
+        <p:cNvPr id="1" name=""/>
+        <p:cNvGrpSpPr/>
+        <p:nvPr/>
+      </p:nvGrpSpPr>
+      <p:grpSpPr>
+        <a:xfrm>
+          <a:off x="0" y="0"/>
+          <a:ext cx="0" cy="0"/>
+          <a:chOff x="0" y="0"/>
+          <a:chExt cx="0" cy="0"/>
+        </a:xfrm>
+      </p:grpSpPr>
+      <p:sp>
+        <p:nvSpPr>
+          <p:cNvPr id="2" name="標題 1"/>
+          <p:cNvSpPr>
+            <a:spLocks noGrp="1"/>
+          </p:cNvSpPr>
+          <p:nvPr>
+            <p:ph type="title"/>
+          </p:nvPr>
+        </p:nvSpPr>
+        <p:spPr/>
+        <p:txBody>
+          <a:bodyPr/>
+          <a:lstStyle/>
+          <a:p>
+            <a:endParaRPr lang="zh-TW" altLang="en-US"/>
+          </a:p>
+        </p:txBody>
+      </p:sp>
+      <p:sp>
+        <p:nvSpPr>
+          <p:cNvPr id="3" name="內容版面配置區 2"/>
+          <p:cNvSpPr>
+            <a:spLocks noGrp="1"/>
+          </p:cNvSpPr>
+          <p:nvPr>
+            <p:ph idx="1"/>
+          </p:nvPr>
+        </p:nvSpPr>
+        <p:spPr/>
+        <p:txBody>
+          <a:bodyPr/>
+          <a:lstStyle/>
+          <a:p>
+            <a:endParaRPr lang="zh-TW" altLang="en-US" dirty="0"/>
+          </a:p>
+        </p:txBody>
+      </p:sp>
+      <p:pic>
+        <p:nvPicPr>
+          <p:cNvPr id="1026" name="Picture 2" descr="ç¸éåç"/>
+          <p:cNvPicPr>
+            <a:picLocks noChangeAspect="1" noChangeArrowheads="1"/>
+          </p:cNvPicPr>
+          <p:nvPr/>
+        </p:nvPicPr>
+        <p:blipFill>
+          <a:blip r:embed="rId2"/>
+          <a:srcRect l="21521" r="21601"/>
+          <a:stretch>
+            <a:fillRect/>
+          </a:stretch>
+        </p:blipFill>
+        <p:spPr bwMode="auto">
+          <a:xfrm>
+            <a:off x="214282" y="71420"/>
+            <a:ext cx="2643206" cy="2714626"/>
+          </a:xfrm>
+          <a:prstGeom prst="rect">
+            <a:avLst/>
+          </a:prstGeom>
+          <a:noFill/>
+        </p:spPr>
+      </p:pic>
+      <p:pic>
+        <p:nvPicPr>
+          <p:cNvPr id="5" name="Picture 2" descr="ç¸éåç"/>
+          <p:cNvPicPr>
+            <a:picLocks noChangeAspect="1" noChangeArrowheads="1"/>
+          </p:cNvPicPr>
+          <p:nvPr/>
+        </p:nvPicPr>
+        <p:blipFill>
+          <a:blip r:embed="rId3"/>
+          <a:srcRect/>
+          <a:stretch>
+            <a:fillRect/>
+          </a:stretch>
+        </p:blipFill>
+        <p:spPr bwMode="auto">
+          <a:xfrm>
+            <a:off x="714348" y="3000378"/>
+            <a:ext cx="3429024" cy="2000264"/>
+          </a:xfrm>
+          <a:prstGeom prst="rect">
+            <a:avLst/>
+          </a:prstGeom>
+          <a:noFill/>
+        </p:spPr>
+      </p:pic>
+      <p:pic>
+        <p:nvPicPr>
+          <p:cNvPr id="6" name="Picture 2" descr="ãstand up clipartãçåçæå°çµæ"/>
+          <p:cNvPicPr>
+            <a:picLocks noChangeAspect="1" noChangeArrowheads="1"/>
+          </p:cNvPicPr>
+          <p:nvPr/>
+        </p:nvPicPr>
+        <p:blipFill>
+          <a:blip r:embed="rId4"/>
+          <a:srcRect/>
+          <a:stretch>
+            <a:fillRect/>
+          </a:stretch>
+        </p:blipFill>
+        <p:spPr bwMode="auto">
+          <a:xfrm>
+            <a:off x="5214942" y="857238"/>
+            <a:ext cx="1285884" cy="2050579"/>
+          </a:xfrm>
+          <a:prstGeom prst="rect">
+            <a:avLst/>
+          </a:prstGeom>
+          <a:noFill/>
+        </p:spPr>
+      </p:pic>
+      <p:pic>
+        <p:nvPicPr>
+          <p:cNvPr id="7" name="Picture 4" descr="ãstand up clipartãçåçæå°çµæ"/>
+          <p:cNvPicPr>
+            <a:picLocks noChangeAspect="1" noChangeArrowheads="1"/>
+          </p:cNvPicPr>
+          <p:nvPr/>
+        </p:nvPicPr>
+        <p:blipFill>
+          <a:blip r:embed="rId5"/>
+          <a:srcRect/>
+          <a:stretch>
+            <a:fillRect/>
+          </a:stretch>
+        </p:blipFill>
+        <p:spPr bwMode="auto">
+          <a:xfrm>
+            <a:off x="7143768" y="857238"/>
+            <a:ext cx="1212173" cy="2143122"/>
+          </a:xfrm>
+          <a:prstGeom prst="rect">
+            <a:avLst/>
+          </a:prstGeom>
+          <a:noFill/>
+        </p:spPr>
+      </p:pic>
+    </p:spTree>
+  </p:cSld>
+  <p:clrMapOvr>
+    <a:masterClrMapping/>
+  </p:clrMapOvr>
+  <p:timing>
+    <p:tnLst>
+      <p:par>
+        <p:cTn id="1" dur="indefinite" restart="never" nodeType="tmRoot"/>
+      </p:par>
+    </p:tnLst>
+  </p:timing>
+</p:sld>
+</file>
+
+<file path=ppt/slides/slide17.xml><?xml version="1.0" encoding="utf-8"?>
+<p:sld xmlns:a="http://schemas.openxmlformats.org/drawingml/2006/main" xmlns:r="http://schemas.openxmlformats.org/officeDocument/2006/relationships" xmlns:p="http://schemas.openxmlformats.org/presentationml/2006/main">
+  <p:cSld>
+    <p:spTree>
+      <p:nvGrpSpPr>
+        <p:cNvPr id="1" name=""/>
+        <p:cNvGrpSpPr/>
+        <p:nvPr/>
+      </p:nvGrpSpPr>
+      <p:grpSpPr>
+        <a:xfrm>
+          <a:off x="0" y="0"/>
+          <a:ext cx="0" cy="0"/>
+          <a:chOff x="0" y="0"/>
+          <a:chExt cx="0" cy="0"/>
+        </a:xfrm>
+      </p:grpSpPr>
+      <p:sp>
+        <p:nvSpPr>
+          <p:cNvPr id="2" name="標題 1"/>
+          <p:cNvSpPr>
+            <a:spLocks noGrp="1"/>
+          </p:cNvSpPr>
+          <p:nvPr>
+            <p:ph type="title"/>
+          </p:nvPr>
+        </p:nvSpPr>
+        <p:spPr/>
+        <p:txBody>
+          <a:bodyPr/>
+          <a:lstStyle/>
+          <a:p>
+            <a:endParaRPr lang="zh-TW" altLang="en-US"/>
+          </a:p>
+        </p:txBody>
+      </p:sp>
+      <p:sp>
+        <p:nvSpPr>
+          <p:cNvPr id="3" name="內容版面配置區 2"/>
+          <p:cNvSpPr>
+            <a:spLocks noGrp="1"/>
+          </p:cNvSpPr>
+          <p:nvPr>
+            <p:ph idx="1"/>
+          </p:nvPr>
+        </p:nvSpPr>
+        <p:spPr/>
+        <p:txBody>
+          <a:bodyPr/>
+          <a:lstStyle/>
+          <a:p>
+            <a:endParaRPr lang="zh-TW" altLang="en-US"/>
+          </a:p>
+        </p:txBody>
+      </p:sp>
+      <p:pic>
+        <p:nvPicPr>
+          <p:cNvPr id="30722" name="Picture 2" descr="ç¸éåç"/>
+          <p:cNvPicPr>
+            <a:picLocks noChangeAspect="1" noChangeArrowheads="1"/>
+          </p:cNvPicPr>
+          <p:nvPr/>
+        </p:nvPicPr>
+        <p:blipFill>
+          <a:blip r:embed="rId2"/>
+          <a:srcRect/>
+          <a:stretch>
+            <a:fillRect/>
+          </a:stretch>
+        </p:blipFill>
+        <p:spPr bwMode="auto">
+          <a:xfrm>
+            <a:off x="500034" y="214296"/>
+            <a:ext cx="8082699" cy="4714908"/>
+          </a:xfrm>
+          <a:prstGeom prst="rect">
+            <a:avLst/>
+          </a:prstGeom>
+          <a:noFill/>
+        </p:spPr>
+      </p:pic>
+    </p:spTree>
+  </p:cSld>
+  <p:clrMapOvr>
+    <a:masterClrMapping/>
+  </p:clrMapOvr>
+  <p:timing>
+    <p:tnLst>
+      <p:par>
+        <p:cTn id="1" dur="indefinite" restart="never" nodeType="tmRoot"/>
+      </p:par>
+    </p:tnLst>
+  </p:timing>
+</p:sld>
+</file>
+
+<file path=ppt/slides/slide18.xml><?xml version="1.0" encoding="utf-8"?>
+<p:sld xmlns:a="http://schemas.openxmlformats.org/drawingml/2006/main" xmlns:r="http://schemas.openxmlformats.org/officeDocument/2006/relationships" xmlns:p="http://schemas.openxmlformats.org/presentationml/2006/main">
+  <p:cSld>
+    <p:spTree>
+      <p:nvGrpSpPr>
+        <p:cNvPr id="1" name=""/>
+        <p:cNvGrpSpPr/>
+        <p:nvPr/>
+      </p:nvGrpSpPr>
+      <p:grpSpPr>
+        <a:xfrm>
+          <a:off x="0" y="0"/>
+          <a:ext cx="0" cy="0"/>
+          <a:chOff x="0" y="0"/>
+          <a:chExt cx="0" cy="0"/>
+        </a:xfrm>
+      </p:grpSpPr>
+      <p:sp>
+        <p:nvSpPr>
+          <p:cNvPr id="2" name="標題 1"/>
+          <p:cNvSpPr>
+            <a:spLocks noGrp="1"/>
+          </p:cNvSpPr>
+          <p:nvPr>
+            <p:ph type="title"/>
+          </p:nvPr>
+        </p:nvSpPr>
+        <p:spPr/>
+        <p:txBody>
+          <a:bodyPr/>
+          <a:lstStyle/>
+          <a:p>
+            <a:endParaRPr lang="zh-TW" altLang="en-US" dirty="0"/>
+          </a:p>
+        </p:txBody>
+      </p:sp>
+      <p:sp>
+        <p:nvSpPr>
+          <p:cNvPr id="3" name="內容版面配置區 2"/>
+          <p:cNvSpPr>
+            <a:spLocks noGrp="1"/>
+          </p:cNvSpPr>
+          <p:nvPr>
+            <p:ph idx="1"/>
+          </p:nvPr>
+        </p:nvSpPr>
+        <p:spPr/>
+        <p:txBody>
+          <a:bodyPr/>
+          <a:lstStyle/>
+          <a:p>
+            <a:endParaRPr lang="zh-TW" altLang="en-US"/>
+          </a:p>
+        </p:txBody>
+      </p:sp>
+      <p:pic>
+        <p:nvPicPr>
+          <p:cNvPr id="31746" name="Picture 2" descr="ãstand up clipartãçåçæå°çµæ"/>
+          <p:cNvPicPr>
+            <a:picLocks noChangeAspect="1" noChangeArrowheads="1"/>
+          </p:cNvPicPr>
+          <p:nvPr/>
+        </p:nvPicPr>
+        <p:blipFill>
+          <a:blip r:embed="rId2"/>
+          <a:srcRect/>
+          <a:stretch>
+            <a:fillRect/>
+          </a:stretch>
+        </p:blipFill>
+        <p:spPr bwMode="auto">
+          <a:xfrm>
+            <a:off x="1071538" y="571486"/>
+            <a:ext cx="2687855" cy="4286280"/>
+          </a:xfrm>
+          <a:prstGeom prst="rect">
+            <a:avLst/>
+          </a:prstGeom>
+          <a:noFill/>
+        </p:spPr>
+      </p:pic>
+      <p:pic>
+        <p:nvPicPr>
+          <p:cNvPr id="31748" name="Picture 4" descr="ãstand up clipartãçåçæå°çµæ"/>
+          <p:cNvPicPr>
+            <a:picLocks noChangeAspect="1" noChangeArrowheads="1"/>
+          </p:cNvPicPr>
+          <p:nvPr/>
+        </p:nvPicPr>
+        <p:blipFill>
+          <a:blip r:embed="rId3"/>
+          <a:srcRect/>
+          <a:stretch>
+            <a:fillRect/>
+          </a:stretch>
+        </p:blipFill>
+        <p:spPr bwMode="auto">
+          <a:xfrm>
+            <a:off x="4786314" y="71420"/>
+            <a:ext cx="2714644" cy="4799491"/>
+          </a:xfrm>
+          <a:prstGeom prst="rect">
+            <a:avLst/>
+          </a:prstGeom>
+          <a:noFill/>
+        </p:spPr>
+      </p:pic>
+    </p:spTree>
+  </p:cSld>
+  <p:clrMapOvr>
+    <a:masterClrMapping/>
+  </p:clrMapOvr>
+  <p:timing>
+    <p:tnLst>
+      <p:par>
+        <p:cTn id="1" dur="indefinite" restart="never" nodeType="tmRoot"/>
+      </p:par>
+    </p:tnLst>
+  </p:timing>
+</p:sld>
+</file>
+
+<file path=ppt/slides/slide19.xml><?xml version="1.0" encoding="utf-8"?>
+<p:sld xmlns:a="http://schemas.openxmlformats.org/drawingml/2006/main" xmlns:r="http://schemas.openxmlformats.org/officeDocument/2006/relationships" xmlns:p="http://schemas.openxmlformats.org/presentationml/2006/main">
+  <p:cSld>
+    <p:spTree>
+      <p:nvGrpSpPr>
+        <p:cNvPr id="1" name=""/>
+        <p:cNvGrpSpPr/>
+        <p:nvPr/>
+      </p:nvGrpSpPr>
+      <p:grpSpPr>
+        <a:xfrm>
+          <a:off x="0" y="0"/>
+          <a:ext cx="0" cy="0"/>
+          <a:chOff x="0" y="0"/>
+          <a:chExt cx="0" cy="0"/>
+        </a:xfrm>
+      </p:grpSpPr>
+      <p:sp>
+        <p:nvSpPr>
+          <p:cNvPr id="2" name="標題 1"/>
+          <p:cNvSpPr>
+            <a:spLocks noGrp="1"/>
+          </p:cNvSpPr>
+          <p:nvPr>
+            <p:ph type="title"/>
+          </p:nvPr>
+        </p:nvSpPr>
+        <p:spPr/>
+        <p:txBody>
+          <a:bodyPr/>
+          <a:lstStyle/>
+          <a:p>
+            <a:endParaRPr lang="zh-TW" altLang="en-US"/>
+          </a:p>
+        </p:txBody>
+      </p:sp>
+      <p:sp>
+        <p:nvSpPr>
+          <p:cNvPr id="3" name="內容版面配置區 2"/>
+          <p:cNvSpPr>
+            <a:spLocks noGrp="1"/>
+          </p:cNvSpPr>
+          <p:nvPr>
+            <p:ph idx="1"/>
+          </p:nvPr>
+        </p:nvSpPr>
+        <p:spPr/>
+        <p:txBody>
+          <a:bodyPr/>
+          <a:lstStyle/>
+          <a:p>
+            <a:endParaRPr lang="zh-TW" altLang="en-US"/>
+          </a:p>
+        </p:txBody>
+      </p:sp>
+      <p:pic>
+        <p:nvPicPr>
+          <p:cNvPr id="32770" name="Picture 2" descr="ç¸éåç"/>
+          <p:cNvPicPr>
+            <a:picLocks noChangeAspect="1" noChangeArrowheads="1"/>
+          </p:cNvPicPr>
+          <p:nvPr/>
+        </p:nvPicPr>
+        <p:blipFill>
+          <a:blip r:embed="rId2"/>
+          <a:srcRect/>
+          <a:stretch>
+            <a:fillRect/>
+          </a:stretch>
+        </p:blipFill>
+        <p:spPr bwMode="auto">
+          <a:xfrm>
+            <a:off x="1785918" y="214296"/>
+            <a:ext cx="4786346" cy="4786346"/>
+          </a:xfrm>
+          <a:prstGeom prst="rect">
+            <a:avLst/>
+          </a:prstGeom>
+          <a:noFill/>
+        </p:spPr>
+      </p:pic>
+    </p:spTree>
+  </p:cSld>
+  <p:clrMapOvr>
+    <a:masterClrMapping/>
+  </p:clrMapOvr>
+  <p:timing>
+    <p:tnLst>
+      <p:par>
+        <p:cTn id="1" dur="indefinite" restart="never" nodeType="tmRoot"/>
+      </p:par>
+    </p:tnLst>
+  </p:timing>
 </p:sld>
 </file>
 
@@ -5565,7 +6289,7 @@
           <a:blip r:embed="rId2">
             <a:extLst>
               <a:ext uri="{28A0092B-C50C-407E-A947-70E740481C1C}">
-                <a14:useLocalDpi xmlns:a14="http://schemas.microsoft.com/office/drawing/2010/main" xmlns="" val="0"/>
+                <a14:useLocalDpi xmlns="" xmlns:a14="http://schemas.microsoft.com/office/drawing/2010/main" val="0"/>
               </a:ext>
             </a:extLst>
           </a:blip>
@@ -5585,7 +6309,7 @@
           <a:noFill/>
           <a:extLst>
             <a:ext uri="{909E8E84-426E-40DD-AFC4-6F175D3DCCD1}">
-              <a14:hiddenFill xmlns:a14="http://schemas.microsoft.com/office/drawing/2010/main" xmlns="">
+              <a14:hiddenFill xmlns="" xmlns:a14="http://schemas.microsoft.com/office/drawing/2010/main">
                 <a:solidFill>
                   <a:srgbClr val="FFFFFF"/>
                 </a:solidFill>
@@ -6444,13 +7168,1111 @@
     </p:spTree>
     <p:extLst>
       <p:ext uri="{BB962C8B-B14F-4D97-AF65-F5344CB8AC3E}">
-        <p14:creationId xmlns:p14="http://schemas.microsoft.com/office/powerpoint/2010/main" xmlns="" val="4029971926"/>
+        <p14:creationId xmlns="" xmlns:p14="http://schemas.microsoft.com/office/powerpoint/2010/main" val="4029971926"/>
       </p:ext>
     </p:extLst>
   </p:cSld>
   <p:clrMapOvr>
     <a:masterClrMapping/>
   </p:clrMapOvr>
+  <p:timing>
+    <p:tnLst>
+      <p:par>
+        <p:cTn id="1" dur="indefinite" restart="never" nodeType="tmRoot"/>
+      </p:par>
+    </p:tnLst>
+  </p:timing>
+</p:sld>
+</file>
+
+<file path=ppt/slides/slide20.xml><?xml version="1.0" encoding="utf-8"?>
+<p:sld xmlns:a="http://schemas.openxmlformats.org/drawingml/2006/main" xmlns:r="http://schemas.openxmlformats.org/officeDocument/2006/relationships" xmlns:p="http://schemas.openxmlformats.org/presentationml/2006/main">
+  <p:cSld>
+    <p:spTree>
+      <p:nvGrpSpPr>
+        <p:cNvPr id="1" name=""/>
+        <p:cNvGrpSpPr/>
+        <p:nvPr/>
+      </p:nvGrpSpPr>
+      <p:grpSpPr>
+        <a:xfrm>
+          <a:off x="0" y="0"/>
+          <a:ext cx="0" cy="0"/>
+          <a:chOff x="0" y="0"/>
+          <a:chExt cx="0" cy="0"/>
+        </a:xfrm>
+      </p:grpSpPr>
+      <p:sp>
+        <p:nvSpPr>
+          <p:cNvPr id="2" name="標題 1"/>
+          <p:cNvSpPr>
+            <a:spLocks noGrp="1"/>
+          </p:cNvSpPr>
+          <p:nvPr>
+            <p:ph type="title"/>
+          </p:nvPr>
+        </p:nvSpPr>
+        <p:spPr/>
+        <p:txBody>
+          <a:bodyPr/>
+          <a:lstStyle/>
+          <a:p>
+            <a:endParaRPr lang="zh-TW" altLang="en-US"/>
+          </a:p>
+        </p:txBody>
+      </p:sp>
+      <p:sp>
+        <p:nvSpPr>
+          <p:cNvPr id="3" name="內容版面配置區 2"/>
+          <p:cNvSpPr>
+            <a:spLocks noGrp="1"/>
+          </p:cNvSpPr>
+          <p:nvPr>
+            <p:ph idx="1"/>
+          </p:nvPr>
+        </p:nvSpPr>
+        <p:spPr/>
+        <p:txBody>
+          <a:bodyPr/>
+          <a:lstStyle/>
+          <a:p>
+            <a:endParaRPr lang="zh-TW" altLang="en-US"/>
+          </a:p>
+        </p:txBody>
+      </p:sp>
+      <p:pic>
+        <p:nvPicPr>
+          <p:cNvPr id="33794" name="Picture 2" descr="ãhats clipartãçåçæå°çµæ"/>
+          <p:cNvPicPr>
+            <a:picLocks noChangeAspect="1" noChangeArrowheads="1"/>
+          </p:cNvPicPr>
+          <p:nvPr/>
+        </p:nvPicPr>
+        <p:blipFill>
+          <a:blip r:embed="rId2"/>
+          <a:srcRect/>
+          <a:stretch>
+            <a:fillRect/>
+          </a:stretch>
+        </p:blipFill>
+        <p:spPr bwMode="auto">
+          <a:xfrm>
+            <a:off x="571472" y="214296"/>
+            <a:ext cx="7286676" cy="4859403"/>
+          </a:xfrm>
+          <a:prstGeom prst="rect">
+            <a:avLst/>
+          </a:prstGeom>
+          <a:noFill/>
+        </p:spPr>
+      </p:pic>
+    </p:spTree>
+  </p:cSld>
+  <p:clrMapOvr>
+    <a:masterClrMapping/>
+  </p:clrMapOvr>
+  <p:timing>
+    <p:tnLst>
+      <p:par>
+        <p:cTn id="1" dur="indefinite" restart="never" nodeType="tmRoot"/>
+      </p:par>
+    </p:tnLst>
+  </p:timing>
+</p:sld>
+</file>
+
+<file path=ppt/slides/slide21.xml><?xml version="1.0" encoding="utf-8"?>
+<p:sld xmlns:a="http://schemas.openxmlformats.org/drawingml/2006/main" xmlns:r="http://schemas.openxmlformats.org/officeDocument/2006/relationships" xmlns:p="http://schemas.openxmlformats.org/presentationml/2006/main">
+  <p:cSld>
+    <p:spTree>
+      <p:nvGrpSpPr>
+        <p:cNvPr id="1" name=""/>
+        <p:cNvGrpSpPr/>
+        <p:nvPr/>
+      </p:nvGrpSpPr>
+      <p:grpSpPr>
+        <a:xfrm>
+          <a:off x="0" y="0"/>
+          <a:ext cx="0" cy="0"/>
+          <a:chOff x="0" y="0"/>
+          <a:chExt cx="0" cy="0"/>
+        </a:xfrm>
+      </p:grpSpPr>
+      <p:sp>
+        <p:nvSpPr>
+          <p:cNvPr id="2" name="標題 1"/>
+          <p:cNvSpPr>
+            <a:spLocks noGrp="1"/>
+          </p:cNvSpPr>
+          <p:nvPr>
+            <p:ph type="title"/>
+          </p:nvPr>
+        </p:nvSpPr>
+        <p:spPr/>
+        <p:txBody>
+          <a:bodyPr/>
+          <a:lstStyle/>
+          <a:p>
+            <a:endParaRPr lang="zh-TW" altLang="en-US"/>
+          </a:p>
+        </p:txBody>
+      </p:sp>
+      <p:sp>
+        <p:nvSpPr>
+          <p:cNvPr id="3" name="內容版面配置區 2"/>
+          <p:cNvSpPr>
+            <a:spLocks noGrp="1"/>
+          </p:cNvSpPr>
+          <p:nvPr>
+            <p:ph idx="1"/>
+          </p:nvPr>
+        </p:nvSpPr>
+        <p:spPr/>
+        <p:txBody>
+          <a:bodyPr/>
+          <a:lstStyle/>
+          <a:p>
+            <a:endParaRPr lang="zh-TW" altLang="en-US" dirty="0"/>
+          </a:p>
+        </p:txBody>
+      </p:sp>
+      <p:pic>
+        <p:nvPicPr>
+          <p:cNvPr id="34818" name="Picture 2" descr="ç¸éåç"/>
+          <p:cNvPicPr>
+            <a:picLocks noChangeAspect="1" noChangeArrowheads="1"/>
+          </p:cNvPicPr>
+          <p:nvPr/>
+        </p:nvPicPr>
+        <p:blipFill>
+          <a:blip r:embed="rId2"/>
+          <a:srcRect/>
+          <a:stretch>
+            <a:fillRect/>
+          </a:stretch>
+        </p:blipFill>
+        <p:spPr bwMode="auto">
+          <a:xfrm>
+            <a:off x="1428728" y="285285"/>
+            <a:ext cx="4786346" cy="4858215"/>
+          </a:xfrm>
+          <a:prstGeom prst="rect">
+            <a:avLst/>
+          </a:prstGeom>
+          <a:noFill/>
+        </p:spPr>
+      </p:pic>
+      <p:pic>
+        <p:nvPicPr>
+          <p:cNvPr id="34820" name="Picture 4" descr="ãmui ten clipartãçåçæå°çµæ"/>
+          <p:cNvPicPr>
+            <a:picLocks noChangeAspect="1" noChangeArrowheads="1"/>
+          </p:cNvPicPr>
+          <p:nvPr/>
+        </p:nvPicPr>
+        <p:blipFill>
+          <a:blip r:embed="rId3" cstate="print"/>
+          <a:srcRect/>
+          <a:stretch>
+            <a:fillRect/>
+          </a:stretch>
+        </p:blipFill>
+        <p:spPr bwMode="auto">
+          <a:xfrm rot="9123796">
+            <a:off x="4819714" y="497949"/>
+            <a:ext cx="759275" cy="636412"/>
+          </a:xfrm>
+          <a:prstGeom prst="rect">
+            <a:avLst/>
+          </a:prstGeom>
+          <a:noFill/>
+        </p:spPr>
+      </p:pic>
+      <p:pic>
+        <p:nvPicPr>
+          <p:cNvPr id="6" name="Picture 4" descr="ãmui ten clipartãçåçæå°çµæ"/>
+          <p:cNvPicPr>
+            <a:picLocks noChangeAspect="1" noChangeArrowheads="1"/>
+          </p:cNvPicPr>
+          <p:nvPr/>
+        </p:nvPicPr>
+        <p:blipFill>
+          <a:blip r:embed="rId3" cstate="print"/>
+          <a:srcRect/>
+          <a:stretch>
+            <a:fillRect/>
+          </a:stretch>
+        </p:blipFill>
+        <p:spPr bwMode="auto">
+          <a:xfrm rot="9123796">
+            <a:off x="5176903" y="2926841"/>
+            <a:ext cx="759275" cy="636412"/>
+          </a:xfrm>
+          <a:prstGeom prst="rect">
+            <a:avLst/>
+          </a:prstGeom>
+          <a:noFill/>
+        </p:spPr>
+      </p:pic>
+    </p:spTree>
+  </p:cSld>
+  <p:clrMapOvr>
+    <a:masterClrMapping/>
+  </p:clrMapOvr>
+  <p:timing>
+    <p:tnLst>
+      <p:par>
+        <p:cTn id="1" dur="indefinite" restart="never" nodeType="tmRoot"/>
+      </p:par>
+    </p:tnLst>
+  </p:timing>
+</p:sld>
+</file>
+
+<file path=ppt/slides/slide22.xml><?xml version="1.0" encoding="utf-8"?>
+<p:sld xmlns:a="http://schemas.openxmlformats.org/drawingml/2006/main" xmlns:r="http://schemas.openxmlformats.org/officeDocument/2006/relationships" xmlns:p="http://schemas.openxmlformats.org/presentationml/2006/main">
+  <p:cSld>
+    <p:spTree>
+      <p:nvGrpSpPr>
+        <p:cNvPr id="1" name=""/>
+        <p:cNvGrpSpPr/>
+        <p:nvPr/>
+      </p:nvGrpSpPr>
+      <p:grpSpPr>
+        <a:xfrm>
+          <a:off x="0" y="0"/>
+          <a:ext cx="0" cy="0"/>
+          <a:chOff x="0" y="0"/>
+          <a:chExt cx="0" cy="0"/>
+        </a:xfrm>
+      </p:grpSpPr>
+      <p:sp>
+        <p:nvSpPr>
+          <p:cNvPr id="2" name="標題 1"/>
+          <p:cNvSpPr>
+            <a:spLocks noGrp="1"/>
+          </p:cNvSpPr>
+          <p:nvPr>
+            <p:ph type="title"/>
+          </p:nvPr>
+        </p:nvSpPr>
+        <p:spPr/>
+        <p:txBody>
+          <a:bodyPr/>
+          <a:lstStyle/>
+          <a:p>
+            <a:endParaRPr lang="zh-TW" altLang="en-US" dirty="0"/>
+          </a:p>
+        </p:txBody>
+      </p:sp>
+      <p:sp>
+        <p:nvSpPr>
+          <p:cNvPr id="3" name="內容版面配置區 2"/>
+          <p:cNvSpPr>
+            <a:spLocks noGrp="1"/>
+          </p:cNvSpPr>
+          <p:nvPr>
+            <p:ph idx="1"/>
+          </p:nvPr>
+        </p:nvSpPr>
+        <p:spPr/>
+        <p:txBody>
+          <a:bodyPr/>
+          <a:lstStyle/>
+          <a:p>
+            <a:endParaRPr lang="zh-TW" altLang="en-US" dirty="0"/>
+          </a:p>
+        </p:txBody>
+      </p:sp>
+      <p:pic>
+        <p:nvPicPr>
+          <p:cNvPr id="1026" name="Picture 2" descr="ãclothes clipartãçåçæå°çµæ"/>
+          <p:cNvPicPr>
+            <a:picLocks noChangeAspect="1" noChangeArrowheads="1"/>
+          </p:cNvPicPr>
+          <p:nvPr/>
+        </p:nvPicPr>
+        <p:blipFill>
+          <a:blip r:embed="rId2"/>
+          <a:srcRect t="10000" b="61538"/>
+          <a:stretch>
+            <a:fillRect/>
+          </a:stretch>
+        </p:blipFill>
+        <p:spPr bwMode="auto">
+          <a:xfrm>
+            <a:off x="500034" y="1142990"/>
+            <a:ext cx="7780879" cy="2214578"/>
+          </a:xfrm>
+          <a:prstGeom prst="rect">
+            <a:avLst/>
+          </a:prstGeom>
+          <a:noFill/>
+        </p:spPr>
+      </p:pic>
+    </p:spTree>
+  </p:cSld>
+  <p:clrMapOvr>
+    <a:masterClrMapping/>
+  </p:clrMapOvr>
+  <p:timing>
+    <p:tnLst>
+      <p:par>
+        <p:cTn id="1" dur="indefinite" restart="never" nodeType="tmRoot"/>
+      </p:par>
+    </p:tnLst>
+  </p:timing>
+</p:sld>
+</file>
+
+<file path=ppt/slides/slide23.xml><?xml version="1.0" encoding="utf-8"?>
+<p:sld xmlns:a="http://schemas.openxmlformats.org/drawingml/2006/main" xmlns:r="http://schemas.openxmlformats.org/officeDocument/2006/relationships" xmlns:p="http://schemas.openxmlformats.org/presentationml/2006/main">
+  <p:cSld>
+    <p:spTree>
+      <p:nvGrpSpPr>
+        <p:cNvPr id="1" name=""/>
+        <p:cNvGrpSpPr/>
+        <p:nvPr/>
+      </p:nvGrpSpPr>
+      <p:grpSpPr>
+        <a:xfrm>
+          <a:off x="0" y="0"/>
+          <a:ext cx="0" cy="0"/>
+          <a:chOff x="0" y="0"/>
+          <a:chExt cx="0" cy="0"/>
+        </a:xfrm>
+      </p:grpSpPr>
+      <p:sp>
+        <p:nvSpPr>
+          <p:cNvPr id="2" name="標題 1"/>
+          <p:cNvSpPr>
+            <a:spLocks noGrp="1"/>
+          </p:cNvSpPr>
+          <p:nvPr>
+            <p:ph type="title"/>
+          </p:nvPr>
+        </p:nvSpPr>
+        <p:spPr/>
+        <p:txBody>
+          <a:bodyPr/>
+          <a:lstStyle/>
+          <a:p>
+            <a:endParaRPr lang="zh-TW" altLang="en-US"/>
+          </a:p>
+        </p:txBody>
+      </p:sp>
+      <p:sp>
+        <p:nvSpPr>
+          <p:cNvPr id="3" name="內容版面配置區 2"/>
+          <p:cNvSpPr>
+            <a:spLocks noGrp="1"/>
+          </p:cNvSpPr>
+          <p:nvPr>
+            <p:ph idx="1"/>
+          </p:nvPr>
+        </p:nvSpPr>
+        <p:spPr/>
+        <p:txBody>
+          <a:bodyPr/>
+          <a:lstStyle/>
+          <a:p>
+            <a:endParaRPr lang="zh-TW" altLang="en-US"/>
+          </a:p>
+        </p:txBody>
+      </p:sp>
+      <p:pic>
+        <p:nvPicPr>
+          <p:cNvPr id="36868" name="Picture 4" descr="ãpants clipartãçåçæå°çµæ"/>
+          <p:cNvPicPr>
+            <a:picLocks noChangeAspect="1" noChangeArrowheads="1"/>
+          </p:cNvPicPr>
+          <p:nvPr/>
+        </p:nvPicPr>
+        <p:blipFill>
+          <a:blip r:embed="rId2"/>
+          <a:srcRect/>
+          <a:stretch>
+            <a:fillRect/>
+          </a:stretch>
+        </p:blipFill>
+        <p:spPr bwMode="auto">
+          <a:xfrm>
+            <a:off x="500034" y="357172"/>
+            <a:ext cx="2857500" cy="2857500"/>
+          </a:xfrm>
+          <a:prstGeom prst="rect">
+            <a:avLst/>
+          </a:prstGeom>
+          <a:noFill/>
+        </p:spPr>
+      </p:pic>
+      <p:pic>
+        <p:nvPicPr>
+          <p:cNvPr id="36870" name="Picture 6" descr="ãpants clipartãçåçæå°çµæ"/>
+          <p:cNvPicPr>
+            <a:picLocks noChangeAspect="1" noChangeArrowheads="1"/>
+          </p:cNvPicPr>
+          <p:nvPr/>
+        </p:nvPicPr>
+        <p:blipFill>
+          <a:blip r:embed="rId3"/>
+          <a:srcRect/>
+          <a:stretch>
+            <a:fillRect/>
+          </a:stretch>
+        </p:blipFill>
+        <p:spPr bwMode="auto">
+          <a:xfrm>
+            <a:off x="4643438" y="857238"/>
+            <a:ext cx="3714775" cy="3714776"/>
+          </a:xfrm>
+          <a:prstGeom prst="rect">
+            <a:avLst/>
+          </a:prstGeom>
+          <a:noFill/>
+        </p:spPr>
+      </p:pic>
+    </p:spTree>
+  </p:cSld>
+  <p:clrMapOvr>
+    <a:masterClrMapping/>
+  </p:clrMapOvr>
+  <p:timing>
+    <p:tnLst>
+      <p:par>
+        <p:cTn id="1" dur="indefinite" restart="never" nodeType="tmRoot"/>
+      </p:par>
+    </p:tnLst>
+  </p:timing>
+</p:sld>
+</file>
+
+<file path=ppt/slides/slide24.xml><?xml version="1.0" encoding="utf-8"?>
+<p:sld xmlns:a="http://schemas.openxmlformats.org/drawingml/2006/main" xmlns:r="http://schemas.openxmlformats.org/officeDocument/2006/relationships" xmlns:p="http://schemas.openxmlformats.org/presentationml/2006/main">
+  <p:cSld>
+    <p:spTree>
+      <p:nvGrpSpPr>
+        <p:cNvPr id="1" name=""/>
+        <p:cNvGrpSpPr/>
+        <p:nvPr/>
+      </p:nvGrpSpPr>
+      <p:grpSpPr>
+        <a:xfrm>
+          <a:off x="0" y="0"/>
+          <a:ext cx="0" cy="0"/>
+          <a:chOff x="0" y="0"/>
+          <a:chExt cx="0" cy="0"/>
+        </a:xfrm>
+      </p:grpSpPr>
+      <p:sp>
+        <p:nvSpPr>
+          <p:cNvPr id="2" name="標題 1"/>
+          <p:cNvSpPr>
+            <a:spLocks noGrp="1"/>
+          </p:cNvSpPr>
+          <p:nvPr>
+            <p:ph type="title"/>
+          </p:nvPr>
+        </p:nvSpPr>
+        <p:spPr/>
+        <p:txBody>
+          <a:bodyPr/>
+          <a:lstStyle/>
+          <a:p>
+            <a:endParaRPr lang="zh-TW" altLang="en-US"/>
+          </a:p>
+        </p:txBody>
+      </p:sp>
+      <p:sp>
+        <p:nvSpPr>
+          <p:cNvPr id="3" name="內容版面配置區 2"/>
+          <p:cNvSpPr>
+            <a:spLocks noGrp="1"/>
+          </p:cNvSpPr>
+          <p:nvPr>
+            <p:ph idx="1"/>
+          </p:nvPr>
+        </p:nvSpPr>
+        <p:spPr/>
+        <p:txBody>
+          <a:bodyPr/>
+          <a:lstStyle/>
+          <a:p>
+            <a:endParaRPr lang="zh-TW" altLang="en-US" dirty="0"/>
+          </a:p>
+        </p:txBody>
+      </p:sp>
+      <p:pic>
+        <p:nvPicPr>
+          <p:cNvPr id="37890" name="Picture 2" descr="ãdress clipartãçåçæå°çµæ"/>
+          <p:cNvPicPr>
+            <a:picLocks noChangeAspect="1" noChangeArrowheads="1"/>
+          </p:cNvPicPr>
+          <p:nvPr/>
+        </p:nvPicPr>
+        <p:blipFill>
+          <a:blip r:embed="rId2" cstate="print"/>
+          <a:srcRect/>
+          <a:stretch>
+            <a:fillRect/>
+          </a:stretch>
+        </p:blipFill>
+        <p:spPr bwMode="auto">
+          <a:xfrm>
+            <a:off x="428596" y="285734"/>
+            <a:ext cx="4000528" cy="4030082"/>
+          </a:xfrm>
+          <a:prstGeom prst="rect">
+            <a:avLst/>
+          </a:prstGeom>
+          <a:noFill/>
+        </p:spPr>
+      </p:pic>
+      <p:pic>
+        <p:nvPicPr>
+          <p:cNvPr id="37892" name="Picture 4" descr="ç¸éåç"/>
+          <p:cNvPicPr>
+            <a:picLocks noChangeAspect="1" noChangeArrowheads="1"/>
+          </p:cNvPicPr>
+          <p:nvPr/>
+        </p:nvPicPr>
+        <p:blipFill>
+          <a:blip r:embed="rId3"/>
+          <a:srcRect/>
+          <a:stretch>
+            <a:fillRect/>
+          </a:stretch>
+        </p:blipFill>
+        <p:spPr bwMode="auto">
+          <a:xfrm>
+            <a:off x="4572000" y="428610"/>
+            <a:ext cx="4286250" cy="4286250"/>
+          </a:xfrm>
+          <a:prstGeom prst="rect">
+            <a:avLst/>
+          </a:prstGeom>
+          <a:noFill/>
+        </p:spPr>
+      </p:pic>
+    </p:spTree>
+  </p:cSld>
+  <p:clrMapOvr>
+    <a:masterClrMapping/>
+  </p:clrMapOvr>
+  <p:timing>
+    <p:tnLst>
+      <p:par>
+        <p:cTn id="1" dur="indefinite" restart="never" nodeType="tmRoot"/>
+      </p:par>
+    </p:tnLst>
+  </p:timing>
+</p:sld>
+</file>
+
+<file path=ppt/slides/slide25.xml><?xml version="1.0" encoding="utf-8"?>
+<p:sld xmlns:a="http://schemas.openxmlformats.org/drawingml/2006/main" xmlns:r="http://schemas.openxmlformats.org/officeDocument/2006/relationships" xmlns:p="http://schemas.openxmlformats.org/presentationml/2006/main">
+  <p:cSld>
+    <p:spTree>
+      <p:nvGrpSpPr>
+        <p:cNvPr id="1" name=""/>
+        <p:cNvGrpSpPr/>
+        <p:nvPr/>
+      </p:nvGrpSpPr>
+      <p:grpSpPr>
+        <a:xfrm>
+          <a:off x="0" y="0"/>
+          <a:ext cx="0" cy="0"/>
+          <a:chOff x="0" y="0"/>
+          <a:chExt cx="0" cy="0"/>
+        </a:xfrm>
+      </p:grpSpPr>
+      <p:sp>
+        <p:nvSpPr>
+          <p:cNvPr id="2" name="標題 1"/>
+          <p:cNvSpPr>
+            <a:spLocks noGrp="1"/>
+          </p:cNvSpPr>
+          <p:nvPr>
+            <p:ph type="title"/>
+          </p:nvPr>
+        </p:nvSpPr>
+        <p:spPr/>
+        <p:txBody>
+          <a:bodyPr/>
+          <a:lstStyle/>
+          <a:p>
+            <a:endParaRPr lang="zh-TW" altLang="en-US"/>
+          </a:p>
+        </p:txBody>
+      </p:sp>
+      <p:sp>
+        <p:nvSpPr>
+          <p:cNvPr id="3" name="內容版面配置區 2"/>
+          <p:cNvSpPr>
+            <a:spLocks noGrp="1"/>
+          </p:cNvSpPr>
+          <p:nvPr>
+            <p:ph idx="1"/>
+          </p:nvPr>
+        </p:nvSpPr>
+        <p:spPr/>
+        <p:txBody>
+          <a:bodyPr/>
+          <a:lstStyle/>
+          <a:p>
+            <a:endParaRPr lang="zh-TW" altLang="en-US" dirty="0"/>
+          </a:p>
+        </p:txBody>
+      </p:sp>
+      <p:pic>
+        <p:nvPicPr>
+          <p:cNvPr id="38914" name="Picture 2" descr="ãç clipartãçåçæå°çµæ"/>
+          <p:cNvPicPr>
+            <a:picLocks noChangeAspect="1" noChangeArrowheads="1"/>
+          </p:cNvPicPr>
+          <p:nvPr/>
+        </p:nvPicPr>
+        <p:blipFill>
+          <a:blip r:embed="rId2"/>
+          <a:srcRect/>
+          <a:stretch>
+            <a:fillRect/>
+          </a:stretch>
+        </p:blipFill>
+        <p:spPr bwMode="auto">
+          <a:xfrm>
+            <a:off x="214282" y="428610"/>
+            <a:ext cx="3452823" cy="3571886"/>
+          </a:xfrm>
+          <a:prstGeom prst="rect">
+            <a:avLst/>
+          </a:prstGeom>
+          <a:noFill/>
+        </p:spPr>
+      </p:pic>
+      <p:pic>
+        <p:nvPicPr>
+          <p:cNvPr id="38918" name="Picture 6" descr="ç¸éåç"/>
+          <p:cNvPicPr>
+            <a:picLocks noChangeAspect="1" noChangeArrowheads="1"/>
+          </p:cNvPicPr>
+          <p:nvPr/>
+        </p:nvPicPr>
+        <p:blipFill>
+          <a:blip r:embed="rId3"/>
+          <a:srcRect/>
+          <a:stretch>
+            <a:fillRect/>
+          </a:stretch>
+        </p:blipFill>
+        <p:spPr bwMode="auto">
+          <a:xfrm>
+            <a:off x="4714876" y="857238"/>
+            <a:ext cx="3854438" cy="3854439"/>
+          </a:xfrm>
+          <a:prstGeom prst="rect">
+            <a:avLst/>
+          </a:prstGeom>
+          <a:noFill/>
+        </p:spPr>
+      </p:pic>
+    </p:spTree>
+  </p:cSld>
+  <p:clrMapOvr>
+    <a:masterClrMapping/>
+  </p:clrMapOvr>
+  <p:timing>
+    <p:tnLst>
+      <p:par>
+        <p:cTn id="1" dur="indefinite" restart="never" nodeType="tmRoot"/>
+      </p:par>
+    </p:tnLst>
+  </p:timing>
+</p:sld>
+</file>
+
+<file path=ppt/slides/slide26.xml><?xml version="1.0" encoding="utf-8"?>
+<p:sld xmlns:a="http://schemas.openxmlformats.org/drawingml/2006/main" xmlns:r="http://schemas.openxmlformats.org/officeDocument/2006/relationships" xmlns:p="http://schemas.openxmlformats.org/presentationml/2006/main">
+  <p:cSld>
+    <p:spTree>
+      <p:nvGrpSpPr>
+        <p:cNvPr id="1" name=""/>
+        <p:cNvGrpSpPr/>
+        <p:nvPr/>
+      </p:nvGrpSpPr>
+      <p:grpSpPr>
+        <a:xfrm>
+          <a:off x="0" y="0"/>
+          <a:ext cx="0" cy="0"/>
+          <a:chOff x="0" y="0"/>
+          <a:chExt cx="0" cy="0"/>
+        </a:xfrm>
+      </p:grpSpPr>
+      <p:sp>
+        <p:nvSpPr>
+          <p:cNvPr id="2" name="標題 1"/>
+          <p:cNvSpPr>
+            <a:spLocks noGrp="1"/>
+          </p:cNvSpPr>
+          <p:nvPr>
+            <p:ph type="title"/>
+          </p:nvPr>
+        </p:nvSpPr>
+        <p:spPr/>
+        <p:txBody>
+          <a:bodyPr/>
+          <a:lstStyle/>
+          <a:p>
+            <a:endParaRPr lang="zh-TW" altLang="en-US"/>
+          </a:p>
+        </p:txBody>
+      </p:sp>
+      <p:sp>
+        <p:nvSpPr>
+          <p:cNvPr id="3" name="內容版面配置區 2"/>
+          <p:cNvSpPr>
+            <a:spLocks noGrp="1"/>
+          </p:cNvSpPr>
+          <p:nvPr>
+            <p:ph idx="1"/>
+          </p:nvPr>
+        </p:nvSpPr>
+        <p:spPr/>
+        <p:txBody>
+          <a:bodyPr/>
+          <a:lstStyle/>
+          <a:p>
+            <a:endParaRPr lang="zh-TW" altLang="en-US"/>
+          </a:p>
+        </p:txBody>
+      </p:sp>
+      <p:pic>
+        <p:nvPicPr>
+          <p:cNvPr id="39938" name="Picture 2" descr="ãpens clipartãçåçæå°çµæ"/>
+          <p:cNvPicPr>
+            <a:picLocks noChangeAspect="1" noChangeArrowheads="1"/>
+          </p:cNvPicPr>
+          <p:nvPr/>
+        </p:nvPicPr>
+        <p:blipFill>
+          <a:blip r:embed="rId2"/>
+          <a:srcRect/>
+          <a:stretch>
+            <a:fillRect/>
+          </a:stretch>
+        </p:blipFill>
+        <p:spPr bwMode="auto">
+          <a:xfrm>
+            <a:off x="2428860" y="-71456"/>
+            <a:ext cx="4023000" cy="5400000"/>
+          </a:xfrm>
+          <a:prstGeom prst="rect">
+            <a:avLst/>
+          </a:prstGeom>
+          <a:noFill/>
+        </p:spPr>
+      </p:pic>
+    </p:spTree>
+  </p:cSld>
+  <p:clrMapOvr>
+    <a:masterClrMapping/>
+  </p:clrMapOvr>
+  <p:timing>
+    <p:tnLst>
+      <p:par>
+        <p:cTn id="1" dur="indefinite" restart="never" nodeType="tmRoot"/>
+      </p:par>
+    </p:tnLst>
+  </p:timing>
+</p:sld>
+</file>
+
+<file path=ppt/slides/slide27.xml><?xml version="1.0" encoding="utf-8"?>
+<p:sld xmlns:a="http://schemas.openxmlformats.org/drawingml/2006/main" xmlns:r="http://schemas.openxmlformats.org/officeDocument/2006/relationships" xmlns:p="http://schemas.openxmlformats.org/presentationml/2006/main">
+  <p:cSld>
+    <p:spTree>
+      <p:nvGrpSpPr>
+        <p:cNvPr id="1" name=""/>
+        <p:cNvGrpSpPr/>
+        <p:nvPr/>
+      </p:nvGrpSpPr>
+      <p:grpSpPr>
+        <a:xfrm>
+          <a:off x="0" y="0"/>
+          <a:ext cx="0" cy="0"/>
+          <a:chOff x="0" y="0"/>
+          <a:chExt cx="0" cy="0"/>
+        </a:xfrm>
+      </p:grpSpPr>
+      <p:sp>
+        <p:nvSpPr>
+          <p:cNvPr id="2" name="標題 1"/>
+          <p:cNvSpPr>
+            <a:spLocks noGrp="1"/>
+          </p:cNvSpPr>
+          <p:nvPr>
+            <p:ph type="title"/>
+          </p:nvPr>
+        </p:nvSpPr>
+        <p:spPr/>
+        <p:txBody>
+          <a:bodyPr/>
+          <a:lstStyle/>
+          <a:p>
+            <a:endParaRPr lang="zh-TW" altLang="en-US"/>
+          </a:p>
+        </p:txBody>
+      </p:sp>
+      <p:sp>
+        <p:nvSpPr>
+          <p:cNvPr id="3" name="內容版面配置區 2"/>
+          <p:cNvSpPr>
+            <a:spLocks noGrp="1"/>
+          </p:cNvSpPr>
+          <p:nvPr>
+            <p:ph idx="1"/>
+          </p:nvPr>
+        </p:nvSpPr>
+        <p:spPr/>
+        <p:txBody>
+          <a:bodyPr/>
+          <a:lstStyle/>
+          <a:p>
+            <a:endParaRPr lang="zh-TW" altLang="en-US" dirty="0"/>
+          </a:p>
+        </p:txBody>
+      </p:sp>
+      <p:pic>
+        <p:nvPicPr>
+          <p:cNvPr id="40962" name="Picture 2" descr="ç¸éåç"/>
+          <p:cNvPicPr>
+            <a:picLocks noChangeAspect="1" noChangeArrowheads="1"/>
+          </p:cNvPicPr>
+          <p:nvPr/>
+        </p:nvPicPr>
+        <p:blipFill>
+          <a:blip r:embed="rId2"/>
+          <a:srcRect r="14999"/>
+          <a:stretch>
+            <a:fillRect/>
+          </a:stretch>
+        </p:blipFill>
+        <p:spPr bwMode="auto">
+          <a:xfrm>
+            <a:off x="1643042" y="642924"/>
+            <a:ext cx="4786346" cy="4004237"/>
+          </a:xfrm>
+          <a:prstGeom prst="rect">
+            <a:avLst/>
+          </a:prstGeom>
+          <a:noFill/>
+        </p:spPr>
+      </p:pic>
+    </p:spTree>
+  </p:cSld>
+  <p:clrMapOvr>
+    <a:masterClrMapping/>
+  </p:clrMapOvr>
+  <p:timing>
+    <p:tnLst>
+      <p:par>
+        <p:cTn id="1" dur="indefinite" restart="never" nodeType="tmRoot"/>
+      </p:par>
+    </p:tnLst>
+  </p:timing>
+</p:sld>
+</file>
+
+<file path=ppt/slides/slide28.xml><?xml version="1.0" encoding="utf-8"?>
+<p:sld xmlns:a="http://schemas.openxmlformats.org/drawingml/2006/main" xmlns:r="http://schemas.openxmlformats.org/officeDocument/2006/relationships" xmlns:p="http://schemas.openxmlformats.org/presentationml/2006/main">
+  <p:cSld>
+    <p:spTree>
+      <p:nvGrpSpPr>
+        <p:cNvPr id="1" name=""/>
+        <p:cNvGrpSpPr/>
+        <p:nvPr/>
+      </p:nvGrpSpPr>
+      <p:grpSpPr>
+        <a:xfrm>
+          <a:off x="0" y="0"/>
+          <a:ext cx="0" cy="0"/>
+          <a:chOff x="0" y="0"/>
+          <a:chExt cx="0" cy="0"/>
+        </a:xfrm>
+      </p:grpSpPr>
+      <p:sp>
+        <p:nvSpPr>
+          <p:cNvPr id="2" name="標題 1"/>
+          <p:cNvSpPr>
+            <a:spLocks noGrp="1"/>
+          </p:cNvSpPr>
+          <p:nvPr>
+            <p:ph type="title"/>
+          </p:nvPr>
+        </p:nvSpPr>
+        <p:spPr/>
+        <p:txBody>
+          <a:bodyPr/>
+          <a:lstStyle/>
+          <a:p>
+            <a:endParaRPr lang="zh-TW" altLang="en-US"/>
+          </a:p>
+        </p:txBody>
+      </p:sp>
+      <p:sp>
+        <p:nvSpPr>
+          <p:cNvPr id="3" name="內容版面配置區 2"/>
+          <p:cNvSpPr>
+            <a:spLocks noGrp="1"/>
+          </p:cNvSpPr>
+          <p:nvPr>
+            <p:ph idx="1"/>
+          </p:nvPr>
+        </p:nvSpPr>
+        <p:spPr/>
+        <p:txBody>
+          <a:bodyPr/>
+          <a:lstStyle/>
+          <a:p>
+            <a:endParaRPr lang="zh-TW" altLang="en-US"/>
+          </a:p>
+        </p:txBody>
+      </p:sp>
+      <p:pic>
+        <p:nvPicPr>
+          <p:cNvPr id="41986" name="Picture 2" descr="ãæ¡ clipartãçåçæå°çµæ"/>
+          <p:cNvPicPr>
+            <a:picLocks noChangeAspect="1" noChangeArrowheads="1"/>
+          </p:cNvPicPr>
+          <p:nvPr/>
+        </p:nvPicPr>
+        <p:blipFill>
+          <a:blip r:embed="rId2"/>
+          <a:srcRect/>
+          <a:stretch>
+            <a:fillRect/>
+          </a:stretch>
+        </p:blipFill>
+        <p:spPr bwMode="auto">
+          <a:xfrm>
+            <a:off x="1571604" y="357172"/>
+            <a:ext cx="5429288" cy="4535544"/>
+          </a:xfrm>
+          <a:prstGeom prst="rect">
+            <a:avLst/>
+          </a:prstGeom>
+          <a:noFill/>
+        </p:spPr>
+      </p:pic>
+    </p:spTree>
+  </p:cSld>
+  <p:clrMapOvr>
+    <a:masterClrMapping/>
+  </p:clrMapOvr>
+  <p:timing>
+    <p:tnLst>
+      <p:par>
+        <p:cTn id="1" dur="indefinite" restart="never" nodeType="tmRoot"/>
+      </p:par>
+    </p:tnLst>
+  </p:timing>
+</p:sld>
+</file>
+
+<file path=ppt/slides/slide29.xml><?xml version="1.0" encoding="utf-8"?>
+<p:sld xmlns:a="http://schemas.openxmlformats.org/drawingml/2006/main" xmlns:r="http://schemas.openxmlformats.org/officeDocument/2006/relationships" xmlns:p="http://schemas.openxmlformats.org/presentationml/2006/main">
+  <p:cSld>
+    <p:spTree>
+      <p:nvGrpSpPr>
+        <p:cNvPr id="1" name=""/>
+        <p:cNvGrpSpPr/>
+        <p:nvPr/>
+      </p:nvGrpSpPr>
+      <p:grpSpPr>
+        <a:xfrm>
+          <a:off x="0" y="0"/>
+          <a:ext cx="0" cy="0"/>
+          <a:chOff x="0" y="0"/>
+          <a:chExt cx="0" cy="0"/>
+        </a:xfrm>
+      </p:grpSpPr>
+      <p:sp>
+        <p:nvSpPr>
+          <p:cNvPr id="2" name="標題 1"/>
+          <p:cNvSpPr>
+            <a:spLocks noGrp="1"/>
+          </p:cNvSpPr>
+          <p:nvPr>
+            <p:ph type="title"/>
+          </p:nvPr>
+        </p:nvSpPr>
+        <p:spPr/>
+        <p:txBody>
+          <a:bodyPr/>
+          <a:lstStyle/>
+          <a:p>
+            <a:endParaRPr lang="zh-TW" altLang="en-US"/>
+          </a:p>
+        </p:txBody>
+      </p:sp>
+      <p:sp>
+        <p:nvSpPr>
+          <p:cNvPr id="3" name="內容版面配置區 2"/>
+          <p:cNvSpPr>
+            <a:spLocks noGrp="1"/>
+          </p:cNvSpPr>
+          <p:nvPr>
+            <p:ph idx="1"/>
+          </p:nvPr>
+        </p:nvSpPr>
+        <p:spPr/>
+        <p:txBody>
+          <a:bodyPr/>
+          <a:lstStyle/>
+          <a:p>
+            <a:endParaRPr lang="zh-TW" altLang="en-US"/>
+          </a:p>
+        </p:txBody>
+      </p:sp>
+      <p:pic>
+        <p:nvPicPr>
+          <p:cNvPr id="43010" name="Picture 2" descr="ãæ¤+å­clipartãçåçæå°çµæ"/>
+          <p:cNvPicPr>
+            <a:picLocks noChangeAspect="1" noChangeArrowheads="1"/>
+          </p:cNvPicPr>
+          <p:nvPr/>
+        </p:nvPicPr>
+        <p:blipFill>
+          <a:blip r:embed="rId2"/>
+          <a:srcRect/>
+          <a:stretch>
+            <a:fillRect/>
+          </a:stretch>
+        </p:blipFill>
+        <p:spPr bwMode="auto">
+          <a:xfrm>
+            <a:off x="2285984" y="214296"/>
+            <a:ext cx="3929090" cy="4706615"/>
+          </a:xfrm>
+          <a:prstGeom prst="rect">
+            <a:avLst/>
+          </a:prstGeom>
+          <a:noFill/>
+        </p:spPr>
+      </p:pic>
+    </p:spTree>
+  </p:cSld>
+  <p:clrMapOvr>
+    <a:masterClrMapping/>
+  </p:clrMapOvr>
+  <p:timing>
+    <p:tnLst>
+      <p:par>
+        <p:cTn id="1" dur="indefinite" restart="never" nodeType="tmRoot"/>
+      </p:par>
+    </p:tnLst>
+  </p:timing>
 </p:sld>
 </file>
 
@@ -6473,7 +8295,7 @@
       </p:grpSpPr>
       <p:pic>
         <p:nvPicPr>
-          <p:cNvPr id="4" name="Picture 2" descr="ç¸éåç"/>
+          <p:cNvPr id="4" name="Picture 6" descr="ãeducational ppt backgroundãçåçæå°çµæ"/>
           <p:cNvPicPr>
             <a:picLocks noChangeAspect="1" noChangeArrowheads="1"/>
           </p:cNvPicPr>
@@ -6483,7 +8305,7 @@
           <a:blip r:embed="rId2">
             <a:extLst>
               <a:ext uri="{28A0092B-C50C-407E-A947-70E740481C1C}">
-                <a14:useLocalDpi xmlns:a14="http://schemas.microsoft.com/office/drawing/2010/main" xmlns="" val="0"/>
+                <a14:useLocalDpi xmlns="" xmlns:a14="http://schemas.microsoft.com/office/drawing/2010/main" val="0"/>
               </a:ext>
             </a:extLst>
           </a:blip>
@@ -6494,7 +8316,7 @@
         </p:blipFill>
         <p:spPr bwMode="auto">
           <a:xfrm>
-            <a:off x="0" y="-4260"/>
+            <a:off x="0" y="0"/>
             <a:ext cx="9144000" cy="5143500"/>
           </a:xfrm>
           <a:prstGeom prst="rect">
@@ -6503,7 +8325,7 @@
           <a:noFill/>
           <a:extLst>
             <a:ext uri="{909E8E84-426E-40DD-AFC4-6F175D3DCCD1}">
-              <a14:hiddenFill xmlns:a14="http://schemas.microsoft.com/office/drawing/2010/main" xmlns="">
+              <a14:hiddenFill xmlns="" xmlns:a14="http://schemas.microsoft.com/office/drawing/2010/main">
                 <a:solidFill>
                   <a:srgbClr val="FFFFFF"/>
                 </a:solidFill>
@@ -6524,8 +8346,8 @@
         </p:nvSpPr>
         <p:spPr>
           <a:xfrm>
-            <a:off x="251520" y="303498"/>
-            <a:ext cx="8507288" cy="4698522"/>
+            <a:off x="428596" y="357172"/>
+            <a:ext cx="2108920" cy="4428492"/>
           </a:xfrm>
         </p:spPr>
         <p:txBody>
@@ -6534,343 +8356,1789 @@
           </a:bodyPr>
           <a:lstStyle/>
           <a:p>
-            <a:pPr marL="0" indent="0" algn="ctr">
+            <a:pPr marL="0" indent="0">
               <a:buNone/>
             </a:pPr>
             <a:r>
-              <a:rPr lang="zh-TW" altLang="en-US" sz="4800" b="1" dirty="0">
-                <a:solidFill>
-                  <a:srgbClr val="0070C0"/>
+              <a:rPr lang="zh-TW" altLang="en-US" sz="4400" b="1" dirty="0" smtClean="0">
+                <a:solidFill>
+                  <a:schemeClr val="bg1"/>
                 </a:solidFill>
                 <a:latin typeface="標楷體" pitchFamily="65" charset="-120"/>
                 <a:ea typeface="標楷體" pitchFamily="65" charset="-120"/>
               </a:rPr>
-              <a:t>小小鳥自由地</a:t>
-            </a:r>
-            <a:r>
-              <a:rPr lang="zh-TW" altLang="en-US" sz="4800" b="1" dirty="0" smtClean="0">
-                <a:solidFill>
-                  <a:srgbClr val="0070C0"/>
-                </a:solidFill>
-                <a:latin typeface="標楷體" pitchFamily="65" charset="-120"/>
-                <a:ea typeface="標楷體" pitchFamily="65" charset="-120"/>
-              </a:rPr>
-              <a:t>飛翔</a:t>
-            </a:r>
-            <a:endParaRPr lang="en-US" altLang="zh-TW" sz="4800" b="1" dirty="0" smtClean="0">
+              <a:t>溫暖</a:t>
+            </a:r>
+            <a:endParaRPr lang="en-US" altLang="zh-TW" sz="4400" b="1" dirty="0" smtClean="0">
               <a:solidFill>
-                <a:srgbClr val="0070C0"/>
+                <a:schemeClr val="bg1"/>
               </a:solidFill>
               <a:latin typeface="標楷體" pitchFamily="65" charset="-120"/>
               <a:ea typeface="標楷體" pitchFamily="65" charset="-120"/>
             </a:endParaRPr>
           </a:p>
           <a:p>
-            <a:pPr marL="0" indent="0" algn="ctr">
+            <a:pPr marL="0" indent="0">
               <a:buNone/>
             </a:pPr>
             <a:r>
-              <a:rPr lang="en-US" altLang="zh-TW" sz="3600" dirty="0" err="1"/>
-              <a:t>Xiǎo</a:t>
-            </a:r>
-            <a:r>
-              <a:rPr lang="en-US" altLang="zh-TW" sz="3600" dirty="0"/>
-              <a:t> </a:t>
-            </a:r>
-            <a:r>
-              <a:rPr lang="en-US" altLang="zh-TW" sz="3600" dirty="0" err="1" smtClean="0"/>
-              <a:t>xiǎo</a:t>
-            </a:r>
-            <a:r>
-              <a:rPr lang="en-US" altLang="zh-TW" sz="3600" dirty="0" smtClean="0"/>
-              <a:t> </a:t>
-            </a:r>
-            <a:r>
-              <a:rPr lang="en-US" altLang="zh-TW" sz="3600" dirty="0" err="1" smtClean="0"/>
-              <a:t>niǎo</a:t>
-            </a:r>
-            <a:r>
-              <a:rPr lang="en-US" altLang="zh-TW" sz="3600" dirty="0" smtClean="0"/>
-              <a:t> </a:t>
-            </a:r>
-            <a:r>
-              <a:rPr lang="en-US" altLang="zh-TW" sz="3600" dirty="0" err="1" smtClean="0"/>
-              <a:t>zì</a:t>
-            </a:r>
-            <a:r>
-              <a:rPr lang="en-US" altLang="zh-TW" sz="3600" dirty="0" smtClean="0"/>
-              <a:t> </a:t>
-            </a:r>
-            <a:r>
-              <a:rPr lang="en-US" altLang="zh-TW" sz="3600" dirty="0" err="1" smtClean="0"/>
-              <a:t>yóu</a:t>
-            </a:r>
-            <a:r>
-              <a:rPr lang="en-US" altLang="zh-TW" sz="3600" dirty="0" smtClean="0"/>
-              <a:t> </a:t>
-            </a:r>
-            <a:r>
-              <a:rPr lang="en-US" altLang="zh-TW" sz="3600" dirty="0" err="1"/>
-              <a:t>dì</a:t>
-            </a:r>
-            <a:r>
-              <a:rPr lang="en-US" altLang="zh-TW" sz="3600" dirty="0"/>
-              <a:t> </a:t>
-            </a:r>
-            <a:r>
-              <a:rPr lang="en-US" altLang="zh-TW" sz="3600" dirty="0" err="1" smtClean="0"/>
-              <a:t>fēi</a:t>
-            </a:r>
-            <a:r>
-              <a:rPr lang="en-US" altLang="zh-TW" sz="3600" dirty="0" smtClean="0"/>
-              <a:t> </a:t>
-            </a:r>
-            <a:r>
-              <a:rPr lang="en-US" altLang="zh-TW" sz="3600" dirty="0" err="1" smtClean="0"/>
-              <a:t>xiáng</a:t>
-            </a:r>
-            <a:endParaRPr lang="en-US" altLang="zh-TW" sz="3600" b="1" dirty="0" smtClean="0">
+              <a:rPr lang="en-US" altLang="zh-TW" sz="2800" dirty="0" err="1" smtClean="0">
+                <a:solidFill>
+                  <a:schemeClr val="bg1"/>
+                </a:solidFill>
+              </a:rPr>
+              <a:t>wēn</a:t>
+            </a:r>
+            <a:r>
+              <a:rPr lang="en-US" altLang="zh-TW" sz="2800" dirty="0" smtClean="0">
+                <a:solidFill>
+                  <a:schemeClr val="bg1"/>
+                </a:solidFill>
+              </a:rPr>
+              <a:t> </a:t>
+            </a:r>
+            <a:r>
+              <a:rPr lang="en-US" altLang="zh-TW" sz="2800" dirty="0" err="1">
+                <a:solidFill>
+                  <a:schemeClr val="bg1"/>
+                </a:solidFill>
+              </a:rPr>
+              <a:t>nuǎn</a:t>
+            </a:r>
+            <a:r>
+              <a:rPr lang="en-US" altLang="zh-TW" sz="2800" dirty="0">
+                <a:solidFill>
+                  <a:schemeClr val="bg1"/>
+                </a:solidFill>
+              </a:rPr>
+              <a:t> </a:t>
+            </a:r>
+            <a:endParaRPr lang="en-US" altLang="zh-TW" sz="2800" b="1" dirty="0" smtClean="0">
               <a:solidFill>
-                <a:srgbClr val="0070C0"/>
+                <a:schemeClr val="bg1"/>
               </a:solidFill>
               <a:latin typeface="標楷體" pitchFamily="65" charset="-120"/>
               <a:ea typeface="標楷體" pitchFamily="65" charset="-120"/>
             </a:endParaRPr>
           </a:p>
           <a:p>
-            <a:pPr marL="0" indent="0" algn="ctr">
+            <a:pPr marL="0" indent="0">
               <a:buNone/>
             </a:pPr>
             <a:r>
-              <a:rPr lang="zh-TW" altLang="en-US" sz="4800" b="1" dirty="0" smtClean="0">
-                <a:solidFill>
-                  <a:srgbClr val="0070C0"/>
+              <a:rPr lang="zh-TW" altLang="en-US" sz="4400" b="1" dirty="0" smtClean="0">
+                <a:solidFill>
+                  <a:schemeClr val="bg1"/>
                 </a:solidFill>
                 <a:latin typeface="標楷體" pitchFamily="65" charset="-120"/>
                 <a:ea typeface="標楷體" pitchFamily="65" charset="-120"/>
               </a:rPr>
-              <a:t>花朵</a:t>
-            </a:r>
-            <a:r>
-              <a:rPr lang="zh-TW" altLang="en-US" sz="4800" b="1" dirty="0">
-                <a:solidFill>
-                  <a:srgbClr val="0070C0"/>
-                </a:solidFill>
-                <a:latin typeface="標楷體" pitchFamily="65" charset="-120"/>
-                <a:ea typeface="標楷體" pitchFamily="65" charset="-120"/>
-              </a:rPr>
-              <a:t>朵在田野裡</a:t>
-            </a:r>
-            <a:r>
-              <a:rPr lang="zh-TW" altLang="en-US" sz="4800" b="1" dirty="0" smtClean="0">
-                <a:solidFill>
-                  <a:srgbClr val="0070C0"/>
-                </a:solidFill>
-                <a:latin typeface="標楷體" pitchFamily="65" charset="-120"/>
-                <a:ea typeface="標楷體" pitchFamily="65" charset="-120"/>
-              </a:rPr>
-              <a:t>綻放</a:t>
-            </a:r>
-            <a:endParaRPr lang="en-US" altLang="zh-TW" sz="4800" b="1" dirty="0" smtClean="0">
+              <a:t>太陽</a:t>
+            </a:r>
+            <a:endParaRPr lang="en-US" altLang="zh-TW" sz="4400" b="1" dirty="0" smtClean="0">
               <a:solidFill>
-                <a:srgbClr val="0070C0"/>
+                <a:schemeClr val="bg1"/>
               </a:solidFill>
               <a:latin typeface="標楷體" pitchFamily="65" charset="-120"/>
               <a:ea typeface="標楷體" pitchFamily="65" charset="-120"/>
             </a:endParaRPr>
           </a:p>
           <a:p>
-            <a:pPr marL="0" indent="0" algn="ctr">
+            <a:pPr marL="0" indent="0">
               <a:buNone/>
             </a:pPr>
             <a:r>
-              <a:rPr lang="en-US" altLang="zh-TW" sz="3600" dirty="0" err="1" smtClean="0"/>
-              <a:t>Huā</a:t>
-            </a:r>
-            <a:r>
-              <a:rPr lang="en-US" altLang="zh-TW" sz="3600" dirty="0" smtClean="0"/>
-              <a:t> </a:t>
-            </a:r>
-            <a:r>
-              <a:rPr lang="en-US" altLang="zh-TW" sz="3600" dirty="0" err="1" smtClean="0"/>
-              <a:t>duǒ</a:t>
-            </a:r>
-            <a:r>
-              <a:rPr lang="en-US" altLang="zh-TW" sz="3600" dirty="0" smtClean="0"/>
-              <a:t> </a:t>
-            </a:r>
-            <a:r>
-              <a:rPr lang="en-US" altLang="zh-TW" sz="3600" dirty="0" err="1"/>
-              <a:t>duǒ</a:t>
-            </a:r>
-            <a:r>
-              <a:rPr lang="en-US" altLang="zh-TW" sz="3600" dirty="0"/>
-              <a:t> </a:t>
-            </a:r>
-            <a:r>
-              <a:rPr lang="en-US" altLang="zh-TW" sz="3600" dirty="0" err="1"/>
-              <a:t>zài</a:t>
-            </a:r>
-            <a:r>
-              <a:rPr lang="en-US" altLang="zh-TW" sz="3600" dirty="0"/>
-              <a:t> </a:t>
-            </a:r>
-            <a:r>
-              <a:rPr lang="en-US" altLang="zh-TW" sz="3600" dirty="0" err="1" smtClean="0"/>
-              <a:t>tián</a:t>
-            </a:r>
-            <a:r>
-              <a:rPr lang="en-US" altLang="zh-TW" sz="3600" dirty="0" smtClean="0"/>
-              <a:t> </a:t>
-            </a:r>
-            <a:r>
-              <a:rPr lang="en-US" altLang="zh-TW" sz="3600" dirty="0" err="1" smtClean="0"/>
-              <a:t>yě</a:t>
-            </a:r>
-            <a:r>
-              <a:rPr lang="en-US" altLang="zh-TW" sz="3600" dirty="0" smtClean="0"/>
-              <a:t> </a:t>
-            </a:r>
-            <a:r>
-              <a:rPr lang="en-US" altLang="zh-TW" sz="3600" dirty="0" err="1"/>
-              <a:t>lǐ</a:t>
-            </a:r>
-            <a:r>
-              <a:rPr lang="en-US" altLang="zh-TW" sz="3600" dirty="0"/>
-              <a:t> </a:t>
-            </a:r>
-            <a:r>
-              <a:rPr lang="en-US" altLang="zh-TW" sz="3600" dirty="0" err="1" smtClean="0"/>
-              <a:t>zhàn</a:t>
-            </a:r>
-            <a:r>
-              <a:rPr lang="en-US" altLang="zh-TW" sz="3600" dirty="0" smtClean="0"/>
-              <a:t> </a:t>
-            </a:r>
-            <a:r>
-              <a:rPr lang="en-US" altLang="zh-TW" sz="3600" dirty="0" err="1" smtClean="0"/>
-              <a:t>fàng</a:t>
-            </a:r>
-            <a:endParaRPr lang="en-US" altLang="zh-TW" sz="3600" b="1" dirty="0" smtClean="0">
+              <a:rPr lang="en-US" altLang="zh-TW" dirty="0" err="1">
+                <a:solidFill>
+                  <a:schemeClr val="bg1"/>
+                </a:solidFill>
+              </a:rPr>
+              <a:t>tài</a:t>
+            </a:r>
+            <a:r>
+              <a:rPr lang="en-US" altLang="zh-TW" dirty="0">
+                <a:solidFill>
+                  <a:schemeClr val="bg1"/>
+                </a:solidFill>
+              </a:rPr>
+              <a:t> </a:t>
+            </a:r>
+            <a:r>
+              <a:rPr lang="en-US" altLang="zh-TW" dirty="0" err="1" smtClean="0">
+                <a:solidFill>
+                  <a:schemeClr val="bg1"/>
+                </a:solidFill>
+              </a:rPr>
+              <a:t>yáng</a:t>
+            </a:r>
+            <a:endParaRPr lang="en-US" altLang="zh-TW" dirty="0" smtClean="0">
               <a:solidFill>
-                <a:srgbClr val="0070C0"/>
+                <a:schemeClr val="bg1"/>
+              </a:solidFill>
+            </a:endParaRPr>
+          </a:p>
+          <a:p>
+            <a:pPr marL="0" indent="0">
+              <a:buNone/>
+            </a:pPr>
+            <a:r>
+              <a:rPr lang="zh-TW" altLang="en-US" sz="4400" b="1" dirty="0" smtClean="0">
+                <a:solidFill>
+                  <a:schemeClr val="bg1"/>
+                </a:solidFill>
+                <a:latin typeface="標楷體" pitchFamily="65" charset="-120"/>
+                <a:ea typeface="標楷體" pitchFamily="65" charset="-120"/>
+              </a:rPr>
+              <a:t>升起</a:t>
+            </a:r>
+            <a:r>
+              <a:rPr lang="en-US" altLang="zh-TW" dirty="0" err="1" smtClean="0">
+                <a:solidFill>
+                  <a:schemeClr val="bg1"/>
+                </a:solidFill>
+              </a:rPr>
+              <a:t>shēng</a:t>
+            </a:r>
+            <a:r>
+              <a:rPr lang="en-US" altLang="zh-TW" dirty="0" smtClean="0">
+                <a:solidFill>
+                  <a:schemeClr val="bg1"/>
+                </a:solidFill>
+              </a:rPr>
+              <a:t> </a:t>
+            </a:r>
+            <a:r>
+              <a:rPr lang="en-US" altLang="zh-TW" dirty="0" err="1">
+                <a:solidFill>
+                  <a:schemeClr val="bg1"/>
+                </a:solidFill>
+              </a:rPr>
+              <a:t>qǐ</a:t>
+            </a:r>
+            <a:endParaRPr lang="en-US" altLang="zh-TW" b="1" dirty="0">
+              <a:solidFill>
+                <a:schemeClr val="bg1"/>
               </a:solidFill>
               <a:latin typeface="標楷體" pitchFamily="65" charset="-120"/>
               <a:ea typeface="標楷體" pitchFamily="65" charset="-120"/>
             </a:endParaRPr>
           </a:p>
-          <a:p>
-            <a:pPr marL="0" indent="0" algn="ctr">
+        </p:txBody>
+      </p:sp>
+      <p:sp>
+        <p:nvSpPr>
+          <p:cNvPr id="5" name="內容版面配置區 2"/>
+          <p:cNvSpPr txBox="1">
+            <a:spLocks/>
+          </p:cNvSpPr>
+          <p:nvPr/>
+        </p:nvSpPr>
+        <p:spPr>
+          <a:xfrm>
+            <a:off x="3615208" y="465516"/>
+            <a:ext cx="2108920" cy="4428492"/>
+          </a:xfrm>
+          <a:prstGeom prst="rect">
+            <a:avLst/>
+          </a:prstGeom>
+        </p:spPr>
+        <p:txBody>
+          <a:bodyPr vert="horz" lIns="91440" tIns="45720" rIns="91440" bIns="45720" rtlCol="0">
+            <a:noAutofit/>
+          </a:bodyPr>
+          <a:lstStyle>
+            <a:lvl1pPr marL="342900" indent="-342900" algn="l" defTabSz="914400" rtl="0" eaLnBrk="1" latinLnBrk="0" hangingPunct="1">
+              <a:spcBef>
+                <a:spcPct val="20000"/>
+              </a:spcBef>
+              <a:buFont typeface="Arial" pitchFamily="34" charset="0"/>
+              <a:buChar char="•"/>
+              <a:defRPr sz="3200" kern="1200">
+                <a:solidFill>
+                  <a:schemeClr val="tx1"/>
+                </a:solidFill>
+                <a:latin typeface="+mn-lt"/>
+                <a:ea typeface="+mn-ea"/>
+                <a:cs typeface="+mn-cs"/>
+              </a:defRPr>
+            </a:lvl1pPr>
+            <a:lvl2pPr marL="742950" indent="-285750" algn="l" defTabSz="914400" rtl="0" eaLnBrk="1" latinLnBrk="0" hangingPunct="1">
+              <a:spcBef>
+                <a:spcPct val="20000"/>
+              </a:spcBef>
+              <a:buFont typeface="Arial" pitchFamily="34" charset="0"/>
+              <a:buChar char="–"/>
+              <a:defRPr sz="2800" kern="1200">
+                <a:solidFill>
+                  <a:schemeClr val="tx1"/>
+                </a:solidFill>
+                <a:latin typeface="+mn-lt"/>
+                <a:ea typeface="+mn-ea"/>
+                <a:cs typeface="+mn-cs"/>
+              </a:defRPr>
+            </a:lvl2pPr>
+            <a:lvl3pPr marL="1143000" indent="-228600" algn="l" defTabSz="914400" rtl="0" eaLnBrk="1" latinLnBrk="0" hangingPunct="1">
+              <a:spcBef>
+                <a:spcPct val="20000"/>
+              </a:spcBef>
+              <a:buFont typeface="Arial" pitchFamily="34" charset="0"/>
+              <a:buChar char="•"/>
+              <a:defRPr sz="2400" kern="1200">
+                <a:solidFill>
+                  <a:schemeClr val="tx1"/>
+                </a:solidFill>
+                <a:latin typeface="+mn-lt"/>
+                <a:ea typeface="+mn-ea"/>
+                <a:cs typeface="+mn-cs"/>
+              </a:defRPr>
+            </a:lvl3pPr>
+            <a:lvl4pPr marL="1600200" indent="-228600" algn="l" defTabSz="914400" rtl="0" eaLnBrk="1" latinLnBrk="0" hangingPunct="1">
+              <a:spcBef>
+                <a:spcPct val="20000"/>
+              </a:spcBef>
+              <a:buFont typeface="Arial" pitchFamily="34" charset="0"/>
+              <a:buChar char="–"/>
+              <a:defRPr sz="2000" kern="1200">
+                <a:solidFill>
+                  <a:schemeClr val="tx1"/>
+                </a:solidFill>
+                <a:latin typeface="+mn-lt"/>
+                <a:ea typeface="+mn-ea"/>
+                <a:cs typeface="+mn-cs"/>
+              </a:defRPr>
+            </a:lvl4pPr>
+            <a:lvl5pPr marL="2057400" indent="-228600" algn="l" defTabSz="914400" rtl="0" eaLnBrk="1" latinLnBrk="0" hangingPunct="1">
+              <a:spcBef>
+                <a:spcPct val="20000"/>
+              </a:spcBef>
+              <a:buFont typeface="Arial" pitchFamily="34" charset="0"/>
+              <a:buChar char="»"/>
+              <a:defRPr sz="2000" kern="1200">
+                <a:solidFill>
+                  <a:schemeClr val="tx1"/>
+                </a:solidFill>
+                <a:latin typeface="+mn-lt"/>
+                <a:ea typeface="+mn-ea"/>
+                <a:cs typeface="+mn-cs"/>
+              </a:defRPr>
+            </a:lvl5pPr>
+            <a:lvl6pPr marL="2514600" indent="-228600" algn="l" defTabSz="914400" rtl="0" eaLnBrk="1" latinLnBrk="0" hangingPunct="1">
+              <a:spcBef>
+                <a:spcPct val="20000"/>
+              </a:spcBef>
+              <a:buFont typeface="Arial" pitchFamily="34" charset="0"/>
+              <a:buChar char="•"/>
+              <a:defRPr sz="2000" kern="1200">
+                <a:solidFill>
+                  <a:schemeClr val="tx1"/>
+                </a:solidFill>
+                <a:latin typeface="+mn-lt"/>
+                <a:ea typeface="+mn-ea"/>
+                <a:cs typeface="+mn-cs"/>
+              </a:defRPr>
+            </a:lvl6pPr>
+            <a:lvl7pPr marL="2971800" indent="-228600" algn="l" defTabSz="914400" rtl="0" eaLnBrk="1" latinLnBrk="0" hangingPunct="1">
+              <a:spcBef>
+                <a:spcPct val="20000"/>
+              </a:spcBef>
+              <a:buFont typeface="Arial" pitchFamily="34" charset="0"/>
+              <a:buChar char="•"/>
+              <a:defRPr sz="2000" kern="1200">
+                <a:solidFill>
+                  <a:schemeClr val="tx1"/>
+                </a:solidFill>
+                <a:latin typeface="+mn-lt"/>
+                <a:ea typeface="+mn-ea"/>
+                <a:cs typeface="+mn-cs"/>
+              </a:defRPr>
+            </a:lvl7pPr>
+            <a:lvl8pPr marL="3429000" indent="-228600" algn="l" defTabSz="914400" rtl="0" eaLnBrk="1" latinLnBrk="0" hangingPunct="1">
+              <a:spcBef>
+                <a:spcPct val="20000"/>
+              </a:spcBef>
+              <a:buFont typeface="Arial" pitchFamily="34" charset="0"/>
+              <a:buChar char="•"/>
+              <a:defRPr sz="2000" kern="1200">
+                <a:solidFill>
+                  <a:schemeClr val="tx1"/>
+                </a:solidFill>
+                <a:latin typeface="+mn-lt"/>
+                <a:ea typeface="+mn-ea"/>
+                <a:cs typeface="+mn-cs"/>
+              </a:defRPr>
+            </a:lvl8pPr>
+            <a:lvl9pPr marL="3886200" indent="-228600" algn="l" defTabSz="914400" rtl="0" eaLnBrk="1" latinLnBrk="0" hangingPunct="1">
+              <a:spcBef>
+                <a:spcPct val="20000"/>
+              </a:spcBef>
+              <a:buFont typeface="Arial" pitchFamily="34" charset="0"/>
+              <a:buChar char="•"/>
+              <a:defRPr sz="2000" kern="1200">
+                <a:solidFill>
+                  <a:schemeClr val="tx1"/>
+                </a:solidFill>
+                <a:latin typeface="+mn-lt"/>
+                <a:ea typeface="+mn-ea"/>
+                <a:cs typeface="+mn-cs"/>
+              </a:defRPr>
+            </a:lvl9pPr>
+          </a:lstStyle>
+          <a:p>
+            <a:pPr marL="0" indent="0">
               <a:buNone/>
             </a:pPr>
             <a:r>
-              <a:rPr lang="zh-TW" altLang="en-US" sz="4800" b="1" dirty="0">
-                <a:solidFill>
-                  <a:srgbClr val="0070C0"/>
+              <a:rPr lang="zh-TW" altLang="en-US" sz="4400" b="1" dirty="0" smtClean="0">
+                <a:solidFill>
+                  <a:schemeClr val="bg1"/>
                 </a:solidFill>
                 <a:latin typeface="標楷體" pitchFamily="65" charset="-120"/>
                 <a:ea typeface="標楷體" pitchFamily="65" charset="-120"/>
               </a:rPr>
-              <a:t>他們從不擔心或</a:t>
-            </a:r>
-            <a:r>
-              <a:rPr lang="zh-TW" altLang="en-US" sz="4800" b="1" dirty="0" smtClean="0">
-                <a:solidFill>
-                  <a:srgbClr val="0070C0"/>
-                </a:solidFill>
-                <a:latin typeface="標楷體" pitchFamily="65" charset="-120"/>
-                <a:ea typeface="標楷體" pitchFamily="65" charset="-120"/>
-              </a:rPr>
-              <a:t>憂慮</a:t>
-            </a:r>
-            <a:endParaRPr lang="en-US" altLang="zh-TW" sz="4800" b="1" dirty="0" smtClean="0">
+              <a:t>天空</a:t>
+            </a:r>
+            <a:endParaRPr lang="en-US" altLang="zh-TW" sz="4400" b="1" dirty="0" smtClean="0">
               <a:solidFill>
-                <a:srgbClr val="0070C0"/>
+                <a:schemeClr val="bg1"/>
               </a:solidFill>
               <a:latin typeface="標楷體" pitchFamily="65" charset="-120"/>
               <a:ea typeface="標楷體" pitchFamily="65" charset="-120"/>
             </a:endParaRPr>
           </a:p>
           <a:p>
-            <a:pPr marL="0" indent="0" algn="ctr">
+            <a:pPr marL="0" indent="0">
               <a:buNone/>
             </a:pPr>
             <a:r>
-              <a:rPr lang="en-US" altLang="zh-TW" sz="3600" dirty="0" err="1" smtClean="0"/>
-              <a:t>Tā</a:t>
-            </a:r>
-            <a:r>
-              <a:rPr lang="en-US" altLang="zh-TW" sz="3600" dirty="0" smtClean="0"/>
-              <a:t> men </a:t>
-            </a:r>
-            <a:r>
-              <a:rPr lang="en-US" altLang="zh-TW" sz="3600" dirty="0" err="1"/>
-              <a:t>cóng</a:t>
-            </a:r>
-            <a:r>
-              <a:rPr lang="en-US" altLang="zh-TW" sz="3600" dirty="0"/>
-              <a:t> </a:t>
-            </a:r>
-            <a:r>
-              <a:rPr lang="en-US" altLang="zh-TW" sz="3600" dirty="0" err="1"/>
-              <a:t>bù</a:t>
-            </a:r>
-            <a:r>
-              <a:rPr lang="en-US" altLang="zh-TW" sz="3600" dirty="0"/>
-              <a:t> </a:t>
-            </a:r>
-            <a:r>
-              <a:rPr lang="en-US" altLang="zh-TW" sz="3600" dirty="0" err="1" smtClean="0"/>
-              <a:t>dān</a:t>
-            </a:r>
-            <a:r>
-              <a:rPr lang="en-US" altLang="zh-TW" sz="3600" dirty="0" smtClean="0"/>
-              <a:t> </a:t>
-            </a:r>
-            <a:r>
-              <a:rPr lang="en-US" altLang="zh-TW" sz="3600" dirty="0" err="1" smtClean="0"/>
-              <a:t>xīn</a:t>
-            </a:r>
-            <a:r>
-              <a:rPr lang="en-US" altLang="zh-TW" sz="3600" dirty="0" smtClean="0"/>
-              <a:t> </a:t>
-            </a:r>
-            <a:r>
-              <a:rPr lang="en-US" altLang="zh-TW" sz="3600" dirty="0" err="1"/>
-              <a:t>huò</a:t>
-            </a:r>
-            <a:r>
-              <a:rPr lang="en-US" altLang="zh-TW" sz="3600" dirty="0"/>
-              <a:t> </a:t>
-            </a:r>
-            <a:r>
-              <a:rPr lang="en-US" altLang="zh-TW" sz="3600" dirty="0" err="1" smtClean="0"/>
-              <a:t>yōu</a:t>
-            </a:r>
-            <a:r>
-              <a:rPr lang="en-US" altLang="zh-TW" sz="3600" dirty="0" smtClean="0"/>
-              <a:t> </a:t>
-            </a:r>
-            <a:r>
-              <a:rPr lang="en-US" altLang="zh-TW" sz="3600" dirty="0" err="1" smtClean="0"/>
-              <a:t>lǜ</a:t>
-            </a:r>
-            <a:endParaRPr lang="zh-TW" altLang="en-US" sz="3600" b="1" dirty="0">
+              <a:rPr lang="en-US" altLang="zh-TW" sz="2800" dirty="0" err="1" smtClean="0">
+                <a:solidFill>
+                  <a:schemeClr val="bg1"/>
+                </a:solidFill>
+              </a:rPr>
+              <a:t>Tiān</a:t>
+            </a:r>
+            <a:r>
+              <a:rPr lang="en-US" altLang="zh-TW" sz="2800" dirty="0" smtClean="0">
+                <a:solidFill>
+                  <a:schemeClr val="bg1"/>
+                </a:solidFill>
+              </a:rPr>
+              <a:t> </a:t>
+            </a:r>
+            <a:r>
+              <a:rPr lang="en-US" altLang="zh-TW" sz="2800" dirty="0" err="1" smtClean="0">
+                <a:solidFill>
+                  <a:schemeClr val="bg1"/>
+                </a:solidFill>
+              </a:rPr>
+              <a:t>kōng</a:t>
+            </a:r>
+            <a:endParaRPr lang="en-US" altLang="zh-TW" sz="2800" dirty="0" smtClean="0">
               <a:solidFill>
-                <a:srgbClr val="0070C0"/>
+                <a:schemeClr val="bg1"/>
+              </a:solidFill>
+            </a:endParaRPr>
+          </a:p>
+          <a:p>
+            <a:pPr marL="0" indent="0">
+              <a:buNone/>
+            </a:pPr>
+            <a:r>
+              <a:rPr lang="zh-TW" altLang="en-US" sz="4400" b="1" dirty="0" smtClean="0">
+                <a:solidFill>
+                  <a:schemeClr val="bg1"/>
+                </a:solidFill>
+                <a:latin typeface="標楷體" pitchFamily="65" charset="-120"/>
+                <a:ea typeface="標楷體" pitchFamily="65" charset="-120"/>
+              </a:rPr>
+              <a:t>落下</a:t>
+            </a:r>
+            <a:endParaRPr lang="en-US" altLang="zh-TW" sz="4400" b="1" dirty="0" smtClean="0">
+              <a:solidFill>
+                <a:schemeClr val="bg1"/>
               </a:solidFill>
               <a:latin typeface="標楷體" pitchFamily="65" charset="-120"/>
               <a:ea typeface="標楷體" pitchFamily="65" charset="-120"/>
             </a:endParaRPr>
           </a:p>
+          <a:p>
+            <a:pPr marL="0" indent="0">
+              <a:buNone/>
+            </a:pPr>
+            <a:r>
+              <a:rPr lang="en-US" altLang="zh-TW" dirty="0" err="1" smtClean="0">
+                <a:solidFill>
+                  <a:schemeClr val="bg1"/>
+                </a:solidFill>
+              </a:rPr>
+              <a:t>luò</a:t>
+            </a:r>
+            <a:r>
+              <a:rPr lang="en-US" altLang="zh-TW" dirty="0" smtClean="0">
+                <a:solidFill>
+                  <a:schemeClr val="bg1"/>
+                </a:solidFill>
+              </a:rPr>
+              <a:t> </a:t>
+            </a:r>
+            <a:r>
+              <a:rPr lang="en-US" altLang="zh-TW" dirty="0" err="1">
+                <a:solidFill>
+                  <a:schemeClr val="bg1"/>
+                </a:solidFill>
+              </a:rPr>
+              <a:t>xià</a:t>
+            </a:r>
+            <a:r>
+              <a:rPr lang="en-US" altLang="zh-TW" dirty="0">
+                <a:solidFill>
+                  <a:schemeClr val="bg1"/>
+                </a:solidFill>
+              </a:rPr>
+              <a:t> </a:t>
+            </a:r>
+            <a:endParaRPr lang="en-US" altLang="zh-TW" dirty="0" smtClean="0">
+              <a:solidFill>
+                <a:schemeClr val="bg1"/>
+              </a:solidFill>
+            </a:endParaRPr>
+          </a:p>
+          <a:p>
+            <a:pPr marL="0" indent="0">
+              <a:buNone/>
+            </a:pPr>
+            <a:r>
+              <a:rPr lang="zh-TW" altLang="en-US" sz="4400" b="1" dirty="0" smtClean="0">
+                <a:solidFill>
+                  <a:schemeClr val="bg1"/>
+                </a:solidFill>
+                <a:latin typeface="標楷體" pitchFamily="65" charset="-120"/>
+                <a:ea typeface="標楷體" pitchFamily="65" charset="-120"/>
+              </a:rPr>
+              <a:t>雨滴</a:t>
+            </a:r>
+            <a:endParaRPr lang="en-US" altLang="zh-TW" sz="4400" b="1" dirty="0" smtClean="0">
+              <a:solidFill>
+                <a:schemeClr val="bg1"/>
+              </a:solidFill>
+              <a:latin typeface="標楷體" pitchFamily="65" charset="-120"/>
+              <a:ea typeface="標楷體" pitchFamily="65" charset="-120"/>
+            </a:endParaRPr>
+          </a:p>
+          <a:p>
+            <a:pPr marL="0" indent="0">
+              <a:buNone/>
+            </a:pPr>
+            <a:r>
+              <a:rPr lang="en-US" altLang="zh-TW" sz="2800" dirty="0" err="1" smtClean="0">
+                <a:solidFill>
+                  <a:schemeClr val="bg1"/>
+                </a:solidFill>
+              </a:rPr>
+              <a:t>yǔ</a:t>
+            </a:r>
+            <a:r>
+              <a:rPr lang="en-US" altLang="zh-TW" sz="2800" dirty="0" smtClean="0">
+                <a:solidFill>
+                  <a:schemeClr val="bg1"/>
+                </a:solidFill>
+              </a:rPr>
+              <a:t> </a:t>
+            </a:r>
+            <a:r>
+              <a:rPr lang="en-US" altLang="zh-TW" sz="2800" dirty="0" err="1">
+                <a:solidFill>
+                  <a:schemeClr val="bg1"/>
+                </a:solidFill>
+              </a:rPr>
+              <a:t>dī</a:t>
+            </a:r>
+            <a:r>
+              <a:rPr lang="en-US" altLang="zh-TW" sz="2800" dirty="0">
+                <a:solidFill>
+                  <a:schemeClr val="bg1"/>
+                </a:solidFill>
+              </a:rPr>
+              <a:t> </a:t>
+            </a:r>
+          </a:p>
+        </p:txBody>
+      </p:sp>
+      <p:sp>
+        <p:nvSpPr>
+          <p:cNvPr id="7" name="內容版面配置區 2"/>
+          <p:cNvSpPr txBox="1">
+            <a:spLocks/>
+          </p:cNvSpPr>
+          <p:nvPr/>
+        </p:nvSpPr>
+        <p:spPr>
+          <a:xfrm>
+            <a:off x="6228184" y="465516"/>
+            <a:ext cx="2304256" cy="4428492"/>
+          </a:xfrm>
+          <a:prstGeom prst="rect">
+            <a:avLst/>
+          </a:prstGeom>
+        </p:spPr>
+        <p:txBody>
+          <a:bodyPr vert="horz" lIns="91440" tIns="45720" rIns="91440" bIns="45720" rtlCol="0">
+            <a:noAutofit/>
+          </a:bodyPr>
+          <a:lstStyle>
+            <a:lvl1pPr marL="342900" indent="-342900" algn="l" defTabSz="914400" rtl="0" eaLnBrk="1" latinLnBrk="0" hangingPunct="1">
+              <a:spcBef>
+                <a:spcPct val="20000"/>
+              </a:spcBef>
+              <a:buFont typeface="Arial" pitchFamily="34" charset="0"/>
+              <a:buChar char="•"/>
+              <a:defRPr sz="3200" kern="1200">
+                <a:solidFill>
+                  <a:schemeClr val="tx1"/>
+                </a:solidFill>
+                <a:latin typeface="+mn-lt"/>
+                <a:ea typeface="+mn-ea"/>
+                <a:cs typeface="+mn-cs"/>
+              </a:defRPr>
+            </a:lvl1pPr>
+            <a:lvl2pPr marL="742950" indent="-285750" algn="l" defTabSz="914400" rtl="0" eaLnBrk="1" latinLnBrk="0" hangingPunct="1">
+              <a:spcBef>
+                <a:spcPct val="20000"/>
+              </a:spcBef>
+              <a:buFont typeface="Arial" pitchFamily="34" charset="0"/>
+              <a:buChar char="–"/>
+              <a:defRPr sz="2800" kern="1200">
+                <a:solidFill>
+                  <a:schemeClr val="tx1"/>
+                </a:solidFill>
+                <a:latin typeface="+mn-lt"/>
+                <a:ea typeface="+mn-ea"/>
+                <a:cs typeface="+mn-cs"/>
+              </a:defRPr>
+            </a:lvl2pPr>
+            <a:lvl3pPr marL="1143000" indent="-228600" algn="l" defTabSz="914400" rtl="0" eaLnBrk="1" latinLnBrk="0" hangingPunct="1">
+              <a:spcBef>
+                <a:spcPct val="20000"/>
+              </a:spcBef>
+              <a:buFont typeface="Arial" pitchFamily="34" charset="0"/>
+              <a:buChar char="•"/>
+              <a:defRPr sz="2400" kern="1200">
+                <a:solidFill>
+                  <a:schemeClr val="tx1"/>
+                </a:solidFill>
+                <a:latin typeface="+mn-lt"/>
+                <a:ea typeface="+mn-ea"/>
+                <a:cs typeface="+mn-cs"/>
+              </a:defRPr>
+            </a:lvl3pPr>
+            <a:lvl4pPr marL="1600200" indent="-228600" algn="l" defTabSz="914400" rtl="0" eaLnBrk="1" latinLnBrk="0" hangingPunct="1">
+              <a:spcBef>
+                <a:spcPct val="20000"/>
+              </a:spcBef>
+              <a:buFont typeface="Arial" pitchFamily="34" charset="0"/>
+              <a:buChar char="–"/>
+              <a:defRPr sz="2000" kern="1200">
+                <a:solidFill>
+                  <a:schemeClr val="tx1"/>
+                </a:solidFill>
+                <a:latin typeface="+mn-lt"/>
+                <a:ea typeface="+mn-ea"/>
+                <a:cs typeface="+mn-cs"/>
+              </a:defRPr>
+            </a:lvl4pPr>
+            <a:lvl5pPr marL="2057400" indent="-228600" algn="l" defTabSz="914400" rtl="0" eaLnBrk="1" latinLnBrk="0" hangingPunct="1">
+              <a:spcBef>
+                <a:spcPct val="20000"/>
+              </a:spcBef>
+              <a:buFont typeface="Arial" pitchFamily="34" charset="0"/>
+              <a:buChar char="»"/>
+              <a:defRPr sz="2000" kern="1200">
+                <a:solidFill>
+                  <a:schemeClr val="tx1"/>
+                </a:solidFill>
+                <a:latin typeface="+mn-lt"/>
+                <a:ea typeface="+mn-ea"/>
+                <a:cs typeface="+mn-cs"/>
+              </a:defRPr>
+            </a:lvl5pPr>
+            <a:lvl6pPr marL="2514600" indent="-228600" algn="l" defTabSz="914400" rtl="0" eaLnBrk="1" latinLnBrk="0" hangingPunct="1">
+              <a:spcBef>
+                <a:spcPct val="20000"/>
+              </a:spcBef>
+              <a:buFont typeface="Arial" pitchFamily="34" charset="0"/>
+              <a:buChar char="•"/>
+              <a:defRPr sz="2000" kern="1200">
+                <a:solidFill>
+                  <a:schemeClr val="tx1"/>
+                </a:solidFill>
+                <a:latin typeface="+mn-lt"/>
+                <a:ea typeface="+mn-ea"/>
+                <a:cs typeface="+mn-cs"/>
+              </a:defRPr>
+            </a:lvl6pPr>
+            <a:lvl7pPr marL="2971800" indent="-228600" algn="l" defTabSz="914400" rtl="0" eaLnBrk="1" latinLnBrk="0" hangingPunct="1">
+              <a:spcBef>
+                <a:spcPct val="20000"/>
+              </a:spcBef>
+              <a:buFont typeface="Arial" pitchFamily="34" charset="0"/>
+              <a:buChar char="•"/>
+              <a:defRPr sz="2000" kern="1200">
+                <a:solidFill>
+                  <a:schemeClr val="tx1"/>
+                </a:solidFill>
+                <a:latin typeface="+mn-lt"/>
+                <a:ea typeface="+mn-ea"/>
+                <a:cs typeface="+mn-cs"/>
+              </a:defRPr>
+            </a:lvl7pPr>
+            <a:lvl8pPr marL="3429000" indent="-228600" algn="l" defTabSz="914400" rtl="0" eaLnBrk="1" latinLnBrk="0" hangingPunct="1">
+              <a:spcBef>
+                <a:spcPct val="20000"/>
+              </a:spcBef>
+              <a:buFont typeface="Arial" pitchFamily="34" charset="0"/>
+              <a:buChar char="•"/>
+              <a:defRPr sz="2000" kern="1200">
+                <a:solidFill>
+                  <a:schemeClr val="tx1"/>
+                </a:solidFill>
+                <a:latin typeface="+mn-lt"/>
+                <a:ea typeface="+mn-ea"/>
+                <a:cs typeface="+mn-cs"/>
+              </a:defRPr>
+            </a:lvl8pPr>
+            <a:lvl9pPr marL="3886200" indent="-228600" algn="l" defTabSz="914400" rtl="0" eaLnBrk="1" latinLnBrk="0" hangingPunct="1">
+              <a:spcBef>
+                <a:spcPct val="20000"/>
+              </a:spcBef>
+              <a:buFont typeface="Arial" pitchFamily="34" charset="0"/>
+              <a:buChar char="•"/>
+              <a:defRPr sz="2000" kern="1200">
+                <a:solidFill>
+                  <a:schemeClr val="tx1"/>
+                </a:solidFill>
+                <a:latin typeface="+mn-lt"/>
+                <a:ea typeface="+mn-ea"/>
+                <a:cs typeface="+mn-cs"/>
+              </a:defRPr>
+            </a:lvl9pPr>
+          </a:lstStyle>
+          <a:p>
+            <a:pPr marL="0" indent="0" algn="ctr">
+              <a:buNone/>
+            </a:pPr>
+            <a:r>
+              <a:rPr lang="zh-TW" altLang="en-US" sz="4400" b="1" dirty="0" smtClean="0">
+                <a:solidFill>
+                  <a:schemeClr val="bg1"/>
+                </a:solidFill>
+                <a:latin typeface="標楷體" pitchFamily="65" charset="-120"/>
+                <a:ea typeface="標楷體" pitchFamily="65" charset="-120"/>
+              </a:rPr>
+              <a:t>豐富</a:t>
+            </a:r>
+            <a:endParaRPr lang="en-US" altLang="zh-TW" sz="4400" b="1" dirty="0" smtClean="0">
+              <a:solidFill>
+                <a:schemeClr val="bg1"/>
+              </a:solidFill>
+              <a:latin typeface="標楷體" pitchFamily="65" charset="-120"/>
+              <a:ea typeface="標楷體" pitchFamily="65" charset="-120"/>
+            </a:endParaRPr>
+          </a:p>
+          <a:p>
+            <a:pPr marL="0" indent="0" algn="ctr">
+              <a:buNone/>
+            </a:pPr>
+            <a:r>
+              <a:rPr lang="en-US" altLang="zh-TW" sz="2800" dirty="0" err="1">
+                <a:solidFill>
+                  <a:schemeClr val="bg1"/>
+                </a:solidFill>
+              </a:rPr>
+              <a:t>fēng</a:t>
+            </a:r>
+            <a:r>
+              <a:rPr lang="en-US" altLang="zh-TW" sz="2800" dirty="0">
+                <a:solidFill>
+                  <a:schemeClr val="bg1"/>
+                </a:solidFill>
+              </a:rPr>
+              <a:t> </a:t>
+            </a:r>
+            <a:r>
+              <a:rPr lang="en-US" altLang="zh-TW" sz="2800" dirty="0" err="1" smtClean="0">
+                <a:solidFill>
+                  <a:schemeClr val="bg1"/>
+                </a:solidFill>
+              </a:rPr>
+              <a:t>fù</a:t>
+            </a:r>
+            <a:endParaRPr lang="en-US" altLang="zh-TW" sz="2800" dirty="0" smtClean="0">
+              <a:solidFill>
+                <a:schemeClr val="bg1"/>
+              </a:solidFill>
+            </a:endParaRPr>
+          </a:p>
+          <a:p>
+            <a:pPr marL="0" indent="0" algn="ctr">
+              <a:buNone/>
+            </a:pPr>
+            <a:r>
+              <a:rPr lang="zh-TW" altLang="en-US" sz="4400" b="1" dirty="0" smtClean="0">
+                <a:solidFill>
+                  <a:schemeClr val="bg1"/>
+                </a:solidFill>
+                <a:latin typeface="標楷體" pitchFamily="65" charset="-120"/>
+                <a:ea typeface="標楷體" pitchFamily="65" charset="-120"/>
+              </a:rPr>
+              <a:t>缺</a:t>
+            </a:r>
+            <a:endParaRPr lang="en-US" altLang="zh-TW" sz="4400" b="1" dirty="0">
+              <a:solidFill>
+                <a:schemeClr val="bg1"/>
+              </a:solidFill>
+              <a:latin typeface="標楷體" pitchFamily="65" charset="-120"/>
+              <a:ea typeface="標楷體" pitchFamily="65" charset="-120"/>
+            </a:endParaRPr>
+          </a:p>
+          <a:p>
+            <a:pPr marL="0" indent="0" algn="ctr">
+              <a:buNone/>
+            </a:pPr>
+            <a:r>
+              <a:rPr lang="en-US" altLang="zh-TW" sz="2800" dirty="0" err="1">
+                <a:solidFill>
+                  <a:schemeClr val="bg1"/>
+                </a:solidFill>
+              </a:rPr>
+              <a:t>quē</a:t>
+            </a:r>
+            <a:endParaRPr lang="zh-TW" altLang="en-US" sz="2800" b="1" dirty="0">
+              <a:solidFill>
+                <a:schemeClr val="bg1"/>
+              </a:solidFill>
+              <a:latin typeface="標楷體" pitchFamily="65" charset="-120"/>
+              <a:ea typeface="標楷體" pitchFamily="65" charset="-120"/>
+            </a:endParaRPr>
+          </a:p>
+          <a:p>
+            <a:pPr marL="0" indent="0" algn="ctr">
+              <a:buNone/>
+            </a:pPr>
+            <a:r>
+              <a:rPr lang="zh-TW" altLang="en-US" sz="4400" b="1" dirty="0" smtClean="0">
+                <a:solidFill>
+                  <a:schemeClr val="bg1"/>
+                </a:solidFill>
+                <a:latin typeface="標楷體" pitchFamily="65" charset="-120"/>
+                <a:ea typeface="標楷體" pitchFamily="65" charset="-120"/>
+              </a:rPr>
+              <a:t>什麼</a:t>
+            </a:r>
+            <a:endParaRPr lang="en-US" altLang="zh-TW" sz="4400" b="1" dirty="0" smtClean="0">
+              <a:solidFill>
+                <a:schemeClr val="bg1"/>
+              </a:solidFill>
+              <a:latin typeface="標楷體" pitchFamily="65" charset="-120"/>
+              <a:ea typeface="標楷體" pitchFamily="65" charset="-120"/>
+            </a:endParaRPr>
+          </a:p>
+          <a:p>
+            <a:pPr marL="0" indent="0" algn="ctr">
+              <a:buNone/>
+            </a:pPr>
+            <a:r>
+              <a:rPr lang="en-US" altLang="zh-TW" sz="2800" dirty="0" err="1">
+                <a:solidFill>
+                  <a:schemeClr val="bg1"/>
+                </a:solidFill>
+              </a:rPr>
+              <a:t>shén</a:t>
+            </a:r>
+            <a:r>
+              <a:rPr lang="en-US" altLang="zh-TW" sz="2800" dirty="0">
+                <a:solidFill>
+                  <a:schemeClr val="bg1"/>
+                </a:solidFill>
+              </a:rPr>
+              <a:t> me</a:t>
+            </a:r>
+          </a:p>
         </p:txBody>
       </p:sp>
     </p:spTree>
     <p:extLst>
       <p:ext uri="{BB962C8B-B14F-4D97-AF65-F5344CB8AC3E}">
-        <p14:creationId xmlns:p14="http://schemas.microsoft.com/office/powerpoint/2010/main" xmlns="" val="2296093460"/>
+        <p14:creationId xmlns="" xmlns:p14="http://schemas.microsoft.com/office/powerpoint/2010/main" val="2192535149"/>
       </p:ext>
     </p:extLst>
+  </p:cSld>
+  <p:clrMapOvr>
+    <a:masterClrMapping/>
+  </p:clrMapOvr>
+  <p:timing>
+    <p:tnLst>
+      <p:par>
+        <p:cTn id="1" dur="indefinite" restart="never" nodeType="tmRoot"/>
+      </p:par>
+    </p:tnLst>
+  </p:timing>
+</p:sld>
+</file>
+
+<file path=ppt/slides/slide30.xml><?xml version="1.0" encoding="utf-8"?>
+<p:sld xmlns:a="http://schemas.openxmlformats.org/drawingml/2006/main" xmlns:r="http://schemas.openxmlformats.org/officeDocument/2006/relationships" xmlns:p="http://schemas.openxmlformats.org/presentationml/2006/main">
+  <p:cSld>
+    <p:spTree>
+      <p:nvGrpSpPr>
+        <p:cNvPr id="1" name=""/>
+        <p:cNvGrpSpPr/>
+        <p:nvPr/>
+      </p:nvGrpSpPr>
+      <p:grpSpPr>
+        <a:xfrm>
+          <a:off x="0" y="0"/>
+          <a:ext cx="0" cy="0"/>
+          <a:chOff x="0" y="0"/>
+          <a:chExt cx="0" cy="0"/>
+        </a:xfrm>
+      </p:grpSpPr>
+      <p:sp>
+        <p:nvSpPr>
+          <p:cNvPr id="2" name="標題 1"/>
+          <p:cNvSpPr>
+            <a:spLocks noGrp="1"/>
+          </p:cNvSpPr>
+          <p:nvPr>
+            <p:ph type="title"/>
+          </p:nvPr>
+        </p:nvSpPr>
+        <p:spPr/>
+        <p:txBody>
+          <a:bodyPr/>
+          <a:lstStyle/>
+          <a:p>
+            <a:endParaRPr lang="zh-TW" altLang="en-US"/>
+          </a:p>
+        </p:txBody>
+      </p:sp>
+      <p:sp>
+        <p:nvSpPr>
+          <p:cNvPr id="3" name="內容版面配置區 2"/>
+          <p:cNvSpPr>
+            <a:spLocks noGrp="1"/>
+          </p:cNvSpPr>
+          <p:nvPr>
+            <p:ph idx="1"/>
+          </p:nvPr>
+        </p:nvSpPr>
+        <p:spPr/>
+        <p:txBody>
+          <a:bodyPr/>
+          <a:lstStyle/>
+          <a:p>
+            <a:endParaRPr lang="zh-TW" altLang="en-US"/>
+          </a:p>
+        </p:txBody>
+      </p:sp>
+      <p:pic>
+        <p:nvPicPr>
+          <p:cNvPr id="44034" name="Picture 2" descr="ãåº clipartãçåçæå°çµæ"/>
+          <p:cNvPicPr>
+            <a:picLocks noChangeAspect="1" noChangeArrowheads="1"/>
+          </p:cNvPicPr>
+          <p:nvPr/>
+        </p:nvPicPr>
+        <p:blipFill>
+          <a:blip r:embed="rId2"/>
+          <a:srcRect/>
+          <a:stretch>
+            <a:fillRect/>
+          </a:stretch>
+        </p:blipFill>
+        <p:spPr bwMode="auto">
+          <a:xfrm>
+            <a:off x="928662" y="428610"/>
+            <a:ext cx="7008224" cy="4000528"/>
+          </a:xfrm>
+          <a:prstGeom prst="rect">
+            <a:avLst/>
+          </a:prstGeom>
+          <a:noFill/>
+        </p:spPr>
+      </p:pic>
+    </p:spTree>
+  </p:cSld>
+  <p:clrMapOvr>
+    <a:masterClrMapping/>
+  </p:clrMapOvr>
+  <p:timing>
+    <p:tnLst>
+      <p:par>
+        <p:cTn id="1" dur="indefinite" restart="never" nodeType="tmRoot"/>
+      </p:par>
+    </p:tnLst>
+  </p:timing>
+</p:sld>
+</file>
+
+<file path=ppt/slides/slide31.xml><?xml version="1.0" encoding="utf-8"?>
+<p:sld xmlns:a="http://schemas.openxmlformats.org/drawingml/2006/main" xmlns:r="http://schemas.openxmlformats.org/officeDocument/2006/relationships" xmlns:p="http://schemas.openxmlformats.org/presentationml/2006/main">
+  <p:cSld>
+    <p:spTree>
+      <p:nvGrpSpPr>
+        <p:cNvPr id="1" name=""/>
+        <p:cNvGrpSpPr/>
+        <p:nvPr/>
+      </p:nvGrpSpPr>
+      <p:grpSpPr>
+        <a:xfrm>
+          <a:off x="0" y="0"/>
+          <a:ext cx="0" cy="0"/>
+          <a:chOff x="0" y="0"/>
+          <a:chExt cx="0" cy="0"/>
+        </a:xfrm>
+      </p:grpSpPr>
+      <p:sp>
+        <p:nvSpPr>
+          <p:cNvPr id="2" name="標題 1"/>
+          <p:cNvSpPr>
+            <a:spLocks noGrp="1"/>
+          </p:cNvSpPr>
+          <p:nvPr>
+            <p:ph type="title"/>
+          </p:nvPr>
+        </p:nvSpPr>
+        <p:spPr/>
+        <p:txBody>
+          <a:bodyPr/>
+          <a:lstStyle/>
+          <a:p>
+            <a:endParaRPr lang="zh-TW" altLang="en-US"/>
+          </a:p>
+        </p:txBody>
+      </p:sp>
+      <p:sp>
+        <p:nvSpPr>
+          <p:cNvPr id="3" name="內容版面配置區 2"/>
+          <p:cNvSpPr>
+            <a:spLocks noGrp="1"/>
+          </p:cNvSpPr>
+          <p:nvPr>
+            <p:ph idx="1"/>
+          </p:nvPr>
+        </p:nvSpPr>
+        <p:spPr/>
+        <p:txBody>
+          <a:bodyPr/>
+          <a:lstStyle/>
+          <a:p>
+            <a:endParaRPr lang="zh-TW" altLang="en-US"/>
+          </a:p>
+        </p:txBody>
+      </p:sp>
+      <p:pic>
+        <p:nvPicPr>
+          <p:cNvPr id="45058" name="Picture 2" descr="ãå± clipartãçåçæå°çµæ"/>
+          <p:cNvPicPr>
+            <a:picLocks noChangeAspect="1" noChangeArrowheads="1"/>
+          </p:cNvPicPr>
+          <p:nvPr/>
+        </p:nvPicPr>
+        <p:blipFill>
+          <a:blip r:embed="rId2"/>
+          <a:srcRect/>
+          <a:stretch>
+            <a:fillRect/>
+          </a:stretch>
+        </p:blipFill>
+        <p:spPr bwMode="auto">
+          <a:xfrm>
+            <a:off x="1928794" y="285734"/>
+            <a:ext cx="4500594" cy="4412692"/>
+          </a:xfrm>
+          <a:prstGeom prst="rect">
+            <a:avLst/>
+          </a:prstGeom>
+          <a:noFill/>
+        </p:spPr>
+      </p:pic>
+    </p:spTree>
+  </p:cSld>
+  <p:clrMapOvr>
+    <a:masterClrMapping/>
+  </p:clrMapOvr>
+  <p:timing>
+    <p:tnLst>
+      <p:par>
+        <p:cTn id="1" dur="indefinite" restart="never" nodeType="tmRoot"/>
+      </p:par>
+    </p:tnLst>
+  </p:timing>
+</p:sld>
+</file>
+
+<file path=ppt/slides/slide32.xml><?xml version="1.0" encoding="utf-8"?>
+<p:sld xmlns:a="http://schemas.openxmlformats.org/drawingml/2006/main" xmlns:r="http://schemas.openxmlformats.org/officeDocument/2006/relationships" xmlns:p="http://schemas.openxmlformats.org/presentationml/2006/main">
+  <p:cSld>
+    <p:spTree>
+      <p:nvGrpSpPr>
+        <p:cNvPr id="1" name=""/>
+        <p:cNvGrpSpPr/>
+        <p:nvPr/>
+      </p:nvGrpSpPr>
+      <p:grpSpPr>
+        <a:xfrm>
+          <a:off x="0" y="0"/>
+          <a:ext cx="0" cy="0"/>
+          <a:chOff x="0" y="0"/>
+          <a:chExt cx="0" cy="0"/>
+        </a:xfrm>
+      </p:grpSpPr>
+      <p:sp>
+        <p:nvSpPr>
+          <p:cNvPr id="2" name="標題 1"/>
+          <p:cNvSpPr>
+            <a:spLocks noGrp="1"/>
+          </p:cNvSpPr>
+          <p:nvPr>
+            <p:ph type="title"/>
+          </p:nvPr>
+        </p:nvSpPr>
+        <p:spPr/>
+        <p:txBody>
+          <a:bodyPr/>
+          <a:lstStyle/>
+          <a:p>
+            <a:endParaRPr lang="zh-TW" altLang="en-US"/>
+          </a:p>
+        </p:txBody>
+      </p:sp>
+      <p:sp>
+        <p:nvSpPr>
+          <p:cNvPr id="3" name="內容版面配置區 2"/>
+          <p:cNvSpPr>
+            <a:spLocks noGrp="1"/>
+          </p:cNvSpPr>
+          <p:nvPr>
+            <p:ph idx="1"/>
+          </p:nvPr>
+        </p:nvSpPr>
+        <p:spPr/>
+        <p:txBody>
+          <a:bodyPr/>
+          <a:lstStyle/>
+          <a:p>
+            <a:endParaRPr lang="zh-TW" altLang="en-US" dirty="0"/>
+          </a:p>
+        </p:txBody>
+      </p:sp>
+      <p:pic>
+        <p:nvPicPr>
+          <p:cNvPr id="46082" name="Picture 2" descr="ãé clipartãçåçæå°çµæ"/>
+          <p:cNvPicPr>
+            <a:picLocks noChangeAspect="1" noChangeArrowheads="1"/>
+          </p:cNvPicPr>
+          <p:nvPr/>
+        </p:nvPicPr>
+        <p:blipFill>
+          <a:blip r:embed="rId2"/>
+          <a:srcRect l="9970" t="3969" r="17749" b="6734"/>
+          <a:stretch>
+            <a:fillRect/>
+          </a:stretch>
+        </p:blipFill>
+        <p:spPr bwMode="auto">
+          <a:xfrm>
+            <a:off x="357158" y="214296"/>
+            <a:ext cx="2571768" cy="3990674"/>
+          </a:xfrm>
+          <a:prstGeom prst="rect">
+            <a:avLst/>
+          </a:prstGeom>
+          <a:noFill/>
+        </p:spPr>
+      </p:pic>
+      <p:pic>
+        <p:nvPicPr>
+          <p:cNvPr id="46084" name="Picture 4" descr="ç¸éåç"/>
+          <p:cNvPicPr>
+            <a:picLocks noChangeAspect="1" noChangeArrowheads="1"/>
+          </p:cNvPicPr>
+          <p:nvPr/>
+        </p:nvPicPr>
+        <p:blipFill>
+          <a:blip r:embed="rId3"/>
+          <a:srcRect/>
+          <a:stretch>
+            <a:fillRect/>
+          </a:stretch>
+        </p:blipFill>
+        <p:spPr bwMode="auto">
+          <a:xfrm>
+            <a:off x="4929190" y="785800"/>
+            <a:ext cx="2995977" cy="3857652"/>
+          </a:xfrm>
+          <a:prstGeom prst="rect">
+            <a:avLst/>
+          </a:prstGeom>
+          <a:noFill/>
+        </p:spPr>
+      </p:pic>
+    </p:spTree>
+  </p:cSld>
+  <p:clrMapOvr>
+    <a:masterClrMapping/>
+  </p:clrMapOvr>
+  <p:timing>
+    <p:tnLst>
+      <p:par>
+        <p:cTn id="1" dur="indefinite" restart="never" nodeType="tmRoot"/>
+      </p:par>
+    </p:tnLst>
+  </p:timing>
+</p:sld>
+</file>
+
+<file path=ppt/slides/slide33.xml><?xml version="1.0" encoding="utf-8"?>
+<p:sld xmlns:a="http://schemas.openxmlformats.org/drawingml/2006/main" xmlns:r="http://schemas.openxmlformats.org/officeDocument/2006/relationships" xmlns:p="http://schemas.openxmlformats.org/presentationml/2006/main">
+  <p:cSld>
+    <p:spTree>
+      <p:nvGrpSpPr>
+        <p:cNvPr id="1" name=""/>
+        <p:cNvGrpSpPr/>
+        <p:nvPr/>
+      </p:nvGrpSpPr>
+      <p:grpSpPr>
+        <a:xfrm>
+          <a:off x="0" y="0"/>
+          <a:ext cx="0" cy="0"/>
+          <a:chOff x="0" y="0"/>
+          <a:chExt cx="0" cy="0"/>
+        </a:xfrm>
+      </p:grpSpPr>
+      <p:sp>
+        <p:nvSpPr>
+          <p:cNvPr id="2" name="標題 1"/>
+          <p:cNvSpPr>
+            <a:spLocks noGrp="1"/>
+          </p:cNvSpPr>
+          <p:nvPr>
+            <p:ph type="title"/>
+          </p:nvPr>
+        </p:nvSpPr>
+        <p:spPr/>
+        <p:txBody>
+          <a:bodyPr/>
+          <a:lstStyle/>
+          <a:p>
+            <a:endParaRPr lang="zh-TW" altLang="en-US"/>
+          </a:p>
+        </p:txBody>
+      </p:sp>
+      <p:sp>
+        <p:nvSpPr>
+          <p:cNvPr id="3" name="內容版面配置區 2"/>
+          <p:cNvSpPr>
+            <a:spLocks noGrp="1"/>
+          </p:cNvSpPr>
+          <p:nvPr>
+            <p:ph idx="1"/>
+          </p:nvPr>
+        </p:nvSpPr>
+        <p:spPr/>
+        <p:txBody>
+          <a:bodyPr/>
+          <a:lstStyle/>
+          <a:p>
+            <a:endParaRPr lang="zh-TW" altLang="en-US"/>
+          </a:p>
+        </p:txBody>
+      </p:sp>
+      <p:pic>
+        <p:nvPicPr>
+          <p:cNvPr id="47106" name="Picture 2" descr="ç¸éåç"/>
+          <p:cNvPicPr>
+            <a:picLocks noChangeAspect="1" noChangeArrowheads="1"/>
+          </p:cNvPicPr>
+          <p:nvPr/>
+        </p:nvPicPr>
+        <p:blipFill>
+          <a:blip r:embed="rId2"/>
+          <a:srcRect/>
+          <a:stretch>
+            <a:fillRect/>
+          </a:stretch>
+        </p:blipFill>
+        <p:spPr bwMode="auto">
+          <a:xfrm>
+            <a:off x="1071538" y="357172"/>
+            <a:ext cx="3857652" cy="3664769"/>
+          </a:xfrm>
+          <a:prstGeom prst="rect">
+            <a:avLst/>
+          </a:prstGeom>
+          <a:noFill/>
+        </p:spPr>
+      </p:pic>
+    </p:spTree>
+  </p:cSld>
+  <p:clrMapOvr>
+    <a:masterClrMapping/>
+  </p:clrMapOvr>
+  <p:timing>
+    <p:tnLst>
+      <p:par>
+        <p:cTn id="1" dur="indefinite" restart="never" nodeType="tmRoot"/>
+      </p:par>
+    </p:tnLst>
+  </p:timing>
+</p:sld>
+</file>
+
+<file path=ppt/slides/slide34.xml><?xml version="1.0" encoding="utf-8"?>
+<p:sld xmlns:a="http://schemas.openxmlformats.org/drawingml/2006/main" xmlns:r="http://schemas.openxmlformats.org/officeDocument/2006/relationships" xmlns:p="http://schemas.openxmlformats.org/presentationml/2006/main">
+  <p:cSld>
+    <p:spTree>
+      <p:nvGrpSpPr>
+        <p:cNvPr id="1" name=""/>
+        <p:cNvGrpSpPr/>
+        <p:nvPr/>
+      </p:nvGrpSpPr>
+      <p:grpSpPr>
+        <a:xfrm>
+          <a:off x="0" y="0"/>
+          <a:ext cx="0" cy="0"/>
+          <a:chOff x="0" y="0"/>
+          <a:chExt cx="0" cy="0"/>
+        </a:xfrm>
+      </p:grpSpPr>
+      <p:sp>
+        <p:nvSpPr>
+          <p:cNvPr id="2" name="標題 1"/>
+          <p:cNvSpPr>
+            <a:spLocks noGrp="1"/>
+          </p:cNvSpPr>
+          <p:nvPr>
+            <p:ph type="title"/>
+          </p:nvPr>
+        </p:nvSpPr>
+        <p:spPr/>
+        <p:txBody>
+          <a:bodyPr/>
+          <a:lstStyle/>
+          <a:p>
+            <a:endParaRPr lang="zh-TW" altLang="en-US"/>
+          </a:p>
+        </p:txBody>
+      </p:sp>
+      <p:sp>
+        <p:nvSpPr>
+          <p:cNvPr id="3" name="內容版面配置區 2"/>
+          <p:cNvSpPr>
+            <a:spLocks noGrp="1"/>
+          </p:cNvSpPr>
+          <p:nvPr>
+            <p:ph idx="1"/>
+          </p:nvPr>
+        </p:nvSpPr>
+        <p:spPr/>
+        <p:txBody>
+          <a:bodyPr/>
+          <a:lstStyle/>
+          <a:p>
+            <a:endParaRPr lang="zh-TW" altLang="en-US" dirty="0"/>
+          </a:p>
+        </p:txBody>
+      </p:sp>
+      <p:pic>
+        <p:nvPicPr>
+          <p:cNvPr id="48130" name="Picture 2" descr="ãç¬ clipartãçåçæå°çµæ"/>
+          <p:cNvPicPr>
+            <a:picLocks noChangeAspect="1" noChangeArrowheads="1"/>
+          </p:cNvPicPr>
+          <p:nvPr/>
+        </p:nvPicPr>
+        <p:blipFill>
+          <a:blip r:embed="rId2"/>
+          <a:srcRect/>
+          <a:stretch>
+            <a:fillRect/>
+          </a:stretch>
+        </p:blipFill>
+        <p:spPr bwMode="auto">
+          <a:xfrm>
+            <a:off x="428596" y="928676"/>
+            <a:ext cx="2762865" cy="2500330"/>
+          </a:xfrm>
+          <a:prstGeom prst="rect">
+            <a:avLst/>
+          </a:prstGeom>
+          <a:noFill/>
+        </p:spPr>
+      </p:pic>
+      <p:pic>
+        <p:nvPicPr>
+          <p:cNvPr id="48132" name="Picture 4" descr="ãsmiles clipartãçåçæå°çµæ"/>
+          <p:cNvPicPr>
+            <a:picLocks noChangeAspect="1" noChangeArrowheads="1"/>
+          </p:cNvPicPr>
+          <p:nvPr/>
+        </p:nvPicPr>
+        <p:blipFill>
+          <a:blip r:embed="rId3"/>
+          <a:srcRect/>
+          <a:stretch>
+            <a:fillRect/>
+          </a:stretch>
+        </p:blipFill>
+        <p:spPr bwMode="auto">
+          <a:xfrm>
+            <a:off x="3286116" y="1000114"/>
+            <a:ext cx="4914880" cy="3071800"/>
+          </a:xfrm>
+          <a:prstGeom prst="rect">
+            <a:avLst/>
+          </a:prstGeom>
+          <a:noFill/>
+        </p:spPr>
+      </p:pic>
+    </p:spTree>
+  </p:cSld>
+  <p:clrMapOvr>
+    <a:masterClrMapping/>
+  </p:clrMapOvr>
+  <p:timing>
+    <p:tnLst>
+      <p:par>
+        <p:cTn id="1" dur="indefinite" restart="never" nodeType="tmRoot"/>
+      </p:par>
+    </p:tnLst>
+  </p:timing>
+</p:sld>
+</file>
+
+<file path=ppt/slides/slide35.xml><?xml version="1.0" encoding="utf-8"?>
+<p:sld xmlns:a="http://schemas.openxmlformats.org/drawingml/2006/main" xmlns:r="http://schemas.openxmlformats.org/officeDocument/2006/relationships" xmlns:p="http://schemas.openxmlformats.org/presentationml/2006/main">
+  <p:cSld>
+    <p:spTree>
+      <p:nvGrpSpPr>
+        <p:cNvPr id="1" name=""/>
+        <p:cNvGrpSpPr/>
+        <p:nvPr/>
+      </p:nvGrpSpPr>
+      <p:grpSpPr>
+        <a:xfrm>
+          <a:off x="0" y="0"/>
+          <a:ext cx="0" cy="0"/>
+          <a:chOff x="0" y="0"/>
+          <a:chExt cx="0" cy="0"/>
+        </a:xfrm>
+      </p:grpSpPr>
+      <p:sp>
+        <p:nvSpPr>
+          <p:cNvPr id="2" name="標題 1"/>
+          <p:cNvSpPr>
+            <a:spLocks noGrp="1"/>
+          </p:cNvSpPr>
+          <p:nvPr>
+            <p:ph type="title"/>
+          </p:nvPr>
+        </p:nvSpPr>
+        <p:spPr/>
+        <p:txBody>
+          <a:bodyPr/>
+          <a:lstStyle/>
+          <a:p>
+            <a:endParaRPr lang="zh-TW" altLang="en-US"/>
+          </a:p>
+        </p:txBody>
+      </p:sp>
+      <p:sp>
+        <p:nvSpPr>
+          <p:cNvPr id="3" name="內容版面配置區 2"/>
+          <p:cNvSpPr>
+            <a:spLocks noGrp="1"/>
+          </p:cNvSpPr>
+          <p:nvPr>
+            <p:ph idx="1"/>
+          </p:nvPr>
+        </p:nvSpPr>
+        <p:spPr/>
+        <p:txBody>
+          <a:bodyPr/>
+          <a:lstStyle/>
+          <a:p>
+            <a:endParaRPr lang="zh-TW" altLang="en-US" dirty="0"/>
+          </a:p>
+        </p:txBody>
+      </p:sp>
+      <p:pic>
+        <p:nvPicPr>
+          <p:cNvPr id="49154" name="Picture 2" descr="ãheart clipartãçåçæå°çµæ"/>
+          <p:cNvPicPr>
+            <a:picLocks noChangeAspect="1" noChangeArrowheads="1"/>
+          </p:cNvPicPr>
+          <p:nvPr/>
+        </p:nvPicPr>
+        <p:blipFill>
+          <a:blip r:embed="rId2"/>
+          <a:srcRect l="6615" t="13229" r="7395" b="15333"/>
+          <a:stretch>
+            <a:fillRect/>
+          </a:stretch>
+        </p:blipFill>
+        <p:spPr bwMode="auto">
+          <a:xfrm>
+            <a:off x="1714480" y="357172"/>
+            <a:ext cx="4643470" cy="3857652"/>
+          </a:xfrm>
+          <a:prstGeom prst="rect">
+            <a:avLst/>
+          </a:prstGeom>
+          <a:noFill/>
+        </p:spPr>
+      </p:pic>
+    </p:spTree>
+  </p:cSld>
+  <p:clrMapOvr>
+    <a:masterClrMapping/>
+  </p:clrMapOvr>
+  <p:timing>
+    <p:tnLst>
+      <p:par>
+        <p:cTn id="1" dur="indefinite" restart="never" nodeType="tmRoot"/>
+      </p:par>
+    </p:tnLst>
+  </p:timing>
+</p:sld>
+</file>
+
+<file path=ppt/slides/slide36.xml><?xml version="1.0" encoding="utf-8"?>
+<p:sld xmlns:a="http://schemas.openxmlformats.org/drawingml/2006/main" xmlns:r="http://schemas.openxmlformats.org/officeDocument/2006/relationships" xmlns:p="http://schemas.openxmlformats.org/presentationml/2006/main">
+  <p:cSld>
+    <p:spTree>
+      <p:nvGrpSpPr>
+        <p:cNvPr id="1" name=""/>
+        <p:cNvGrpSpPr/>
+        <p:nvPr/>
+      </p:nvGrpSpPr>
+      <p:grpSpPr>
+        <a:xfrm>
+          <a:off x="0" y="0"/>
+          <a:ext cx="0" cy="0"/>
+          <a:chOff x="0" y="0"/>
+          <a:chExt cx="0" cy="0"/>
+        </a:xfrm>
+      </p:grpSpPr>
+      <p:sp>
+        <p:nvSpPr>
+          <p:cNvPr id="2" name="標題 1"/>
+          <p:cNvSpPr>
+            <a:spLocks noGrp="1"/>
+          </p:cNvSpPr>
+          <p:nvPr>
+            <p:ph type="title"/>
+          </p:nvPr>
+        </p:nvSpPr>
+        <p:spPr/>
+        <p:txBody>
+          <a:bodyPr/>
+          <a:lstStyle/>
+          <a:p>
+            <a:endParaRPr lang="zh-TW" altLang="en-US"/>
+          </a:p>
+        </p:txBody>
+      </p:sp>
+      <p:sp>
+        <p:nvSpPr>
+          <p:cNvPr id="3" name="內容版面配置區 2"/>
+          <p:cNvSpPr>
+            <a:spLocks noGrp="1"/>
+          </p:cNvSpPr>
+          <p:nvPr>
+            <p:ph idx="1"/>
+          </p:nvPr>
+        </p:nvSpPr>
+        <p:spPr/>
+        <p:txBody>
+          <a:bodyPr/>
+          <a:lstStyle/>
+          <a:p>
+            <a:endParaRPr lang="zh-TW" altLang="en-US"/>
+          </a:p>
+        </p:txBody>
+      </p:sp>
+      <p:pic>
+        <p:nvPicPr>
+          <p:cNvPr id="50178" name="Picture 2" descr="ãcry clipartãçåçæå°çµæ"/>
+          <p:cNvPicPr>
+            <a:picLocks noChangeAspect="1" noChangeArrowheads="1"/>
+          </p:cNvPicPr>
+          <p:nvPr/>
+        </p:nvPicPr>
+        <p:blipFill>
+          <a:blip r:embed="rId2"/>
+          <a:srcRect/>
+          <a:stretch>
+            <a:fillRect/>
+          </a:stretch>
+        </p:blipFill>
+        <p:spPr bwMode="auto">
+          <a:xfrm>
+            <a:off x="357158" y="500048"/>
+            <a:ext cx="1971675" cy="2314575"/>
+          </a:xfrm>
+          <a:prstGeom prst="rect">
+            <a:avLst/>
+          </a:prstGeom>
+          <a:noFill/>
+        </p:spPr>
+      </p:pic>
+      <p:pic>
+        <p:nvPicPr>
+          <p:cNvPr id="50180" name="Picture 4" descr="ãcry clipartãçåçæå°çµæ"/>
+          <p:cNvPicPr>
+            <a:picLocks noChangeAspect="1" noChangeArrowheads="1"/>
+          </p:cNvPicPr>
+          <p:nvPr/>
+        </p:nvPicPr>
+        <p:blipFill>
+          <a:blip r:embed="rId3" cstate="print"/>
+          <a:srcRect/>
+          <a:stretch>
+            <a:fillRect/>
+          </a:stretch>
+        </p:blipFill>
+        <p:spPr bwMode="auto">
+          <a:xfrm>
+            <a:off x="6357950" y="285734"/>
+            <a:ext cx="2228427" cy="2880000"/>
+          </a:xfrm>
+          <a:prstGeom prst="rect">
+            <a:avLst/>
+          </a:prstGeom>
+          <a:noFill/>
+        </p:spPr>
+      </p:pic>
+      <p:pic>
+        <p:nvPicPr>
+          <p:cNvPr id="50182" name="Picture 6" descr="ãcry clipartãçåçæå°çµæ"/>
+          <p:cNvPicPr>
+            <a:picLocks noChangeAspect="1" noChangeArrowheads="1"/>
+          </p:cNvPicPr>
+          <p:nvPr/>
+        </p:nvPicPr>
+        <p:blipFill>
+          <a:blip r:embed="rId4"/>
+          <a:srcRect/>
+          <a:stretch>
+            <a:fillRect/>
+          </a:stretch>
+        </p:blipFill>
+        <p:spPr bwMode="auto">
+          <a:xfrm>
+            <a:off x="2857488" y="1857370"/>
+            <a:ext cx="3429024" cy="3143272"/>
+          </a:xfrm>
+          <a:prstGeom prst="rect">
+            <a:avLst/>
+          </a:prstGeom>
+          <a:noFill/>
+        </p:spPr>
+      </p:pic>
+    </p:spTree>
+  </p:cSld>
+  <p:clrMapOvr>
+    <a:masterClrMapping/>
+  </p:clrMapOvr>
+  <p:timing>
+    <p:tnLst>
+      <p:par>
+        <p:cTn id="1" dur="indefinite" restart="never" nodeType="tmRoot"/>
+      </p:par>
+    </p:tnLst>
+  </p:timing>
+</p:sld>
+</file>
+
+<file path=ppt/slides/slide37.xml><?xml version="1.0" encoding="utf-8"?>
+<p:sld xmlns:a="http://schemas.openxmlformats.org/drawingml/2006/main" xmlns:r="http://schemas.openxmlformats.org/officeDocument/2006/relationships" xmlns:p="http://schemas.openxmlformats.org/presentationml/2006/main">
+  <p:cSld>
+    <p:spTree>
+      <p:nvGrpSpPr>
+        <p:cNvPr id="1" name=""/>
+        <p:cNvGrpSpPr/>
+        <p:nvPr/>
+      </p:nvGrpSpPr>
+      <p:grpSpPr>
+        <a:xfrm>
+          <a:off x="0" y="0"/>
+          <a:ext cx="0" cy="0"/>
+          <a:chOff x="0" y="0"/>
+          <a:chExt cx="0" cy="0"/>
+        </a:xfrm>
+      </p:grpSpPr>
+      <p:sp>
+        <p:nvSpPr>
+          <p:cNvPr id="2" name="標題 1"/>
+          <p:cNvSpPr>
+            <a:spLocks noGrp="1"/>
+          </p:cNvSpPr>
+          <p:nvPr>
+            <p:ph type="title"/>
+          </p:nvPr>
+        </p:nvSpPr>
+        <p:spPr/>
+        <p:txBody>
+          <a:bodyPr/>
+          <a:lstStyle/>
+          <a:p>
+            <a:endParaRPr lang="zh-TW" altLang="en-US"/>
+          </a:p>
+        </p:txBody>
+      </p:sp>
+      <p:sp>
+        <p:nvSpPr>
+          <p:cNvPr id="3" name="內容版面配置區 2"/>
+          <p:cNvSpPr>
+            <a:spLocks noGrp="1"/>
+          </p:cNvSpPr>
+          <p:nvPr>
+            <p:ph idx="1"/>
+          </p:nvPr>
+        </p:nvSpPr>
+        <p:spPr/>
+        <p:txBody>
+          <a:bodyPr/>
+          <a:lstStyle/>
+          <a:p>
+            <a:endParaRPr lang="zh-TW" altLang="en-US"/>
+          </a:p>
+        </p:txBody>
+      </p:sp>
+      <p:pic>
+        <p:nvPicPr>
+          <p:cNvPr id="51206" name="Picture 6" descr="ç¸éåç"/>
+          <p:cNvPicPr>
+            <a:picLocks noChangeAspect="1" noChangeArrowheads="1"/>
+          </p:cNvPicPr>
+          <p:nvPr/>
+        </p:nvPicPr>
+        <p:blipFill>
+          <a:blip r:embed="rId2"/>
+          <a:srcRect/>
+          <a:stretch>
+            <a:fillRect/>
+          </a:stretch>
+        </p:blipFill>
+        <p:spPr bwMode="auto">
+          <a:xfrm>
+            <a:off x="2214546" y="0"/>
+            <a:ext cx="4286280" cy="5102714"/>
+          </a:xfrm>
+          <a:prstGeom prst="rect">
+            <a:avLst/>
+          </a:prstGeom>
+          <a:noFill/>
+        </p:spPr>
+      </p:pic>
+    </p:spTree>
+  </p:cSld>
+  <p:clrMapOvr>
+    <a:masterClrMapping/>
+  </p:clrMapOvr>
+  <p:timing>
+    <p:tnLst>
+      <p:par>
+        <p:cTn id="1" dur="indefinite" restart="never" nodeType="tmRoot"/>
+      </p:par>
+    </p:tnLst>
+  </p:timing>
+</p:sld>
+</file>
+
+<file path=ppt/slides/slide38.xml><?xml version="1.0" encoding="utf-8"?>
+<p:sld xmlns:a="http://schemas.openxmlformats.org/drawingml/2006/main" xmlns:r="http://schemas.openxmlformats.org/officeDocument/2006/relationships" xmlns:p="http://schemas.openxmlformats.org/presentationml/2006/main">
+  <p:cSld>
+    <p:spTree>
+      <p:nvGrpSpPr>
+        <p:cNvPr id="1" name=""/>
+        <p:cNvGrpSpPr/>
+        <p:nvPr/>
+      </p:nvGrpSpPr>
+      <p:grpSpPr>
+        <a:xfrm>
+          <a:off x="0" y="0"/>
+          <a:ext cx="0" cy="0"/>
+          <a:chOff x="0" y="0"/>
+          <a:chExt cx="0" cy="0"/>
+        </a:xfrm>
+      </p:grpSpPr>
+      <p:sp>
+        <p:nvSpPr>
+          <p:cNvPr id="2" name="標題 1"/>
+          <p:cNvSpPr>
+            <a:spLocks noGrp="1"/>
+          </p:cNvSpPr>
+          <p:nvPr>
+            <p:ph type="title"/>
+          </p:nvPr>
+        </p:nvSpPr>
+        <p:spPr/>
+        <p:txBody>
+          <a:bodyPr/>
+          <a:lstStyle/>
+          <a:p>
+            <a:endParaRPr lang="zh-TW" altLang="en-US"/>
+          </a:p>
+        </p:txBody>
+      </p:sp>
+      <p:sp>
+        <p:nvSpPr>
+          <p:cNvPr id="3" name="內容版面配置區 2"/>
+          <p:cNvSpPr>
+            <a:spLocks noGrp="1"/>
+          </p:cNvSpPr>
+          <p:nvPr>
+            <p:ph idx="1"/>
+          </p:nvPr>
+        </p:nvSpPr>
+        <p:spPr/>
+        <p:txBody>
+          <a:bodyPr/>
+          <a:lstStyle/>
+          <a:p>
+            <a:endParaRPr lang="zh-TW" altLang="en-US" dirty="0"/>
+          </a:p>
+        </p:txBody>
+      </p:sp>
+      <p:pic>
+        <p:nvPicPr>
+          <p:cNvPr id="52226" name="Picture 2" descr="ãcolor clipartãçåçæå°çµæ"/>
+          <p:cNvPicPr>
+            <a:picLocks noChangeAspect="1" noChangeArrowheads="1"/>
+          </p:cNvPicPr>
+          <p:nvPr/>
+        </p:nvPicPr>
+        <p:blipFill>
+          <a:blip r:embed="rId2"/>
+          <a:srcRect/>
+          <a:stretch>
+            <a:fillRect/>
+          </a:stretch>
+        </p:blipFill>
+        <p:spPr bwMode="auto">
+          <a:xfrm>
+            <a:off x="2357422" y="428610"/>
+            <a:ext cx="4396184" cy="4286280"/>
+          </a:xfrm>
+          <a:prstGeom prst="rect">
+            <a:avLst/>
+          </a:prstGeom>
+          <a:noFill/>
+        </p:spPr>
+      </p:pic>
+    </p:spTree>
   </p:cSld>
   <p:clrMapOvr>
     <a:masterClrMapping/>
@@ -6914,7 +10182,7 @@
           <a:blip r:embed="rId2">
             <a:extLst>
               <a:ext uri="{28A0092B-C50C-407E-A947-70E740481C1C}">
-                <a14:useLocalDpi xmlns:a14="http://schemas.microsoft.com/office/drawing/2010/main" xmlns="" val="0"/>
+                <a14:useLocalDpi xmlns="" xmlns:a14="http://schemas.microsoft.com/office/drawing/2010/main" val="0"/>
               </a:ext>
             </a:extLst>
           </a:blip>
@@ -6934,7 +10202,7 @@
           <a:noFill/>
           <a:extLst>
             <a:ext uri="{909E8E84-426E-40DD-AFC4-6F175D3DCCD1}">
-              <a14:hiddenFill xmlns:a14="http://schemas.microsoft.com/office/drawing/2010/main" xmlns="">
+              <a14:hiddenFill xmlns="" xmlns:a14="http://schemas.microsoft.com/office/drawing/2010/main">
                 <a:solidFill>
                   <a:srgbClr val="FFFFFF"/>
                 </a:solidFill>
@@ -6955,8 +10223,8 @@
         </p:nvSpPr>
         <p:spPr>
           <a:xfrm>
-            <a:off x="428596" y="357172"/>
-            <a:ext cx="2108920" cy="4428492"/>
+            <a:off x="-71470" y="285734"/>
+            <a:ext cx="2664296" cy="4428492"/>
           </a:xfrm>
         </p:spPr>
         <p:txBody>
@@ -6965,7 +10233,7 @@
           </a:bodyPr>
           <a:lstStyle/>
           <a:p>
-            <a:pPr marL="0" indent="0">
+            <a:pPr marL="0" indent="0" algn="ctr">
               <a:buNone/>
             </a:pPr>
             <a:r>
@@ -6976,7 +10244,7 @@
                 <a:latin typeface="標楷體" pitchFamily="65" charset="-120"/>
                 <a:ea typeface="標楷體" pitchFamily="65" charset="-120"/>
               </a:rPr>
-              <a:t>溫暖</a:t>
+              <a:t>超過</a:t>
             </a:r>
             <a:endParaRPr lang="en-US" altLang="zh-TW" sz="4400" b="1" dirty="0" smtClean="0">
               <a:solidFill>
@@ -6987,7 +10255,7 @@
             </a:endParaRPr>
           </a:p>
           <a:p>
-            <a:pPr marL="0" indent="0">
+            <a:pPr marL="0" indent="0" algn="ctr">
               <a:buNone/>
             </a:pPr>
             <a:r>
@@ -6996,7 +10264,7 @@
                   <a:schemeClr val="bg1"/>
                 </a:solidFill>
               </a:rPr>
-              <a:t>wēn</a:t>
+              <a:t>chāo</a:t>
             </a:r>
             <a:r>
               <a:rPr lang="en-US" altLang="zh-TW" sz="2800" dirty="0" smtClean="0">
@@ -7007,20 +10275,12 @@
               <a:t> </a:t>
             </a:r>
             <a:r>
-              <a:rPr lang="en-US" altLang="zh-TW" sz="2800" dirty="0" err="1">
-                <a:solidFill>
-                  <a:schemeClr val="bg1"/>
-                </a:solidFill>
-              </a:rPr>
-              <a:t>nuǎn</a:t>
-            </a:r>
-            <a:r>
-              <a:rPr lang="en-US" altLang="zh-TW" sz="2800" dirty="0">
-                <a:solidFill>
-                  <a:schemeClr val="bg1"/>
-                </a:solidFill>
-              </a:rPr>
-              <a:t> </a:t>
+              <a:rPr lang="en-US" altLang="zh-TW" sz="2800" dirty="0" err="1" smtClean="0">
+                <a:solidFill>
+                  <a:schemeClr val="bg1"/>
+                </a:solidFill>
+              </a:rPr>
+              <a:t>guò</a:t>
             </a:r>
             <a:endParaRPr lang="en-US" altLang="zh-TW" sz="2800" b="1" dirty="0" smtClean="0">
               <a:solidFill>
@@ -7031,7 +10291,7 @@
             </a:endParaRPr>
           </a:p>
           <a:p>
-            <a:pPr marL="0" indent="0">
+            <a:pPr marL="0" indent="0" algn="ctr">
               <a:buNone/>
             </a:pPr>
             <a:r>
@@ -7042,7 +10302,7 @@
                 <a:latin typeface="標楷體" pitchFamily="65" charset="-120"/>
                 <a:ea typeface="標楷體" pitchFamily="65" charset="-120"/>
               </a:rPr>
-              <a:t>太陽</a:t>
+              <a:t>一切</a:t>
             </a:r>
             <a:endParaRPr lang="en-US" altLang="zh-TW" sz="4400" b="1" dirty="0" smtClean="0">
               <a:solidFill>
@@ -7053,7 +10313,7 @@
             </a:endParaRPr>
           </a:p>
           <a:p>
-            <a:pPr marL="0" indent="0">
+            <a:pPr marL="0" indent="0" algn="ctr">
               <a:buNone/>
             </a:pPr>
             <a:r>
@@ -7062,7 +10322,7 @@
                   <a:schemeClr val="bg1"/>
                 </a:solidFill>
               </a:rPr>
-              <a:t>tài</a:t>
+              <a:t>yī</a:t>
             </a:r>
             <a:r>
               <a:rPr lang="en-US" altLang="zh-TW" dirty="0">
@@ -7078,7 +10338,7 @@
                   <a:schemeClr val="bg1"/>
                 </a:solidFill>
               </a:rPr>
-              <a:t>yáng</a:t>
+              <a:t>qiè</a:t>
             </a:r>
             <a:endParaRPr lang="en-US" altLang="zh-TW" dirty="0" smtClean="0">
               <a:solidFill>
@@ -7087,7 +10347,7 @@
             </a:endParaRPr>
           </a:p>
           <a:p>
-            <a:pPr marL="0" indent="0">
+            <a:pPr marL="0" indent="0" algn="ctr">
               <a:buNone/>
             </a:pPr>
             <a:r>
@@ -7098,33 +10358,9 @@
                 <a:latin typeface="標楷體" pitchFamily="65" charset="-120"/>
                 <a:ea typeface="標楷體" pitchFamily="65" charset="-120"/>
               </a:rPr>
-              <a:t>升起</a:t>
-            </a:r>
-            <a:r>
-              <a:rPr lang="en-US" altLang="zh-TW" dirty="0" err="1" smtClean="0">
-                <a:solidFill>
-                  <a:schemeClr val="bg1"/>
-                </a:solidFill>
-              </a:rPr>
-              <a:t>shēng</a:t>
-            </a:r>
-            <a:r>
-              <a:rPr lang="en-US" altLang="zh-TW" dirty="0" smtClean="0">
-                <a:solidFill>
-                  <a:schemeClr val="bg1"/>
-                </a:solidFill>
-              </a:rPr>
-              <a:t> </a:t>
-            </a:r>
-            <a:r>
-              <a:rPr lang="en-US" altLang="zh-TW" dirty="0" err="1">
-                <a:solidFill>
-                  <a:schemeClr val="bg1"/>
-                </a:solidFill>
-              </a:rPr>
-              <a:t>qǐ</a:t>
-            </a:r>
-            <a:endParaRPr lang="en-US" altLang="zh-TW" b="1" dirty="0">
+              <a:t>想像</a:t>
+            </a:r>
+            <a:endParaRPr lang="en-US" altLang="zh-TW" sz="4400" b="1" dirty="0" smtClean="0">
               <a:solidFill>
                 <a:schemeClr val="bg1"/>
               </a:solidFill>
@@ -7132,6 +10368,42 @@
               <a:ea typeface="標楷體" pitchFamily="65" charset="-120"/>
             </a:endParaRPr>
           </a:p>
+          <a:p>
+            <a:pPr marL="0" indent="0" algn="ctr">
+              <a:buNone/>
+            </a:pPr>
+            <a:r>
+              <a:rPr lang="en-US" altLang="zh-TW" sz="2800" dirty="0" err="1" smtClean="0">
+                <a:solidFill>
+                  <a:schemeClr val="bg1"/>
+                </a:solidFill>
+              </a:rPr>
+              <a:t>xiǎng</a:t>
+            </a:r>
+            <a:r>
+              <a:rPr lang="en-US" altLang="zh-TW" sz="2800" dirty="0" smtClean="0">
+                <a:solidFill>
+                  <a:schemeClr val="bg1"/>
+                </a:solidFill>
+              </a:rPr>
+              <a:t> </a:t>
+            </a:r>
+            <a:r>
+              <a:rPr lang="en-US" altLang="zh-TW" sz="2800" dirty="0" err="1">
+                <a:solidFill>
+                  <a:schemeClr val="bg1"/>
+                </a:solidFill>
+              </a:rPr>
+              <a:t>xiàng</a:t>
+            </a:r>
+            <a:endParaRPr lang="en-US" altLang="zh-TW" sz="2800" b="1" dirty="0">
+              <a:solidFill>
+                <a:schemeClr val="bg1"/>
+              </a:solidFill>
+              <a:latin typeface="標楷體" pitchFamily="65" charset="-120"/>
+              <a:ea typeface="標楷體" pitchFamily="65" charset="-120"/>
+            </a:endParaRPr>
+          </a:p>
         </p:txBody>
       </p:sp>
       <p:sp>
@@ -7144,8 +10416,8 @@
         </p:nvSpPr>
         <p:spPr>
           <a:xfrm>
-            <a:off x="3615208" y="465516"/>
-            <a:ext cx="2108920" cy="4428492"/>
+            <a:off x="3000364" y="285734"/>
+            <a:ext cx="2829000" cy="4428492"/>
           </a:xfrm>
           <a:prstGeom prst="rect">
             <a:avLst/>
@@ -7293,7 +10565,7 @@
             </a:lvl9pPr>
           </a:lstStyle>
           <a:p>
-            <a:pPr marL="0" indent="0">
+            <a:pPr marL="0" indent="0" algn="ctr">
               <a:buNone/>
             </a:pPr>
             <a:r>
@@ -7304,7 +10576,7 @@
                 <a:latin typeface="標楷體" pitchFamily="65" charset="-120"/>
                 <a:ea typeface="標楷體" pitchFamily="65" charset="-120"/>
               </a:rPr>
-              <a:t>天空</a:t>
+              <a:t>看顧</a:t>
             </a:r>
             <a:endParaRPr lang="en-US" altLang="zh-TW" sz="4400" b="1" dirty="0" smtClean="0">
               <a:solidFill>
@@ -7315,7 +10587,7 @@
             </a:endParaRPr>
           </a:p>
           <a:p>
-            <a:pPr marL="0" indent="0">
+            <a:pPr marL="0" indent="0" algn="ctr">
               <a:buNone/>
             </a:pPr>
             <a:r>
@@ -7324,7 +10596,7 @@
                   <a:schemeClr val="bg1"/>
                 </a:solidFill>
               </a:rPr>
-              <a:t>Tiān</a:t>
+              <a:t>kàn</a:t>
             </a:r>
             <a:r>
               <a:rPr lang="en-US" altLang="zh-TW" sz="2800" dirty="0" smtClean="0">
@@ -7340,7 +10612,7 @@
                   <a:schemeClr val="bg1"/>
                 </a:solidFill>
               </a:rPr>
-              <a:t>kōng</a:t>
+              <a:t>gù</a:t>
             </a:r>
             <a:endParaRPr lang="en-US" altLang="zh-TW" sz="2800" dirty="0" smtClean="0">
               <a:solidFill>
@@ -7349,7 +10621,7 @@
             </a:endParaRPr>
           </a:p>
           <a:p>
-            <a:pPr marL="0" indent="0">
+            <a:pPr marL="0" indent="0" algn="ctr">
               <a:buNone/>
             </a:pPr>
             <a:r>
@@ -7360,7 +10632,87 @@
                 <a:latin typeface="標楷體" pitchFamily="65" charset="-120"/>
                 <a:ea typeface="標楷體" pitchFamily="65" charset="-120"/>
               </a:rPr>
-              <a:t>落下</a:t>
+              <a:t>這一生</a:t>
+            </a:r>
+            <a:endParaRPr lang="en-US" altLang="zh-TW" sz="4400" b="1" dirty="0">
+              <a:solidFill>
+                <a:schemeClr val="bg1"/>
+              </a:solidFill>
+              <a:latin typeface="標楷體" pitchFamily="65" charset="-120"/>
+              <a:ea typeface="標楷體" pitchFamily="65" charset="-120"/>
+            </a:endParaRPr>
+          </a:p>
+          <a:p>
+            <a:pPr marL="0" indent="0" algn="ctr">
+              <a:buNone/>
+            </a:pPr>
+            <a:r>
+              <a:rPr lang="en-US" altLang="zh-TW" sz="2400" dirty="0" err="1" smtClean="0">
+                <a:solidFill>
+                  <a:schemeClr val="bg1"/>
+                </a:solidFill>
+              </a:rPr>
+              <a:t>zhè</a:t>
+            </a:r>
+            <a:r>
+              <a:rPr lang="en-US" altLang="zh-TW" sz="2400" dirty="0" smtClean="0">
+                <a:solidFill>
+                  <a:schemeClr val="bg1"/>
+                </a:solidFill>
+              </a:rPr>
+              <a:t> </a:t>
+            </a:r>
+            <a:r>
+              <a:rPr lang="en-US" altLang="zh-TW" sz="2400" dirty="0" err="1">
+                <a:solidFill>
+                  <a:schemeClr val="bg1"/>
+                </a:solidFill>
+              </a:rPr>
+              <a:t>yī</a:t>
+            </a:r>
+            <a:r>
+              <a:rPr lang="en-US" altLang="zh-TW" sz="2400" dirty="0">
+                <a:solidFill>
+                  <a:schemeClr val="bg1"/>
+                </a:solidFill>
+              </a:rPr>
+              <a:t> </a:t>
+            </a:r>
+            <a:r>
+              <a:rPr lang="en-US" altLang="zh-TW" sz="2400" dirty="0" err="1">
+                <a:solidFill>
+                  <a:schemeClr val="bg1"/>
+                </a:solidFill>
+              </a:rPr>
+              <a:t>shēng</a:t>
+            </a:r>
+            <a:r>
+              <a:rPr lang="en-US" altLang="zh-TW" sz="2400" dirty="0">
+                <a:solidFill>
+                  <a:schemeClr val="bg1"/>
+                </a:solidFill>
+              </a:rPr>
+              <a:t> </a:t>
+            </a:r>
+            <a:endParaRPr lang="en-US" altLang="zh-TW" sz="2400" dirty="0" smtClean="0">
+              <a:solidFill>
+                <a:schemeClr val="bg1"/>
+              </a:solidFill>
+            </a:endParaRPr>
+          </a:p>
+          <a:p>
+            <a:pPr marL="0" indent="0" algn="ctr">
+              <a:buNone/>
+            </a:pPr>
+            <a:r>
+              <a:rPr lang="zh-TW" altLang="en-US" sz="4400" b="1" dirty="0" smtClean="0">
+                <a:solidFill>
+                  <a:schemeClr val="bg1"/>
+                </a:solidFill>
+                <a:latin typeface="標楷體" pitchFamily="65" charset="-120"/>
+                <a:ea typeface="標楷體" pitchFamily="65" charset="-120"/>
+              </a:rPr>
+              <a:t>都</a:t>
             </a:r>
             <a:endParaRPr lang="en-US" altLang="zh-TW" sz="4400" b="1" dirty="0" smtClean="0">
               <a:solidFill>
@@ -7371,106 +10723,23 @@
             </a:endParaRPr>
           </a:p>
           <a:p>
-            <a:pPr marL="0" indent="0">
+            <a:pPr marL="0" indent="0" algn="ctr">
               <a:buNone/>
             </a:pPr>
             <a:r>
-              <a:rPr lang="en-US" altLang="zh-TW" dirty="0" err="1" smtClean="0">
-                <a:solidFill>
-                  <a:schemeClr val="bg1"/>
-                </a:solidFill>
-              </a:rPr>
-              <a:t>luò</a:t>
-            </a:r>
-            <a:r>
-              <a:rPr lang="en-US" altLang="zh-TW" dirty="0" smtClean="0">
-                <a:solidFill>
-                  <a:schemeClr val="bg1"/>
-                </a:solidFill>
-              </a:rPr>
-              <a:t> </a:t>
-            </a:r>
-            <a:r>
-              <a:rPr lang="en-US" altLang="zh-TW" dirty="0" err="1">
-                <a:solidFill>
-                  <a:schemeClr val="bg1"/>
-                </a:solidFill>
-              </a:rPr>
-              <a:t>xià</a:t>
-            </a:r>
-            <a:r>
-              <a:rPr lang="en-US" altLang="zh-TW" dirty="0">
-                <a:solidFill>
-                  <a:schemeClr val="bg1"/>
-                </a:solidFill>
-              </a:rPr>
-              <a:t> </a:t>
-            </a:r>
-            <a:endParaRPr lang="en-US" altLang="zh-TW" dirty="0" smtClean="0">
+              <a:rPr lang="en-US" altLang="zh-TW" sz="2800" dirty="0" err="1" smtClean="0">
+                <a:solidFill>
+                  <a:schemeClr val="bg1"/>
+                </a:solidFill>
+              </a:rPr>
+              <a:t>dōu</a:t>
+            </a:r>
+            <a:endParaRPr lang="en-US" altLang="zh-TW" sz="2800" dirty="0">
               <a:solidFill>
                 <a:schemeClr val="bg1"/>
               </a:solidFill>
             </a:endParaRPr>
           </a:p>
-          <a:p>
-            <a:pPr marL="0" indent="0">
-              <a:buNone/>
-            </a:pPr>
-            <a:r>
-              <a:rPr lang="zh-TW" altLang="en-US" sz="4400" b="1" dirty="0" smtClean="0">
-                <a:solidFill>
-                  <a:schemeClr val="bg1"/>
-                </a:solidFill>
-                <a:latin typeface="標楷體" pitchFamily="65" charset="-120"/>
-                <a:ea typeface="標楷體" pitchFamily="65" charset="-120"/>
-              </a:rPr>
-              <a:t>雨滴</a:t>
-            </a:r>
-            <a:endParaRPr lang="en-US" altLang="zh-TW" sz="4400" b="1" dirty="0" smtClean="0">
-              <a:solidFill>
-                <a:schemeClr val="bg1"/>
-              </a:solidFill>
-              <a:latin typeface="標楷體" pitchFamily="65" charset="-120"/>
-              <a:ea typeface="標楷體" pitchFamily="65" charset="-120"/>
-            </a:endParaRPr>
-          </a:p>
-          <a:p>
-            <a:pPr marL="0" indent="0">
-              <a:buNone/>
-            </a:pPr>
-            <a:r>
-              <a:rPr lang="en-US" altLang="zh-TW" sz="2800" dirty="0" err="1" smtClean="0">
-                <a:solidFill>
-                  <a:schemeClr val="bg1"/>
-                </a:solidFill>
-              </a:rPr>
-              <a:t>yǔ</a:t>
-            </a:r>
-            <a:r>
-              <a:rPr lang="en-US" altLang="zh-TW" sz="2800" dirty="0" smtClean="0">
-                <a:solidFill>
-                  <a:schemeClr val="bg1"/>
-                </a:solidFill>
-              </a:rPr>
-              <a:t> </a:t>
-            </a:r>
-            <a:r>
-              <a:rPr lang="en-US" altLang="zh-TW" sz="2800" dirty="0" err="1">
-                <a:solidFill>
-                  <a:schemeClr val="bg1"/>
-                </a:solidFill>
-              </a:rPr>
-              <a:t>dī</a:t>
-            </a:r>
-            <a:r>
-              <a:rPr lang="en-US" altLang="zh-TW" sz="2800" dirty="0">
-                <a:solidFill>
-                  <a:schemeClr val="bg1"/>
-                </a:solidFill>
-              </a:rPr>
-              <a:t> </a:t>
-            </a:r>
-          </a:p>
         </p:txBody>
       </p:sp>
       <p:sp>
@@ -7483,8 +10752,8 @@
         </p:nvSpPr>
         <p:spPr>
           <a:xfrm>
-            <a:off x="6228184" y="465516"/>
-            <a:ext cx="2304256" cy="4428492"/>
+            <a:off x="6429388" y="285734"/>
+            <a:ext cx="2088232" cy="4428492"/>
           </a:xfrm>
           <a:prstGeom prst="rect">
             <a:avLst/>
@@ -7636,14 +10905,24 @@
               <a:buNone/>
             </a:pPr>
             <a:r>
-              <a:rPr lang="zh-TW" altLang="en-US" sz="4400" b="1" dirty="0" smtClean="0">
+              <a:rPr lang="zh-TW" altLang="en-US" sz="4400" b="1" dirty="0">
                 <a:solidFill>
                   <a:schemeClr val="bg1"/>
                 </a:solidFill>
                 <a:latin typeface="標楷體" pitchFamily="65" charset="-120"/>
                 <a:ea typeface="標楷體" pitchFamily="65" charset="-120"/>
               </a:rPr>
-              <a:t>豐富</a:t>
+              <a:t>與</a:t>
+            </a:r>
+            <a:r>
+              <a:rPr lang="zh-TW" altLang="en-US" sz="4400" b="1" dirty="0" smtClean="0">
+                <a:solidFill>
+                  <a:schemeClr val="bg1"/>
+                </a:solidFill>
+                <a:latin typeface="標楷體" pitchFamily="65" charset="-120"/>
+                <a:ea typeface="標楷體" pitchFamily="65" charset="-120"/>
+              </a:rPr>
+              <a:t>你</a:t>
             </a:r>
             <a:endParaRPr lang="en-US" altLang="zh-TW" sz="4400" b="1" dirty="0" smtClean="0">
               <a:solidFill>
@@ -7658,12 +10937,28 @@
               <a:buNone/>
             </a:pPr>
             <a:r>
+              <a:rPr lang="en-US" altLang="zh-TW" sz="2800" dirty="0" err="1" smtClean="0">
+                <a:solidFill>
+                  <a:schemeClr val="bg1"/>
+                </a:solidFill>
+              </a:rPr>
+              <a:t>yǔ</a:t>
+            </a:r>
+            <a:r>
+              <a:rPr lang="en-US" altLang="zh-TW" sz="2800" dirty="0" smtClean="0">
+                <a:solidFill>
+                  <a:schemeClr val="bg1"/>
+                </a:solidFill>
+              </a:rPr>
+              <a:t> </a:t>
+            </a:r>
+            <a:r>
               <a:rPr lang="en-US" altLang="zh-TW" sz="2800" dirty="0" err="1">
                 <a:solidFill>
                   <a:schemeClr val="bg1"/>
                 </a:solidFill>
               </a:rPr>
-              <a:t>fēng</a:t>
+              <a:t>nǐ</a:t>
             </a:r>
             <a:r>
               <a:rPr lang="en-US" altLang="zh-TW" sz="2800" dirty="0">
@@ -7672,14 +10967,6 @@
                 </a:solidFill>
               </a:rPr>
               <a:t> </a:t>
-            </a:r>
-            <a:r>
-              <a:rPr lang="en-US" altLang="zh-TW" sz="2800" dirty="0" err="1" smtClean="0">
-                <a:solidFill>
-                  <a:schemeClr val="bg1"/>
-                </a:solidFill>
-              </a:rPr>
-              <a:t>fù</a:t>
             </a:r>
             <a:endParaRPr lang="en-US" altLang="zh-TW" sz="2800" dirty="0" smtClean="0">
               <a:solidFill>
@@ -7692,14 +10979,14 @@
               <a:buNone/>
             </a:pPr>
             <a:r>
-              <a:rPr lang="zh-TW" altLang="en-US" sz="4400" b="1" dirty="0" smtClean="0">
+              <a:rPr lang="zh-TW" altLang="en-US" sz="4400" b="1" dirty="0">
                 <a:solidFill>
                   <a:schemeClr val="bg1"/>
                 </a:solidFill>
                 <a:latin typeface="標楷體" pitchFamily="65" charset="-120"/>
                 <a:ea typeface="標楷體" pitchFamily="65" charset="-120"/>
               </a:rPr>
-              <a:t>缺</a:t>
+              <a:t>同行</a:t>
             </a:r>
             <a:endParaRPr lang="en-US" altLang="zh-TW" sz="4400" b="1" dirty="0">
               <a:solidFill>
@@ -7714,76 +11001,54 @@
               <a:buNone/>
             </a:pPr>
             <a:r>
-              <a:rPr lang="en-US" altLang="zh-TW" sz="2800" dirty="0" err="1">
-                <a:solidFill>
-                  <a:schemeClr val="bg1"/>
-                </a:solidFill>
-              </a:rPr>
-              <a:t>quē</a:t>
-            </a:r>
-            <a:endParaRPr lang="zh-TW" altLang="en-US" sz="2800" b="1" dirty="0">
+              <a:rPr lang="en-US" altLang="zh-TW" sz="2800" dirty="0" err="1" smtClean="0">
+                <a:solidFill>
+                  <a:schemeClr val="bg1"/>
+                </a:solidFill>
+              </a:rPr>
+              <a:t>tóng</a:t>
+            </a:r>
+            <a:r>
+              <a:rPr lang="en-US" altLang="zh-TW" sz="2800" dirty="0" smtClean="0">
+                <a:solidFill>
+                  <a:schemeClr val="bg1"/>
+                </a:solidFill>
+              </a:rPr>
+              <a:t> </a:t>
+            </a:r>
+            <a:r>
+              <a:rPr lang="en-US" altLang="zh-TW" sz="2800" dirty="0" err="1" smtClean="0">
+                <a:solidFill>
+                  <a:schemeClr val="bg1"/>
+                </a:solidFill>
+              </a:rPr>
+              <a:t>xíng</a:t>
+            </a:r>
+            <a:endParaRPr lang="zh-TW" altLang="en-US" sz="2800" dirty="0">
               <a:solidFill>
                 <a:schemeClr val="bg1"/>
               </a:solidFill>
-              <a:latin typeface="標楷體" pitchFamily="65" charset="-120"/>
-              <a:ea typeface="標楷體" pitchFamily="65" charset="-120"/>
             </a:endParaRPr>
-          </a:p>
-          <a:p>
-            <a:pPr marL="0" indent="0" algn="ctr">
-              <a:buNone/>
-            </a:pPr>
-            <a:r>
-              <a:rPr lang="zh-TW" altLang="en-US" sz="4400" b="1" dirty="0" smtClean="0">
-                <a:solidFill>
-                  <a:schemeClr val="bg1"/>
-                </a:solidFill>
-                <a:latin typeface="標楷體" pitchFamily="65" charset="-120"/>
-                <a:ea typeface="標楷體" pitchFamily="65" charset="-120"/>
-              </a:rPr>
-              <a:t>什麼</a:t>
-            </a:r>
-            <a:endParaRPr lang="en-US" altLang="zh-TW" sz="4400" b="1" dirty="0" smtClean="0">
-              <a:solidFill>
-                <a:schemeClr val="bg1"/>
-              </a:solidFill>
-              <a:latin typeface="標楷體" pitchFamily="65" charset="-120"/>
-              <a:ea typeface="標楷體" pitchFamily="65" charset="-120"/>
-            </a:endParaRPr>
-          </a:p>
-          <a:p>
-            <a:pPr marL="0" indent="0" algn="ctr">
-              <a:buNone/>
-            </a:pPr>
-            <a:r>
-              <a:rPr lang="en-US" altLang="zh-TW" sz="2800" dirty="0" err="1">
-                <a:solidFill>
-                  <a:schemeClr val="bg1"/>
-                </a:solidFill>
-              </a:rPr>
-              <a:t>shén</a:t>
-            </a:r>
-            <a:r>
-              <a:rPr lang="en-US" altLang="zh-TW" sz="2800" dirty="0">
-                <a:solidFill>
-                  <a:schemeClr val="bg1"/>
-                </a:solidFill>
-              </a:rPr>
-              <a:t> me</a:t>
-            </a:r>
           </a:p>
         </p:txBody>
       </p:sp>
     </p:spTree>
     <p:extLst>
       <p:ext uri="{BB962C8B-B14F-4D97-AF65-F5344CB8AC3E}">
-        <p14:creationId xmlns:p14="http://schemas.microsoft.com/office/powerpoint/2010/main" xmlns="" val="2192535149"/>
+        <p14:creationId xmlns="" xmlns:p14="http://schemas.microsoft.com/office/powerpoint/2010/main" val="2935968495"/>
       </p:ext>
     </p:extLst>
   </p:cSld>
   <p:clrMapOvr>
     <a:masterClrMapping/>
   </p:clrMapOvr>
+  <p:timing>
+    <p:tnLst>
+      <p:par>
+        <p:cTn id="1" dur="indefinite" restart="never" nodeType="tmRoot"/>
+      </p:par>
+    </p:tnLst>
+  </p:timing>
 </p:sld>
 </file>
 
@@ -7806,7 +11071,7 @@
       </p:grpSpPr>
       <p:pic>
         <p:nvPicPr>
-          <p:cNvPr id="4" name="Picture 2" descr="ç¸éåç"/>
+          <p:cNvPr id="4" name="Picture 6" descr="ãeducational ppt backgroundãçåçæå°çµæ"/>
           <p:cNvPicPr>
             <a:picLocks noChangeAspect="1" noChangeArrowheads="1"/>
           </p:cNvPicPr>
@@ -7816,7 +11081,7 @@
           <a:blip r:embed="rId2">
             <a:extLst>
               <a:ext uri="{28A0092B-C50C-407E-A947-70E740481C1C}">
-                <a14:useLocalDpi xmlns:a14="http://schemas.microsoft.com/office/drawing/2010/main" xmlns="" val="0"/>
+                <a14:useLocalDpi xmlns="" xmlns:a14="http://schemas.microsoft.com/office/drawing/2010/main" val="0"/>
               </a:ext>
             </a:extLst>
           </a:blip>
@@ -7827,7 +11092,7 @@
         </p:blipFill>
         <p:spPr bwMode="auto">
           <a:xfrm>
-            <a:off x="0" y="-4260"/>
+            <a:off x="0" y="0"/>
             <a:ext cx="9144000" cy="5143500"/>
           </a:xfrm>
           <a:prstGeom prst="rect">
@@ -7836,7 +11101,7 @@
           <a:noFill/>
           <a:extLst>
             <a:ext uri="{909E8E84-426E-40DD-AFC4-6F175D3DCCD1}">
-              <a14:hiddenFill xmlns:a14="http://schemas.microsoft.com/office/drawing/2010/main" xmlns="">
+              <a14:hiddenFill xmlns="" xmlns:a14="http://schemas.microsoft.com/office/drawing/2010/main">
                 <a:solidFill>
                   <a:srgbClr val="FFFFFF"/>
                 </a:solidFill>
@@ -7857,8 +11122,8 @@
         </p:nvSpPr>
         <p:spPr>
           <a:xfrm>
-            <a:off x="323528" y="357504"/>
-            <a:ext cx="8568952" cy="4536504"/>
+            <a:off x="357158" y="285734"/>
+            <a:ext cx="2108920" cy="4428492"/>
           </a:xfrm>
         </p:spPr>
         <p:txBody>
@@ -7871,38 +11136,18 @@
               <a:buNone/>
             </a:pPr>
             <a:r>
-              <a:rPr lang="zh-TW" altLang="en-US" sz="4800" b="1" dirty="0" smtClean="0">
-                <a:solidFill>
-                  <a:srgbClr val="0070C0"/>
+              <a:rPr lang="zh-TW" altLang="en-US" sz="4400" b="1" dirty="0" smtClean="0">
+                <a:solidFill>
+                  <a:schemeClr val="bg1"/>
                 </a:solidFill>
                 <a:latin typeface="標楷體" pitchFamily="65" charset="-120"/>
                 <a:ea typeface="標楷體" pitchFamily="65" charset="-120"/>
               </a:rPr>
-              <a:t>好</a:t>
-            </a:r>
-            <a:r>
-              <a:rPr lang="zh-TW" altLang="en-US" sz="4800" b="1" dirty="0">
-                <a:solidFill>
-                  <a:srgbClr val="0070C0"/>
-                </a:solidFill>
-                <a:latin typeface="標楷體" pitchFamily="65" charset="-120"/>
-                <a:ea typeface="標楷體" pitchFamily="65" charset="-120"/>
-              </a:rPr>
-              <a:t>溫暖的太陽</a:t>
-            </a:r>
-            <a:r>
-              <a:rPr lang="zh-TW" altLang="en-US" sz="4800" b="1" dirty="0" smtClean="0">
-                <a:solidFill>
-                  <a:srgbClr val="0070C0"/>
-                </a:solidFill>
-                <a:latin typeface="標楷體" pitchFamily="65" charset="-120"/>
-                <a:ea typeface="標楷體" pitchFamily="65" charset="-120"/>
-              </a:rPr>
-              <a:t>升起</a:t>
-            </a:r>
-            <a:endParaRPr lang="en-US" altLang="zh-TW" sz="4800" b="1" dirty="0" smtClean="0">
+              <a:t>感謝</a:t>
+            </a:r>
+            <a:endParaRPr lang="en-US" altLang="zh-TW" sz="4400" b="1" dirty="0" smtClean="0">
               <a:solidFill>
-                <a:srgbClr val="0070C0"/>
+                <a:schemeClr val="bg1"/>
               </a:solidFill>
               <a:latin typeface="標楷體" pitchFamily="65" charset="-120"/>
               <a:ea typeface="標楷體" pitchFamily="65" charset="-120"/>
@@ -7913,64 +11158,40 @@
               <a:buNone/>
             </a:pPr>
             <a:r>
-              <a:rPr lang="en-US" altLang="zh-TW" sz="3600" dirty="0" err="1"/>
-              <a:t>hǎo</a:t>
-            </a:r>
-            <a:r>
-              <a:rPr lang="en-US" altLang="zh-TW" sz="3600" dirty="0"/>
-              <a:t> </a:t>
-            </a:r>
-            <a:r>
-              <a:rPr lang="en-US" altLang="zh-TW" sz="3600" dirty="0" err="1" smtClean="0"/>
-              <a:t>wēn</a:t>
-            </a:r>
-            <a:r>
-              <a:rPr lang="en-US" altLang="zh-TW" sz="3600" dirty="0" smtClean="0"/>
-              <a:t> </a:t>
-            </a:r>
-            <a:r>
-              <a:rPr lang="en-US" altLang="zh-TW" sz="3600" dirty="0" err="1" smtClean="0"/>
-              <a:t>nuǎn</a:t>
-            </a:r>
-            <a:r>
-              <a:rPr lang="en-US" altLang="zh-TW" sz="3600" dirty="0" smtClean="0"/>
-              <a:t> </a:t>
-            </a:r>
-            <a:r>
-              <a:rPr lang="en-US" altLang="zh-TW" sz="3600" dirty="0"/>
-              <a:t>de </a:t>
-            </a:r>
-            <a:r>
-              <a:rPr lang="en-US" altLang="zh-TW" sz="3600" dirty="0" err="1" smtClean="0"/>
-              <a:t>tài</a:t>
-            </a:r>
-            <a:r>
-              <a:rPr lang="en-US" altLang="zh-TW" sz="3600" dirty="0" smtClean="0"/>
-              <a:t> </a:t>
-            </a:r>
-            <a:r>
-              <a:rPr lang="en-US" altLang="zh-TW" sz="3600" dirty="0" err="1" smtClean="0"/>
-              <a:t>yáng</a:t>
-            </a:r>
-            <a:r>
-              <a:rPr lang="en-US" altLang="zh-TW" sz="3600" dirty="0" smtClean="0"/>
-              <a:t> </a:t>
-            </a:r>
-            <a:r>
-              <a:rPr lang="en-US" altLang="zh-TW" sz="3600" dirty="0" err="1"/>
-              <a:t>shēng</a:t>
-            </a:r>
-            <a:r>
-              <a:rPr lang="en-US" altLang="zh-TW" sz="3600" dirty="0"/>
-              <a:t> </a:t>
-            </a:r>
-            <a:r>
-              <a:rPr lang="en-US" altLang="zh-TW" sz="3600" dirty="0" err="1" smtClean="0"/>
-              <a:t>qǐ</a:t>
-            </a:r>
-            <a:endParaRPr lang="en-US" altLang="zh-TW" sz="3600" b="1" dirty="0" smtClean="0">
+              <a:rPr lang="en-US" altLang="zh-TW" sz="2800" dirty="0" err="1" smtClean="0">
+                <a:solidFill>
+                  <a:schemeClr val="bg1"/>
+                </a:solidFill>
+              </a:rPr>
+              <a:t>Gǎn</a:t>
+            </a:r>
+            <a:r>
+              <a:rPr lang="en-US" altLang="zh-TW" sz="2800" dirty="0" smtClean="0">
+                <a:solidFill>
+                  <a:schemeClr val="bg1"/>
+                </a:solidFill>
+              </a:rPr>
+              <a:t> </a:t>
+            </a:r>
+            <a:r>
+              <a:rPr lang="en-US" altLang="zh-TW" sz="2800" dirty="0" err="1">
+                <a:solidFill>
+                  <a:schemeClr val="bg1"/>
+                </a:solidFill>
+              </a:rPr>
+              <a:t>xiè</a:t>
+            </a:r>
+            <a:r>
+              <a:rPr lang="en-US" altLang="zh-TW" sz="2800" dirty="0">
+                <a:solidFill>
+                  <a:schemeClr val="bg1"/>
+                </a:solidFill>
+              </a:rPr>
+              <a:t> </a:t>
+            </a:r>
+            <a:endParaRPr lang="en-US" altLang="zh-TW" sz="2800" b="1" dirty="0" smtClean="0">
               <a:solidFill>
-                <a:srgbClr val="0070C0"/>
+                <a:schemeClr val="bg1"/>
               </a:solidFill>
               <a:latin typeface="標楷體" pitchFamily="65" charset="-120"/>
               <a:ea typeface="標楷體" pitchFamily="65" charset="-120"/>
@@ -7981,38 +11202,28 @@
               <a:buNone/>
             </a:pPr>
             <a:r>
-              <a:rPr lang="zh-TW" altLang="en-US" sz="4800" b="1" dirty="0" smtClean="0">
-                <a:solidFill>
-                  <a:srgbClr val="0070C0"/>
+              <a:rPr lang="zh-TW" altLang="en-US" sz="4400" b="1" dirty="0">
+                <a:solidFill>
+                  <a:schemeClr val="bg1"/>
                 </a:solidFill>
                 <a:latin typeface="標楷體" pitchFamily="65" charset="-120"/>
                 <a:ea typeface="標楷體" pitchFamily="65" charset="-120"/>
               </a:rPr>
-              <a:t>天空</a:t>
-            </a:r>
-            <a:r>
-              <a:rPr lang="zh-TW" altLang="en-US" sz="4800" b="1" dirty="0">
-                <a:solidFill>
-                  <a:srgbClr val="0070C0"/>
+              <a:t>賜</a:t>
+            </a:r>
+            <a:r>
+              <a:rPr lang="zh-TW" altLang="en-US" sz="4400" b="1" dirty="0" smtClean="0">
+                <a:solidFill>
+                  <a:schemeClr val="bg1"/>
                 </a:solidFill>
                 <a:latin typeface="標楷體" pitchFamily="65" charset="-120"/>
                 <a:ea typeface="標楷體" pitchFamily="65" charset="-120"/>
               </a:rPr>
-              <a:t>落下的小小</a:t>
-            </a:r>
-            <a:r>
-              <a:rPr lang="zh-TW" altLang="en-US" sz="4800" b="1" dirty="0" smtClean="0">
-                <a:solidFill>
-                  <a:srgbClr val="0070C0"/>
-                </a:solidFill>
-                <a:latin typeface="標楷體" pitchFamily="65" charset="-120"/>
-                <a:ea typeface="標楷體" pitchFamily="65" charset="-120"/>
-              </a:rPr>
-              <a:t>雨滴</a:t>
-            </a:r>
-            <a:endParaRPr lang="en-US" altLang="zh-TW" sz="4800" b="1" dirty="0" smtClean="0">
+              <a:t>給</a:t>
+            </a:r>
+            <a:endParaRPr lang="en-US" altLang="zh-TW" sz="4400" b="1" dirty="0" smtClean="0">
               <a:solidFill>
-                <a:srgbClr val="0070C0"/>
+                <a:schemeClr val="bg1"/>
               </a:solidFill>
               <a:latin typeface="標楷體" pitchFamily="65" charset="-120"/>
               <a:ea typeface="標楷體" pitchFamily="65" charset="-120"/>
@@ -8023,111 +11234,277 @@
               <a:buNone/>
             </a:pPr>
             <a:r>
-              <a:rPr lang="en-US" altLang="zh-TW" sz="3600" dirty="0" err="1" smtClean="0"/>
-              <a:t>Tiān</a:t>
-            </a:r>
-            <a:r>
-              <a:rPr lang="en-US" altLang="zh-TW" sz="3600" dirty="0" smtClean="0"/>
-              <a:t> </a:t>
-            </a:r>
-            <a:r>
-              <a:rPr lang="en-US" altLang="zh-TW" sz="3600" dirty="0" err="1" smtClean="0"/>
-              <a:t>kōng</a:t>
-            </a:r>
-            <a:r>
-              <a:rPr lang="en-US" altLang="zh-TW" sz="3600" dirty="0" smtClean="0"/>
-              <a:t> </a:t>
-            </a:r>
-            <a:r>
-              <a:rPr lang="en-US" altLang="zh-TW" sz="3600" dirty="0" err="1" smtClean="0"/>
-              <a:t>luò</a:t>
-            </a:r>
-            <a:r>
-              <a:rPr lang="en-US" altLang="zh-TW" sz="3600" dirty="0" smtClean="0"/>
-              <a:t> </a:t>
-            </a:r>
-            <a:r>
-              <a:rPr lang="en-US" altLang="zh-TW" sz="3600" dirty="0" err="1" smtClean="0"/>
-              <a:t>xià</a:t>
-            </a:r>
-            <a:r>
-              <a:rPr lang="en-US" altLang="zh-TW" sz="3600" dirty="0" smtClean="0"/>
-              <a:t> </a:t>
-            </a:r>
-            <a:r>
-              <a:rPr lang="en-US" altLang="zh-TW" sz="3600" dirty="0"/>
-              <a:t>de </a:t>
-            </a:r>
-            <a:r>
-              <a:rPr lang="en-US" altLang="zh-TW" sz="3600" dirty="0" err="1"/>
-              <a:t>xiǎo</a:t>
-            </a:r>
-            <a:r>
-              <a:rPr lang="en-US" altLang="zh-TW" sz="3600" dirty="0"/>
-              <a:t> </a:t>
-            </a:r>
-            <a:r>
-              <a:rPr lang="en-US" altLang="zh-TW" sz="3600" dirty="0" err="1"/>
-              <a:t>xiǎo</a:t>
-            </a:r>
-            <a:r>
-              <a:rPr lang="en-US" altLang="zh-TW" sz="3600" dirty="0"/>
-              <a:t> </a:t>
-            </a:r>
-            <a:r>
-              <a:rPr lang="en-US" altLang="zh-TW" sz="3600" dirty="0" err="1" smtClean="0"/>
-              <a:t>yǔ</a:t>
-            </a:r>
-            <a:r>
-              <a:rPr lang="en-US" altLang="zh-TW" sz="3600" dirty="0" smtClean="0"/>
-              <a:t> </a:t>
-            </a:r>
-            <a:r>
-              <a:rPr lang="en-US" altLang="zh-TW" sz="3600" dirty="0" err="1" smtClean="0"/>
-              <a:t>dī</a:t>
-            </a:r>
-            <a:r>
-              <a:rPr lang="en-US" altLang="zh-TW" sz="3600" dirty="0" smtClean="0"/>
-              <a:t> </a:t>
-            </a:r>
+              <a:rPr lang="en-US" altLang="zh-TW" dirty="0" err="1">
+                <a:solidFill>
+                  <a:schemeClr val="bg1"/>
+                </a:solidFill>
+              </a:rPr>
+              <a:t>cì</a:t>
+            </a:r>
+            <a:r>
+              <a:rPr lang="en-US" altLang="zh-TW" dirty="0">
+                <a:solidFill>
+                  <a:schemeClr val="bg1"/>
+                </a:solidFill>
+              </a:rPr>
+              <a:t> </a:t>
+            </a:r>
+            <a:r>
+              <a:rPr lang="en-US" altLang="zh-TW" dirty="0" err="1">
+                <a:solidFill>
+                  <a:schemeClr val="bg1"/>
+                </a:solidFill>
+              </a:rPr>
+              <a:t>gěi</a:t>
+            </a:r>
+            <a:r>
+              <a:rPr lang="en-US" altLang="zh-TW" dirty="0" smtClean="0">
+                <a:solidFill>
+                  <a:schemeClr val="bg1"/>
+                </a:solidFill>
+              </a:rPr>
+              <a:t> </a:t>
+            </a:r>
+            <a:endParaRPr lang="en-US" altLang="zh-TW" dirty="0">
+              <a:solidFill>
+                <a:schemeClr val="bg1"/>
+              </a:solidFill>
+            </a:endParaRPr>
           </a:p>
           <a:p>
             <a:pPr marL="0" indent="0" algn="ctr">
               <a:buNone/>
             </a:pPr>
             <a:r>
-              <a:rPr lang="zh-TW" altLang="en-US" sz="4800" b="1" dirty="0" smtClean="0">
-                <a:solidFill>
-                  <a:srgbClr val="0070C0"/>
+              <a:rPr lang="zh-TW" altLang="en-US" sz="4400" b="1" dirty="0">
+                <a:solidFill>
+                  <a:schemeClr val="bg1"/>
                 </a:solidFill>
                 <a:latin typeface="標楷體" pitchFamily="65" charset="-120"/>
                 <a:ea typeface="標楷體" pitchFamily="65" charset="-120"/>
               </a:rPr>
-              <a:t>豐</a:t>
-            </a:r>
-            <a:r>
-              <a:rPr lang="zh-TW" altLang="en-US" sz="4800" b="1" dirty="0">
-                <a:solidFill>
-                  <a:srgbClr val="0070C0"/>
+              <a:t>衣服</a:t>
+            </a:r>
+          </a:p>
+          <a:p>
+            <a:pPr marL="0" indent="0" algn="ctr">
+              <a:buNone/>
+            </a:pPr>
+            <a:r>
+              <a:rPr lang="en-US" altLang="zh-TW" dirty="0" smtClean="0">
+                <a:solidFill>
+                  <a:schemeClr val="bg1"/>
+                </a:solidFill>
+              </a:rPr>
+              <a:t> </a:t>
+            </a:r>
+            <a:r>
+              <a:rPr lang="en-US" altLang="zh-TW" dirty="0" err="1">
+                <a:solidFill>
+                  <a:schemeClr val="bg1"/>
+                </a:solidFill>
+              </a:rPr>
+              <a:t>yī</a:t>
+            </a:r>
+            <a:r>
+              <a:rPr lang="en-US" altLang="zh-TW" dirty="0">
+                <a:solidFill>
+                  <a:schemeClr val="bg1"/>
+                </a:solidFill>
+              </a:rPr>
+              <a:t> </a:t>
+            </a:r>
+            <a:r>
+              <a:rPr lang="en-US" altLang="zh-TW" dirty="0" err="1">
+                <a:solidFill>
+                  <a:schemeClr val="bg1"/>
+                </a:solidFill>
+              </a:rPr>
+              <a:t>fú</a:t>
+            </a:r>
+            <a:endParaRPr lang="zh-TW" altLang="en-US" dirty="0">
+              <a:solidFill>
+                <a:schemeClr val="bg1"/>
+              </a:solidFill>
+            </a:endParaRPr>
+          </a:p>
+        </p:txBody>
+      </p:sp>
+      <p:sp>
+        <p:nvSpPr>
+          <p:cNvPr id="5" name="內容版面配置區 2"/>
+          <p:cNvSpPr txBox="1">
+            <a:spLocks/>
+          </p:cNvSpPr>
+          <p:nvPr/>
+        </p:nvSpPr>
+        <p:spPr>
+          <a:xfrm>
+            <a:off x="2928926" y="285734"/>
+            <a:ext cx="2108920" cy="4428492"/>
+          </a:xfrm>
+          <a:prstGeom prst="rect">
+            <a:avLst/>
+          </a:prstGeom>
+        </p:spPr>
+        <p:txBody>
+          <a:bodyPr vert="horz" lIns="91440" tIns="45720" rIns="91440" bIns="45720" rtlCol="0">
+            <a:noAutofit/>
+          </a:bodyPr>
+          <a:lstStyle>
+            <a:lvl1pPr marL="342900" indent="-342900" algn="l" defTabSz="914400" rtl="0" eaLnBrk="1" latinLnBrk="0" hangingPunct="1">
+              <a:spcBef>
+                <a:spcPct val="20000"/>
+              </a:spcBef>
+              <a:buFont typeface="Arial" pitchFamily="34" charset="0"/>
+              <a:buChar char="•"/>
+              <a:defRPr sz="3200" kern="1200">
+                <a:solidFill>
+                  <a:schemeClr val="tx1"/>
+                </a:solidFill>
+                <a:latin typeface="+mn-lt"/>
+                <a:ea typeface="+mn-ea"/>
+                <a:cs typeface="+mn-cs"/>
+              </a:defRPr>
+            </a:lvl1pPr>
+            <a:lvl2pPr marL="742950" indent="-285750" algn="l" defTabSz="914400" rtl="0" eaLnBrk="1" latinLnBrk="0" hangingPunct="1">
+              <a:spcBef>
+                <a:spcPct val="20000"/>
+              </a:spcBef>
+              <a:buFont typeface="Arial" pitchFamily="34" charset="0"/>
+              <a:buChar char="–"/>
+              <a:defRPr sz="2800" kern="1200">
+                <a:solidFill>
+                  <a:schemeClr val="tx1"/>
+                </a:solidFill>
+                <a:latin typeface="+mn-lt"/>
+                <a:ea typeface="+mn-ea"/>
+                <a:cs typeface="+mn-cs"/>
+              </a:defRPr>
+            </a:lvl2pPr>
+            <a:lvl3pPr marL="1143000" indent="-228600" algn="l" defTabSz="914400" rtl="0" eaLnBrk="1" latinLnBrk="0" hangingPunct="1">
+              <a:spcBef>
+                <a:spcPct val="20000"/>
+              </a:spcBef>
+              <a:buFont typeface="Arial" pitchFamily="34" charset="0"/>
+              <a:buChar char="•"/>
+              <a:defRPr sz="2400" kern="1200">
+                <a:solidFill>
+                  <a:schemeClr val="tx1"/>
+                </a:solidFill>
+                <a:latin typeface="+mn-lt"/>
+                <a:ea typeface="+mn-ea"/>
+                <a:cs typeface="+mn-cs"/>
+              </a:defRPr>
+            </a:lvl3pPr>
+            <a:lvl4pPr marL="1600200" indent="-228600" algn="l" defTabSz="914400" rtl="0" eaLnBrk="1" latinLnBrk="0" hangingPunct="1">
+              <a:spcBef>
+                <a:spcPct val="20000"/>
+              </a:spcBef>
+              <a:buFont typeface="Arial" pitchFamily="34" charset="0"/>
+              <a:buChar char="–"/>
+              <a:defRPr sz="2000" kern="1200">
+                <a:solidFill>
+                  <a:schemeClr val="tx1"/>
+                </a:solidFill>
+                <a:latin typeface="+mn-lt"/>
+                <a:ea typeface="+mn-ea"/>
+                <a:cs typeface="+mn-cs"/>
+              </a:defRPr>
+            </a:lvl4pPr>
+            <a:lvl5pPr marL="2057400" indent="-228600" algn="l" defTabSz="914400" rtl="0" eaLnBrk="1" latinLnBrk="0" hangingPunct="1">
+              <a:spcBef>
+                <a:spcPct val="20000"/>
+              </a:spcBef>
+              <a:buFont typeface="Arial" pitchFamily="34" charset="0"/>
+              <a:buChar char="»"/>
+              <a:defRPr sz="2000" kern="1200">
+                <a:solidFill>
+                  <a:schemeClr val="tx1"/>
+                </a:solidFill>
+                <a:latin typeface="+mn-lt"/>
+                <a:ea typeface="+mn-ea"/>
+                <a:cs typeface="+mn-cs"/>
+              </a:defRPr>
+            </a:lvl5pPr>
+            <a:lvl6pPr marL="2514600" indent="-228600" algn="l" defTabSz="914400" rtl="0" eaLnBrk="1" latinLnBrk="0" hangingPunct="1">
+              <a:spcBef>
+                <a:spcPct val="20000"/>
+              </a:spcBef>
+              <a:buFont typeface="Arial" pitchFamily="34" charset="0"/>
+              <a:buChar char="•"/>
+              <a:defRPr sz="2000" kern="1200">
+                <a:solidFill>
+                  <a:schemeClr val="tx1"/>
+                </a:solidFill>
+                <a:latin typeface="+mn-lt"/>
+                <a:ea typeface="+mn-ea"/>
+                <a:cs typeface="+mn-cs"/>
+              </a:defRPr>
+            </a:lvl6pPr>
+            <a:lvl7pPr marL="2971800" indent="-228600" algn="l" defTabSz="914400" rtl="0" eaLnBrk="1" latinLnBrk="0" hangingPunct="1">
+              <a:spcBef>
+                <a:spcPct val="20000"/>
+              </a:spcBef>
+              <a:buFont typeface="Arial" pitchFamily="34" charset="0"/>
+              <a:buChar char="•"/>
+              <a:defRPr sz="2000" kern="1200">
+                <a:solidFill>
+                  <a:schemeClr val="tx1"/>
+                </a:solidFill>
+                <a:latin typeface="+mn-lt"/>
+                <a:ea typeface="+mn-ea"/>
+                <a:cs typeface="+mn-cs"/>
+              </a:defRPr>
+            </a:lvl7pPr>
+            <a:lvl8pPr marL="3429000" indent="-228600" algn="l" defTabSz="914400" rtl="0" eaLnBrk="1" latinLnBrk="0" hangingPunct="1">
+              <a:spcBef>
+                <a:spcPct val="20000"/>
+              </a:spcBef>
+              <a:buFont typeface="Arial" pitchFamily="34" charset="0"/>
+              <a:buChar char="•"/>
+              <a:defRPr sz="2000" kern="1200">
+                <a:solidFill>
+                  <a:schemeClr val="tx1"/>
+                </a:solidFill>
+                <a:latin typeface="+mn-lt"/>
+                <a:ea typeface="+mn-ea"/>
+                <a:cs typeface="+mn-cs"/>
+              </a:defRPr>
+            </a:lvl8pPr>
+            <a:lvl9pPr marL="3886200" indent="-228600" algn="l" defTabSz="914400" rtl="0" eaLnBrk="1" latinLnBrk="0" hangingPunct="1">
+              <a:spcBef>
+                <a:spcPct val="20000"/>
+              </a:spcBef>
+              <a:buFont typeface="Arial" pitchFamily="34" charset="0"/>
+              <a:buChar char="•"/>
+              <a:defRPr sz="2000" kern="1200">
+                <a:solidFill>
+                  <a:schemeClr val="tx1"/>
+                </a:solidFill>
+                <a:latin typeface="+mn-lt"/>
+                <a:ea typeface="+mn-ea"/>
+                <a:cs typeface="+mn-cs"/>
+              </a:defRPr>
+            </a:lvl9pPr>
+          </a:lstStyle>
+          <a:p>
+            <a:pPr marL="0" indent="0" algn="ctr">
+              <a:buNone/>
+            </a:pPr>
+            <a:r>
+              <a:rPr lang="zh-TW" altLang="en-US" sz="4400" b="1" dirty="0" smtClean="0">
+                <a:solidFill>
+                  <a:schemeClr val="bg1"/>
                 </a:solidFill>
                 <a:latin typeface="標楷體" pitchFamily="65" charset="-120"/>
                 <a:ea typeface="標楷體" pitchFamily="65" charset="-120"/>
               </a:rPr>
-              <a:t>豐富富什麼都不</a:t>
-            </a:r>
-            <a:r>
-              <a:rPr lang="zh-TW" altLang="en-US" sz="4800" b="1" dirty="0" smtClean="0">
-                <a:solidFill>
-                  <a:srgbClr val="0070C0"/>
-                </a:solidFill>
-                <a:latin typeface="標楷體" pitchFamily="65" charset="-120"/>
-                <a:ea typeface="標楷體" pitchFamily="65" charset="-120"/>
-              </a:rPr>
-              <a:t>缺</a:t>
-            </a:r>
-            <a:endParaRPr lang="en-US" altLang="zh-TW" sz="4800" b="1" dirty="0" smtClean="0">
+              <a:t>桌</a:t>
+            </a:r>
+            <a:endParaRPr lang="en-US" altLang="zh-TW" sz="4400" b="1" dirty="0" smtClean="0">
               <a:solidFill>
-                <a:srgbClr val="0070C0"/>
+                <a:schemeClr val="bg1"/>
               </a:solidFill>
               <a:latin typeface="標楷體" pitchFamily="65" charset="-120"/>
               <a:ea typeface="標楷體" pitchFamily="65" charset="-120"/>
@@ -8138,79 +11515,576 @@
               <a:buNone/>
             </a:pPr>
             <a:r>
-              <a:rPr lang="en-US" altLang="zh-TW" sz="3600" dirty="0" err="1"/>
-              <a:t>fēng</a:t>
-            </a:r>
-            <a:r>
-              <a:rPr lang="en-US" altLang="zh-TW" sz="3600" dirty="0"/>
-              <a:t> </a:t>
-            </a:r>
-            <a:r>
-              <a:rPr lang="en-US" altLang="zh-TW" sz="3600" dirty="0" err="1" smtClean="0"/>
-              <a:t>fēng</a:t>
-            </a:r>
-            <a:r>
-              <a:rPr lang="en-US" altLang="zh-TW" sz="3600" dirty="0" smtClean="0"/>
-              <a:t> </a:t>
-            </a:r>
-            <a:r>
-              <a:rPr lang="en-US" altLang="zh-TW" sz="3600" dirty="0" err="1" smtClean="0"/>
-              <a:t>fù</a:t>
-            </a:r>
-            <a:r>
-              <a:rPr lang="en-US" altLang="zh-TW" sz="3600" dirty="0" smtClean="0"/>
-              <a:t> </a:t>
-            </a:r>
-            <a:r>
-              <a:rPr lang="en-US" altLang="zh-TW" sz="3600" dirty="0" err="1"/>
-              <a:t>fù</a:t>
-            </a:r>
-            <a:r>
-              <a:rPr lang="en-US" altLang="zh-TW" sz="3600" dirty="0"/>
-              <a:t> </a:t>
-            </a:r>
-            <a:r>
-              <a:rPr lang="en-US" altLang="zh-TW" sz="3600" dirty="0" err="1" smtClean="0"/>
-              <a:t>shén</a:t>
-            </a:r>
-            <a:r>
-              <a:rPr lang="en-US" altLang="zh-TW" sz="3600" dirty="0" smtClean="0"/>
-              <a:t> me </a:t>
-            </a:r>
-            <a:r>
-              <a:rPr lang="en-US" altLang="zh-TW" sz="3600" dirty="0" err="1"/>
-              <a:t>dōu</a:t>
-            </a:r>
-            <a:r>
-              <a:rPr lang="en-US" altLang="zh-TW" sz="3600" dirty="0"/>
-              <a:t> </a:t>
-            </a:r>
-            <a:r>
-              <a:rPr lang="en-US" altLang="zh-TW" sz="3600" dirty="0" err="1"/>
-              <a:t>bù</a:t>
-            </a:r>
-            <a:r>
-              <a:rPr lang="en-US" altLang="zh-TW" sz="3600" dirty="0"/>
-              <a:t> </a:t>
-            </a:r>
-            <a:r>
-              <a:rPr lang="en-US" altLang="zh-TW" sz="3600" dirty="0" err="1" smtClean="0"/>
-              <a:t>quē</a:t>
-            </a:r>
-            <a:endParaRPr lang="zh-TW" altLang="en-US" sz="3600" b="1" dirty="0">
+              <a:rPr lang="en-US" altLang="zh-TW" sz="2800" dirty="0" err="1" smtClean="0">
+                <a:solidFill>
+                  <a:schemeClr val="bg1"/>
+                </a:solidFill>
+              </a:rPr>
+              <a:t>Zhuō</a:t>
+            </a:r>
+            <a:endParaRPr lang="en-US" altLang="zh-TW" sz="2800" dirty="0" smtClean="0">
               <a:solidFill>
-                <a:srgbClr val="0070C0"/>
+                <a:schemeClr val="bg1"/>
+              </a:solidFill>
+            </a:endParaRPr>
+          </a:p>
+          <a:p>
+            <a:pPr marL="0" indent="0" algn="ctr">
+              <a:buNone/>
+            </a:pPr>
+            <a:r>
+              <a:rPr lang="zh-TW" altLang="en-US" sz="4400" b="1" dirty="0" smtClean="0">
+                <a:solidFill>
+                  <a:schemeClr val="bg1"/>
+                </a:solidFill>
+                <a:latin typeface="標楷體" pitchFamily="65" charset="-120"/>
+                <a:ea typeface="標楷體" pitchFamily="65" charset="-120"/>
+              </a:rPr>
+              <a:t>還有</a:t>
+            </a:r>
+            <a:endParaRPr lang="en-US" altLang="zh-TW" sz="4400" b="1" dirty="0" smtClean="0">
+              <a:solidFill>
+                <a:schemeClr val="bg1"/>
               </a:solidFill>
               <a:latin typeface="標楷體" pitchFamily="65" charset="-120"/>
               <a:ea typeface="標楷體" pitchFamily="65" charset="-120"/>
             </a:endParaRPr>
           </a:p>
+          <a:p>
+            <a:pPr marL="0" indent="0" algn="ctr">
+              <a:buNone/>
+            </a:pPr>
+            <a:r>
+              <a:rPr lang="en-US" altLang="zh-TW" dirty="0" err="1" smtClean="0">
+                <a:solidFill>
+                  <a:schemeClr val="bg1"/>
+                </a:solidFill>
+              </a:rPr>
+              <a:t>hái</a:t>
+            </a:r>
+            <a:r>
+              <a:rPr lang="en-US" altLang="zh-TW" dirty="0" smtClean="0">
+                <a:solidFill>
+                  <a:schemeClr val="bg1"/>
+                </a:solidFill>
+              </a:rPr>
+              <a:t> </a:t>
+            </a:r>
+            <a:r>
+              <a:rPr lang="en-US" altLang="zh-TW" dirty="0" err="1" smtClean="0">
+                <a:solidFill>
+                  <a:schemeClr val="bg1"/>
+                </a:solidFill>
+              </a:rPr>
+              <a:t>yǒu</a:t>
+            </a:r>
+            <a:endParaRPr lang="en-US" altLang="zh-TW" dirty="0" smtClean="0">
+              <a:solidFill>
+                <a:schemeClr val="bg1"/>
+              </a:solidFill>
+            </a:endParaRPr>
+          </a:p>
+          <a:p>
+            <a:pPr marL="0" indent="0" algn="ctr">
+              <a:buNone/>
+            </a:pPr>
+            <a:r>
+              <a:rPr lang="zh-TW" altLang="en-US" sz="4400" b="1" dirty="0">
+                <a:solidFill>
+                  <a:schemeClr val="bg1"/>
+                </a:solidFill>
+                <a:latin typeface="標楷體" pitchFamily="65" charset="-120"/>
+                <a:ea typeface="標楷體" pitchFamily="65" charset="-120"/>
+              </a:rPr>
+              <a:t>食物</a:t>
+            </a:r>
+            <a:endParaRPr lang="en-US" altLang="zh-TW" sz="4400" b="1" dirty="0">
+              <a:solidFill>
+                <a:schemeClr val="bg1"/>
+              </a:solidFill>
+              <a:latin typeface="標楷體" pitchFamily="65" charset="-120"/>
+              <a:ea typeface="標楷體" pitchFamily="65" charset="-120"/>
+            </a:endParaRPr>
+          </a:p>
+          <a:p>
+            <a:pPr marL="0" indent="0" algn="ctr">
+              <a:buNone/>
+            </a:pPr>
+            <a:r>
+              <a:rPr lang="en-US" altLang="zh-TW" sz="2800" dirty="0" err="1">
+                <a:solidFill>
+                  <a:schemeClr val="bg1"/>
+                </a:solidFill>
+              </a:rPr>
+              <a:t>shí</a:t>
+            </a:r>
+            <a:r>
+              <a:rPr lang="en-US" altLang="zh-TW" sz="2800" dirty="0">
+                <a:solidFill>
+                  <a:schemeClr val="bg1"/>
+                </a:solidFill>
+              </a:rPr>
+              <a:t> </a:t>
+            </a:r>
+            <a:r>
+              <a:rPr lang="en-US" altLang="zh-TW" sz="2800" dirty="0" err="1">
+                <a:solidFill>
+                  <a:schemeClr val="bg1"/>
+                </a:solidFill>
+              </a:rPr>
+              <a:t>wù</a:t>
+            </a:r>
+            <a:endParaRPr lang="zh-TW" altLang="en-US" dirty="0">
+              <a:solidFill>
+                <a:schemeClr val="bg1"/>
+              </a:solidFill>
+            </a:endParaRPr>
+          </a:p>
+        </p:txBody>
+      </p:sp>
+      <p:sp>
+        <p:nvSpPr>
+          <p:cNvPr id="7" name="內容版面配置區 2"/>
+          <p:cNvSpPr txBox="1">
+            <a:spLocks/>
+          </p:cNvSpPr>
+          <p:nvPr/>
+        </p:nvSpPr>
+        <p:spPr>
+          <a:xfrm>
+            <a:off x="5500694" y="285734"/>
+            <a:ext cx="3147664" cy="4428492"/>
+          </a:xfrm>
+          <a:prstGeom prst="rect">
+            <a:avLst/>
+          </a:prstGeom>
+        </p:spPr>
+        <p:txBody>
+          <a:bodyPr vert="horz" lIns="91440" tIns="45720" rIns="91440" bIns="45720" rtlCol="0">
+            <a:noAutofit/>
+          </a:bodyPr>
+          <a:lstStyle>
+            <a:lvl1pPr marL="342900" indent="-342900" algn="l" defTabSz="914400" rtl="0" eaLnBrk="1" latinLnBrk="0" hangingPunct="1">
+              <a:spcBef>
+                <a:spcPct val="20000"/>
+              </a:spcBef>
+              <a:buFont typeface="Arial" pitchFamily="34" charset="0"/>
+              <a:buChar char="•"/>
+              <a:defRPr sz="3200" kern="1200">
+                <a:solidFill>
+                  <a:schemeClr val="tx1"/>
+                </a:solidFill>
+                <a:latin typeface="+mn-lt"/>
+                <a:ea typeface="+mn-ea"/>
+                <a:cs typeface="+mn-cs"/>
+              </a:defRPr>
+            </a:lvl1pPr>
+            <a:lvl2pPr marL="742950" indent="-285750" algn="l" defTabSz="914400" rtl="0" eaLnBrk="1" latinLnBrk="0" hangingPunct="1">
+              <a:spcBef>
+                <a:spcPct val="20000"/>
+              </a:spcBef>
+              <a:buFont typeface="Arial" pitchFamily="34" charset="0"/>
+              <a:buChar char="–"/>
+              <a:defRPr sz="2800" kern="1200">
+                <a:solidFill>
+                  <a:schemeClr val="tx1"/>
+                </a:solidFill>
+                <a:latin typeface="+mn-lt"/>
+                <a:ea typeface="+mn-ea"/>
+                <a:cs typeface="+mn-cs"/>
+              </a:defRPr>
+            </a:lvl2pPr>
+            <a:lvl3pPr marL="1143000" indent="-228600" algn="l" defTabSz="914400" rtl="0" eaLnBrk="1" latinLnBrk="0" hangingPunct="1">
+              <a:spcBef>
+                <a:spcPct val="20000"/>
+              </a:spcBef>
+              <a:buFont typeface="Arial" pitchFamily="34" charset="0"/>
+              <a:buChar char="•"/>
+              <a:defRPr sz="2400" kern="1200">
+                <a:solidFill>
+                  <a:schemeClr val="tx1"/>
+                </a:solidFill>
+                <a:latin typeface="+mn-lt"/>
+                <a:ea typeface="+mn-ea"/>
+                <a:cs typeface="+mn-cs"/>
+              </a:defRPr>
+            </a:lvl3pPr>
+            <a:lvl4pPr marL="1600200" indent="-228600" algn="l" defTabSz="914400" rtl="0" eaLnBrk="1" latinLnBrk="0" hangingPunct="1">
+              <a:spcBef>
+                <a:spcPct val="20000"/>
+              </a:spcBef>
+              <a:buFont typeface="Arial" pitchFamily="34" charset="0"/>
+              <a:buChar char="–"/>
+              <a:defRPr sz="2000" kern="1200">
+                <a:solidFill>
+                  <a:schemeClr val="tx1"/>
+                </a:solidFill>
+                <a:latin typeface="+mn-lt"/>
+                <a:ea typeface="+mn-ea"/>
+                <a:cs typeface="+mn-cs"/>
+              </a:defRPr>
+            </a:lvl4pPr>
+            <a:lvl5pPr marL="2057400" indent="-228600" algn="l" defTabSz="914400" rtl="0" eaLnBrk="1" latinLnBrk="0" hangingPunct="1">
+              <a:spcBef>
+                <a:spcPct val="20000"/>
+              </a:spcBef>
+              <a:buFont typeface="Arial" pitchFamily="34" charset="0"/>
+              <a:buChar char="»"/>
+              <a:defRPr sz="2000" kern="1200">
+                <a:solidFill>
+                  <a:schemeClr val="tx1"/>
+                </a:solidFill>
+                <a:latin typeface="+mn-lt"/>
+                <a:ea typeface="+mn-ea"/>
+                <a:cs typeface="+mn-cs"/>
+              </a:defRPr>
+            </a:lvl5pPr>
+            <a:lvl6pPr marL="2514600" indent="-228600" algn="l" defTabSz="914400" rtl="0" eaLnBrk="1" latinLnBrk="0" hangingPunct="1">
+              <a:spcBef>
+                <a:spcPct val="20000"/>
+              </a:spcBef>
+              <a:buFont typeface="Arial" pitchFamily="34" charset="0"/>
+              <a:buChar char="•"/>
+              <a:defRPr sz="2000" kern="1200">
+                <a:solidFill>
+                  <a:schemeClr val="tx1"/>
+                </a:solidFill>
+                <a:latin typeface="+mn-lt"/>
+                <a:ea typeface="+mn-ea"/>
+                <a:cs typeface="+mn-cs"/>
+              </a:defRPr>
+            </a:lvl6pPr>
+            <a:lvl7pPr marL="2971800" indent="-228600" algn="l" defTabSz="914400" rtl="0" eaLnBrk="1" latinLnBrk="0" hangingPunct="1">
+              <a:spcBef>
+                <a:spcPct val="20000"/>
+              </a:spcBef>
+              <a:buFont typeface="Arial" pitchFamily="34" charset="0"/>
+              <a:buChar char="•"/>
+              <a:defRPr sz="2000" kern="1200">
+                <a:solidFill>
+                  <a:schemeClr val="tx1"/>
+                </a:solidFill>
+                <a:latin typeface="+mn-lt"/>
+                <a:ea typeface="+mn-ea"/>
+                <a:cs typeface="+mn-cs"/>
+              </a:defRPr>
+            </a:lvl7pPr>
+            <a:lvl8pPr marL="3429000" indent="-228600" algn="l" defTabSz="914400" rtl="0" eaLnBrk="1" latinLnBrk="0" hangingPunct="1">
+              <a:spcBef>
+                <a:spcPct val="20000"/>
+              </a:spcBef>
+              <a:buFont typeface="Arial" pitchFamily="34" charset="0"/>
+              <a:buChar char="•"/>
+              <a:defRPr sz="2000" kern="1200">
+                <a:solidFill>
+                  <a:schemeClr val="tx1"/>
+                </a:solidFill>
+                <a:latin typeface="+mn-lt"/>
+                <a:ea typeface="+mn-ea"/>
+                <a:cs typeface="+mn-cs"/>
+              </a:defRPr>
+            </a:lvl8pPr>
+            <a:lvl9pPr marL="3886200" indent="-228600" algn="l" defTabSz="914400" rtl="0" eaLnBrk="1" latinLnBrk="0" hangingPunct="1">
+              <a:spcBef>
+                <a:spcPct val="20000"/>
+              </a:spcBef>
+              <a:buFont typeface="Arial" pitchFamily="34" charset="0"/>
+              <a:buChar char="•"/>
+              <a:defRPr sz="2000" kern="1200">
+                <a:solidFill>
+                  <a:schemeClr val="tx1"/>
+                </a:solidFill>
+                <a:latin typeface="+mn-lt"/>
+                <a:ea typeface="+mn-ea"/>
+                <a:cs typeface="+mn-cs"/>
+              </a:defRPr>
+            </a:lvl9pPr>
+          </a:lstStyle>
+          <a:p>
+            <a:pPr marL="0" indent="0" algn="ctr">
+              <a:buNone/>
+            </a:pPr>
+            <a:r>
+              <a:rPr lang="zh-TW" altLang="en-US" sz="4400" b="1" dirty="0" smtClean="0">
+                <a:solidFill>
+                  <a:schemeClr val="bg1"/>
+                </a:solidFill>
+                <a:latin typeface="標楷體" pitchFamily="65" charset="-120"/>
+                <a:ea typeface="標楷體" pitchFamily="65" charset="-120"/>
+              </a:rPr>
+              <a:t>明天</a:t>
+            </a:r>
+            <a:endParaRPr lang="en-US" altLang="zh-TW" sz="4400" b="1" dirty="0" smtClean="0">
+              <a:solidFill>
+                <a:schemeClr val="bg1"/>
+              </a:solidFill>
+              <a:latin typeface="標楷體" pitchFamily="65" charset="-120"/>
+              <a:ea typeface="標楷體" pitchFamily="65" charset="-120"/>
+            </a:endParaRPr>
+          </a:p>
+          <a:p>
+            <a:pPr marL="0" indent="0" algn="ctr">
+              <a:buNone/>
+            </a:pPr>
+            <a:r>
+              <a:rPr lang="en-US" altLang="zh-TW" sz="2800" dirty="0" err="1">
+                <a:solidFill>
+                  <a:schemeClr val="bg1"/>
+                </a:solidFill>
+              </a:rPr>
+              <a:t>Míng</a:t>
+            </a:r>
+            <a:r>
+              <a:rPr lang="en-US" altLang="zh-TW" sz="2800" dirty="0">
+                <a:solidFill>
+                  <a:schemeClr val="bg1"/>
+                </a:solidFill>
+              </a:rPr>
+              <a:t> </a:t>
+            </a:r>
+            <a:r>
+              <a:rPr lang="en-US" altLang="zh-TW" sz="2800" dirty="0" err="1" smtClean="0">
+                <a:solidFill>
+                  <a:schemeClr val="bg1"/>
+                </a:solidFill>
+              </a:rPr>
+              <a:t>tiān</a:t>
+            </a:r>
+            <a:endParaRPr lang="en-US" altLang="zh-TW" sz="2800" dirty="0" smtClean="0">
+              <a:solidFill>
+                <a:schemeClr val="bg1"/>
+              </a:solidFill>
+            </a:endParaRPr>
+          </a:p>
+          <a:p>
+            <a:pPr marL="0" indent="0" algn="ctr">
+              <a:buNone/>
+            </a:pPr>
+            <a:r>
+              <a:rPr lang="zh-TW" altLang="en-US" sz="4400" b="1" dirty="0" smtClean="0">
+                <a:solidFill>
+                  <a:schemeClr val="bg1"/>
+                </a:solidFill>
+                <a:latin typeface="標楷體" pitchFamily="65" charset="-120"/>
+                <a:ea typeface="標楷體" pitchFamily="65" charset="-120"/>
+              </a:rPr>
+              <a:t>交給</a:t>
+            </a:r>
+            <a:endParaRPr lang="en-US" altLang="zh-TW" sz="4400" b="1" dirty="0" smtClean="0">
+              <a:solidFill>
+                <a:schemeClr val="bg1"/>
+              </a:solidFill>
+              <a:latin typeface="標楷體" pitchFamily="65" charset="-120"/>
+              <a:ea typeface="標楷體" pitchFamily="65" charset="-120"/>
+            </a:endParaRPr>
+          </a:p>
+          <a:p>
+            <a:pPr marL="0" indent="0" algn="ctr">
+              <a:buNone/>
+            </a:pPr>
+            <a:r>
+              <a:rPr lang="en-US" altLang="zh-TW" sz="2800" dirty="0" err="1">
+                <a:solidFill>
+                  <a:schemeClr val="bg1"/>
+                </a:solidFill>
+              </a:rPr>
+              <a:t>jiāo</a:t>
+            </a:r>
+            <a:r>
+              <a:rPr lang="en-US" altLang="zh-TW" sz="2800" dirty="0">
+                <a:solidFill>
+                  <a:schemeClr val="bg1"/>
+                </a:solidFill>
+              </a:rPr>
+              <a:t> </a:t>
+            </a:r>
+            <a:r>
+              <a:rPr lang="en-US" altLang="zh-TW" sz="2800" dirty="0" err="1" smtClean="0">
+                <a:solidFill>
+                  <a:schemeClr val="bg1"/>
+                </a:solidFill>
+              </a:rPr>
+              <a:t>gěi</a:t>
+            </a:r>
+            <a:endParaRPr lang="en-US" altLang="zh-TW" sz="2800" dirty="0" smtClean="0">
+              <a:solidFill>
+                <a:schemeClr val="bg1"/>
+              </a:solidFill>
+            </a:endParaRPr>
+          </a:p>
+          <a:p>
+            <a:pPr marL="0" indent="0" algn="ctr">
+              <a:buNone/>
+            </a:pPr>
+            <a:r>
+              <a:rPr lang="zh-TW" altLang="en-US" sz="4400" b="1" dirty="0">
+                <a:solidFill>
+                  <a:schemeClr val="bg1"/>
+                </a:solidFill>
+                <a:latin typeface="標楷體" pitchFamily="65" charset="-120"/>
+                <a:ea typeface="標楷體" pitchFamily="65" charset="-120"/>
+              </a:rPr>
+              <a:t>彼此相愛</a:t>
+            </a:r>
+            <a:endParaRPr lang="en-US" altLang="zh-TW" sz="4400" b="1" dirty="0">
+              <a:solidFill>
+                <a:schemeClr val="bg1"/>
+              </a:solidFill>
+              <a:latin typeface="標楷體" pitchFamily="65" charset="-120"/>
+              <a:ea typeface="標楷體" pitchFamily="65" charset="-120"/>
+            </a:endParaRPr>
+          </a:p>
+          <a:p>
+            <a:pPr marL="0" indent="0" algn="ctr">
+              <a:buNone/>
+            </a:pPr>
+            <a:r>
+              <a:rPr lang="en-US" altLang="zh-TW" sz="2800" dirty="0" err="1">
+                <a:solidFill>
+                  <a:schemeClr val="bg1"/>
+                </a:solidFill>
+              </a:rPr>
+              <a:t>bǐ</a:t>
+            </a:r>
+            <a:r>
+              <a:rPr lang="en-US" altLang="zh-TW" sz="2800" dirty="0">
+                <a:solidFill>
+                  <a:schemeClr val="bg1"/>
+                </a:solidFill>
+              </a:rPr>
+              <a:t> </a:t>
+            </a:r>
+            <a:r>
+              <a:rPr lang="en-US" altLang="zh-TW" sz="2800" dirty="0" err="1">
+                <a:solidFill>
+                  <a:schemeClr val="bg1"/>
+                </a:solidFill>
+              </a:rPr>
+              <a:t>cǐ</a:t>
+            </a:r>
+            <a:r>
+              <a:rPr lang="en-US" altLang="zh-TW" sz="2800" dirty="0">
+                <a:solidFill>
+                  <a:schemeClr val="bg1"/>
+                </a:solidFill>
+              </a:rPr>
+              <a:t> </a:t>
+            </a:r>
+            <a:r>
+              <a:rPr lang="en-US" altLang="zh-TW" sz="2800" dirty="0" err="1">
+                <a:solidFill>
+                  <a:schemeClr val="bg1"/>
+                </a:solidFill>
+              </a:rPr>
+              <a:t>xiāng</a:t>
+            </a:r>
+            <a:r>
+              <a:rPr lang="en-US" altLang="zh-TW" sz="2800" dirty="0">
+                <a:solidFill>
+                  <a:schemeClr val="bg1"/>
+                </a:solidFill>
+              </a:rPr>
+              <a:t> </a:t>
+            </a:r>
+            <a:r>
+              <a:rPr lang="en-US" altLang="zh-TW" sz="2800" dirty="0" err="1" smtClean="0">
+                <a:solidFill>
+                  <a:schemeClr val="bg1"/>
+                </a:solidFill>
+              </a:rPr>
+              <a:t>ài</a:t>
+            </a:r>
+            <a:endParaRPr lang="en-US" altLang="zh-TW" sz="2800" b="1" dirty="0" smtClean="0">
+              <a:solidFill>
+                <a:schemeClr val="bg1"/>
+              </a:solidFill>
+              <a:latin typeface="標楷體" pitchFamily="65" charset="-120"/>
+              <a:ea typeface="標楷體" pitchFamily="65" charset="-120"/>
+            </a:endParaRPr>
+          </a:p>
+        </p:txBody>
+      </p:sp>
+      <p:sp>
+        <p:nvSpPr>
+          <p:cNvPr id="2" name="矩形 1"/>
+          <p:cNvSpPr/>
+          <p:nvPr/>
+        </p:nvSpPr>
+        <p:spPr>
+          <a:xfrm>
+            <a:off x="3500430" y="1643056"/>
+            <a:ext cx="4018098" cy="1200329"/>
+          </a:xfrm>
+          <a:prstGeom prst="rect">
+            <a:avLst/>
+          </a:prstGeom>
+        </p:spPr>
+        <p:txBody>
+          <a:bodyPr wrap="square">
+            <a:spAutoFit/>
+          </a:bodyPr>
+          <a:lstStyle/>
+          <a:p>
+            <a:pPr algn="ctr"/>
+            <a:r>
+              <a:rPr lang="zh-TW" altLang="en-US" sz="4400" b="1" dirty="0" smtClean="0">
+                <a:solidFill>
+                  <a:schemeClr val="bg1"/>
+                </a:solidFill>
+                <a:latin typeface="標楷體" pitchFamily="65" charset="-120"/>
+                <a:ea typeface="標楷體" pitchFamily="65" charset="-120"/>
+              </a:rPr>
+              <a:t>擁有</a:t>
+            </a:r>
+            <a:endParaRPr lang="en-US" altLang="zh-TW" sz="4400" b="1" dirty="0" smtClean="0">
+              <a:solidFill>
+                <a:schemeClr val="bg1"/>
+              </a:solidFill>
+              <a:latin typeface="標楷體" pitchFamily="65" charset="-120"/>
+              <a:ea typeface="標楷體" pitchFamily="65" charset="-120"/>
+            </a:endParaRPr>
+          </a:p>
+          <a:p>
+            <a:pPr algn="ctr"/>
+            <a:r>
+              <a:rPr lang="en-US" altLang="zh-TW" sz="2800" dirty="0" err="1" smtClean="0">
+                <a:solidFill>
+                  <a:schemeClr val="bg1"/>
+                </a:solidFill>
+              </a:rPr>
+              <a:t>yǒng</a:t>
+            </a:r>
+            <a:r>
+              <a:rPr lang="en-US" altLang="zh-TW" sz="2800" dirty="0" smtClean="0">
+                <a:solidFill>
+                  <a:schemeClr val="bg1"/>
+                </a:solidFill>
+              </a:rPr>
+              <a:t> </a:t>
+            </a:r>
+            <a:r>
+              <a:rPr lang="en-US" altLang="zh-TW" sz="2800" dirty="0" err="1">
+                <a:solidFill>
+                  <a:schemeClr val="bg1"/>
+                </a:solidFill>
+              </a:rPr>
+              <a:t>yǒu</a:t>
+            </a:r>
+            <a:r>
+              <a:rPr lang="en-US" altLang="zh-TW" sz="2800" dirty="0">
+                <a:solidFill>
+                  <a:schemeClr val="bg1"/>
+                </a:solidFill>
+              </a:rPr>
+              <a:t> </a:t>
+            </a:r>
+          </a:p>
         </p:txBody>
       </p:sp>
     </p:spTree>
     <p:extLst>
       <p:ext uri="{BB962C8B-B14F-4D97-AF65-F5344CB8AC3E}">
-        <p14:creationId xmlns:p14="http://schemas.microsoft.com/office/powerpoint/2010/main" xmlns="" val="3590208558"/>
+        <p14:creationId xmlns="" xmlns:p14="http://schemas.microsoft.com/office/powerpoint/2010/main" val="3356864325"/>
       </p:ext>
     </p:extLst>
   </p:cSld>
@@ -8246,7 +12120,7 @@
       </p:grpSpPr>
       <p:pic>
         <p:nvPicPr>
-          <p:cNvPr id="4" name="Picture 6" descr="ãeducational ppt backgroundãçåçæå°çµæ"/>
+          <p:cNvPr id="4" name="Picture 2" descr="ç¸éåç"/>
           <p:cNvPicPr>
             <a:picLocks noChangeAspect="1" noChangeArrowheads="1"/>
           </p:cNvPicPr>
@@ -8256,7 +12130,7 @@
           <a:blip r:embed="rId2">
             <a:extLst>
               <a:ext uri="{28A0092B-C50C-407E-A947-70E740481C1C}">
-                <a14:useLocalDpi xmlns:a14="http://schemas.microsoft.com/office/drawing/2010/main" xmlns="" val="0"/>
+                <a14:useLocalDpi xmlns="" xmlns:a14="http://schemas.microsoft.com/office/drawing/2010/main" val="0"/>
               </a:ext>
             </a:extLst>
           </a:blip>
@@ -8267,7 +12141,7 @@
         </p:blipFill>
         <p:spPr bwMode="auto">
           <a:xfrm>
-            <a:off x="0" y="0"/>
+            <a:off x="0" y="-4260"/>
             <a:ext cx="9144000" cy="5143500"/>
           </a:xfrm>
           <a:prstGeom prst="rect">
@@ -8276,7 +12150,7 @@
           <a:noFill/>
           <a:extLst>
             <a:ext uri="{909E8E84-426E-40DD-AFC4-6F175D3DCCD1}">
-              <a14:hiddenFill xmlns:a14="http://schemas.microsoft.com/office/drawing/2010/main" xmlns="">
+              <a14:hiddenFill xmlns="" xmlns:a14="http://schemas.microsoft.com/office/drawing/2010/main">
                 <a:solidFill>
                   <a:srgbClr val="FFFFFF"/>
                 </a:solidFill>
@@ -8297,8 +12171,8 @@
         </p:nvSpPr>
         <p:spPr>
           <a:xfrm>
-            <a:off x="-71470" y="285734"/>
-            <a:ext cx="2664296" cy="4428492"/>
+            <a:off x="251520" y="303498"/>
+            <a:ext cx="8507288" cy="4698522"/>
           </a:xfrm>
         </p:spPr>
         <p:txBody>
@@ -8311,18 +12185,28 @@
               <a:buNone/>
             </a:pPr>
             <a:r>
-              <a:rPr lang="zh-TW" altLang="en-US" sz="4400" b="1" dirty="0" smtClean="0">
-                <a:solidFill>
-                  <a:schemeClr val="bg1"/>
+              <a:rPr lang="zh-TW" altLang="en-US" sz="4800" b="1" dirty="0">
+                <a:solidFill>
+                  <a:srgbClr val="0070C0"/>
                 </a:solidFill>
                 <a:latin typeface="標楷體" pitchFamily="65" charset="-120"/>
                 <a:ea typeface="標楷體" pitchFamily="65" charset="-120"/>
               </a:rPr>
-              <a:t>超過</a:t>
-            </a:r>
-            <a:endParaRPr lang="en-US" altLang="zh-TW" sz="4400" b="1" dirty="0" smtClean="0">
+              <a:t>小小鳥自由地</a:t>
+            </a:r>
+            <a:r>
+              <a:rPr lang="zh-TW" altLang="en-US" sz="4800" b="1" dirty="0" smtClean="0">
+                <a:solidFill>
+                  <a:srgbClr val="0070C0"/>
+                </a:solidFill>
+                <a:latin typeface="標楷體" pitchFamily="65" charset="-120"/>
+                <a:ea typeface="標楷體" pitchFamily="65" charset="-120"/>
+              </a:rPr>
+              <a:t>飛翔</a:t>
+            </a:r>
+            <a:endParaRPr lang="en-US" altLang="zh-TW" sz="4800" b="1" dirty="0" smtClean="0">
               <a:solidFill>
-                <a:schemeClr val="bg1"/>
+                <a:srgbClr val="0070C0"/>
               </a:solidFill>
               <a:latin typeface="標楷體" pitchFamily="65" charset="-120"/>
               <a:ea typeface="標楷體" pitchFamily="65" charset="-120"/>
@@ -8333,32 +12217,68 @@
               <a:buNone/>
             </a:pPr>
             <a:r>
-              <a:rPr lang="en-US" altLang="zh-TW" sz="2800" dirty="0" err="1" smtClean="0">
-                <a:solidFill>
-                  <a:schemeClr val="bg1"/>
-                </a:solidFill>
-              </a:rPr>
-              <a:t>chāo</a:t>
-            </a:r>
-            <a:r>
-              <a:rPr lang="en-US" altLang="zh-TW" sz="2800" dirty="0" smtClean="0">
-                <a:solidFill>
-                  <a:schemeClr val="bg1"/>
-                </a:solidFill>
-              </a:rPr>
-              <a:t> </a:t>
-            </a:r>
-            <a:r>
-              <a:rPr lang="en-US" altLang="zh-TW" sz="2800" dirty="0" err="1" smtClean="0">
-                <a:solidFill>
-                  <a:schemeClr val="bg1"/>
-                </a:solidFill>
-              </a:rPr>
-              <a:t>guò</a:t>
-            </a:r>
-            <a:endParaRPr lang="en-US" altLang="zh-TW" sz="2800" b="1" dirty="0" smtClean="0">
+              <a:rPr lang="en-US" altLang="zh-TW" sz="3600" dirty="0" err="1"/>
+              <a:t>Xiǎo</a:t>
+            </a:r>
+            <a:r>
+              <a:rPr lang="en-US" altLang="zh-TW" sz="3600" dirty="0"/>
+              <a:t> </a:t>
+            </a:r>
+            <a:r>
+              <a:rPr lang="en-US" altLang="zh-TW" sz="3600" dirty="0" err="1" smtClean="0"/>
+              <a:t>xiǎo</a:t>
+            </a:r>
+            <a:r>
+              <a:rPr lang="en-US" altLang="zh-TW" sz="3600" dirty="0" smtClean="0"/>
+              <a:t> </a:t>
+            </a:r>
+            <a:r>
+              <a:rPr lang="en-US" altLang="zh-TW" sz="3600" dirty="0" err="1" smtClean="0"/>
+              <a:t>niǎo</a:t>
+            </a:r>
+            <a:r>
+              <a:rPr lang="en-US" altLang="zh-TW" sz="3600" dirty="0" smtClean="0"/>
+              <a:t> </a:t>
+            </a:r>
+            <a:r>
+              <a:rPr lang="en-US" altLang="zh-TW" sz="3600" dirty="0" err="1" smtClean="0"/>
+              <a:t>zì</a:t>
+            </a:r>
+            <a:r>
+              <a:rPr lang="en-US" altLang="zh-TW" sz="3600" dirty="0" smtClean="0"/>
+              <a:t> </a:t>
+            </a:r>
+            <a:r>
+              <a:rPr lang="en-US" altLang="zh-TW" sz="3600" dirty="0" err="1" smtClean="0"/>
+              <a:t>yóu</a:t>
+            </a:r>
+            <a:r>
+              <a:rPr lang="en-US" altLang="zh-TW" sz="3600" dirty="0" smtClean="0"/>
+              <a:t> </a:t>
+            </a:r>
+            <a:r>
+              <a:rPr lang="en-US" altLang="zh-TW" sz="3600" dirty="0" err="1"/>
+              <a:t>dì</a:t>
+            </a:r>
+            <a:r>
+              <a:rPr lang="en-US" altLang="zh-TW" sz="3600" dirty="0"/>
+              <a:t> </a:t>
+            </a:r>
+            <a:r>
+              <a:rPr lang="en-US" altLang="zh-TW" sz="3600" dirty="0" err="1" smtClean="0"/>
+              <a:t>fēi</a:t>
+            </a:r>
+            <a:r>
+              <a:rPr lang="en-US" altLang="zh-TW" sz="3600" dirty="0" smtClean="0"/>
+              <a:t> </a:t>
+            </a:r>
+            <a:r>
+              <a:rPr lang="en-US" altLang="zh-TW" sz="3600" dirty="0" err="1" smtClean="0"/>
+              <a:t>xiáng</a:t>
+            </a:r>
+            <a:endParaRPr lang="en-US" altLang="zh-TW" sz="3600" b="1" dirty="0" smtClean="0">
               <a:solidFill>
-                <a:schemeClr val="bg1"/>
+                <a:srgbClr val="0070C0"/>
               </a:solidFill>
               <a:latin typeface="標楷體" pitchFamily="65" charset="-120"/>
               <a:ea typeface="標楷體" pitchFamily="65" charset="-120"/>
@@ -8369,18 +12289,38 @@
               <a:buNone/>
             </a:pPr>
             <a:r>
-              <a:rPr lang="zh-TW" altLang="en-US" sz="4400" b="1" dirty="0" smtClean="0">
-                <a:solidFill>
-                  <a:schemeClr val="bg1"/>
+              <a:rPr lang="zh-TW" altLang="en-US" sz="4800" b="1" dirty="0" smtClean="0">
+                <a:solidFill>
+                  <a:srgbClr val="0070C0"/>
                 </a:solidFill>
                 <a:latin typeface="標楷體" pitchFamily="65" charset="-120"/>
                 <a:ea typeface="標楷體" pitchFamily="65" charset="-120"/>
               </a:rPr>
-              <a:t>一切</a:t>
-            </a:r>
-            <a:endParaRPr lang="en-US" altLang="zh-TW" sz="4400" b="1" dirty="0" smtClean="0">
+              <a:t>花朵</a:t>
+            </a:r>
+            <a:r>
+              <a:rPr lang="zh-TW" altLang="en-US" sz="4800" b="1" dirty="0">
+                <a:solidFill>
+                  <a:srgbClr val="0070C0"/>
+                </a:solidFill>
+                <a:latin typeface="標楷體" pitchFamily="65" charset="-120"/>
+                <a:ea typeface="標楷體" pitchFamily="65" charset="-120"/>
+              </a:rPr>
+              <a:t>朵在田野裡</a:t>
+            </a:r>
+            <a:r>
+              <a:rPr lang="zh-TW" altLang="en-US" sz="4800" b="1" dirty="0" smtClean="0">
+                <a:solidFill>
+                  <a:srgbClr val="0070C0"/>
+                </a:solidFill>
+                <a:latin typeface="標楷體" pitchFamily="65" charset="-120"/>
+                <a:ea typeface="標楷體" pitchFamily="65" charset="-120"/>
+              </a:rPr>
+              <a:t>綻放</a:t>
+            </a:r>
+            <a:endParaRPr lang="en-US" altLang="zh-TW" sz="4800" b="1" dirty="0" smtClean="0">
               <a:solidFill>
-                <a:schemeClr val="bg1"/>
+                <a:srgbClr val="0070C0"/>
               </a:solidFill>
               <a:latin typeface="標楷體" pitchFamily="65" charset="-120"/>
               <a:ea typeface="標楷體" pitchFamily="65" charset="-120"/>
@@ -8391,52 +12331,76 @@
               <a:buNone/>
             </a:pPr>
             <a:r>
-              <a:rPr lang="en-US" altLang="zh-TW" dirty="0" err="1">
-                <a:solidFill>
-                  <a:schemeClr val="bg1"/>
-                </a:solidFill>
-              </a:rPr>
-              <a:t>yī</a:t>
-            </a:r>
-            <a:r>
-              <a:rPr lang="en-US" altLang="zh-TW" dirty="0">
-                <a:solidFill>
-                  <a:schemeClr val="bg1"/>
-                </a:solidFill>
-              </a:rPr>
-              <a:t> </a:t>
-            </a:r>
-            <a:r>
-              <a:rPr lang="en-US" altLang="zh-TW" dirty="0" err="1" smtClean="0">
-                <a:solidFill>
-                  <a:schemeClr val="bg1"/>
-                </a:solidFill>
-              </a:rPr>
-              <a:t>qiè</a:t>
-            </a:r>
-            <a:endParaRPr lang="en-US" altLang="zh-TW" dirty="0" smtClean="0">
+              <a:rPr lang="en-US" altLang="zh-TW" sz="3600" dirty="0" err="1" smtClean="0"/>
+              <a:t>Huā</a:t>
+            </a:r>
+            <a:r>
+              <a:rPr lang="en-US" altLang="zh-TW" sz="3600" dirty="0" smtClean="0"/>
+              <a:t> </a:t>
+            </a:r>
+            <a:r>
+              <a:rPr lang="en-US" altLang="zh-TW" sz="3600" dirty="0" err="1" smtClean="0"/>
+              <a:t>duǒ</a:t>
+            </a:r>
+            <a:r>
+              <a:rPr lang="en-US" altLang="zh-TW" sz="3600" dirty="0" smtClean="0"/>
+              <a:t> </a:t>
+            </a:r>
+            <a:r>
+              <a:rPr lang="en-US" altLang="zh-TW" sz="3600" dirty="0" err="1"/>
+              <a:t>duǒ</a:t>
+            </a:r>
+            <a:r>
+              <a:rPr lang="en-US" altLang="zh-TW" sz="3600" dirty="0"/>
+              <a:t> </a:t>
+            </a:r>
+            <a:r>
+              <a:rPr lang="en-US" altLang="zh-TW" sz="3600" dirty="0" err="1"/>
+              <a:t>zài</a:t>
+            </a:r>
+            <a:r>
+              <a:rPr lang="en-US" altLang="zh-TW" sz="3600" dirty="0"/>
+              <a:t> </a:t>
+            </a:r>
+            <a:r>
+              <a:rPr lang="en-US" altLang="zh-TW" sz="3600" dirty="0" err="1" smtClean="0"/>
+              <a:t>tián</a:t>
+            </a:r>
+            <a:r>
+              <a:rPr lang="en-US" altLang="zh-TW" sz="3600" dirty="0" smtClean="0"/>
+              <a:t> </a:t>
+            </a:r>
+            <a:r>
+              <a:rPr lang="en-US" altLang="zh-TW" sz="3600" dirty="0" err="1" smtClean="0"/>
+              <a:t>yě</a:t>
+            </a:r>
+            <a:r>
+              <a:rPr lang="en-US" altLang="zh-TW" sz="3600" dirty="0" smtClean="0"/>
+              <a:t> </a:t>
+            </a:r>
+            <a:r>
+              <a:rPr lang="en-US" altLang="zh-TW" sz="3600" dirty="0" err="1"/>
+              <a:t>lǐ</a:t>
+            </a:r>
+            <a:r>
+              <a:rPr lang="en-US" altLang="zh-TW" sz="3600" dirty="0"/>
+              <a:t> </a:t>
+            </a:r>
+            <a:r>
+              <a:rPr lang="en-US" altLang="zh-TW" sz="3600" dirty="0" err="1" smtClean="0"/>
+              <a:t>zhàn</a:t>
+            </a:r>
+            <a:r>
+              <a:rPr lang="en-US" altLang="zh-TW" sz="3600" dirty="0" smtClean="0"/>
+              <a:t> </a:t>
+            </a:r>
+            <a:r>
+              <a:rPr lang="en-US" altLang="zh-TW" sz="3600" dirty="0" err="1" smtClean="0"/>
+              <a:t>fàng</a:t>
+            </a:r>
+            <a:endParaRPr lang="en-US" altLang="zh-TW" sz="3600" b="1" dirty="0" smtClean="0">
               <a:solidFill>
-                <a:schemeClr val="bg1"/>
-              </a:solidFill>
-            </a:endParaRPr>
-          </a:p>
-          <a:p>
-            <a:pPr marL="0" indent="0" algn="ctr">
-              <a:buNone/>
-            </a:pPr>
-            <a:r>
-              <a:rPr lang="zh-TW" altLang="en-US" sz="4400" b="1" dirty="0" smtClean="0">
-                <a:solidFill>
-                  <a:schemeClr val="bg1"/>
-                </a:solidFill>
-                <a:latin typeface="標楷體" pitchFamily="65" charset="-120"/>
-                <a:ea typeface="標楷體" pitchFamily="65" charset="-120"/>
-              </a:rPr>
-              <a:t>想像</a:t>
-            </a:r>
-            <a:endParaRPr lang="en-US" altLang="zh-TW" sz="4400" b="1" dirty="0" smtClean="0">
-              <a:solidFill>
-                <a:schemeClr val="bg1"/>
+                <a:srgbClr val="0070C0"/>
               </a:solidFill>
               <a:latin typeface="標楷體" pitchFamily="65" charset="-120"/>
               <a:ea typeface="標楷體" pitchFamily="65" charset="-120"/>
@@ -8447,679 +12411,568 @@
               <a:buNone/>
             </a:pPr>
             <a:r>
-              <a:rPr lang="en-US" altLang="zh-TW" sz="2800" dirty="0" err="1" smtClean="0">
-                <a:solidFill>
-                  <a:schemeClr val="bg1"/>
-                </a:solidFill>
-              </a:rPr>
-              <a:t>xiǎng</a:t>
-            </a:r>
-            <a:r>
-              <a:rPr lang="en-US" altLang="zh-TW" sz="2800" dirty="0" smtClean="0">
-                <a:solidFill>
-                  <a:schemeClr val="bg1"/>
-                </a:solidFill>
-              </a:rPr>
-              <a:t> </a:t>
-            </a:r>
-            <a:r>
-              <a:rPr lang="en-US" altLang="zh-TW" sz="2800" dirty="0" err="1">
-                <a:solidFill>
-                  <a:schemeClr val="bg1"/>
-                </a:solidFill>
-              </a:rPr>
-              <a:t>xiàng</a:t>
-            </a:r>
-            <a:endParaRPr lang="en-US" altLang="zh-TW" sz="2800" b="1" dirty="0">
+              <a:rPr lang="zh-TW" altLang="en-US" sz="4800" b="1" dirty="0">
+                <a:solidFill>
+                  <a:srgbClr val="0070C0"/>
+                </a:solidFill>
+                <a:latin typeface="標楷體" pitchFamily="65" charset="-120"/>
+                <a:ea typeface="標楷體" pitchFamily="65" charset="-120"/>
+              </a:rPr>
+              <a:t>他們從不擔心或</a:t>
+            </a:r>
+            <a:r>
+              <a:rPr lang="zh-TW" altLang="en-US" sz="4800" b="1" dirty="0" smtClean="0">
+                <a:solidFill>
+                  <a:srgbClr val="0070C0"/>
+                </a:solidFill>
+                <a:latin typeface="標楷體" pitchFamily="65" charset="-120"/>
+                <a:ea typeface="標楷體" pitchFamily="65" charset="-120"/>
+              </a:rPr>
+              <a:t>憂慮</a:t>
+            </a:r>
+            <a:endParaRPr lang="en-US" altLang="zh-TW" sz="4800" b="1" dirty="0" smtClean="0">
               <a:solidFill>
-                <a:schemeClr val="bg1"/>
+                <a:srgbClr val="0070C0"/>
               </a:solidFill>
               <a:latin typeface="標楷體" pitchFamily="65" charset="-120"/>
               <a:ea typeface="標楷體" pitchFamily="65" charset="-120"/>
             </a:endParaRPr>
           </a:p>
-        </p:txBody>
-      </p:sp>
-      <p:sp>
-        <p:nvSpPr>
-          <p:cNvPr id="5" name="內容版面配置區 2"/>
-          <p:cNvSpPr txBox="1">
-            <a:spLocks/>
-          </p:cNvSpPr>
-          <p:nvPr/>
-        </p:nvSpPr>
-        <p:spPr>
-          <a:xfrm>
-            <a:off x="3000364" y="285734"/>
-            <a:ext cx="2829000" cy="4428492"/>
-          </a:xfrm>
-          <a:prstGeom prst="rect">
-            <a:avLst/>
-          </a:prstGeom>
-        </p:spPr>
-        <p:txBody>
-          <a:bodyPr vert="horz" lIns="91440" tIns="45720" rIns="91440" bIns="45720" rtlCol="0">
-            <a:noAutofit/>
-          </a:bodyPr>
-          <a:lstStyle>
-            <a:lvl1pPr marL="342900" indent="-342900" algn="l" defTabSz="914400" rtl="0" eaLnBrk="1" latinLnBrk="0" hangingPunct="1">
-              <a:spcBef>
-                <a:spcPct val="20000"/>
-              </a:spcBef>
-              <a:buFont typeface="Arial" pitchFamily="34" charset="0"/>
-              <a:buChar char="•"/>
-              <a:defRPr sz="3200" kern="1200">
-                <a:solidFill>
-                  <a:schemeClr val="tx1"/>
-                </a:solidFill>
-                <a:latin typeface="+mn-lt"/>
-                <a:ea typeface="+mn-ea"/>
-                <a:cs typeface="+mn-cs"/>
-              </a:defRPr>
-            </a:lvl1pPr>
-            <a:lvl2pPr marL="742950" indent="-285750" algn="l" defTabSz="914400" rtl="0" eaLnBrk="1" latinLnBrk="0" hangingPunct="1">
-              <a:spcBef>
-                <a:spcPct val="20000"/>
-              </a:spcBef>
-              <a:buFont typeface="Arial" pitchFamily="34" charset="0"/>
-              <a:buChar char="–"/>
-              <a:defRPr sz="2800" kern="1200">
-                <a:solidFill>
-                  <a:schemeClr val="tx1"/>
-                </a:solidFill>
-                <a:latin typeface="+mn-lt"/>
-                <a:ea typeface="+mn-ea"/>
-                <a:cs typeface="+mn-cs"/>
-              </a:defRPr>
-            </a:lvl2pPr>
-            <a:lvl3pPr marL="1143000" indent="-228600" algn="l" defTabSz="914400" rtl="0" eaLnBrk="1" latinLnBrk="0" hangingPunct="1">
-              <a:spcBef>
-                <a:spcPct val="20000"/>
-              </a:spcBef>
-              <a:buFont typeface="Arial" pitchFamily="34" charset="0"/>
-              <a:buChar char="•"/>
-              <a:defRPr sz="2400" kern="1200">
-                <a:solidFill>
-                  <a:schemeClr val="tx1"/>
-                </a:solidFill>
-                <a:latin typeface="+mn-lt"/>
-                <a:ea typeface="+mn-ea"/>
-                <a:cs typeface="+mn-cs"/>
-              </a:defRPr>
-            </a:lvl3pPr>
-            <a:lvl4pPr marL="1600200" indent="-228600" algn="l" defTabSz="914400" rtl="0" eaLnBrk="1" latinLnBrk="0" hangingPunct="1">
-              <a:spcBef>
-                <a:spcPct val="20000"/>
-              </a:spcBef>
-              <a:buFont typeface="Arial" pitchFamily="34" charset="0"/>
-              <a:buChar char="–"/>
-              <a:defRPr sz="2000" kern="1200">
-                <a:solidFill>
-                  <a:schemeClr val="tx1"/>
-                </a:solidFill>
-                <a:latin typeface="+mn-lt"/>
-                <a:ea typeface="+mn-ea"/>
-                <a:cs typeface="+mn-cs"/>
-              </a:defRPr>
-            </a:lvl4pPr>
-            <a:lvl5pPr marL="2057400" indent="-228600" algn="l" defTabSz="914400" rtl="0" eaLnBrk="1" latinLnBrk="0" hangingPunct="1">
-              <a:spcBef>
-                <a:spcPct val="20000"/>
-              </a:spcBef>
-              <a:buFont typeface="Arial" pitchFamily="34" charset="0"/>
-              <a:buChar char="»"/>
-              <a:defRPr sz="2000" kern="1200">
-                <a:solidFill>
-                  <a:schemeClr val="tx1"/>
-                </a:solidFill>
-                <a:latin typeface="+mn-lt"/>
-                <a:ea typeface="+mn-ea"/>
-                <a:cs typeface="+mn-cs"/>
-              </a:defRPr>
-            </a:lvl5pPr>
-            <a:lvl6pPr marL="2514600" indent="-228600" algn="l" defTabSz="914400" rtl="0" eaLnBrk="1" latinLnBrk="0" hangingPunct="1">
-              <a:spcBef>
-                <a:spcPct val="20000"/>
-              </a:spcBef>
-              <a:buFont typeface="Arial" pitchFamily="34" charset="0"/>
-              <a:buChar char="•"/>
-              <a:defRPr sz="2000" kern="1200">
-                <a:solidFill>
-                  <a:schemeClr val="tx1"/>
-                </a:solidFill>
-                <a:latin typeface="+mn-lt"/>
-                <a:ea typeface="+mn-ea"/>
-                <a:cs typeface="+mn-cs"/>
-              </a:defRPr>
-            </a:lvl6pPr>
-            <a:lvl7pPr marL="2971800" indent="-228600" algn="l" defTabSz="914400" rtl="0" eaLnBrk="1" latinLnBrk="0" hangingPunct="1">
-              <a:spcBef>
-                <a:spcPct val="20000"/>
-              </a:spcBef>
-              <a:buFont typeface="Arial" pitchFamily="34" charset="0"/>
-              <a:buChar char="•"/>
-              <a:defRPr sz="2000" kern="1200">
-                <a:solidFill>
-                  <a:schemeClr val="tx1"/>
-                </a:solidFill>
-                <a:latin typeface="+mn-lt"/>
-                <a:ea typeface="+mn-ea"/>
-                <a:cs typeface="+mn-cs"/>
-              </a:defRPr>
-            </a:lvl7pPr>
-            <a:lvl8pPr marL="3429000" indent="-228600" algn="l" defTabSz="914400" rtl="0" eaLnBrk="1" latinLnBrk="0" hangingPunct="1">
-              <a:spcBef>
-                <a:spcPct val="20000"/>
-              </a:spcBef>
-              <a:buFont typeface="Arial" pitchFamily="34" charset="0"/>
-              <a:buChar char="•"/>
-              <a:defRPr sz="2000" kern="1200">
-                <a:solidFill>
-                  <a:schemeClr val="tx1"/>
-                </a:solidFill>
-                <a:latin typeface="+mn-lt"/>
-                <a:ea typeface="+mn-ea"/>
-                <a:cs typeface="+mn-cs"/>
-              </a:defRPr>
-            </a:lvl8pPr>
-            <a:lvl9pPr marL="3886200" indent="-228600" algn="l" defTabSz="914400" rtl="0" eaLnBrk="1" latinLnBrk="0" hangingPunct="1">
-              <a:spcBef>
-                <a:spcPct val="20000"/>
-              </a:spcBef>
-              <a:buFont typeface="Arial" pitchFamily="34" charset="0"/>
-              <a:buChar char="•"/>
-              <a:defRPr sz="2000" kern="1200">
-                <a:solidFill>
-                  <a:schemeClr val="tx1"/>
-                </a:solidFill>
-                <a:latin typeface="+mn-lt"/>
-                <a:ea typeface="+mn-ea"/>
-                <a:cs typeface="+mn-cs"/>
-              </a:defRPr>
-            </a:lvl9pPr>
-          </a:lstStyle>
           <a:p>
             <a:pPr marL="0" indent="0" algn="ctr">
               <a:buNone/>
             </a:pPr>
             <a:r>
-              <a:rPr lang="zh-TW" altLang="en-US" sz="4400" b="1" dirty="0" smtClean="0">
-                <a:solidFill>
-                  <a:schemeClr val="bg1"/>
-                </a:solidFill>
-                <a:latin typeface="標楷體" pitchFamily="65" charset="-120"/>
-                <a:ea typeface="標楷體" pitchFamily="65" charset="-120"/>
-              </a:rPr>
-              <a:t>看顧</a:t>
-            </a:r>
-            <a:endParaRPr lang="en-US" altLang="zh-TW" sz="4400" b="1" dirty="0" smtClean="0">
+              <a:rPr lang="en-US" altLang="zh-TW" sz="3600" dirty="0" err="1" smtClean="0"/>
+              <a:t>Tā</a:t>
+            </a:r>
+            <a:r>
+              <a:rPr lang="en-US" altLang="zh-TW" sz="3600" dirty="0" smtClean="0"/>
+              <a:t> men </a:t>
+            </a:r>
+            <a:r>
+              <a:rPr lang="en-US" altLang="zh-TW" sz="3600" dirty="0" err="1"/>
+              <a:t>cóng</a:t>
+            </a:r>
+            <a:r>
+              <a:rPr lang="en-US" altLang="zh-TW" sz="3600" dirty="0"/>
+              <a:t> </a:t>
+            </a:r>
+            <a:r>
+              <a:rPr lang="en-US" altLang="zh-TW" sz="3600" dirty="0" err="1"/>
+              <a:t>bù</a:t>
+            </a:r>
+            <a:r>
+              <a:rPr lang="en-US" altLang="zh-TW" sz="3600" dirty="0"/>
+              <a:t> </a:t>
+            </a:r>
+            <a:r>
+              <a:rPr lang="en-US" altLang="zh-TW" sz="3600" dirty="0" err="1" smtClean="0"/>
+              <a:t>dān</a:t>
+            </a:r>
+            <a:r>
+              <a:rPr lang="en-US" altLang="zh-TW" sz="3600" dirty="0" smtClean="0"/>
+              <a:t> </a:t>
+            </a:r>
+            <a:r>
+              <a:rPr lang="en-US" altLang="zh-TW" sz="3600" dirty="0" err="1" smtClean="0"/>
+              <a:t>xīn</a:t>
+            </a:r>
+            <a:r>
+              <a:rPr lang="en-US" altLang="zh-TW" sz="3600" dirty="0" smtClean="0"/>
+              <a:t> </a:t>
+            </a:r>
+            <a:r>
+              <a:rPr lang="en-US" altLang="zh-TW" sz="3600" dirty="0" err="1"/>
+              <a:t>huò</a:t>
+            </a:r>
+            <a:r>
+              <a:rPr lang="en-US" altLang="zh-TW" sz="3600" dirty="0"/>
+              <a:t> </a:t>
+            </a:r>
+            <a:r>
+              <a:rPr lang="en-US" altLang="zh-TW" sz="3600" dirty="0" err="1" smtClean="0"/>
+              <a:t>yōu</a:t>
+            </a:r>
+            <a:r>
+              <a:rPr lang="en-US" altLang="zh-TW" sz="3600" dirty="0" smtClean="0"/>
+              <a:t> </a:t>
+            </a:r>
+            <a:r>
+              <a:rPr lang="en-US" altLang="zh-TW" sz="3600" dirty="0" err="1" smtClean="0"/>
+              <a:t>lǜ</a:t>
+            </a:r>
+            <a:endParaRPr lang="zh-TW" altLang="en-US" sz="3600" b="1" dirty="0">
               <a:solidFill>
-                <a:schemeClr val="bg1"/>
+                <a:srgbClr val="0070C0"/>
               </a:solidFill>
               <a:latin typeface="標楷體" pitchFamily="65" charset="-120"/>
               <a:ea typeface="標楷體" pitchFamily="65" charset="-120"/>
             </a:endParaRPr>
           </a:p>
-          <a:p>
-            <a:pPr marL="0" indent="0" algn="ctr">
-              <a:buNone/>
-            </a:pPr>
-            <a:r>
-              <a:rPr lang="en-US" altLang="zh-TW" sz="2800" dirty="0" err="1" smtClean="0">
-                <a:solidFill>
-                  <a:schemeClr val="bg1"/>
-                </a:solidFill>
-              </a:rPr>
-              <a:t>kàn</a:t>
-            </a:r>
-            <a:r>
-              <a:rPr lang="en-US" altLang="zh-TW" sz="2800" dirty="0" smtClean="0">
-                <a:solidFill>
-                  <a:schemeClr val="bg1"/>
-                </a:solidFill>
-              </a:rPr>
-              <a:t> </a:t>
-            </a:r>
-            <a:r>
-              <a:rPr lang="en-US" altLang="zh-TW" sz="2800" dirty="0" err="1" smtClean="0">
-                <a:solidFill>
-                  <a:schemeClr val="bg1"/>
-                </a:solidFill>
-              </a:rPr>
-              <a:t>gù</a:t>
-            </a:r>
-            <a:endParaRPr lang="en-US" altLang="zh-TW" sz="2800" dirty="0" smtClean="0">
-              <a:solidFill>
-                <a:schemeClr val="bg1"/>
-              </a:solidFill>
-            </a:endParaRPr>
-          </a:p>
-          <a:p>
-            <a:pPr marL="0" indent="0" algn="ctr">
-              <a:buNone/>
-            </a:pPr>
-            <a:r>
-              <a:rPr lang="zh-TW" altLang="en-US" sz="4400" b="1" dirty="0" smtClean="0">
-                <a:solidFill>
-                  <a:schemeClr val="bg1"/>
-                </a:solidFill>
-                <a:latin typeface="標楷體" pitchFamily="65" charset="-120"/>
-                <a:ea typeface="標楷體" pitchFamily="65" charset="-120"/>
-              </a:rPr>
-              <a:t>這一生</a:t>
-            </a:r>
-            <a:endParaRPr lang="en-US" altLang="zh-TW" sz="4400" b="1" dirty="0">
-              <a:solidFill>
-                <a:schemeClr val="bg1"/>
-              </a:solidFill>
-              <a:latin typeface="標楷體" pitchFamily="65" charset="-120"/>
-              <a:ea typeface="標楷體" pitchFamily="65" charset="-120"/>
-            </a:endParaRPr>
-          </a:p>
-          <a:p>
-            <a:pPr marL="0" indent="0" algn="ctr">
-              <a:buNone/>
-            </a:pPr>
-            <a:r>
-              <a:rPr lang="en-US" altLang="zh-TW" sz="2400" dirty="0" err="1" smtClean="0">
-                <a:solidFill>
-                  <a:schemeClr val="bg1"/>
-                </a:solidFill>
-              </a:rPr>
-              <a:t>zhè</a:t>
-            </a:r>
-            <a:r>
-              <a:rPr lang="en-US" altLang="zh-TW" sz="2400" dirty="0" smtClean="0">
-                <a:solidFill>
-                  <a:schemeClr val="bg1"/>
-                </a:solidFill>
-              </a:rPr>
-              <a:t> </a:t>
-            </a:r>
-            <a:r>
-              <a:rPr lang="en-US" altLang="zh-TW" sz="2400" dirty="0" err="1">
-                <a:solidFill>
-                  <a:schemeClr val="bg1"/>
-                </a:solidFill>
-              </a:rPr>
-              <a:t>yī</a:t>
-            </a:r>
-            <a:r>
-              <a:rPr lang="en-US" altLang="zh-TW" sz="2400" dirty="0">
-                <a:solidFill>
-                  <a:schemeClr val="bg1"/>
-                </a:solidFill>
-              </a:rPr>
-              <a:t> </a:t>
-            </a:r>
-            <a:r>
-              <a:rPr lang="en-US" altLang="zh-TW" sz="2400" dirty="0" err="1">
-                <a:solidFill>
-                  <a:schemeClr val="bg1"/>
-                </a:solidFill>
-              </a:rPr>
-              <a:t>shēng</a:t>
-            </a:r>
-            <a:r>
-              <a:rPr lang="en-US" altLang="zh-TW" sz="2400" dirty="0">
-                <a:solidFill>
-                  <a:schemeClr val="bg1"/>
-                </a:solidFill>
-              </a:rPr>
-              <a:t> </a:t>
-            </a:r>
-            <a:endParaRPr lang="en-US" altLang="zh-TW" sz="2400" dirty="0" smtClean="0">
-              <a:solidFill>
-                <a:schemeClr val="bg1"/>
-              </a:solidFill>
-            </a:endParaRPr>
-          </a:p>
-          <a:p>
-            <a:pPr marL="0" indent="0" algn="ctr">
-              <a:buNone/>
-            </a:pPr>
-            <a:r>
-              <a:rPr lang="zh-TW" altLang="en-US" sz="4400" b="1" dirty="0" smtClean="0">
-                <a:solidFill>
-                  <a:schemeClr val="bg1"/>
-                </a:solidFill>
-                <a:latin typeface="標楷體" pitchFamily="65" charset="-120"/>
-                <a:ea typeface="標楷體" pitchFamily="65" charset="-120"/>
-              </a:rPr>
-              <a:t>都</a:t>
-            </a:r>
-            <a:endParaRPr lang="en-US" altLang="zh-TW" sz="4400" b="1" dirty="0" smtClean="0">
-              <a:solidFill>
-                <a:schemeClr val="bg1"/>
-              </a:solidFill>
-              <a:latin typeface="標楷體" pitchFamily="65" charset="-120"/>
-              <a:ea typeface="標楷體" pitchFamily="65" charset="-120"/>
-            </a:endParaRPr>
-          </a:p>
-          <a:p>
-            <a:pPr marL="0" indent="0" algn="ctr">
-              <a:buNone/>
-            </a:pPr>
-            <a:r>
-              <a:rPr lang="en-US" altLang="zh-TW" sz="2800" dirty="0" err="1" smtClean="0">
-                <a:solidFill>
-                  <a:schemeClr val="bg1"/>
-                </a:solidFill>
-              </a:rPr>
-              <a:t>dōu</a:t>
-            </a:r>
-            <a:endParaRPr lang="en-US" altLang="zh-TW" sz="2800" dirty="0">
-              <a:solidFill>
-                <a:schemeClr val="bg1"/>
-              </a:solidFill>
-            </a:endParaRPr>
-          </a:p>
-        </p:txBody>
-      </p:sp>
-      <p:sp>
-        <p:nvSpPr>
-          <p:cNvPr id="7" name="內容版面配置區 2"/>
-          <p:cNvSpPr txBox="1">
-            <a:spLocks/>
-          </p:cNvSpPr>
-          <p:nvPr/>
-        </p:nvSpPr>
-        <p:spPr>
-          <a:xfrm>
-            <a:off x="6429388" y="285734"/>
-            <a:ext cx="2088232" cy="4428492"/>
-          </a:xfrm>
-          <a:prstGeom prst="rect">
-            <a:avLst/>
-          </a:prstGeom>
-        </p:spPr>
-        <p:txBody>
-          <a:bodyPr vert="horz" lIns="91440" tIns="45720" rIns="91440" bIns="45720" rtlCol="0">
-            <a:noAutofit/>
-          </a:bodyPr>
-          <a:lstStyle>
-            <a:lvl1pPr marL="342900" indent="-342900" algn="l" defTabSz="914400" rtl="0" eaLnBrk="1" latinLnBrk="0" hangingPunct="1">
-              <a:spcBef>
-                <a:spcPct val="20000"/>
-              </a:spcBef>
-              <a:buFont typeface="Arial" pitchFamily="34" charset="0"/>
-              <a:buChar char="•"/>
-              <a:defRPr sz="3200" kern="1200">
-                <a:solidFill>
-                  <a:schemeClr val="tx1"/>
-                </a:solidFill>
-                <a:latin typeface="+mn-lt"/>
-                <a:ea typeface="+mn-ea"/>
-                <a:cs typeface="+mn-cs"/>
-              </a:defRPr>
-            </a:lvl1pPr>
-            <a:lvl2pPr marL="742950" indent="-285750" algn="l" defTabSz="914400" rtl="0" eaLnBrk="1" latinLnBrk="0" hangingPunct="1">
-              <a:spcBef>
-                <a:spcPct val="20000"/>
-              </a:spcBef>
-              <a:buFont typeface="Arial" pitchFamily="34" charset="0"/>
-              <a:buChar char="–"/>
-              <a:defRPr sz="2800" kern="1200">
-                <a:solidFill>
-                  <a:schemeClr val="tx1"/>
-                </a:solidFill>
-                <a:latin typeface="+mn-lt"/>
-                <a:ea typeface="+mn-ea"/>
-                <a:cs typeface="+mn-cs"/>
-              </a:defRPr>
-            </a:lvl2pPr>
-            <a:lvl3pPr marL="1143000" indent="-228600" algn="l" defTabSz="914400" rtl="0" eaLnBrk="1" latinLnBrk="0" hangingPunct="1">
-              <a:spcBef>
-                <a:spcPct val="20000"/>
-              </a:spcBef>
-              <a:buFont typeface="Arial" pitchFamily="34" charset="0"/>
-              <a:buChar char="•"/>
-              <a:defRPr sz="2400" kern="1200">
-                <a:solidFill>
-                  <a:schemeClr val="tx1"/>
-                </a:solidFill>
-                <a:latin typeface="+mn-lt"/>
-                <a:ea typeface="+mn-ea"/>
-                <a:cs typeface="+mn-cs"/>
-              </a:defRPr>
-            </a:lvl3pPr>
-            <a:lvl4pPr marL="1600200" indent="-228600" algn="l" defTabSz="914400" rtl="0" eaLnBrk="1" latinLnBrk="0" hangingPunct="1">
-              <a:spcBef>
-                <a:spcPct val="20000"/>
-              </a:spcBef>
-              <a:buFont typeface="Arial" pitchFamily="34" charset="0"/>
-              <a:buChar char="–"/>
-              <a:defRPr sz="2000" kern="1200">
-                <a:solidFill>
-                  <a:schemeClr val="tx1"/>
-                </a:solidFill>
-                <a:latin typeface="+mn-lt"/>
-                <a:ea typeface="+mn-ea"/>
-                <a:cs typeface="+mn-cs"/>
-              </a:defRPr>
-            </a:lvl4pPr>
-            <a:lvl5pPr marL="2057400" indent="-228600" algn="l" defTabSz="914400" rtl="0" eaLnBrk="1" latinLnBrk="0" hangingPunct="1">
-              <a:spcBef>
-                <a:spcPct val="20000"/>
-              </a:spcBef>
-              <a:buFont typeface="Arial" pitchFamily="34" charset="0"/>
-              <a:buChar char="»"/>
-              <a:defRPr sz="2000" kern="1200">
-                <a:solidFill>
-                  <a:schemeClr val="tx1"/>
-                </a:solidFill>
-                <a:latin typeface="+mn-lt"/>
-                <a:ea typeface="+mn-ea"/>
-                <a:cs typeface="+mn-cs"/>
-              </a:defRPr>
-            </a:lvl5pPr>
-            <a:lvl6pPr marL="2514600" indent="-228600" algn="l" defTabSz="914400" rtl="0" eaLnBrk="1" latinLnBrk="0" hangingPunct="1">
-              <a:spcBef>
-                <a:spcPct val="20000"/>
-              </a:spcBef>
-              <a:buFont typeface="Arial" pitchFamily="34" charset="0"/>
-              <a:buChar char="•"/>
-              <a:defRPr sz="2000" kern="1200">
-                <a:solidFill>
-                  <a:schemeClr val="tx1"/>
-                </a:solidFill>
-                <a:latin typeface="+mn-lt"/>
-                <a:ea typeface="+mn-ea"/>
-                <a:cs typeface="+mn-cs"/>
-              </a:defRPr>
-            </a:lvl6pPr>
-            <a:lvl7pPr marL="2971800" indent="-228600" algn="l" defTabSz="914400" rtl="0" eaLnBrk="1" latinLnBrk="0" hangingPunct="1">
-              <a:spcBef>
-                <a:spcPct val="20000"/>
-              </a:spcBef>
-              <a:buFont typeface="Arial" pitchFamily="34" charset="0"/>
-              <a:buChar char="•"/>
-              <a:defRPr sz="2000" kern="1200">
-                <a:solidFill>
-                  <a:schemeClr val="tx1"/>
-                </a:solidFill>
-                <a:latin typeface="+mn-lt"/>
-                <a:ea typeface="+mn-ea"/>
-                <a:cs typeface="+mn-cs"/>
-              </a:defRPr>
-            </a:lvl7pPr>
-            <a:lvl8pPr marL="3429000" indent="-228600" algn="l" defTabSz="914400" rtl="0" eaLnBrk="1" latinLnBrk="0" hangingPunct="1">
-              <a:spcBef>
-                <a:spcPct val="20000"/>
-              </a:spcBef>
-              <a:buFont typeface="Arial" pitchFamily="34" charset="0"/>
-              <a:buChar char="•"/>
-              <a:defRPr sz="2000" kern="1200">
-                <a:solidFill>
-                  <a:schemeClr val="tx1"/>
-                </a:solidFill>
-                <a:latin typeface="+mn-lt"/>
-                <a:ea typeface="+mn-ea"/>
-                <a:cs typeface="+mn-cs"/>
-              </a:defRPr>
-            </a:lvl8pPr>
-            <a:lvl9pPr marL="3886200" indent="-228600" algn="l" defTabSz="914400" rtl="0" eaLnBrk="1" latinLnBrk="0" hangingPunct="1">
-              <a:spcBef>
-                <a:spcPct val="20000"/>
-              </a:spcBef>
-              <a:buFont typeface="Arial" pitchFamily="34" charset="0"/>
-              <a:buChar char="•"/>
-              <a:defRPr sz="2000" kern="1200">
-                <a:solidFill>
-                  <a:schemeClr val="tx1"/>
-                </a:solidFill>
-                <a:latin typeface="+mn-lt"/>
-                <a:ea typeface="+mn-ea"/>
-                <a:cs typeface="+mn-cs"/>
-              </a:defRPr>
-            </a:lvl9pPr>
-          </a:lstStyle>
-          <a:p>
-            <a:pPr marL="0" indent="0" algn="ctr">
-              <a:buNone/>
-            </a:pPr>
-            <a:r>
-              <a:rPr lang="zh-TW" altLang="en-US" sz="4400" b="1" dirty="0">
-                <a:solidFill>
-                  <a:schemeClr val="bg1"/>
-                </a:solidFill>
-                <a:latin typeface="標楷體" pitchFamily="65" charset="-120"/>
-                <a:ea typeface="標楷體" pitchFamily="65" charset="-120"/>
-              </a:rPr>
-              <a:t>與</a:t>
-            </a:r>
-            <a:r>
-              <a:rPr lang="zh-TW" altLang="en-US" sz="4400" b="1" dirty="0" smtClean="0">
-                <a:solidFill>
-                  <a:schemeClr val="bg1"/>
-                </a:solidFill>
-                <a:latin typeface="標楷體" pitchFamily="65" charset="-120"/>
-                <a:ea typeface="標楷體" pitchFamily="65" charset="-120"/>
-              </a:rPr>
-              <a:t>你</a:t>
-            </a:r>
-            <a:endParaRPr lang="en-US" altLang="zh-TW" sz="4400" b="1" dirty="0" smtClean="0">
-              <a:solidFill>
-                <a:schemeClr val="bg1"/>
-              </a:solidFill>
-              <a:latin typeface="標楷體" pitchFamily="65" charset="-120"/>
-              <a:ea typeface="標楷體" pitchFamily="65" charset="-120"/>
-            </a:endParaRPr>
-          </a:p>
-          <a:p>
-            <a:pPr marL="0" indent="0" algn="ctr">
-              <a:buNone/>
-            </a:pPr>
-            <a:r>
-              <a:rPr lang="en-US" altLang="zh-TW" sz="2800" dirty="0" err="1" smtClean="0">
-                <a:solidFill>
-                  <a:schemeClr val="bg1"/>
-                </a:solidFill>
-              </a:rPr>
-              <a:t>yǔ</a:t>
-            </a:r>
-            <a:r>
-              <a:rPr lang="en-US" altLang="zh-TW" sz="2800" dirty="0" smtClean="0">
-                <a:solidFill>
-                  <a:schemeClr val="bg1"/>
-                </a:solidFill>
-              </a:rPr>
-              <a:t> </a:t>
-            </a:r>
-            <a:r>
-              <a:rPr lang="en-US" altLang="zh-TW" sz="2800" dirty="0" err="1">
-                <a:solidFill>
-                  <a:schemeClr val="bg1"/>
-                </a:solidFill>
-              </a:rPr>
-              <a:t>nǐ</a:t>
-            </a:r>
-            <a:r>
-              <a:rPr lang="en-US" altLang="zh-TW" sz="2800" dirty="0">
-                <a:solidFill>
-                  <a:schemeClr val="bg1"/>
-                </a:solidFill>
-              </a:rPr>
-              <a:t> </a:t>
-            </a:r>
-            <a:endParaRPr lang="en-US" altLang="zh-TW" sz="2800" dirty="0" smtClean="0">
-              <a:solidFill>
-                <a:schemeClr val="bg1"/>
-              </a:solidFill>
-            </a:endParaRPr>
-          </a:p>
-          <a:p>
-            <a:pPr marL="0" indent="0" algn="ctr">
-              <a:buNone/>
-            </a:pPr>
-            <a:r>
-              <a:rPr lang="zh-TW" altLang="en-US" sz="4400" b="1" dirty="0">
-                <a:solidFill>
-                  <a:schemeClr val="bg1"/>
-                </a:solidFill>
-                <a:latin typeface="標楷體" pitchFamily="65" charset="-120"/>
-                <a:ea typeface="標楷體" pitchFamily="65" charset="-120"/>
-              </a:rPr>
-              <a:t>同行</a:t>
-            </a:r>
-            <a:endParaRPr lang="en-US" altLang="zh-TW" sz="4400" b="1" dirty="0">
-              <a:solidFill>
-                <a:schemeClr val="bg1"/>
-              </a:solidFill>
-              <a:latin typeface="標楷體" pitchFamily="65" charset="-120"/>
-              <a:ea typeface="標楷體" pitchFamily="65" charset="-120"/>
-            </a:endParaRPr>
-          </a:p>
-          <a:p>
-            <a:pPr marL="0" indent="0" algn="ctr">
-              <a:buNone/>
-            </a:pPr>
-            <a:r>
-              <a:rPr lang="en-US" altLang="zh-TW" sz="2800" dirty="0" err="1" smtClean="0">
-                <a:solidFill>
-                  <a:schemeClr val="bg1"/>
-                </a:solidFill>
-              </a:rPr>
-              <a:t>tóng</a:t>
-            </a:r>
-            <a:r>
-              <a:rPr lang="en-US" altLang="zh-TW" sz="2800" dirty="0" smtClean="0">
-                <a:solidFill>
-                  <a:schemeClr val="bg1"/>
-                </a:solidFill>
-              </a:rPr>
-              <a:t> </a:t>
-            </a:r>
-            <a:r>
-              <a:rPr lang="en-US" altLang="zh-TW" sz="2800" dirty="0" err="1" smtClean="0">
-                <a:solidFill>
-                  <a:schemeClr val="bg1"/>
-                </a:solidFill>
-              </a:rPr>
-              <a:t>xíng</a:t>
-            </a:r>
-            <a:endParaRPr lang="zh-TW" altLang="en-US" sz="2800" dirty="0">
-              <a:solidFill>
-                <a:schemeClr val="bg1"/>
-              </a:solidFill>
-            </a:endParaRPr>
-          </a:p>
         </p:txBody>
       </p:sp>
     </p:spTree>
     <p:extLst>
       <p:ext uri="{BB962C8B-B14F-4D97-AF65-F5344CB8AC3E}">
-        <p14:creationId xmlns:p14="http://schemas.microsoft.com/office/powerpoint/2010/main" xmlns="" val="2935968495"/>
+        <p14:creationId xmlns="" xmlns:p14="http://schemas.microsoft.com/office/powerpoint/2010/main" val="2296093460"/>
       </p:ext>
     </p:extLst>
   </p:cSld>
   <p:clrMapOvr>
     <a:masterClrMapping/>
   </p:clrMapOvr>
+  <p:timing>
+    <p:tnLst>
+      <p:par>
+        <p:cTn id="1" dur="indefinite" restart="never" nodeType="tmRoot"/>
+      </p:par>
+    </p:tnLst>
+  </p:timing>
 </p:sld>
 </file>
 
 <file path=ppt/slides/slide7.xml><?xml version="1.0" encoding="utf-8"?>
+<p:sld xmlns:a="http://schemas.openxmlformats.org/drawingml/2006/main" xmlns:r="http://schemas.openxmlformats.org/officeDocument/2006/relationships" xmlns:p="http://schemas.openxmlformats.org/presentationml/2006/main">
+  <p:cSld>
+    <p:spTree>
+      <p:nvGrpSpPr>
+        <p:cNvPr id="1" name=""/>
+        <p:cNvGrpSpPr/>
+        <p:nvPr/>
+      </p:nvGrpSpPr>
+      <p:grpSpPr>
+        <a:xfrm>
+          <a:off x="0" y="0"/>
+          <a:ext cx="0" cy="0"/>
+          <a:chOff x="0" y="0"/>
+          <a:chExt cx="0" cy="0"/>
+        </a:xfrm>
+      </p:grpSpPr>
+      <p:pic>
+        <p:nvPicPr>
+          <p:cNvPr id="4" name="Picture 2" descr="ç¸éåç"/>
+          <p:cNvPicPr>
+            <a:picLocks noChangeAspect="1" noChangeArrowheads="1"/>
+          </p:cNvPicPr>
+          <p:nvPr/>
+        </p:nvPicPr>
+        <p:blipFill>
+          <a:blip r:embed="rId2">
+            <a:extLst>
+              <a:ext uri="{28A0092B-C50C-407E-A947-70E740481C1C}">
+                <a14:useLocalDpi xmlns="" xmlns:a14="http://schemas.microsoft.com/office/drawing/2010/main" val="0"/>
+              </a:ext>
+            </a:extLst>
+          </a:blip>
+          <a:srcRect/>
+          <a:stretch>
+            <a:fillRect/>
+          </a:stretch>
+        </p:blipFill>
+        <p:spPr bwMode="auto">
+          <a:xfrm>
+            <a:off x="0" y="-4260"/>
+            <a:ext cx="9144000" cy="5143500"/>
+          </a:xfrm>
+          <a:prstGeom prst="rect">
+            <a:avLst/>
+          </a:prstGeom>
+          <a:noFill/>
+          <a:extLst>
+            <a:ext uri="{909E8E84-426E-40DD-AFC4-6F175D3DCCD1}">
+              <a14:hiddenFill xmlns="" xmlns:a14="http://schemas.microsoft.com/office/drawing/2010/main">
+                <a:solidFill>
+                  <a:srgbClr val="FFFFFF"/>
+                </a:solidFill>
+              </a14:hiddenFill>
+            </a:ext>
+          </a:extLst>
+        </p:spPr>
+      </p:pic>
+      <p:sp>
+        <p:nvSpPr>
+          <p:cNvPr id="3" name="內容版面配置區 2"/>
+          <p:cNvSpPr>
+            <a:spLocks noGrp="1"/>
+          </p:cNvSpPr>
+          <p:nvPr>
+            <p:ph idx="1"/>
+          </p:nvPr>
+        </p:nvSpPr>
+        <p:spPr>
+          <a:xfrm>
+            <a:off x="323528" y="357504"/>
+            <a:ext cx="8568952" cy="4536504"/>
+          </a:xfrm>
+        </p:spPr>
+        <p:txBody>
+          <a:bodyPr>
+            <a:noAutofit/>
+          </a:bodyPr>
+          <a:lstStyle/>
+          <a:p>
+            <a:pPr marL="0" indent="0" algn="ctr">
+              <a:buNone/>
+            </a:pPr>
+            <a:r>
+              <a:rPr lang="zh-TW" altLang="en-US" sz="4800" b="1" dirty="0" smtClean="0">
+                <a:solidFill>
+                  <a:srgbClr val="0070C0"/>
+                </a:solidFill>
+                <a:latin typeface="標楷體" pitchFamily="65" charset="-120"/>
+                <a:ea typeface="標楷體" pitchFamily="65" charset="-120"/>
+              </a:rPr>
+              <a:t>好</a:t>
+            </a:r>
+            <a:r>
+              <a:rPr lang="zh-TW" altLang="en-US" sz="4800" b="1" dirty="0">
+                <a:solidFill>
+                  <a:srgbClr val="0070C0"/>
+                </a:solidFill>
+                <a:latin typeface="標楷體" pitchFamily="65" charset="-120"/>
+                <a:ea typeface="標楷體" pitchFamily="65" charset="-120"/>
+              </a:rPr>
+              <a:t>溫暖的太陽</a:t>
+            </a:r>
+            <a:r>
+              <a:rPr lang="zh-TW" altLang="en-US" sz="4800" b="1" dirty="0" smtClean="0">
+                <a:solidFill>
+                  <a:srgbClr val="0070C0"/>
+                </a:solidFill>
+                <a:latin typeface="標楷體" pitchFamily="65" charset="-120"/>
+                <a:ea typeface="標楷體" pitchFamily="65" charset="-120"/>
+              </a:rPr>
+              <a:t>升起</a:t>
+            </a:r>
+            <a:endParaRPr lang="en-US" altLang="zh-TW" sz="4800" b="1" dirty="0" smtClean="0">
+              <a:solidFill>
+                <a:srgbClr val="0070C0"/>
+              </a:solidFill>
+              <a:latin typeface="標楷體" pitchFamily="65" charset="-120"/>
+              <a:ea typeface="標楷體" pitchFamily="65" charset="-120"/>
+            </a:endParaRPr>
+          </a:p>
+          <a:p>
+            <a:pPr marL="0" indent="0" algn="ctr">
+              <a:buNone/>
+            </a:pPr>
+            <a:r>
+              <a:rPr lang="en-US" altLang="zh-TW" sz="3600" dirty="0" err="1"/>
+              <a:t>hǎo</a:t>
+            </a:r>
+            <a:r>
+              <a:rPr lang="en-US" altLang="zh-TW" sz="3600" dirty="0"/>
+              <a:t> </a:t>
+            </a:r>
+            <a:r>
+              <a:rPr lang="en-US" altLang="zh-TW" sz="3600" dirty="0" err="1" smtClean="0"/>
+              <a:t>wēn</a:t>
+            </a:r>
+            <a:r>
+              <a:rPr lang="en-US" altLang="zh-TW" sz="3600" dirty="0" smtClean="0"/>
+              <a:t> </a:t>
+            </a:r>
+            <a:r>
+              <a:rPr lang="en-US" altLang="zh-TW" sz="3600" dirty="0" err="1" smtClean="0"/>
+              <a:t>nuǎn</a:t>
+            </a:r>
+            <a:r>
+              <a:rPr lang="en-US" altLang="zh-TW" sz="3600" dirty="0" smtClean="0"/>
+              <a:t> </a:t>
+            </a:r>
+            <a:r>
+              <a:rPr lang="en-US" altLang="zh-TW" sz="3600" dirty="0"/>
+              <a:t>de </a:t>
+            </a:r>
+            <a:r>
+              <a:rPr lang="en-US" altLang="zh-TW" sz="3600" dirty="0" err="1" smtClean="0"/>
+              <a:t>tài</a:t>
+            </a:r>
+            <a:r>
+              <a:rPr lang="en-US" altLang="zh-TW" sz="3600" dirty="0" smtClean="0"/>
+              <a:t> </a:t>
+            </a:r>
+            <a:r>
+              <a:rPr lang="en-US" altLang="zh-TW" sz="3600" dirty="0" err="1" smtClean="0"/>
+              <a:t>yáng</a:t>
+            </a:r>
+            <a:r>
+              <a:rPr lang="en-US" altLang="zh-TW" sz="3600" dirty="0" smtClean="0"/>
+              <a:t> </a:t>
+            </a:r>
+            <a:r>
+              <a:rPr lang="en-US" altLang="zh-TW" sz="3600" dirty="0" err="1"/>
+              <a:t>shēng</a:t>
+            </a:r>
+            <a:r>
+              <a:rPr lang="en-US" altLang="zh-TW" sz="3600" dirty="0"/>
+              <a:t> </a:t>
+            </a:r>
+            <a:r>
+              <a:rPr lang="en-US" altLang="zh-TW" sz="3600" dirty="0" err="1" smtClean="0"/>
+              <a:t>qǐ</a:t>
+            </a:r>
+            <a:endParaRPr lang="en-US" altLang="zh-TW" sz="3600" b="1" dirty="0" smtClean="0">
+              <a:solidFill>
+                <a:srgbClr val="0070C0"/>
+              </a:solidFill>
+              <a:latin typeface="標楷體" pitchFamily="65" charset="-120"/>
+              <a:ea typeface="標楷體" pitchFamily="65" charset="-120"/>
+            </a:endParaRPr>
+          </a:p>
+          <a:p>
+            <a:pPr marL="0" indent="0" algn="ctr">
+              <a:buNone/>
+            </a:pPr>
+            <a:r>
+              <a:rPr lang="zh-TW" altLang="en-US" sz="4800" b="1" dirty="0" smtClean="0">
+                <a:solidFill>
+                  <a:srgbClr val="0070C0"/>
+                </a:solidFill>
+                <a:latin typeface="標楷體" pitchFamily="65" charset="-120"/>
+                <a:ea typeface="標楷體" pitchFamily="65" charset="-120"/>
+              </a:rPr>
+              <a:t>天空</a:t>
+            </a:r>
+            <a:r>
+              <a:rPr lang="zh-TW" altLang="en-US" sz="4800" b="1" dirty="0">
+                <a:solidFill>
+                  <a:srgbClr val="0070C0"/>
+                </a:solidFill>
+                <a:latin typeface="標楷體" pitchFamily="65" charset="-120"/>
+                <a:ea typeface="標楷體" pitchFamily="65" charset="-120"/>
+              </a:rPr>
+              <a:t>落下的小小</a:t>
+            </a:r>
+            <a:r>
+              <a:rPr lang="zh-TW" altLang="en-US" sz="4800" b="1" dirty="0" smtClean="0">
+                <a:solidFill>
+                  <a:srgbClr val="0070C0"/>
+                </a:solidFill>
+                <a:latin typeface="標楷體" pitchFamily="65" charset="-120"/>
+                <a:ea typeface="標楷體" pitchFamily="65" charset="-120"/>
+              </a:rPr>
+              <a:t>雨滴</a:t>
+            </a:r>
+            <a:endParaRPr lang="en-US" altLang="zh-TW" sz="4800" b="1" dirty="0" smtClean="0">
+              <a:solidFill>
+                <a:srgbClr val="0070C0"/>
+              </a:solidFill>
+              <a:latin typeface="標楷體" pitchFamily="65" charset="-120"/>
+              <a:ea typeface="標楷體" pitchFamily="65" charset="-120"/>
+            </a:endParaRPr>
+          </a:p>
+          <a:p>
+            <a:pPr marL="0" indent="0" algn="ctr">
+              <a:buNone/>
+            </a:pPr>
+            <a:r>
+              <a:rPr lang="en-US" altLang="zh-TW" sz="3600" dirty="0" err="1" smtClean="0"/>
+              <a:t>Tiān</a:t>
+            </a:r>
+            <a:r>
+              <a:rPr lang="en-US" altLang="zh-TW" sz="3600" dirty="0" smtClean="0"/>
+              <a:t> </a:t>
+            </a:r>
+            <a:r>
+              <a:rPr lang="en-US" altLang="zh-TW" sz="3600" dirty="0" err="1" smtClean="0"/>
+              <a:t>kōng</a:t>
+            </a:r>
+            <a:r>
+              <a:rPr lang="en-US" altLang="zh-TW" sz="3600" dirty="0" smtClean="0"/>
+              <a:t> </a:t>
+            </a:r>
+            <a:r>
+              <a:rPr lang="en-US" altLang="zh-TW" sz="3600" dirty="0" err="1" smtClean="0"/>
+              <a:t>luò</a:t>
+            </a:r>
+            <a:r>
+              <a:rPr lang="en-US" altLang="zh-TW" sz="3600" dirty="0" smtClean="0"/>
+              <a:t> </a:t>
+            </a:r>
+            <a:r>
+              <a:rPr lang="en-US" altLang="zh-TW" sz="3600" dirty="0" err="1" smtClean="0"/>
+              <a:t>xià</a:t>
+            </a:r>
+            <a:r>
+              <a:rPr lang="en-US" altLang="zh-TW" sz="3600" dirty="0" smtClean="0"/>
+              <a:t> </a:t>
+            </a:r>
+            <a:r>
+              <a:rPr lang="en-US" altLang="zh-TW" sz="3600" dirty="0"/>
+              <a:t>de </a:t>
+            </a:r>
+            <a:r>
+              <a:rPr lang="en-US" altLang="zh-TW" sz="3600" dirty="0" err="1"/>
+              <a:t>xiǎo</a:t>
+            </a:r>
+            <a:r>
+              <a:rPr lang="en-US" altLang="zh-TW" sz="3600" dirty="0"/>
+              <a:t> </a:t>
+            </a:r>
+            <a:r>
+              <a:rPr lang="en-US" altLang="zh-TW" sz="3600" dirty="0" err="1"/>
+              <a:t>xiǎo</a:t>
+            </a:r>
+            <a:r>
+              <a:rPr lang="en-US" altLang="zh-TW" sz="3600" dirty="0"/>
+              <a:t> </a:t>
+            </a:r>
+            <a:r>
+              <a:rPr lang="en-US" altLang="zh-TW" sz="3600" dirty="0" err="1" smtClean="0"/>
+              <a:t>yǔ</a:t>
+            </a:r>
+            <a:r>
+              <a:rPr lang="en-US" altLang="zh-TW" sz="3600" dirty="0" smtClean="0"/>
+              <a:t> </a:t>
+            </a:r>
+            <a:r>
+              <a:rPr lang="en-US" altLang="zh-TW" sz="3600" dirty="0" err="1" smtClean="0"/>
+              <a:t>dī</a:t>
+            </a:r>
+            <a:r>
+              <a:rPr lang="en-US" altLang="zh-TW" sz="3600" dirty="0" smtClean="0"/>
+              <a:t> </a:t>
+            </a:r>
+          </a:p>
+          <a:p>
+            <a:pPr marL="0" indent="0" algn="ctr">
+              <a:buNone/>
+            </a:pPr>
+            <a:r>
+              <a:rPr lang="zh-TW" altLang="en-US" sz="4800" b="1" dirty="0" smtClean="0">
+                <a:solidFill>
+                  <a:srgbClr val="0070C0"/>
+                </a:solidFill>
+                <a:latin typeface="標楷體" pitchFamily="65" charset="-120"/>
+                <a:ea typeface="標楷體" pitchFamily="65" charset="-120"/>
+              </a:rPr>
+              <a:t>豐</a:t>
+            </a:r>
+            <a:r>
+              <a:rPr lang="zh-TW" altLang="en-US" sz="4800" b="1" dirty="0">
+                <a:solidFill>
+                  <a:srgbClr val="0070C0"/>
+                </a:solidFill>
+                <a:latin typeface="標楷體" pitchFamily="65" charset="-120"/>
+                <a:ea typeface="標楷體" pitchFamily="65" charset="-120"/>
+              </a:rPr>
+              <a:t>豐富富什麼都不</a:t>
+            </a:r>
+            <a:r>
+              <a:rPr lang="zh-TW" altLang="en-US" sz="4800" b="1" dirty="0" smtClean="0">
+                <a:solidFill>
+                  <a:srgbClr val="0070C0"/>
+                </a:solidFill>
+                <a:latin typeface="標楷體" pitchFamily="65" charset="-120"/>
+                <a:ea typeface="標楷體" pitchFamily="65" charset="-120"/>
+              </a:rPr>
+              <a:t>缺</a:t>
+            </a:r>
+            <a:endParaRPr lang="en-US" altLang="zh-TW" sz="4800" b="1" dirty="0" smtClean="0">
+              <a:solidFill>
+                <a:srgbClr val="0070C0"/>
+              </a:solidFill>
+              <a:latin typeface="標楷體" pitchFamily="65" charset="-120"/>
+              <a:ea typeface="標楷體" pitchFamily="65" charset="-120"/>
+            </a:endParaRPr>
+          </a:p>
+          <a:p>
+            <a:pPr marL="0" indent="0" algn="ctr">
+              <a:buNone/>
+            </a:pPr>
+            <a:r>
+              <a:rPr lang="en-US" altLang="zh-TW" sz="3600" dirty="0" err="1"/>
+              <a:t>fēng</a:t>
+            </a:r>
+            <a:r>
+              <a:rPr lang="en-US" altLang="zh-TW" sz="3600" dirty="0"/>
+              <a:t> </a:t>
+            </a:r>
+            <a:r>
+              <a:rPr lang="en-US" altLang="zh-TW" sz="3600" dirty="0" err="1" smtClean="0"/>
+              <a:t>fēng</a:t>
+            </a:r>
+            <a:r>
+              <a:rPr lang="en-US" altLang="zh-TW" sz="3600" dirty="0" smtClean="0"/>
+              <a:t> </a:t>
+            </a:r>
+            <a:r>
+              <a:rPr lang="en-US" altLang="zh-TW" sz="3600" dirty="0" err="1" smtClean="0"/>
+              <a:t>fù</a:t>
+            </a:r>
+            <a:r>
+              <a:rPr lang="en-US" altLang="zh-TW" sz="3600" dirty="0" smtClean="0"/>
+              <a:t> </a:t>
+            </a:r>
+            <a:r>
+              <a:rPr lang="en-US" altLang="zh-TW" sz="3600" dirty="0" err="1"/>
+              <a:t>fù</a:t>
+            </a:r>
+            <a:r>
+              <a:rPr lang="en-US" altLang="zh-TW" sz="3600" dirty="0"/>
+              <a:t> </a:t>
+            </a:r>
+            <a:r>
+              <a:rPr lang="en-US" altLang="zh-TW" sz="3600" dirty="0" err="1" smtClean="0"/>
+              <a:t>shén</a:t>
+            </a:r>
+            <a:r>
+              <a:rPr lang="en-US" altLang="zh-TW" sz="3600" dirty="0" smtClean="0"/>
+              <a:t> me </a:t>
+            </a:r>
+            <a:r>
+              <a:rPr lang="en-US" altLang="zh-TW" sz="3600" dirty="0" err="1"/>
+              <a:t>dōu</a:t>
+            </a:r>
+            <a:r>
+              <a:rPr lang="en-US" altLang="zh-TW" sz="3600" dirty="0"/>
+              <a:t> </a:t>
+            </a:r>
+            <a:r>
+              <a:rPr lang="en-US" altLang="zh-TW" sz="3600" dirty="0" err="1"/>
+              <a:t>bù</a:t>
+            </a:r>
+            <a:r>
+              <a:rPr lang="en-US" altLang="zh-TW" sz="3600" dirty="0"/>
+              <a:t> </a:t>
+            </a:r>
+            <a:r>
+              <a:rPr lang="en-US" altLang="zh-TW" sz="3600" dirty="0" err="1" smtClean="0"/>
+              <a:t>quē</a:t>
+            </a:r>
+            <a:endParaRPr lang="zh-TW" altLang="en-US" sz="3600" b="1" dirty="0">
+              <a:solidFill>
+                <a:srgbClr val="0070C0"/>
+              </a:solidFill>
+              <a:latin typeface="標楷體" pitchFamily="65" charset="-120"/>
+              <a:ea typeface="標楷體" pitchFamily="65" charset="-120"/>
+            </a:endParaRPr>
+          </a:p>
+        </p:txBody>
+      </p:sp>
+    </p:spTree>
+    <p:extLst>
+      <p:ext uri="{BB962C8B-B14F-4D97-AF65-F5344CB8AC3E}">
+        <p14:creationId xmlns="" xmlns:p14="http://schemas.microsoft.com/office/powerpoint/2010/main" val="3590208558"/>
+      </p:ext>
+    </p:extLst>
+  </p:cSld>
+  <p:clrMapOvr>
+    <a:masterClrMapping/>
+  </p:clrMapOvr>
+  <p:timing>
+    <p:tnLst>
+      <p:par>
+        <p:cTn id="1" dur="indefinite" restart="never" nodeType="tmRoot"/>
+      </p:par>
+    </p:tnLst>
+  </p:timing>
+</p:sld>
+</file>
+
+<file path=ppt/slides/slide8.xml><?xml version="1.0" encoding="utf-8"?>
 <p:sld xmlns:a="http://schemas.openxmlformats.org/drawingml/2006/main" xmlns:r="http://schemas.openxmlformats.org/officeDocument/2006/relationships" xmlns:p="http://schemas.openxmlformats.org/presentationml/2006/main">
   <p:cSld>
     <p:spTree>
@@ -9148,7 +13001,7 @@
           <a:blip r:embed="rId2">
             <a:extLst>
               <a:ext uri="{28A0092B-C50C-407E-A947-70E740481C1C}">
-                <a14:useLocalDpi xmlns:a14="http://schemas.microsoft.com/office/drawing/2010/main" xmlns="" val="0"/>
+                <a14:useLocalDpi xmlns="" xmlns:a14="http://schemas.microsoft.com/office/drawing/2010/main" val="0"/>
               </a:ext>
             </a:extLst>
           </a:blip>
@@ -9168,7 +13021,7 @@
           <a:noFill/>
           <a:extLst>
             <a:ext uri="{909E8E84-426E-40DD-AFC4-6F175D3DCCD1}">
-              <a14:hiddenFill xmlns:a14="http://schemas.microsoft.com/office/drawing/2010/main" xmlns="">
+              <a14:hiddenFill xmlns="" xmlns:a14="http://schemas.microsoft.com/office/drawing/2010/main">
                 <a:solidFill>
                   <a:srgbClr val="FFFFFF"/>
                 </a:solidFill>
@@ -9478,7 +13331,7 @@
     </p:spTree>
     <p:extLst>
       <p:ext uri="{BB962C8B-B14F-4D97-AF65-F5344CB8AC3E}">
-        <p14:creationId xmlns:p14="http://schemas.microsoft.com/office/powerpoint/2010/main" xmlns="" val="528120197"/>
+        <p14:creationId xmlns="" xmlns:p14="http://schemas.microsoft.com/office/powerpoint/2010/main" val="528120197"/>
       </p:ext>
     </p:extLst>
   </p:cSld>
@@ -9488,7 +13341,7 @@
 </p:sld>
 </file>
 
-<file path=ppt/slides/slide8.xml><?xml version="1.0" encoding="utf-8"?>
+<file path=ppt/slides/slide9.xml><?xml version="1.0" encoding="utf-8"?>
 <p:sld xmlns:a="http://schemas.openxmlformats.org/drawingml/2006/main" xmlns:r="http://schemas.openxmlformats.org/officeDocument/2006/relationships" xmlns:p="http://schemas.openxmlformats.org/presentationml/2006/main">
   <p:cSld>
     <p:spTree>
@@ -9517,7 +13370,7 @@
           <a:blip r:embed="rId3">
             <a:extLst>
               <a:ext uri="{28A0092B-C50C-407E-A947-70E740481C1C}">
-                <a14:useLocalDpi xmlns:a14="http://schemas.microsoft.com/office/drawing/2010/main" xmlns="" val="0"/>
+                <a14:useLocalDpi xmlns="" xmlns:a14="http://schemas.microsoft.com/office/drawing/2010/main" val="0"/>
               </a:ext>
             </a:extLst>
           </a:blip>
@@ -9537,7 +13390,7 @@
           <a:noFill/>
           <a:extLst>
             <a:ext uri="{909E8E84-426E-40DD-AFC4-6F175D3DCCD1}">
-              <a14:hiddenFill xmlns:a14="http://schemas.microsoft.com/office/drawing/2010/main" xmlns="">
+              <a14:hiddenFill xmlns="" xmlns:a14="http://schemas.microsoft.com/office/drawing/2010/main">
                 <a:solidFill>
                   <a:srgbClr val="FFFFFF"/>
                 </a:solidFill>
@@ -9860,1049 +13713,7 @@
     </p:spTree>
     <p:extLst>
       <p:ext uri="{BB962C8B-B14F-4D97-AF65-F5344CB8AC3E}">
-        <p14:creationId xmlns:p14="http://schemas.microsoft.com/office/powerpoint/2010/main" xmlns="" val="4200999271"/>
-      </p:ext>
-    </p:extLst>
-  </p:cSld>
-  <p:clrMapOvr>
-    <a:masterClrMapping/>
-  </p:clrMapOvr>
-</p:sld>
-</file>
-
-<file path=ppt/slides/slide9.xml><?xml version="1.0" encoding="utf-8"?>
-<p:sld xmlns:a="http://schemas.openxmlformats.org/drawingml/2006/main" xmlns:r="http://schemas.openxmlformats.org/officeDocument/2006/relationships" xmlns:p="http://schemas.openxmlformats.org/presentationml/2006/main">
-  <p:cSld>
-    <p:spTree>
-      <p:nvGrpSpPr>
-        <p:cNvPr id="1" name=""/>
-        <p:cNvGrpSpPr/>
-        <p:nvPr/>
-      </p:nvGrpSpPr>
-      <p:grpSpPr>
-        <a:xfrm>
-          <a:off x="0" y="0"/>
-          <a:ext cx="0" cy="0"/>
-          <a:chOff x="0" y="0"/>
-          <a:chExt cx="0" cy="0"/>
-        </a:xfrm>
-      </p:grpSpPr>
-      <p:pic>
-        <p:nvPicPr>
-          <p:cNvPr id="4" name="Picture 6" descr="ãeducational ppt backgroundãçåçæå°çµæ"/>
-          <p:cNvPicPr>
-            <a:picLocks noChangeAspect="1" noChangeArrowheads="1"/>
-          </p:cNvPicPr>
-          <p:nvPr/>
-        </p:nvPicPr>
-        <p:blipFill>
-          <a:blip r:embed="rId2">
-            <a:extLst>
-              <a:ext uri="{28A0092B-C50C-407E-A947-70E740481C1C}">
-                <a14:useLocalDpi xmlns:a14="http://schemas.microsoft.com/office/drawing/2010/main" xmlns="" val="0"/>
-              </a:ext>
-            </a:extLst>
-          </a:blip>
-          <a:srcRect/>
-          <a:stretch>
-            <a:fillRect/>
-          </a:stretch>
-        </p:blipFill>
-        <p:spPr bwMode="auto">
-          <a:xfrm>
-            <a:off x="0" y="0"/>
-            <a:ext cx="9144000" cy="5143500"/>
-          </a:xfrm>
-          <a:prstGeom prst="rect">
-            <a:avLst/>
-          </a:prstGeom>
-          <a:noFill/>
-          <a:extLst>
-            <a:ext uri="{909E8E84-426E-40DD-AFC4-6F175D3DCCD1}">
-              <a14:hiddenFill xmlns:a14="http://schemas.microsoft.com/office/drawing/2010/main" xmlns="">
-                <a:solidFill>
-                  <a:srgbClr val="FFFFFF"/>
-                </a:solidFill>
-              </a14:hiddenFill>
-            </a:ext>
-          </a:extLst>
-        </p:spPr>
-      </p:pic>
-      <p:sp>
-        <p:nvSpPr>
-          <p:cNvPr id="3" name="內容版面配置區 2"/>
-          <p:cNvSpPr>
-            <a:spLocks noGrp="1"/>
-          </p:cNvSpPr>
-          <p:nvPr>
-            <p:ph idx="1"/>
-          </p:nvPr>
-        </p:nvSpPr>
-        <p:spPr>
-          <a:xfrm>
-            <a:off x="357158" y="285734"/>
-            <a:ext cx="2108920" cy="4428492"/>
-          </a:xfrm>
-        </p:spPr>
-        <p:txBody>
-          <a:bodyPr>
-            <a:noAutofit/>
-          </a:bodyPr>
-          <a:lstStyle/>
-          <a:p>
-            <a:pPr marL="0" indent="0" algn="ctr">
-              <a:buNone/>
-            </a:pPr>
-            <a:r>
-              <a:rPr lang="zh-TW" altLang="en-US" sz="4400" b="1" dirty="0" smtClean="0">
-                <a:solidFill>
-                  <a:schemeClr val="bg1"/>
-                </a:solidFill>
-                <a:latin typeface="標楷體" pitchFamily="65" charset="-120"/>
-                <a:ea typeface="標楷體" pitchFamily="65" charset="-120"/>
-              </a:rPr>
-              <a:t>感謝</a:t>
-            </a:r>
-            <a:endParaRPr lang="en-US" altLang="zh-TW" sz="4400" b="1" dirty="0" smtClean="0">
-              <a:solidFill>
-                <a:schemeClr val="bg1"/>
-              </a:solidFill>
-              <a:latin typeface="標楷體" pitchFamily="65" charset="-120"/>
-              <a:ea typeface="標楷體" pitchFamily="65" charset="-120"/>
-            </a:endParaRPr>
-          </a:p>
-          <a:p>
-            <a:pPr marL="0" indent="0" algn="ctr">
-              <a:buNone/>
-            </a:pPr>
-            <a:r>
-              <a:rPr lang="en-US" altLang="zh-TW" sz="2800" dirty="0" err="1" smtClean="0">
-                <a:solidFill>
-                  <a:schemeClr val="bg1"/>
-                </a:solidFill>
-              </a:rPr>
-              <a:t>Gǎn</a:t>
-            </a:r>
-            <a:r>
-              <a:rPr lang="en-US" altLang="zh-TW" sz="2800" dirty="0" smtClean="0">
-                <a:solidFill>
-                  <a:schemeClr val="bg1"/>
-                </a:solidFill>
-              </a:rPr>
-              <a:t> </a:t>
-            </a:r>
-            <a:r>
-              <a:rPr lang="en-US" altLang="zh-TW" sz="2800" dirty="0" err="1">
-                <a:solidFill>
-                  <a:schemeClr val="bg1"/>
-                </a:solidFill>
-              </a:rPr>
-              <a:t>xiè</a:t>
-            </a:r>
-            <a:r>
-              <a:rPr lang="en-US" altLang="zh-TW" sz="2800" dirty="0">
-                <a:solidFill>
-                  <a:schemeClr val="bg1"/>
-                </a:solidFill>
-              </a:rPr>
-              <a:t> </a:t>
-            </a:r>
-            <a:endParaRPr lang="en-US" altLang="zh-TW" sz="2800" b="1" dirty="0" smtClean="0">
-              <a:solidFill>
-                <a:schemeClr val="bg1"/>
-              </a:solidFill>
-              <a:latin typeface="標楷體" pitchFamily="65" charset="-120"/>
-              <a:ea typeface="標楷體" pitchFamily="65" charset="-120"/>
-            </a:endParaRPr>
-          </a:p>
-          <a:p>
-            <a:pPr marL="0" indent="0" algn="ctr">
-              <a:buNone/>
-            </a:pPr>
-            <a:r>
-              <a:rPr lang="zh-TW" altLang="en-US" sz="4400" b="1" dirty="0">
-                <a:solidFill>
-                  <a:schemeClr val="bg1"/>
-                </a:solidFill>
-                <a:latin typeface="標楷體" pitchFamily="65" charset="-120"/>
-                <a:ea typeface="標楷體" pitchFamily="65" charset="-120"/>
-              </a:rPr>
-              <a:t>賜</a:t>
-            </a:r>
-            <a:r>
-              <a:rPr lang="zh-TW" altLang="en-US" sz="4400" b="1" dirty="0" smtClean="0">
-                <a:solidFill>
-                  <a:schemeClr val="bg1"/>
-                </a:solidFill>
-                <a:latin typeface="標楷體" pitchFamily="65" charset="-120"/>
-                <a:ea typeface="標楷體" pitchFamily="65" charset="-120"/>
-              </a:rPr>
-              <a:t>給</a:t>
-            </a:r>
-            <a:endParaRPr lang="en-US" altLang="zh-TW" sz="4400" b="1" dirty="0" smtClean="0">
-              <a:solidFill>
-                <a:schemeClr val="bg1"/>
-              </a:solidFill>
-              <a:latin typeface="標楷體" pitchFamily="65" charset="-120"/>
-              <a:ea typeface="標楷體" pitchFamily="65" charset="-120"/>
-            </a:endParaRPr>
-          </a:p>
-          <a:p>
-            <a:pPr marL="0" indent="0" algn="ctr">
-              <a:buNone/>
-            </a:pPr>
-            <a:r>
-              <a:rPr lang="en-US" altLang="zh-TW" dirty="0" err="1">
-                <a:solidFill>
-                  <a:schemeClr val="bg1"/>
-                </a:solidFill>
-              </a:rPr>
-              <a:t>cì</a:t>
-            </a:r>
-            <a:r>
-              <a:rPr lang="en-US" altLang="zh-TW" dirty="0">
-                <a:solidFill>
-                  <a:schemeClr val="bg1"/>
-                </a:solidFill>
-              </a:rPr>
-              <a:t> </a:t>
-            </a:r>
-            <a:r>
-              <a:rPr lang="en-US" altLang="zh-TW" dirty="0" err="1">
-                <a:solidFill>
-                  <a:schemeClr val="bg1"/>
-                </a:solidFill>
-              </a:rPr>
-              <a:t>gěi</a:t>
-            </a:r>
-            <a:r>
-              <a:rPr lang="en-US" altLang="zh-TW" dirty="0" smtClean="0">
-                <a:solidFill>
-                  <a:schemeClr val="bg1"/>
-                </a:solidFill>
-              </a:rPr>
-              <a:t> </a:t>
-            </a:r>
-            <a:endParaRPr lang="en-US" altLang="zh-TW" dirty="0">
-              <a:solidFill>
-                <a:schemeClr val="bg1"/>
-              </a:solidFill>
-            </a:endParaRPr>
-          </a:p>
-          <a:p>
-            <a:pPr marL="0" indent="0" algn="ctr">
-              <a:buNone/>
-            </a:pPr>
-            <a:r>
-              <a:rPr lang="zh-TW" altLang="en-US" sz="4400" b="1" dirty="0">
-                <a:solidFill>
-                  <a:schemeClr val="bg1"/>
-                </a:solidFill>
-                <a:latin typeface="標楷體" pitchFamily="65" charset="-120"/>
-                <a:ea typeface="標楷體" pitchFamily="65" charset="-120"/>
-              </a:rPr>
-              <a:t>衣服</a:t>
-            </a:r>
-          </a:p>
-          <a:p>
-            <a:pPr marL="0" indent="0" algn="ctr">
-              <a:buNone/>
-            </a:pPr>
-            <a:r>
-              <a:rPr lang="en-US" altLang="zh-TW" dirty="0" smtClean="0">
-                <a:solidFill>
-                  <a:schemeClr val="bg1"/>
-                </a:solidFill>
-              </a:rPr>
-              <a:t> </a:t>
-            </a:r>
-            <a:r>
-              <a:rPr lang="en-US" altLang="zh-TW" dirty="0" err="1">
-                <a:solidFill>
-                  <a:schemeClr val="bg1"/>
-                </a:solidFill>
-              </a:rPr>
-              <a:t>yī</a:t>
-            </a:r>
-            <a:r>
-              <a:rPr lang="en-US" altLang="zh-TW" dirty="0">
-                <a:solidFill>
-                  <a:schemeClr val="bg1"/>
-                </a:solidFill>
-              </a:rPr>
-              <a:t> </a:t>
-            </a:r>
-            <a:r>
-              <a:rPr lang="en-US" altLang="zh-TW" dirty="0" err="1">
-                <a:solidFill>
-                  <a:schemeClr val="bg1"/>
-                </a:solidFill>
-              </a:rPr>
-              <a:t>fú</a:t>
-            </a:r>
-            <a:endParaRPr lang="zh-TW" altLang="en-US" dirty="0">
-              <a:solidFill>
-                <a:schemeClr val="bg1"/>
-              </a:solidFill>
-            </a:endParaRPr>
-          </a:p>
-        </p:txBody>
-      </p:sp>
-      <p:sp>
-        <p:nvSpPr>
-          <p:cNvPr id="5" name="內容版面配置區 2"/>
-          <p:cNvSpPr txBox="1">
-            <a:spLocks/>
-          </p:cNvSpPr>
-          <p:nvPr/>
-        </p:nvSpPr>
-        <p:spPr>
-          <a:xfrm>
-            <a:off x="2928926" y="285734"/>
-            <a:ext cx="2108920" cy="4428492"/>
-          </a:xfrm>
-          <a:prstGeom prst="rect">
-            <a:avLst/>
-          </a:prstGeom>
-        </p:spPr>
-        <p:txBody>
-          <a:bodyPr vert="horz" lIns="91440" tIns="45720" rIns="91440" bIns="45720" rtlCol="0">
-            <a:noAutofit/>
-          </a:bodyPr>
-          <a:lstStyle>
-            <a:lvl1pPr marL="342900" indent="-342900" algn="l" defTabSz="914400" rtl="0" eaLnBrk="1" latinLnBrk="0" hangingPunct="1">
-              <a:spcBef>
-                <a:spcPct val="20000"/>
-              </a:spcBef>
-              <a:buFont typeface="Arial" pitchFamily="34" charset="0"/>
-              <a:buChar char="•"/>
-              <a:defRPr sz="3200" kern="1200">
-                <a:solidFill>
-                  <a:schemeClr val="tx1"/>
-                </a:solidFill>
-                <a:latin typeface="+mn-lt"/>
-                <a:ea typeface="+mn-ea"/>
-                <a:cs typeface="+mn-cs"/>
-              </a:defRPr>
-            </a:lvl1pPr>
-            <a:lvl2pPr marL="742950" indent="-285750" algn="l" defTabSz="914400" rtl="0" eaLnBrk="1" latinLnBrk="0" hangingPunct="1">
-              <a:spcBef>
-                <a:spcPct val="20000"/>
-              </a:spcBef>
-              <a:buFont typeface="Arial" pitchFamily="34" charset="0"/>
-              <a:buChar char="–"/>
-              <a:defRPr sz="2800" kern="1200">
-                <a:solidFill>
-                  <a:schemeClr val="tx1"/>
-                </a:solidFill>
-                <a:latin typeface="+mn-lt"/>
-                <a:ea typeface="+mn-ea"/>
-                <a:cs typeface="+mn-cs"/>
-              </a:defRPr>
-            </a:lvl2pPr>
-            <a:lvl3pPr marL="1143000" indent="-228600" algn="l" defTabSz="914400" rtl="0" eaLnBrk="1" latinLnBrk="0" hangingPunct="1">
-              <a:spcBef>
-                <a:spcPct val="20000"/>
-              </a:spcBef>
-              <a:buFont typeface="Arial" pitchFamily="34" charset="0"/>
-              <a:buChar char="•"/>
-              <a:defRPr sz="2400" kern="1200">
-                <a:solidFill>
-                  <a:schemeClr val="tx1"/>
-                </a:solidFill>
-                <a:latin typeface="+mn-lt"/>
-                <a:ea typeface="+mn-ea"/>
-                <a:cs typeface="+mn-cs"/>
-              </a:defRPr>
-            </a:lvl3pPr>
-            <a:lvl4pPr marL="1600200" indent="-228600" algn="l" defTabSz="914400" rtl="0" eaLnBrk="1" latinLnBrk="0" hangingPunct="1">
-              <a:spcBef>
-                <a:spcPct val="20000"/>
-              </a:spcBef>
-              <a:buFont typeface="Arial" pitchFamily="34" charset="0"/>
-              <a:buChar char="–"/>
-              <a:defRPr sz="2000" kern="1200">
-                <a:solidFill>
-                  <a:schemeClr val="tx1"/>
-                </a:solidFill>
-                <a:latin typeface="+mn-lt"/>
-                <a:ea typeface="+mn-ea"/>
-                <a:cs typeface="+mn-cs"/>
-              </a:defRPr>
-            </a:lvl4pPr>
-            <a:lvl5pPr marL="2057400" indent="-228600" algn="l" defTabSz="914400" rtl="0" eaLnBrk="1" latinLnBrk="0" hangingPunct="1">
-              <a:spcBef>
-                <a:spcPct val="20000"/>
-              </a:spcBef>
-              <a:buFont typeface="Arial" pitchFamily="34" charset="0"/>
-              <a:buChar char="»"/>
-              <a:defRPr sz="2000" kern="1200">
-                <a:solidFill>
-                  <a:schemeClr val="tx1"/>
-                </a:solidFill>
-                <a:latin typeface="+mn-lt"/>
-                <a:ea typeface="+mn-ea"/>
-                <a:cs typeface="+mn-cs"/>
-              </a:defRPr>
-            </a:lvl5pPr>
-            <a:lvl6pPr marL="2514600" indent="-228600" algn="l" defTabSz="914400" rtl="0" eaLnBrk="1" latinLnBrk="0" hangingPunct="1">
-              <a:spcBef>
-                <a:spcPct val="20000"/>
-              </a:spcBef>
-              <a:buFont typeface="Arial" pitchFamily="34" charset="0"/>
-              <a:buChar char="•"/>
-              <a:defRPr sz="2000" kern="1200">
-                <a:solidFill>
-                  <a:schemeClr val="tx1"/>
-                </a:solidFill>
-                <a:latin typeface="+mn-lt"/>
-                <a:ea typeface="+mn-ea"/>
-                <a:cs typeface="+mn-cs"/>
-              </a:defRPr>
-            </a:lvl6pPr>
-            <a:lvl7pPr marL="2971800" indent="-228600" algn="l" defTabSz="914400" rtl="0" eaLnBrk="1" latinLnBrk="0" hangingPunct="1">
-              <a:spcBef>
-                <a:spcPct val="20000"/>
-              </a:spcBef>
-              <a:buFont typeface="Arial" pitchFamily="34" charset="0"/>
-              <a:buChar char="•"/>
-              <a:defRPr sz="2000" kern="1200">
-                <a:solidFill>
-                  <a:schemeClr val="tx1"/>
-                </a:solidFill>
-                <a:latin typeface="+mn-lt"/>
-                <a:ea typeface="+mn-ea"/>
-                <a:cs typeface="+mn-cs"/>
-              </a:defRPr>
-            </a:lvl7pPr>
-            <a:lvl8pPr marL="3429000" indent="-228600" algn="l" defTabSz="914400" rtl="0" eaLnBrk="1" latinLnBrk="0" hangingPunct="1">
-              <a:spcBef>
-                <a:spcPct val="20000"/>
-              </a:spcBef>
-              <a:buFont typeface="Arial" pitchFamily="34" charset="0"/>
-              <a:buChar char="•"/>
-              <a:defRPr sz="2000" kern="1200">
-                <a:solidFill>
-                  <a:schemeClr val="tx1"/>
-                </a:solidFill>
-                <a:latin typeface="+mn-lt"/>
-                <a:ea typeface="+mn-ea"/>
-                <a:cs typeface="+mn-cs"/>
-              </a:defRPr>
-            </a:lvl8pPr>
-            <a:lvl9pPr marL="3886200" indent="-228600" algn="l" defTabSz="914400" rtl="0" eaLnBrk="1" latinLnBrk="0" hangingPunct="1">
-              <a:spcBef>
-                <a:spcPct val="20000"/>
-              </a:spcBef>
-              <a:buFont typeface="Arial" pitchFamily="34" charset="0"/>
-              <a:buChar char="•"/>
-              <a:defRPr sz="2000" kern="1200">
-                <a:solidFill>
-                  <a:schemeClr val="tx1"/>
-                </a:solidFill>
-                <a:latin typeface="+mn-lt"/>
-                <a:ea typeface="+mn-ea"/>
-                <a:cs typeface="+mn-cs"/>
-              </a:defRPr>
-            </a:lvl9pPr>
-          </a:lstStyle>
-          <a:p>
-            <a:pPr marL="0" indent="0" algn="ctr">
-              <a:buNone/>
-            </a:pPr>
-            <a:r>
-              <a:rPr lang="zh-TW" altLang="en-US" sz="4400" b="1" dirty="0" smtClean="0">
-                <a:solidFill>
-                  <a:schemeClr val="bg1"/>
-                </a:solidFill>
-                <a:latin typeface="標楷體" pitchFamily="65" charset="-120"/>
-                <a:ea typeface="標楷體" pitchFamily="65" charset="-120"/>
-              </a:rPr>
-              <a:t>桌</a:t>
-            </a:r>
-            <a:endParaRPr lang="en-US" altLang="zh-TW" sz="4400" b="1" dirty="0" smtClean="0">
-              <a:solidFill>
-                <a:schemeClr val="bg1"/>
-              </a:solidFill>
-              <a:latin typeface="標楷體" pitchFamily="65" charset="-120"/>
-              <a:ea typeface="標楷體" pitchFamily="65" charset="-120"/>
-            </a:endParaRPr>
-          </a:p>
-          <a:p>
-            <a:pPr marL="0" indent="0" algn="ctr">
-              <a:buNone/>
-            </a:pPr>
-            <a:r>
-              <a:rPr lang="en-US" altLang="zh-TW" sz="2800" dirty="0" err="1" smtClean="0">
-                <a:solidFill>
-                  <a:schemeClr val="bg1"/>
-                </a:solidFill>
-              </a:rPr>
-              <a:t>Zhuō</a:t>
-            </a:r>
-            <a:endParaRPr lang="en-US" altLang="zh-TW" sz="2800" dirty="0" smtClean="0">
-              <a:solidFill>
-                <a:schemeClr val="bg1"/>
-              </a:solidFill>
-            </a:endParaRPr>
-          </a:p>
-          <a:p>
-            <a:pPr marL="0" indent="0" algn="ctr">
-              <a:buNone/>
-            </a:pPr>
-            <a:r>
-              <a:rPr lang="zh-TW" altLang="en-US" sz="4400" b="1" dirty="0" smtClean="0">
-                <a:solidFill>
-                  <a:schemeClr val="bg1"/>
-                </a:solidFill>
-                <a:latin typeface="標楷體" pitchFamily="65" charset="-120"/>
-                <a:ea typeface="標楷體" pitchFamily="65" charset="-120"/>
-              </a:rPr>
-              <a:t>還有</a:t>
-            </a:r>
-            <a:endParaRPr lang="en-US" altLang="zh-TW" sz="4400" b="1" dirty="0" smtClean="0">
-              <a:solidFill>
-                <a:schemeClr val="bg1"/>
-              </a:solidFill>
-              <a:latin typeface="標楷體" pitchFamily="65" charset="-120"/>
-              <a:ea typeface="標楷體" pitchFamily="65" charset="-120"/>
-            </a:endParaRPr>
-          </a:p>
-          <a:p>
-            <a:pPr marL="0" indent="0" algn="ctr">
-              <a:buNone/>
-            </a:pPr>
-            <a:r>
-              <a:rPr lang="en-US" altLang="zh-TW" dirty="0" err="1" smtClean="0">
-                <a:solidFill>
-                  <a:schemeClr val="bg1"/>
-                </a:solidFill>
-              </a:rPr>
-              <a:t>hái</a:t>
-            </a:r>
-            <a:r>
-              <a:rPr lang="en-US" altLang="zh-TW" dirty="0" smtClean="0">
-                <a:solidFill>
-                  <a:schemeClr val="bg1"/>
-                </a:solidFill>
-              </a:rPr>
-              <a:t> </a:t>
-            </a:r>
-            <a:r>
-              <a:rPr lang="en-US" altLang="zh-TW" dirty="0" err="1" smtClean="0">
-                <a:solidFill>
-                  <a:schemeClr val="bg1"/>
-                </a:solidFill>
-              </a:rPr>
-              <a:t>yǒu</a:t>
-            </a:r>
-            <a:endParaRPr lang="en-US" altLang="zh-TW" dirty="0" smtClean="0">
-              <a:solidFill>
-                <a:schemeClr val="bg1"/>
-              </a:solidFill>
-            </a:endParaRPr>
-          </a:p>
-          <a:p>
-            <a:pPr marL="0" indent="0" algn="ctr">
-              <a:buNone/>
-            </a:pPr>
-            <a:r>
-              <a:rPr lang="zh-TW" altLang="en-US" sz="4400" b="1" dirty="0">
-                <a:solidFill>
-                  <a:schemeClr val="bg1"/>
-                </a:solidFill>
-                <a:latin typeface="標楷體" pitchFamily="65" charset="-120"/>
-                <a:ea typeface="標楷體" pitchFamily="65" charset="-120"/>
-              </a:rPr>
-              <a:t>食物</a:t>
-            </a:r>
-            <a:endParaRPr lang="en-US" altLang="zh-TW" sz="4400" b="1" dirty="0">
-              <a:solidFill>
-                <a:schemeClr val="bg1"/>
-              </a:solidFill>
-              <a:latin typeface="標楷體" pitchFamily="65" charset="-120"/>
-              <a:ea typeface="標楷體" pitchFamily="65" charset="-120"/>
-            </a:endParaRPr>
-          </a:p>
-          <a:p>
-            <a:pPr marL="0" indent="0" algn="ctr">
-              <a:buNone/>
-            </a:pPr>
-            <a:r>
-              <a:rPr lang="en-US" altLang="zh-TW" sz="2800" dirty="0" err="1">
-                <a:solidFill>
-                  <a:schemeClr val="bg1"/>
-                </a:solidFill>
-              </a:rPr>
-              <a:t>shí</a:t>
-            </a:r>
-            <a:r>
-              <a:rPr lang="en-US" altLang="zh-TW" sz="2800" dirty="0">
-                <a:solidFill>
-                  <a:schemeClr val="bg1"/>
-                </a:solidFill>
-              </a:rPr>
-              <a:t> </a:t>
-            </a:r>
-            <a:r>
-              <a:rPr lang="en-US" altLang="zh-TW" sz="2800" dirty="0" err="1">
-                <a:solidFill>
-                  <a:schemeClr val="bg1"/>
-                </a:solidFill>
-              </a:rPr>
-              <a:t>wù</a:t>
-            </a:r>
-            <a:endParaRPr lang="zh-TW" altLang="en-US" dirty="0">
-              <a:solidFill>
-                <a:schemeClr val="bg1"/>
-              </a:solidFill>
-            </a:endParaRPr>
-          </a:p>
-        </p:txBody>
-      </p:sp>
-      <p:sp>
-        <p:nvSpPr>
-          <p:cNvPr id="7" name="內容版面配置區 2"/>
-          <p:cNvSpPr txBox="1">
-            <a:spLocks/>
-          </p:cNvSpPr>
-          <p:nvPr/>
-        </p:nvSpPr>
-        <p:spPr>
-          <a:xfrm>
-            <a:off x="5500694" y="285734"/>
-            <a:ext cx="3147664" cy="4428492"/>
-          </a:xfrm>
-          <a:prstGeom prst="rect">
-            <a:avLst/>
-          </a:prstGeom>
-        </p:spPr>
-        <p:txBody>
-          <a:bodyPr vert="horz" lIns="91440" tIns="45720" rIns="91440" bIns="45720" rtlCol="0">
-            <a:noAutofit/>
-          </a:bodyPr>
-          <a:lstStyle>
-            <a:lvl1pPr marL="342900" indent="-342900" algn="l" defTabSz="914400" rtl="0" eaLnBrk="1" latinLnBrk="0" hangingPunct="1">
-              <a:spcBef>
-                <a:spcPct val="20000"/>
-              </a:spcBef>
-              <a:buFont typeface="Arial" pitchFamily="34" charset="0"/>
-              <a:buChar char="•"/>
-              <a:defRPr sz="3200" kern="1200">
-                <a:solidFill>
-                  <a:schemeClr val="tx1"/>
-                </a:solidFill>
-                <a:latin typeface="+mn-lt"/>
-                <a:ea typeface="+mn-ea"/>
-                <a:cs typeface="+mn-cs"/>
-              </a:defRPr>
-            </a:lvl1pPr>
-            <a:lvl2pPr marL="742950" indent="-285750" algn="l" defTabSz="914400" rtl="0" eaLnBrk="1" latinLnBrk="0" hangingPunct="1">
-              <a:spcBef>
-                <a:spcPct val="20000"/>
-              </a:spcBef>
-              <a:buFont typeface="Arial" pitchFamily="34" charset="0"/>
-              <a:buChar char="–"/>
-              <a:defRPr sz="2800" kern="1200">
-                <a:solidFill>
-                  <a:schemeClr val="tx1"/>
-                </a:solidFill>
-                <a:latin typeface="+mn-lt"/>
-                <a:ea typeface="+mn-ea"/>
-                <a:cs typeface="+mn-cs"/>
-              </a:defRPr>
-            </a:lvl2pPr>
-            <a:lvl3pPr marL="1143000" indent="-228600" algn="l" defTabSz="914400" rtl="0" eaLnBrk="1" latinLnBrk="0" hangingPunct="1">
-              <a:spcBef>
-                <a:spcPct val="20000"/>
-              </a:spcBef>
-              <a:buFont typeface="Arial" pitchFamily="34" charset="0"/>
-              <a:buChar char="•"/>
-              <a:defRPr sz="2400" kern="1200">
-                <a:solidFill>
-                  <a:schemeClr val="tx1"/>
-                </a:solidFill>
-                <a:latin typeface="+mn-lt"/>
-                <a:ea typeface="+mn-ea"/>
-                <a:cs typeface="+mn-cs"/>
-              </a:defRPr>
-            </a:lvl3pPr>
-            <a:lvl4pPr marL="1600200" indent="-228600" algn="l" defTabSz="914400" rtl="0" eaLnBrk="1" latinLnBrk="0" hangingPunct="1">
-              <a:spcBef>
-                <a:spcPct val="20000"/>
-              </a:spcBef>
-              <a:buFont typeface="Arial" pitchFamily="34" charset="0"/>
-              <a:buChar char="–"/>
-              <a:defRPr sz="2000" kern="1200">
-                <a:solidFill>
-                  <a:schemeClr val="tx1"/>
-                </a:solidFill>
-                <a:latin typeface="+mn-lt"/>
-                <a:ea typeface="+mn-ea"/>
-                <a:cs typeface="+mn-cs"/>
-              </a:defRPr>
-            </a:lvl4pPr>
-            <a:lvl5pPr marL="2057400" indent="-228600" algn="l" defTabSz="914400" rtl="0" eaLnBrk="1" latinLnBrk="0" hangingPunct="1">
-              <a:spcBef>
-                <a:spcPct val="20000"/>
-              </a:spcBef>
-              <a:buFont typeface="Arial" pitchFamily="34" charset="0"/>
-              <a:buChar char="»"/>
-              <a:defRPr sz="2000" kern="1200">
-                <a:solidFill>
-                  <a:schemeClr val="tx1"/>
-                </a:solidFill>
-                <a:latin typeface="+mn-lt"/>
-                <a:ea typeface="+mn-ea"/>
-                <a:cs typeface="+mn-cs"/>
-              </a:defRPr>
-            </a:lvl5pPr>
-            <a:lvl6pPr marL="2514600" indent="-228600" algn="l" defTabSz="914400" rtl="0" eaLnBrk="1" latinLnBrk="0" hangingPunct="1">
-              <a:spcBef>
-                <a:spcPct val="20000"/>
-              </a:spcBef>
-              <a:buFont typeface="Arial" pitchFamily="34" charset="0"/>
-              <a:buChar char="•"/>
-              <a:defRPr sz="2000" kern="1200">
-                <a:solidFill>
-                  <a:schemeClr val="tx1"/>
-                </a:solidFill>
-                <a:latin typeface="+mn-lt"/>
-                <a:ea typeface="+mn-ea"/>
-                <a:cs typeface="+mn-cs"/>
-              </a:defRPr>
-            </a:lvl6pPr>
-            <a:lvl7pPr marL="2971800" indent="-228600" algn="l" defTabSz="914400" rtl="0" eaLnBrk="1" latinLnBrk="0" hangingPunct="1">
-              <a:spcBef>
-                <a:spcPct val="20000"/>
-              </a:spcBef>
-              <a:buFont typeface="Arial" pitchFamily="34" charset="0"/>
-              <a:buChar char="•"/>
-              <a:defRPr sz="2000" kern="1200">
-                <a:solidFill>
-                  <a:schemeClr val="tx1"/>
-                </a:solidFill>
-                <a:latin typeface="+mn-lt"/>
-                <a:ea typeface="+mn-ea"/>
-                <a:cs typeface="+mn-cs"/>
-              </a:defRPr>
-            </a:lvl7pPr>
-            <a:lvl8pPr marL="3429000" indent="-228600" algn="l" defTabSz="914400" rtl="0" eaLnBrk="1" latinLnBrk="0" hangingPunct="1">
-              <a:spcBef>
-                <a:spcPct val="20000"/>
-              </a:spcBef>
-              <a:buFont typeface="Arial" pitchFamily="34" charset="0"/>
-              <a:buChar char="•"/>
-              <a:defRPr sz="2000" kern="1200">
-                <a:solidFill>
-                  <a:schemeClr val="tx1"/>
-                </a:solidFill>
-                <a:latin typeface="+mn-lt"/>
-                <a:ea typeface="+mn-ea"/>
-                <a:cs typeface="+mn-cs"/>
-              </a:defRPr>
-            </a:lvl8pPr>
-            <a:lvl9pPr marL="3886200" indent="-228600" algn="l" defTabSz="914400" rtl="0" eaLnBrk="1" latinLnBrk="0" hangingPunct="1">
-              <a:spcBef>
-                <a:spcPct val="20000"/>
-              </a:spcBef>
-              <a:buFont typeface="Arial" pitchFamily="34" charset="0"/>
-              <a:buChar char="•"/>
-              <a:defRPr sz="2000" kern="1200">
-                <a:solidFill>
-                  <a:schemeClr val="tx1"/>
-                </a:solidFill>
-                <a:latin typeface="+mn-lt"/>
-                <a:ea typeface="+mn-ea"/>
-                <a:cs typeface="+mn-cs"/>
-              </a:defRPr>
-            </a:lvl9pPr>
-          </a:lstStyle>
-          <a:p>
-            <a:pPr marL="0" indent="0" algn="ctr">
-              <a:buNone/>
-            </a:pPr>
-            <a:r>
-              <a:rPr lang="zh-TW" altLang="en-US" sz="4400" b="1" dirty="0" smtClean="0">
-                <a:solidFill>
-                  <a:schemeClr val="bg1"/>
-                </a:solidFill>
-                <a:latin typeface="標楷體" pitchFamily="65" charset="-120"/>
-                <a:ea typeface="標楷體" pitchFamily="65" charset="-120"/>
-              </a:rPr>
-              <a:t>明天</a:t>
-            </a:r>
-            <a:endParaRPr lang="en-US" altLang="zh-TW" sz="4400" b="1" dirty="0" smtClean="0">
-              <a:solidFill>
-                <a:schemeClr val="bg1"/>
-              </a:solidFill>
-              <a:latin typeface="標楷體" pitchFamily="65" charset="-120"/>
-              <a:ea typeface="標楷體" pitchFamily="65" charset="-120"/>
-            </a:endParaRPr>
-          </a:p>
-          <a:p>
-            <a:pPr marL="0" indent="0" algn="ctr">
-              <a:buNone/>
-            </a:pPr>
-            <a:r>
-              <a:rPr lang="en-US" altLang="zh-TW" sz="2800" dirty="0" err="1">
-                <a:solidFill>
-                  <a:schemeClr val="bg1"/>
-                </a:solidFill>
-              </a:rPr>
-              <a:t>Míng</a:t>
-            </a:r>
-            <a:r>
-              <a:rPr lang="en-US" altLang="zh-TW" sz="2800" dirty="0">
-                <a:solidFill>
-                  <a:schemeClr val="bg1"/>
-                </a:solidFill>
-              </a:rPr>
-              <a:t> </a:t>
-            </a:r>
-            <a:r>
-              <a:rPr lang="en-US" altLang="zh-TW" sz="2800" dirty="0" err="1" smtClean="0">
-                <a:solidFill>
-                  <a:schemeClr val="bg1"/>
-                </a:solidFill>
-              </a:rPr>
-              <a:t>tiān</a:t>
-            </a:r>
-            <a:endParaRPr lang="en-US" altLang="zh-TW" sz="2800" dirty="0" smtClean="0">
-              <a:solidFill>
-                <a:schemeClr val="bg1"/>
-              </a:solidFill>
-            </a:endParaRPr>
-          </a:p>
-          <a:p>
-            <a:pPr marL="0" indent="0" algn="ctr">
-              <a:buNone/>
-            </a:pPr>
-            <a:r>
-              <a:rPr lang="zh-TW" altLang="en-US" sz="4400" b="1" dirty="0" smtClean="0">
-                <a:solidFill>
-                  <a:schemeClr val="bg1"/>
-                </a:solidFill>
-                <a:latin typeface="標楷體" pitchFamily="65" charset="-120"/>
-                <a:ea typeface="標楷體" pitchFamily="65" charset="-120"/>
-              </a:rPr>
-              <a:t>交給</a:t>
-            </a:r>
-            <a:endParaRPr lang="en-US" altLang="zh-TW" sz="4400" b="1" dirty="0" smtClean="0">
-              <a:solidFill>
-                <a:schemeClr val="bg1"/>
-              </a:solidFill>
-              <a:latin typeface="標楷體" pitchFamily="65" charset="-120"/>
-              <a:ea typeface="標楷體" pitchFamily="65" charset="-120"/>
-            </a:endParaRPr>
-          </a:p>
-          <a:p>
-            <a:pPr marL="0" indent="0" algn="ctr">
-              <a:buNone/>
-            </a:pPr>
-            <a:r>
-              <a:rPr lang="en-US" altLang="zh-TW" sz="2800" dirty="0" err="1">
-                <a:solidFill>
-                  <a:schemeClr val="bg1"/>
-                </a:solidFill>
-              </a:rPr>
-              <a:t>jiāo</a:t>
-            </a:r>
-            <a:r>
-              <a:rPr lang="en-US" altLang="zh-TW" sz="2800" dirty="0">
-                <a:solidFill>
-                  <a:schemeClr val="bg1"/>
-                </a:solidFill>
-              </a:rPr>
-              <a:t> </a:t>
-            </a:r>
-            <a:r>
-              <a:rPr lang="en-US" altLang="zh-TW" sz="2800" dirty="0" err="1" smtClean="0">
-                <a:solidFill>
-                  <a:schemeClr val="bg1"/>
-                </a:solidFill>
-              </a:rPr>
-              <a:t>gěi</a:t>
-            </a:r>
-            <a:endParaRPr lang="en-US" altLang="zh-TW" sz="2800" dirty="0" smtClean="0">
-              <a:solidFill>
-                <a:schemeClr val="bg1"/>
-              </a:solidFill>
-            </a:endParaRPr>
-          </a:p>
-          <a:p>
-            <a:pPr marL="0" indent="0" algn="ctr">
-              <a:buNone/>
-            </a:pPr>
-            <a:r>
-              <a:rPr lang="zh-TW" altLang="en-US" sz="4400" b="1" dirty="0">
-                <a:solidFill>
-                  <a:schemeClr val="bg1"/>
-                </a:solidFill>
-                <a:latin typeface="標楷體" pitchFamily="65" charset="-120"/>
-                <a:ea typeface="標楷體" pitchFamily="65" charset="-120"/>
-              </a:rPr>
-              <a:t>彼此相愛</a:t>
-            </a:r>
-            <a:endParaRPr lang="en-US" altLang="zh-TW" sz="4400" b="1" dirty="0">
-              <a:solidFill>
-                <a:schemeClr val="bg1"/>
-              </a:solidFill>
-              <a:latin typeface="標楷體" pitchFamily="65" charset="-120"/>
-              <a:ea typeface="標楷體" pitchFamily="65" charset="-120"/>
-            </a:endParaRPr>
-          </a:p>
-          <a:p>
-            <a:pPr marL="0" indent="0" algn="ctr">
-              <a:buNone/>
-            </a:pPr>
-            <a:r>
-              <a:rPr lang="en-US" altLang="zh-TW" sz="2800" dirty="0" err="1">
-                <a:solidFill>
-                  <a:schemeClr val="bg1"/>
-                </a:solidFill>
-              </a:rPr>
-              <a:t>bǐ</a:t>
-            </a:r>
-            <a:r>
-              <a:rPr lang="en-US" altLang="zh-TW" sz="2800" dirty="0">
-                <a:solidFill>
-                  <a:schemeClr val="bg1"/>
-                </a:solidFill>
-              </a:rPr>
-              <a:t> </a:t>
-            </a:r>
-            <a:r>
-              <a:rPr lang="en-US" altLang="zh-TW" sz="2800" dirty="0" err="1">
-                <a:solidFill>
-                  <a:schemeClr val="bg1"/>
-                </a:solidFill>
-              </a:rPr>
-              <a:t>cǐ</a:t>
-            </a:r>
-            <a:r>
-              <a:rPr lang="en-US" altLang="zh-TW" sz="2800" dirty="0">
-                <a:solidFill>
-                  <a:schemeClr val="bg1"/>
-                </a:solidFill>
-              </a:rPr>
-              <a:t> </a:t>
-            </a:r>
-            <a:r>
-              <a:rPr lang="en-US" altLang="zh-TW" sz="2800" dirty="0" err="1">
-                <a:solidFill>
-                  <a:schemeClr val="bg1"/>
-                </a:solidFill>
-              </a:rPr>
-              <a:t>xiāng</a:t>
-            </a:r>
-            <a:r>
-              <a:rPr lang="en-US" altLang="zh-TW" sz="2800" dirty="0">
-                <a:solidFill>
-                  <a:schemeClr val="bg1"/>
-                </a:solidFill>
-              </a:rPr>
-              <a:t> </a:t>
-            </a:r>
-            <a:r>
-              <a:rPr lang="en-US" altLang="zh-TW" sz="2800" dirty="0" err="1" smtClean="0">
-                <a:solidFill>
-                  <a:schemeClr val="bg1"/>
-                </a:solidFill>
-              </a:rPr>
-              <a:t>ài</a:t>
-            </a:r>
-            <a:endParaRPr lang="en-US" altLang="zh-TW" sz="2800" b="1" dirty="0" smtClean="0">
-              <a:solidFill>
-                <a:schemeClr val="bg1"/>
-              </a:solidFill>
-              <a:latin typeface="標楷體" pitchFamily="65" charset="-120"/>
-              <a:ea typeface="標楷體" pitchFamily="65" charset="-120"/>
-            </a:endParaRPr>
-          </a:p>
-        </p:txBody>
-      </p:sp>
-      <p:sp>
-        <p:nvSpPr>
-          <p:cNvPr id="2" name="矩形 1"/>
-          <p:cNvSpPr/>
-          <p:nvPr/>
-        </p:nvSpPr>
-        <p:spPr>
-          <a:xfrm>
-            <a:off x="3500430" y="1643056"/>
-            <a:ext cx="4018098" cy="1200329"/>
-          </a:xfrm>
-          <a:prstGeom prst="rect">
-            <a:avLst/>
-          </a:prstGeom>
-        </p:spPr>
-        <p:txBody>
-          <a:bodyPr wrap="square">
-            <a:spAutoFit/>
-          </a:bodyPr>
-          <a:lstStyle/>
-          <a:p>
-            <a:pPr algn="ctr"/>
-            <a:r>
-              <a:rPr lang="zh-TW" altLang="en-US" sz="4400" b="1" dirty="0" smtClean="0">
-                <a:solidFill>
-                  <a:schemeClr val="bg1"/>
-                </a:solidFill>
-                <a:latin typeface="標楷體" pitchFamily="65" charset="-120"/>
-                <a:ea typeface="標楷體" pitchFamily="65" charset="-120"/>
-              </a:rPr>
-              <a:t>擁有</a:t>
-            </a:r>
-            <a:endParaRPr lang="en-US" altLang="zh-TW" sz="4400" b="1" dirty="0" smtClean="0">
-              <a:solidFill>
-                <a:schemeClr val="bg1"/>
-              </a:solidFill>
-              <a:latin typeface="標楷體" pitchFamily="65" charset="-120"/>
-              <a:ea typeface="標楷體" pitchFamily="65" charset="-120"/>
-            </a:endParaRPr>
-          </a:p>
-          <a:p>
-            <a:pPr algn="ctr"/>
-            <a:r>
-              <a:rPr lang="en-US" altLang="zh-TW" sz="2800" dirty="0" err="1" smtClean="0">
-                <a:solidFill>
-                  <a:schemeClr val="bg1"/>
-                </a:solidFill>
-              </a:rPr>
-              <a:t>yǒng</a:t>
-            </a:r>
-            <a:r>
-              <a:rPr lang="en-US" altLang="zh-TW" sz="2800" dirty="0" smtClean="0">
-                <a:solidFill>
-                  <a:schemeClr val="bg1"/>
-                </a:solidFill>
-              </a:rPr>
-              <a:t> </a:t>
-            </a:r>
-            <a:r>
-              <a:rPr lang="en-US" altLang="zh-TW" sz="2800" dirty="0" err="1">
-                <a:solidFill>
-                  <a:schemeClr val="bg1"/>
-                </a:solidFill>
-              </a:rPr>
-              <a:t>yǒu</a:t>
-            </a:r>
-            <a:r>
-              <a:rPr lang="en-US" altLang="zh-TW" sz="2800" dirty="0">
-                <a:solidFill>
-                  <a:schemeClr val="bg1"/>
-                </a:solidFill>
-              </a:rPr>
-              <a:t> </a:t>
-            </a:r>
-          </a:p>
-        </p:txBody>
-      </p:sp>
-    </p:spTree>
-    <p:extLst>
-      <p:ext uri="{BB962C8B-B14F-4D97-AF65-F5344CB8AC3E}">
-        <p14:creationId xmlns:p14="http://schemas.microsoft.com/office/powerpoint/2010/main" xmlns="" val="3356864325"/>
+        <p14:creationId xmlns="" xmlns:p14="http://schemas.microsoft.com/office/powerpoint/2010/main" val="4200999271"/>
       </p:ext>
     </p:extLst>
   </p:cSld>
